--- a/Banque_SI/03_hyperstatisme/images/QCM.pptx
+++ b/Banque_SI/03_hyperstatisme/images/QCM.pptx
@@ -17,6 +17,17 @@
     <p:sldId id="268" r:id="rId11"/>
     <p:sldId id="270" r:id="rId12"/>
     <p:sldId id="269" r:id="rId13"/>
+    <p:sldId id="271" r:id="rId14"/>
+    <p:sldId id="272" r:id="rId15"/>
+    <p:sldId id="273" r:id="rId16"/>
+    <p:sldId id="274" r:id="rId17"/>
+    <p:sldId id="275" r:id="rId18"/>
+    <p:sldId id="276" r:id="rId19"/>
+    <p:sldId id="277" r:id="rId20"/>
+    <p:sldId id="278" r:id="rId21"/>
+    <p:sldId id="279" r:id="rId22"/>
+    <p:sldId id="280" r:id="rId23"/>
+    <p:sldId id="281" r:id="rId24"/>
   </p:sldIdLst>
   <p:sldSz cx="9144000" cy="6858000" type="screen4x3"/>
   <p:notesSz cx="6858000" cy="9144000"/>
@@ -115,6 +126,22 @@
       </a:defRPr>
     </a:lvl9pPr>
   </p:defaultTextStyle>
+  <p:extLst>
+    <p:ext uri="{EFAFB233-063F-42B5-8137-9DF3F51BA10A}">
+      <p15:sldGuideLst xmlns:p15="http://schemas.microsoft.com/office/powerpoint/2012/main">
+        <p15:guide id="1" orient="horz" pos="2160">
+          <p15:clr>
+            <a:srgbClr val="A4A3A4"/>
+          </p15:clr>
+        </p15:guide>
+        <p15:guide id="2" pos="2880">
+          <p15:clr>
+            <a:srgbClr val="A4A3A4"/>
+          </p15:clr>
+        </p15:guide>
+      </p15:sldGuideLst>
+    </p:ext>
+  </p:extLst>
 </p:presentation>
 </file>
 
@@ -156,7 +183,7 @@
           <a:lstStyle/>
           <a:p>
             <a:r>
-              <a:rPr lang="fr-FR" smtClean="0"/>
+              <a:rPr lang="fr-FR"/>
               <a:t>Cliquez pour modifier le style du titre</a:t>
             </a:r>
             <a:endParaRPr lang="fr-BE"/>
@@ -275,7 +302,7 @@
           </a:lstStyle>
           <a:p>
             <a:r>
-              <a:rPr lang="fr-FR" smtClean="0"/>
+              <a:rPr lang="fr-FR"/>
               <a:t>Cliquez pour modifier le style des sous-titres du masque</a:t>
             </a:r>
             <a:endParaRPr lang="fr-BE"/>
@@ -299,7 +326,7 @@
           <a:p>
             <a:fld id="{AA309A6D-C09C-4548-B29A-6CF363A7E532}" type="datetimeFigureOut">
               <a:rPr lang="fr-FR" smtClean="0"/>
-              <a:t>14/03/2018</a:t>
+              <a:t>05/10/2024</a:t>
             </a:fld>
             <a:endParaRPr lang="fr-BE"/>
           </a:p>
@@ -388,7 +415,7 @@
           <a:lstStyle/>
           <a:p>
             <a:r>
-              <a:rPr lang="fr-FR" smtClean="0"/>
+              <a:rPr lang="fr-FR"/>
               <a:t>Cliquez pour modifier le style du titre</a:t>
             </a:r>
             <a:endParaRPr lang="fr-BE"/>
@@ -412,35 +439,35 @@
           <a:p>
             <a:pPr lvl="0"/>
             <a:r>
-              <a:rPr lang="fr-FR" smtClean="0"/>
+              <a:rPr lang="fr-FR"/>
               <a:t>Cliquez pour modifier les styles du texte du masque</a:t>
             </a:r>
           </a:p>
           <a:p>
             <a:pPr lvl="1"/>
             <a:r>
-              <a:rPr lang="fr-FR" smtClean="0"/>
+              <a:rPr lang="fr-FR"/>
               <a:t>Deuxième niveau</a:t>
             </a:r>
           </a:p>
           <a:p>
             <a:pPr lvl="2"/>
             <a:r>
-              <a:rPr lang="fr-FR" smtClean="0"/>
+              <a:rPr lang="fr-FR"/>
               <a:t>Troisième niveau</a:t>
             </a:r>
           </a:p>
           <a:p>
             <a:pPr lvl="3"/>
             <a:r>
-              <a:rPr lang="fr-FR" smtClean="0"/>
+              <a:rPr lang="fr-FR"/>
               <a:t>Quatrième niveau</a:t>
             </a:r>
           </a:p>
           <a:p>
             <a:pPr lvl="4"/>
             <a:r>
-              <a:rPr lang="fr-FR" smtClean="0"/>
+              <a:rPr lang="fr-FR"/>
               <a:t>Cinquième niveau</a:t>
             </a:r>
             <a:endParaRPr lang="fr-BE"/>
@@ -464,7 +491,7 @@
           <a:p>
             <a:fld id="{AA309A6D-C09C-4548-B29A-6CF363A7E532}" type="datetimeFigureOut">
               <a:rPr lang="fr-FR" smtClean="0"/>
-              <a:t>14/03/2018</a:t>
+              <a:t>05/10/2024</a:t>
             </a:fld>
             <a:endParaRPr lang="fr-BE"/>
           </a:p>
@@ -558,7 +585,7 @@
           <a:lstStyle/>
           <a:p>
             <a:r>
-              <a:rPr lang="fr-FR" smtClean="0"/>
+              <a:rPr lang="fr-FR"/>
               <a:t>Cliquez pour modifier le style du titre</a:t>
             </a:r>
             <a:endParaRPr lang="fr-BE"/>
@@ -587,35 +614,35 @@
           <a:p>
             <a:pPr lvl="0"/>
             <a:r>
-              <a:rPr lang="fr-FR" smtClean="0"/>
+              <a:rPr lang="fr-FR"/>
               <a:t>Cliquez pour modifier les styles du texte du masque</a:t>
             </a:r>
           </a:p>
           <a:p>
             <a:pPr lvl="1"/>
             <a:r>
-              <a:rPr lang="fr-FR" smtClean="0"/>
+              <a:rPr lang="fr-FR"/>
               <a:t>Deuxième niveau</a:t>
             </a:r>
           </a:p>
           <a:p>
             <a:pPr lvl="2"/>
             <a:r>
-              <a:rPr lang="fr-FR" smtClean="0"/>
+              <a:rPr lang="fr-FR"/>
               <a:t>Troisième niveau</a:t>
             </a:r>
           </a:p>
           <a:p>
             <a:pPr lvl="3"/>
             <a:r>
-              <a:rPr lang="fr-FR" smtClean="0"/>
+              <a:rPr lang="fr-FR"/>
               <a:t>Quatrième niveau</a:t>
             </a:r>
           </a:p>
           <a:p>
             <a:pPr lvl="4"/>
             <a:r>
-              <a:rPr lang="fr-FR" smtClean="0"/>
+              <a:rPr lang="fr-FR"/>
               <a:t>Cinquième niveau</a:t>
             </a:r>
             <a:endParaRPr lang="fr-BE"/>
@@ -639,7 +666,7 @@
           <a:p>
             <a:fld id="{AA309A6D-C09C-4548-B29A-6CF363A7E532}" type="datetimeFigureOut">
               <a:rPr lang="fr-FR" smtClean="0"/>
-              <a:t>14/03/2018</a:t>
+              <a:t>05/10/2024</a:t>
             </a:fld>
             <a:endParaRPr lang="fr-BE"/>
           </a:p>
@@ -728,7 +755,7 @@
           <a:lstStyle/>
           <a:p>
             <a:r>
-              <a:rPr lang="fr-FR" smtClean="0"/>
+              <a:rPr lang="fr-FR"/>
               <a:t>Cliquez pour modifier le style du titre</a:t>
             </a:r>
             <a:endParaRPr lang="fr-BE"/>
@@ -752,35 +779,35 @@
           <a:p>
             <a:pPr lvl="0"/>
             <a:r>
-              <a:rPr lang="fr-FR" smtClean="0"/>
+              <a:rPr lang="fr-FR"/>
               <a:t>Cliquez pour modifier les styles du texte du masque</a:t>
             </a:r>
           </a:p>
           <a:p>
             <a:pPr lvl="1"/>
             <a:r>
-              <a:rPr lang="fr-FR" smtClean="0"/>
+              <a:rPr lang="fr-FR"/>
               <a:t>Deuxième niveau</a:t>
             </a:r>
           </a:p>
           <a:p>
             <a:pPr lvl="2"/>
             <a:r>
-              <a:rPr lang="fr-FR" smtClean="0"/>
+              <a:rPr lang="fr-FR"/>
               <a:t>Troisième niveau</a:t>
             </a:r>
           </a:p>
           <a:p>
             <a:pPr lvl="3"/>
             <a:r>
-              <a:rPr lang="fr-FR" smtClean="0"/>
+              <a:rPr lang="fr-FR"/>
               <a:t>Quatrième niveau</a:t>
             </a:r>
           </a:p>
           <a:p>
             <a:pPr lvl="4"/>
             <a:r>
-              <a:rPr lang="fr-FR" smtClean="0"/>
+              <a:rPr lang="fr-FR"/>
               <a:t>Cinquième niveau</a:t>
             </a:r>
             <a:endParaRPr lang="fr-BE"/>
@@ -804,7 +831,7 @@
           <a:p>
             <a:fld id="{AA309A6D-C09C-4548-B29A-6CF363A7E532}" type="datetimeFigureOut">
               <a:rPr lang="fr-FR" smtClean="0"/>
-              <a:t>14/03/2018</a:t>
+              <a:t>05/10/2024</a:t>
             </a:fld>
             <a:endParaRPr lang="fr-BE"/>
           </a:p>
@@ -902,7 +929,7 @@
           </a:lstStyle>
           <a:p>
             <a:r>
-              <a:rPr lang="fr-FR" smtClean="0"/>
+              <a:rPr lang="fr-FR"/>
               <a:t>Cliquez pour modifier le style du titre</a:t>
             </a:r>
             <a:endParaRPr lang="fr-BE"/>
@@ -1022,7 +1049,7 @@
           <a:p>
             <a:pPr lvl="0"/>
             <a:r>
-              <a:rPr lang="fr-FR" smtClean="0"/>
+              <a:rPr lang="fr-FR"/>
               <a:t>Cliquez pour modifier les styles du texte du masque</a:t>
             </a:r>
           </a:p>
@@ -1045,7 +1072,7 @@
           <a:p>
             <a:fld id="{AA309A6D-C09C-4548-B29A-6CF363A7E532}" type="datetimeFigureOut">
               <a:rPr lang="fr-FR" smtClean="0"/>
-              <a:t>14/03/2018</a:t>
+              <a:t>05/10/2024</a:t>
             </a:fld>
             <a:endParaRPr lang="fr-BE"/>
           </a:p>
@@ -1134,7 +1161,7 @@
           <a:lstStyle/>
           <a:p>
             <a:r>
-              <a:rPr lang="fr-FR" smtClean="0"/>
+              <a:rPr lang="fr-FR"/>
               <a:t>Cliquez pour modifier le style du titre</a:t>
             </a:r>
             <a:endParaRPr lang="fr-BE"/>
@@ -1191,35 +1218,35 @@
           <a:p>
             <a:pPr lvl="0"/>
             <a:r>
-              <a:rPr lang="fr-FR" smtClean="0"/>
+              <a:rPr lang="fr-FR"/>
               <a:t>Cliquez pour modifier les styles du texte du masque</a:t>
             </a:r>
           </a:p>
           <a:p>
             <a:pPr lvl="1"/>
             <a:r>
-              <a:rPr lang="fr-FR" smtClean="0"/>
+              <a:rPr lang="fr-FR"/>
               <a:t>Deuxième niveau</a:t>
             </a:r>
           </a:p>
           <a:p>
             <a:pPr lvl="2"/>
             <a:r>
-              <a:rPr lang="fr-FR" smtClean="0"/>
+              <a:rPr lang="fr-FR"/>
               <a:t>Troisième niveau</a:t>
             </a:r>
           </a:p>
           <a:p>
             <a:pPr lvl="3"/>
             <a:r>
-              <a:rPr lang="fr-FR" smtClean="0"/>
+              <a:rPr lang="fr-FR"/>
               <a:t>Quatrième niveau</a:t>
             </a:r>
           </a:p>
           <a:p>
             <a:pPr lvl="4"/>
             <a:r>
-              <a:rPr lang="fr-FR" smtClean="0"/>
+              <a:rPr lang="fr-FR"/>
               <a:t>Cinquième niveau</a:t>
             </a:r>
             <a:endParaRPr lang="fr-BE"/>
@@ -1276,35 +1303,35 @@
           <a:p>
             <a:pPr lvl="0"/>
             <a:r>
-              <a:rPr lang="fr-FR" smtClean="0"/>
+              <a:rPr lang="fr-FR"/>
               <a:t>Cliquez pour modifier les styles du texte du masque</a:t>
             </a:r>
           </a:p>
           <a:p>
             <a:pPr lvl="1"/>
             <a:r>
-              <a:rPr lang="fr-FR" smtClean="0"/>
+              <a:rPr lang="fr-FR"/>
               <a:t>Deuxième niveau</a:t>
             </a:r>
           </a:p>
           <a:p>
             <a:pPr lvl="2"/>
             <a:r>
-              <a:rPr lang="fr-FR" smtClean="0"/>
+              <a:rPr lang="fr-FR"/>
               <a:t>Troisième niveau</a:t>
             </a:r>
           </a:p>
           <a:p>
             <a:pPr lvl="3"/>
             <a:r>
-              <a:rPr lang="fr-FR" smtClean="0"/>
+              <a:rPr lang="fr-FR"/>
               <a:t>Quatrième niveau</a:t>
             </a:r>
           </a:p>
           <a:p>
             <a:pPr lvl="4"/>
             <a:r>
-              <a:rPr lang="fr-FR" smtClean="0"/>
+              <a:rPr lang="fr-FR"/>
               <a:t>Cinquième niveau</a:t>
             </a:r>
             <a:endParaRPr lang="fr-BE"/>
@@ -1328,7 +1355,7 @@
           <a:p>
             <a:fld id="{AA309A6D-C09C-4548-B29A-6CF363A7E532}" type="datetimeFigureOut">
               <a:rPr lang="fr-FR" smtClean="0"/>
-              <a:t>14/03/2018</a:t>
+              <a:t>05/10/2024</a:t>
             </a:fld>
             <a:endParaRPr lang="fr-BE"/>
           </a:p>
@@ -1421,7 +1448,7 @@
           </a:lstStyle>
           <a:p>
             <a:r>
-              <a:rPr lang="fr-FR" smtClean="0"/>
+              <a:rPr lang="fr-FR"/>
               <a:t>Cliquez pour modifier le style du titre</a:t>
             </a:r>
             <a:endParaRPr lang="fr-BE"/>
@@ -1487,7 +1514,7 @@
           <a:p>
             <a:pPr lvl="0"/>
             <a:r>
-              <a:rPr lang="fr-FR" smtClean="0"/>
+              <a:rPr lang="fr-FR"/>
               <a:t>Cliquez pour modifier les styles du texte du masque</a:t>
             </a:r>
           </a:p>
@@ -1543,35 +1570,35 @@
           <a:p>
             <a:pPr lvl="0"/>
             <a:r>
-              <a:rPr lang="fr-FR" smtClean="0"/>
+              <a:rPr lang="fr-FR"/>
               <a:t>Cliquez pour modifier les styles du texte du masque</a:t>
             </a:r>
           </a:p>
           <a:p>
             <a:pPr lvl="1"/>
             <a:r>
-              <a:rPr lang="fr-FR" smtClean="0"/>
+              <a:rPr lang="fr-FR"/>
               <a:t>Deuxième niveau</a:t>
             </a:r>
           </a:p>
           <a:p>
             <a:pPr lvl="2"/>
             <a:r>
-              <a:rPr lang="fr-FR" smtClean="0"/>
+              <a:rPr lang="fr-FR"/>
               <a:t>Troisième niveau</a:t>
             </a:r>
           </a:p>
           <a:p>
             <a:pPr lvl="3"/>
             <a:r>
-              <a:rPr lang="fr-FR" smtClean="0"/>
+              <a:rPr lang="fr-FR"/>
               <a:t>Quatrième niveau</a:t>
             </a:r>
           </a:p>
           <a:p>
             <a:pPr lvl="4"/>
             <a:r>
-              <a:rPr lang="fr-FR" smtClean="0"/>
+              <a:rPr lang="fr-FR"/>
               <a:t>Cinquième niveau</a:t>
             </a:r>
             <a:endParaRPr lang="fr-BE"/>
@@ -1637,7 +1664,7 @@
           <a:p>
             <a:pPr lvl="0"/>
             <a:r>
-              <a:rPr lang="fr-FR" smtClean="0"/>
+              <a:rPr lang="fr-FR"/>
               <a:t>Cliquez pour modifier les styles du texte du masque</a:t>
             </a:r>
           </a:p>
@@ -1693,35 +1720,35 @@
           <a:p>
             <a:pPr lvl="0"/>
             <a:r>
-              <a:rPr lang="fr-FR" smtClean="0"/>
+              <a:rPr lang="fr-FR"/>
               <a:t>Cliquez pour modifier les styles du texte du masque</a:t>
             </a:r>
           </a:p>
           <a:p>
             <a:pPr lvl="1"/>
             <a:r>
-              <a:rPr lang="fr-FR" smtClean="0"/>
+              <a:rPr lang="fr-FR"/>
               <a:t>Deuxième niveau</a:t>
             </a:r>
           </a:p>
           <a:p>
             <a:pPr lvl="2"/>
             <a:r>
-              <a:rPr lang="fr-FR" smtClean="0"/>
+              <a:rPr lang="fr-FR"/>
               <a:t>Troisième niveau</a:t>
             </a:r>
           </a:p>
           <a:p>
             <a:pPr lvl="3"/>
             <a:r>
-              <a:rPr lang="fr-FR" smtClean="0"/>
+              <a:rPr lang="fr-FR"/>
               <a:t>Quatrième niveau</a:t>
             </a:r>
           </a:p>
           <a:p>
             <a:pPr lvl="4"/>
             <a:r>
-              <a:rPr lang="fr-FR" smtClean="0"/>
+              <a:rPr lang="fr-FR"/>
               <a:t>Cinquième niveau</a:t>
             </a:r>
             <a:endParaRPr lang="fr-BE"/>
@@ -1745,7 +1772,7 @@
           <a:p>
             <a:fld id="{AA309A6D-C09C-4548-B29A-6CF363A7E532}" type="datetimeFigureOut">
               <a:rPr lang="fr-FR" smtClean="0"/>
-              <a:t>14/03/2018</a:t>
+              <a:t>05/10/2024</a:t>
             </a:fld>
             <a:endParaRPr lang="fr-BE"/>
           </a:p>
@@ -1834,7 +1861,7 @@
           <a:lstStyle/>
           <a:p>
             <a:r>
-              <a:rPr lang="fr-FR" smtClean="0"/>
+              <a:rPr lang="fr-FR"/>
               <a:t>Cliquez pour modifier le style du titre</a:t>
             </a:r>
             <a:endParaRPr lang="fr-BE"/>
@@ -1858,7 +1885,7 @@
           <a:p>
             <a:fld id="{AA309A6D-C09C-4548-B29A-6CF363A7E532}" type="datetimeFigureOut">
               <a:rPr lang="fr-FR" smtClean="0"/>
-              <a:t>14/03/2018</a:t>
+              <a:t>05/10/2024</a:t>
             </a:fld>
             <a:endParaRPr lang="fr-BE"/>
           </a:p>
@@ -1948,7 +1975,7 @@
           <a:p>
             <a:fld id="{AA309A6D-C09C-4548-B29A-6CF363A7E532}" type="datetimeFigureOut">
               <a:rPr lang="fr-FR" smtClean="0"/>
-              <a:t>14/03/2018</a:t>
+              <a:t>05/10/2024</a:t>
             </a:fld>
             <a:endParaRPr lang="fr-BE"/>
           </a:p>
@@ -2046,7 +2073,7 @@
           </a:lstStyle>
           <a:p>
             <a:r>
-              <a:rPr lang="fr-FR" smtClean="0"/>
+              <a:rPr lang="fr-FR"/>
               <a:t>Cliquez pour modifier le style du titre</a:t>
             </a:r>
             <a:endParaRPr lang="fr-BE"/>
@@ -2103,35 +2130,35 @@
           <a:p>
             <a:pPr lvl="0"/>
             <a:r>
-              <a:rPr lang="fr-FR" smtClean="0"/>
+              <a:rPr lang="fr-FR"/>
               <a:t>Cliquez pour modifier les styles du texte du masque</a:t>
             </a:r>
           </a:p>
           <a:p>
             <a:pPr lvl="1"/>
             <a:r>
-              <a:rPr lang="fr-FR" smtClean="0"/>
+              <a:rPr lang="fr-FR"/>
               <a:t>Deuxième niveau</a:t>
             </a:r>
           </a:p>
           <a:p>
             <a:pPr lvl="2"/>
             <a:r>
-              <a:rPr lang="fr-FR" smtClean="0"/>
+              <a:rPr lang="fr-FR"/>
               <a:t>Troisième niveau</a:t>
             </a:r>
           </a:p>
           <a:p>
             <a:pPr lvl="3"/>
             <a:r>
-              <a:rPr lang="fr-FR" smtClean="0"/>
+              <a:rPr lang="fr-FR"/>
               <a:t>Quatrième niveau</a:t>
             </a:r>
           </a:p>
           <a:p>
             <a:pPr lvl="4"/>
             <a:r>
-              <a:rPr lang="fr-FR" smtClean="0"/>
+              <a:rPr lang="fr-FR"/>
               <a:t>Cinquième niveau</a:t>
             </a:r>
             <a:endParaRPr lang="fr-BE"/>
@@ -2197,7 +2224,7 @@
           <a:p>
             <a:pPr lvl="0"/>
             <a:r>
-              <a:rPr lang="fr-FR" smtClean="0"/>
+              <a:rPr lang="fr-FR"/>
               <a:t>Cliquez pour modifier les styles du texte du masque</a:t>
             </a:r>
           </a:p>
@@ -2220,7 +2247,7 @@
           <a:p>
             <a:fld id="{AA309A6D-C09C-4548-B29A-6CF363A7E532}" type="datetimeFigureOut">
               <a:rPr lang="fr-FR" smtClean="0"/>
-              <a:t>14/03/2018</a:t>
+              <a:t>05/10/2024</a:t>
             </a:fld>
             <a:endParaRPr lang="fr-BE"/>
           </a:p>
@@ -2318,7 +2345,7 @@
           </a:lstStyle>
           <a:p>
             <a:r>
-              <a:rPr lang="fr-FR" smtClean="0"/>
+              <a:rPr lang="fr-FR"/>
               <a:t>Cliquez pour modifier le style du titre</a:t>
             </a:r>
             <a:endParaRPr lang="fr-BE"/>
@@ -2445,7 +2472,7 @@
           <a:p>
             <a:pPr lvl="0"/>
             <a:r>
-              <a:rPr lang="fr-FR" smtClean="0"/>
+              <a:rPr lang="fr-FR"/>
               <a:t>Cliquez pour modifier les styles du texte du masque</a:t>
             </a:r>
           </a:p>
@@ -2468,7 +2495,7 @@
           <a:p>
             <a:fld id="{AA309A6D-C09C-4548-B29A-6CF363A7E532}" type="datetimeFigureOut">
               <a:rPr lang="fr-FR" smtClean="0"/>
-              <a:t>14/03/2018</a:t>
+              <a:t>05/10/2024</a:t>
             </a:fld>
             <a:endParaRPr lang="fr-BE"/>
           </a:p>
@@ -2572,7 +2599,7 @@
           <a:lstStyle/>
           <a:p>
             <a:r>
-              <a:rPr lang="fr-FR" smtClean="0"/>
+              <a:rPr lang="fr-FR"/>
               <a:t>Cliquez pour modifier le style du titre</a:t>
             </a:r>
             <a:endParaRPr lang="fr-BE"/>
@@ -2606,35 +2633,35 @@
           <a:p>
             <a:pPr lvl="0"/>
             <a:r>
-              <a:rPr lang="fr-FR" smtClean="0"/>
+              <a:rPr lang="fr-FR"/>
               <a:t>Cliquez pour modifier les styles du texte du masque</a:t>
             </a:r>
           </a:p>
           <a:p>
             <a:pPr lvl="1"/>
             <a:r>
-              <a:rPr lang="fr-FR" smtClean="0"/>
+              <a:rPr lang="fr-FR"/>
               <a:t>Deuxième niveau</a:t>
             </a:r>
           </a:p>
           <a:p>
             <a:pPr lvl="2"/>
             <a:r>
-              <a:rPr lang="fr-FR" smtClean="0"/>
+              <a:rPr lang="fr-FR"/>
               <a:t>Troisième niveau</a:t>
             </a:r>
           </a:p>
           <a:p>
             <a:pPr lvl="3"/>
             <a:r>
-              <a:rPr lang="fr-FR" smtClean="0"/>
+              <a:rPr lang="fr-FR"/>
               <a:t>Quatrième niveau</a:t>
             </a:r>
           </a:p>
           <a:p>
             <a:pPr lvl="4"/>
             <a:r>
-              <a:rPr lang="fr-FR" smtClean="0"/>
+              <a:rPr lang="fr-FR"/>
               <a:t>Cinquième niveau</a:t>
             </a:r>
             <a:endParaRPr lang="fr-BE"/>
@@ -2676,7 +2703,7 @@
           <a:p>
             <a:fld id="{AA309A6D-C09C-4548-B29A-6CF363A7E532}" type="datetimeFigureOut">
               <a:rPr lang="fr-FR" smtClean="0"/>
-              <a:t>14/03/2018</a:t>
+              <a:t>05/10/2024</a:t>
             </a:fld>
             <a:endParaRPr lang="fr-BE"/>
           </a:p>
@@ -3126,7 +3153,7 @@
                       <m:sSubPr>
                         <m:ctrlPr>
                           <a:rPr lang="fr-FR" b="0" i="1" smtClean="0">
-                            <a:latin typeface="Cambria Math"/>
+                            <a:latin typeface="Cambria Math" panose="02040503050406030204" pitchFamily="18" charset="0"/>
                           </a:rPr>
                         </m:ctrlPr>
                       </m:sSubPr>
@@ -3155,7 +3182,7 @@
                     </m:r>
                   </m:oMath>
                 </a14:m>
-                <a:endParaRPr lang="fr-FR" b="0" dirty="0" smtClean="0"/>
+                <a:endParaRPr lang="fr-FR" b="0" dirty="0"/>
               </a:p>
               <a:p>
                 <a14:m>
@@ -3164,7 +3191,7 @@
                       <m:sSubPr>
                         <m:ctrlPr>
                           <a:rPr lang="fr-FR" i="1">
-                            <a:latin typeface="Cambria Math"/>
+                            <a:latin typeface="Cambria Math" panose="02040503050406030204" pitchFamily="18" charset="0"/>
                           </a:rPr>
                         </m:ctrlPr>
                       </m:sSubPr>
@@ -3193,14 +3220,13 @@
                     </m:r>
                   </m:oMath>
                 </a14:m>
-                <a:endParaRPr lang="fr-FR" dirty="0" smtClean="0"/>
+                <a:endParaRPr lang="fr-FR" dirty="0"/>
               </a:p>
               <a:p>
                 <a:r>
-                  <a:rPr lang="fr-FR" dirty="0" smtClean="0"/>
+                  <a:rPr lang="fr-FR" dirty="0"/>
                   <a:t>En 3D :</a:t>
                 </a:r>
-                <a:endParaRPr lang="fr-FR" dirty="0"/>
               </a:p>
               <a:p>
                 <a:pPr lvl="1"/>
@@ -3210,7 +3236,7 @@
                       <m:sSubPr>
                         <m:ctrlPr>
                           <a:rPr lang="fr-FR" b="0" i="1" smtClean="0">
-                            <a:latin typeface="Cambria Math"/>
+                            <a:latin typeface="Cambria Math" panose="02040503050406030204" pitchFamily="18" charset="0"/>
                           </a:rPr>
                         </m:ctrlPr>
                       </m:sSubPr>
@@ -3239,7 +3265,7 @@
                     </m:r>
                   </m:oMath>
                 </a14:m>
-                <a:endParaRPr lang="fr-FR" b="0" dirty="0" smtClean="0"/>
+                <a:endParaRPr lang="fr-FR" b="0" dirty="0"/>
               </a:p>
               <a:p>
                 <a:pPr lvl="1"/>
@@ -3249,7 +3275,7 @@
                       <m:sSubPr>
                         <m:ctrlPr>
                           <a:rPr lang="fr-FR" b="0" i="1" smtClean="0">
-                            <a:latin typeface="Cambria Math"/>
+                            <a:latin typeface="Cambria Math" panose="02040503050406030204" pitchFamily="18" charset="0"/>
                           </a:rPr>
                         </m:ctrlPr>
                       </m:sSubPr>
@@ -3278,7 +3304,7 @@
                     </m:r>
                   </m:oMath>
                 </a14:m>
-                <a:endParaRPr lang="fr-FR" dirty="0" smtClean="0"/>
+                <a:endParaRPr lang="fr-FR" dirty="0"/>
               </a:p>
               <a:p>
                 <a:pPr lvl="1"/>
@@ -3298,11 +3324,11 @@
                     </m:r>
                   </m:oMath>
                 </a14:m>
-                <a:endParaRPr lang="fr-FR" dirty="0" smtClean="0"/>
+                <a:endParaRPr lang="fr-FR" dirty="0"/>
               </a:p>
               <a:p>
                 <a:r>
-                  <a:rPr lang="fr-FR" dirty="0" smtClean="0"/>
+                  <a:rPr lang="fr-FR" dirty="0"/>
                   <a:t>En 2D :</a:t>
                 </a:r>
               </a:p>
@@ -3314,7 +3340,7 @@
                       <m:sSubPr>
                         <m:ctrlPr>
                           <a:rPr lang="fr-FR" i="1">
-                            <a:latin typeface="Cambria Math"/>
+                            <a:latin typeface="Cambria Math" panose="02040503050406030204" pitchFamily="18" charset="0"/>
                           </a:rPr>
                         </m:ctrlPr>
                       </m:sSubPr>
@@ -3359,7 +3385,7 @@
                       <m:sSubPr>
                         <m:ctrlPr>
                           <a:rPr lang="fr-FR" i="1">
-                            <a:latin typeface="Cambria Math"/>
+                            <a:latin typeface="Cambria Math" panose="02040503050406030204" pitchFamily="18" charset="0"/>
                           </a:rPr>
                         </m:ctrlPr>
                       </m:sSubPr>
@@ -3427,7 +3453,7 @@
                 </a:endParaRPr>
               </a:p>
               <a:p>
-                <a:endParaRPr lang="fr-FR" dirty="0" smtClean="0"/>
+                <a:endParaRPr lang="fr-FR" dirty="0"/>
               </a:p>
             </p:txBody>
           </p:sp>
@@ -4219,7 +4245,7 @@
           <a:p>
             <a:pPr algn="ctr"/>
             <a:r>
-              <a:rPr lang="fr-FR" sz="1200" b="1" dirty="0" smtClean="0">
+              <a:rPr lang="fr-FR" sz="1200" b="1" dirty="0">
                 <a:solidFill>
                   <a:schemeClr val="accent5">
                     <a:lumMod val="50000"/>
@@ -4228,13 +4254,6 @@
               </a:rPr>
               <a:t>0</a:t>
             </a:r>
-            <a:endParaRPr lang="fr-FR" sz="1200" b="1" dirty="0">
-              <a:solidFill>
-                <a:schemeClr val="accent5">
-                  <a:lumMod val="50000"/>
-                </a:schemeClr>
-              </a:solidFill>
-            </a:endParaRPr>
           </a:p>
         </p:txBody>
       </p:sp>
@@ -4393,18 +4412,13 @@
           <a:p>
             <a:pPr algn="ctr"/>
             <a:r>
-              <a:rPr lang="fr-FR" sz="1200" b="1" dirty="0" smtClean="0">
+              <a:rPr lang="fr-FR" sz="1200" b="1" dirty="0">
                 <a:solidFill>
                   <a:srgbClr val="C00000"/>
                 </a:solidFill>
               </a:rPr>
               <a:t>3</a:t>
             </a:r>
-            <a:endParaRPr lang="fr-FR" sz="1200" b="1" dirty="0">
-              <a:solidFill>
-                <a:srgbClr val="C00000"/>
-              </a:solidFill>
-            </a:endParaRPr>
           </a:p>
         </p:txBody>
       </p:sp>
@@ -4605,7 +4619,7 @@
                       <m:sSubPr>
                         <m:ctrlPr>
                           <a:rPr lang="fr-FR" b="0" i="1" smtClean="0">
-                            <a:latin typeface="Cambria Math"/>
+                            <a:latin typeface="Cambria Math" panose="02040503050406030204" pitchFamily="18" charset="0"/>
                           </a:rPr>
                         </m:ctrlPr>
                       </m:sSubPr>
@@ -4634,7 +4648,7 @@
                     </m:r>
                   </m:oMath>
                 </a14:m>
-                <a:endParaRPr lang="fr-FR" b="0" dirty="0" smtClean="0"/>
+                <a:endParaRPr lang="fr-FR" b="0" dirty="0"/>
               </a:p>
               <a:p>
                 <a14:m>
@@ -4643,7 +4657,7 @@
                       <m:sSubPr>
                         <m:ctrlPr>
                           <a:rPr lang="fr-FR" i="1">
-                            <a:latin typeface="Cambria Math"/>
+                            <a:latin typeface="Cambria Math" panose="02040503050406030204" pitchFamily="18" charset="0"/>
                           </a:rPr>
                         </m:ctrlPr>
                       </m:sSubPr>
@@ -4672,14 +4686,13 @@
                     </m:r>
                   </m:oMath>
                 </a14:m>
-                <a:endParaRPr lang="fr-FR" dirty="0" smtClean="0"/>
+                <a:endParaRPr lang="fr-FR" dirty="0"/>
               </a:p>
               <a:p>
                 <a:r>
-                  <a:rPr lang="fr-FR" dirty="0" smtClean="0"/>
+                  <a:rPr lang="fr-FR" dirty="0"/>
                   <a:t>En 3D :</a:t>
                 </a:r>
-                <a:endParaRPr lang="fr-FR" dirty="0"/>
               </a:p>
               <a:p>
                 <a:pPr lvl="1"/>
@@ -4689,7 +4702,7 @@
                       <m:sSubPr>
                         <m:ctrlPr>
                           <a:rPr lang="fr-FR" b="0" i="1" smtClean="0">
-                            <a:latin typeface="Cambria Math"/>
+                            <a:latin typeface="Cambria Math" panose="02040503050406030204" pitchFamily="18" charset="0"/>
                           </a:rPr>
                         </m:ctrlPr>
                       </m:sSubPr>
@@ -4718,7 +4731,7 @@
                     </m:r>
                   </m:oMath>
                 </a14:m>
-                <a:endParaRPr lang="fr-FR" b="0" dirty="0" smtClean="0"/>
+                <a:endParaRPr lang="fr-FR" b="0" dirty="0"/>
               </a:p>
               <a:p>
                 <a:pPr lvl="1"/>
@@ -4728,7 +4741,7 @@
                       <m:sSubPr>
                         <m:ctrlPr>
                           <a:rPr lang="fr-FR" b="0" i="1" smtClean="0">
-                            <a:latin typeface="Cambria Math"/>
+                            <a:latin typeface="Cambria Math" panose="02040503050406030204" pitchFamily="18" charset="0"/>
                           </a:rPr>
                         </m:ctrlPr>
                       </m:sSubPr>
@@ -4757,7 +4770,7 @@
                     </m:r>
                   </m:oMath>
                 </a14:m>
-                <a:endParaRPr lang="fr-FR" dirty="0" smtClean="0"/>
+                <a:endParaRPr lang="fr-FR" dirty="0"/>
               </a:p>
               <a:p>
                 <a:pPr lvl="1"/>
@@ -4783,11 +4796,11 @@
                     </m:r>
                   </m:oMath>
                 </a14:m>
-                <a:endParaRPr lang="fr-FR" dirty="0" smtClean="0"/>
+                <a:endParaRPr lang="fr-FR" dirty="0"/>
               </a:p>
               <a:p>
                 <a:r>
-                  <a:rPr lang="fr-FR" dirty="0" smtClean="0"/>
+                  <a:rPr lang="fr-FR" dirty="0"/>
                   <a:t>En 2D :</a:t>
                 </a:r>
               </a:p>
@@ -4799,7 +4812,7 @@
                       <m:sSubPr>
                         <m:ctrlPr>
                           <a:rPr lang="fr-FR" i="1">
-                            <a:latin typeface="Cambria Math"/>
+                            <a:latin typeface="Cambria Math" panose="02040503050406030204" pitchFamily="18" charset="0"/>
                           </a:rPr>
                         </m:ctrlPr>
                       </m:sSubPr>
@@ -4844,7 +4857,7 @@
                       <m:sSubPr>
                         <m:ctrlPr>
                           <a:rPr lang="fr-FR" i="1">
-                            <a:latin typeface="Cambria Math"/>
+                            <a:latin typeface="Cambria Math" panose="02040503050406030204" pitchFamily="18" charset="0"/>
                           </a:rPr>
                         </m:ctrlPr>
                       </m:sSubPr>
@@ -4921,7 +4934,7 @@
                 </a:endParaRPr>
               </a:p>
               <a:p>
-                <a:endParaRPr lang="fr-FR" dirty="0" smtClean="0"/>
+                <a:endParaRPr lang="fr-FR" dirty="0"/>
               </a:p>
             </p:txBody>
           </p:sp>
@@ -5550,7 +5563,7 @@
           <a:p>
             <a:pPr algn="ctr"/>
             <a:r>
-              <a:rPr lang="fr-FR" sz="1200" b="1" dirty="0" smtClean="0">
+              <a:rPr lang="fr-FR" sz="1200" b="1" dirty="0">
                 <a:solidFill>
                   <a:schemeClr val="accent5">
                     <a:lumMod val="50000"/>
@@ -5559,13 +5572,6 @@
               </a:rPr>
               <a:t>0</a:t>
             </a:r>
-            <a:endParaRPr lang="fr-FR" sz="1200" b="1" dirty="0">
-              <a:solidFill>
-                <a:schemeClr val="accent5">
-                  <a:lumMod val="50000"/>
-                </a:schemeClr>
-              </a:solidFill>
-            </a:endParaRPr>
           </a:p>
         </p:txBody>
       </p:sp>
@@ -5724,18 +5730,13 @@
           <a:p>
             <a:pPr algn="ctr"/>
             <a:r>
-              <a:rPr lang="fr-FR" sz="1200" b="1" dirty="0" smtClean="0">
+              <a:rPr lang="fr-FR" sz="1200" b="1" dirty="0">
                 <a:solidFill>
                   <a:srgbClr val="C00000"/>
                 </a:solidFill>
               </a:rPr>
               <a:t>3</a:t>
             </a:r>
-            <a:endParaRPr lang="fr-FR" sz="1200" b="1" dirty="0">
-              <a:solidFill>
-                <a:srgbClr val="C00000"/>
-              </a:solidFill>
-            </a:endParaRPr>
           </a:p>
         </p:txBody>
       </p:sp>
@@ -5906,8 +5907,8 @@
           </a:p>
         </p:txBody>
       </p:sp>
-      <mc:AlternateContent xmlns:mc="http://schemas.openxmlformats.org/markup-compatibility/2006">
-        <mc:Choice xmlns:a14="http://schemas.microsoft.com/office/drawing/2010/main" Requires="a14">
+      <mc:AlternateContent xmlns:mc="http://schemas.openxmlformats.org/markup-compatibility/2006" xmlns:a14="http://schemas.microsoft.com/office/drawing/2010/main">
+        <mc:Choice Requires="a14">
           <p:sp>
             <p:nvSpPr>
               <p:cNvPr id="3" name="Espace réservé du contenu 2"/>
@@ -5936,7 +5937,7 @@
                       <m:sSubPr>
                         <m:ctrlPr>
                           <a:rPr lang="fr-FR" b="0" i="1" smtClean="0">
-                            <a:latin typeface="Cambria Math"/>
+                            <a:latin typeface="Cambria Math" panose="02040503050406030204" pitchFamily="18" charset="0"/>
                           </a:rPr>
                         </m:ctrlPr>
                       </m:sSubPr>
@@ -5965,7 +5966,7 @@
                     </m:r>
                   </m:oMath>
                 </a14:m>
-                <a:endParaRPr lang="fr-FR" b="0" dirty="0" smtClean="0"/>
+                <a:endParaRPr lang="fr-FR" b="0" dirty="0"/>
               </a:p>
               <a:p>
                 <a14:m>
@@ -5974,7 +5975,7 @@
                       <m:sSubPr>
                         <m:ctrlPr>
                           <a:rPr lang="fr-FR" i="1">
-                            <a:latin typeface="Cambria Math"/>
+                            <a:latin typeface="Cambria Math" panose="02040503050406030204" pitchFamily="18" charset="0"/>
                           </a:rPr>
                         </m:ctrlPr>
                       </m:sSubPr>
@@ -5999,24 +6000,17 @@
                       <a:rPr lang="fr-FR" b="0" i="1" smtClean="0">
                         <a:latin typeface="Cambria Math"/>
                       </a:rPr>
-                      <m:t>=</m:t>
-                    </m:r>
-                    <m:r>
-                      <a:rPr lang="fr-FR" b="0" i="1" smtClean="0">
-                        <a:latin typeface="Cambria Math"/>
-                      </a:rPr>
-                      <m:t>2</m:t>
+                      <m:t>=2</m:t>
                     </m:r>
                   </m:oMath>
                 </a14:m>
-                <a:endParaRPr lang="fr-FR" dirty="0" smtClean="0"/>
+                <a:endParaRPr lang="fr-FR" dirty="0"/>
               </a:p>
               <a:p>
                 <a:r>
-                  <a:rPr lang="fr-FR" dirty="0" smtClean="0"/>
+                  <a:rPr lang="fr-FR" dirty="0"/>
                   <a:t>En 3D :</a:t>
                 </a:r>
-                <a:endParaRPr lang="fr-FR" dirty="0"/>
               </a:p>
               <a:p>
                 <a:pPr lvl="1"/>
@@ -6026,7 +6020,7 @@
                       <m:sSubPr>
                         <m:ctrlPr>
                           <a:rPr lang="fr-FR" b="0" i="1" smtClean="0">
-                            <a:latin typeface="Cambria Math"/>
+                            <a:latin typeface="Cambria Math" panose="02040503050406030204" pitchFamily="18" charset="0"/>
                           </a:rPr>
                         </m:ctrlPr>
                       </m:sSubPr>
@@ -6056,7 +6050,7 @@
                   </m:oMath>
                 </a14:m>
                 <a:r>
-                  <a:rPr lang="fr-FR" b="0" dirty="0" smtClean="0"/>
+                  <a:rPr lang="fr-FR" b="0" dirty="0"/>
                   <a:t>6</a:t>
                 </a:r>
               </a:p>
@@ -6068,7 +6062,7 @@
                       <m:sSubPr>
                         <m:ctrlPr>
                           <a:rPr lang="fr-FR" b="0" i="1" smtClean="0">
-                            <a:latin typeface="Cambria Math"/>
+                            <a:latin typeface="Cambria Math" panose="02040503050406030204" pitchFamily="18" charset="0"/>
                           </a:rPr>
                         </m:ctrlPr>
                       </m:sSubPr>
@@ -6097,7 +6091,7 @@
                     </m:r>
                   </m:oMath>
                 </a14:m>
-                <a:endParaRPr lang="fr-FR" dirty="0" smtClean="0"/>
+                <a:endParaRPr lang="fr-FR" dirty="0"/>
               </a:p>
               <a:p>
                 <a:pPr lvl="1"/>
@@ -6113,13 +6107,7 @@
                       <a:rPr lang="fr-FR" b="0" i="1" smtClean="0">
                         <a:latin typeface="Cambria Math"/>
                       </a:rPr>
-                      <m:t>=2−</m:t>
-                    </m:r>
-                    <m:r>
-                      <a:rPr lang="fr-FR" b="0" i="1" smtClean="0">
-                        <a:latin typeface="Cambria Math"/>
-                      </a:rPr>
-                      <m:t>18+16=</m:t>
+                      <m:t>=2−18+16=</m:t>
                     </m:r>
                     <m:r>
                       <a:rPr lang="fr-FR" b="0" i="0" smtClean="0">
@@ -6129,11 +6117,11 @@
                     </m:r>
                   </m:oMath>
                 </a14:m>
-                <a:endParaRPr lang="fr-FR" dirty="0" smtClean="0"/>
+                <a:endParaRPr lang="fr-FR" dirty="0"/>
               </a:p>
               <a:p>
                 <a:r>
-                  <a:rPr lang="fr-FR" dirty="0" smtClean="0"/>
+                  <a:rPr lang="fr-FR" dirty="0"/>
                   <a:t>En 2D :</a:t>
                 </a:r>
               </a:p>
@@ -6145,7 +6133,7 @@
                       <m:sSubPr>
                         <m:ctrlPr>
                           <a:rPr lang="fr-FR" i="1">
-                            <a:latin typeface="Cambria Math"/>
+                            <a:latin typeface="Cambria Math" panose="02040503050406030204" pitchFamily="18" charset="0"/>
                           </a:rPr>
                         </m:ctrlPr>
                       </m:sSubPr>
@@ -6196,7 +6184,7 @@
                       <m:sSubPr>
                         <m:ctrlPr>
                           <a:rPr lang="fr-FR" i="1">
-                            <a:latin typeface="Cambria Math"/>
+                            <a:latin typeface="Cambria Math" panose="02040503050406030204" pitchFamily="18" charset="0"/>
                           </a:rPr>
                         </m:ctrlPr>
                       </m:sSubPr>
@@ -6273,12 +6261,12 @@
                 </a:endParaRPr>
               </a:p>
               <a:p>
-                <a:endParaRPr lang="fr-FR" dirty="0" smtClean="0"/>
+                <a:endParaRPr lang="fr-FR" dirty="0"/>
               </a:p>
             </p:txBody>
           </p:sp>
         </mc:Choice>
-        <mc:Fallback>
+        <mc:Fallback xmlns="">
           <p:sp>
             <p:nvSpPr>
               <p:cNvPr id="3" name="Espace réservé du contenu 2"/>
@@ -6982,7 +6970,7 @@
           <a:p>
             <a:pPr algn="ctr"/>
             <a:r>
-              <a:rPr lang="fr-FR" sz="1200" b="1" dirty="0" smtClean="0">
+              <a:rPr lang="fr-FR" sz="1200" b="1" dirty="0">
                 <a:solidFill>
                   <a:schemeClr val="accent5">
                     <a:lumMod val="50000"/>
@@ -6991,13 +6979,6 @@
               </a:rPr>
               <a:t>0</a:t>
             </a:r>
-            <a:endParaRPr lang="fr-FR" sz="1200" b="1" dirty="0">
-              <a:solidFill>
-                <a:schemeClr val="accent5">
-                  <a:lumMod val="50000"/>
-                </a:schemeClr>
-              </a:solidFill>
-            </a:endParaRPr>
           </a:p>
         </p:txBody>
       </p:sp>
@@ -7156,18 +7137,13 @@
           <a:p>
             <a:pPr algn="ctr"/>
             <a:r>
-              <a:rPr lang="fr-FR" sz="1200" b="1" dirty="0" smtClean="0">
+              <a:rPr lang="fr-FR" sz="1200" b="1" dirty="0">
                 <a:solidFill>
                   <a:srgbClr val="C00000"/>
                 </a:solidFill>
               </a:rPr>
               <a:t>3</a:t>
             </a:r>
-            <a:endParaRPr lang="fr-FR" sz="1200" b="1" dirty="0">
-              <a:solidFill>
-                <a:srgbClr val="C00000"/>
-              </a:solidFill>
-            </a:endParaRPr>
           </a:p>
         </p:txBody>
       </p:sp>
@@ -7318,7 +7294,7 @@
                       <m:sSubPr>
                         <m:ctrlPr>
                           <a:rPr lang="fr-FR" b="0" i="1" smtClean="0">
-                            <a:latin typeface="Cambria Math"/>
+                            <a:latin typeface="Cambria Math" panose="02040503050406030204" pitchFamily="18" charset="0"/>
                           </a:rPr>
                         </m:ctrlPr>
                       </m:sSubPr>
@@ -7347,7 +7323,7 @@
                     </m:r>
                   </m:oMath>
                 </a14:m>
-                <a:endParaRPr lang="fr-FR" b="0" dirty="0" smtClean="0"/>
+                <a:endParaRPr lang="fr-FR" b="0" dirty="0"/>
               </a:p>
               <a:p>
                 <a14:m>
@@ -7356,7 +7332,7 @@
                       <m:sSubPr>
                         <m:ctrlPr>
                           <a:rPr lang="fr-FR" i="1">
-                            <a:latin typeface="Cambria Math"/>
+                            <a:latin typeface="Cambria Math" panose="02040503050406030204" pitchFamily="18" charset="0"/>
                           </a:rPr>
                         </m:ctrlPr>
                       </m:sSubPr>
@@ -7385,14 +7361,13 @@
                     </m:r>
                   </m:oMath>
                 </a14:m>
-                <a:endParaRPr lang="fr-FR" dirty="0" smtClean="0"/>
+                <a:endParaRPr lang="fr-FR" dirty="0"/>
               </a:p>
               <a:p>
                 <a:r>
-                  <a:rPr lang="fr-FR" dirty="0" smtClean="0"/>
+                  <a:rPr lang="fr-FR" dirty="0"/>
                   <a:t>En 3D :</a:t>
                 </a:r>
-                <a:endParaRPr lang="fr-FR" dirty="0"/>
               </a:p>
               <a:p>
                 <a:pPr lvl="1"/>
@@ -7402,7 +7377,7 @@
                       <m:sSubPr>
                         <m:ctrlPr>
                           <a:rPr lang="fr-FR" b="0" i="1" smtClean="0">
-                            <a:latin typeface="Cambria Math"/>
+                            <a:latin typeface="Cambria Math" panose="02040503050406030204" pitchFamily="18" charset="0"/>
                           </a:rPr>
                         </m:ctrlPr>
                       </m:sSubPr>
@@ -7431,7 +7406,7 @@
                     </m:r>
                   </m:oMath>
                 </a14:m>
-                <a:endParaRPr lang="fr-FR" b="0" dirty="0" smtClean="0"/>
+                <a:endParaRPr lang="fr-FR" b="0" dirty="0"/>
               </a:p>
               <a:p>
                 <a:pPr lvl="1"/>
@@ -7441,7 +7416,7 @@
                       <m:sSubPr>
                         <m:ctrlPr>
                           <a:rPr lang="fr-FR" b="0" i="1" smtClean="0">
-                            <a:latin typeface="Cambria Math"/>
+                            <a:latin typeface="Cambria Math" panose="02040503050406030204" pitchFamily="18" charset="0"/>
                           </a:rPr>
                         </m:ctrlPr>
                       </m:sSubPr>
@@ -7470,7 +7445,7 @@
                     </m:r>
                   </m:oMath>
                 </a14:m>
-                <a:endParaRPr lang="fr-FR" dirty="0" smtClean="0"/>
+                <a:endParaRPr lang="fr-FR" dirty="0"/>
               </a:p>
               <a:p>
                 <a:pPr lvl="1"/>
@@ -7496,11 +7471,11 @@
                     </m:r>
                   </m:oMath>
                 </a14:m>
-                <a:endParaRPr lang="fr-FR" dirty="0" smtClean="0"/>
+                <a:endParaRPr lang="fr-FR" dirty="0"/>
               </a:p>
               <a:p>
                 <a:r>
-                  <a:rPr lang="fr-FR" dirty="0" smtClean="0"/>
+                  <a:rPr lang="fr-FR" dirty="0"/>
                   <a:t>En 2D :</a:t>
                 </a:r>
               </a:p>
@@ -7512,7 +7487,7 @@
                       <m:sSubPr>
                         <m:ctrlPr>
                           <a:rPr lang="fr-FR" i="1">
-                            <a:latin typeface="Cambria Math"/>
+                            <a:latin typeface="Cambria Math" panose="02040503050406030204" pitchFamily="18" charset="0"/>
                           </a:rPr>
                         </m:ctrlPr>
                       </m:sSubPr>
@@ -7557,7 +7532,7 @@
                       <m:sSubPr>
                         <m:ctrlPr>
                           <a:rPr lang="fr-FR" i="1">
-                            <a:latin typeface="Cambria Math"/>
+                            <a:latin typeface="Cambria Math" panose="02040503050406030204" pitchFamily="18" charset="0"/>
                           </a:rPr>
                         </m:ctrlPr>
                       </m:sSubPr>
@@ -7634,7 +7609,7 @@
                 </a:endParaRPr>
               </a:p>
               <a:p>
-                <a:endParaRPr lang="fr-FR" dirty="0" smtClean="0"/>
+                <a:endParaRPr lang="fr-FR" dirty="0"/>
               </a:p>
             </p:txBody>
           </p:sp>
@@ -8313,7 +8288,7 @@
           <a:p>
             <a:pPr algn="ctr"/>
             <a:r>
-              <a:rPr lang="fr-FR" sz="1200" b="1" dirty="0" smtClean="0">
+              <a:rPr lang="fr-FR" sz="1200" b="1" dirty="0">
                 <a:solidFill>
                   <a:schemeClr val="accent5">
                     <a:lumMod val="50000"/>
@@ -8322,13 +8297,6 @@
               </a:rPr>
               <a:t>0</a:t>
             </a:r>
-            <a:endParaRPr lang="fr-FR" sz="1200" b="1" dirty="0">
-              <a:solidFill>
-                <a:schemeClr val="accent5">
-                  <a:lumMod val="50000"/>
-                </a:schemeClr>
-              </a:solidFill>
-            </a:endParaRPr>
           </a:p>
         </p:txBody>
       </p:sp>
@@ -8487,18 +8455,13 @@
           <a:p>
             <a:pPr algn="ctr"/>
             <a:r>
-              <a:rPr lang="fr-FR" sz="1200" b="1" dirty="0" smtClean="0">
+              <a:rPr lang="fr-FR" sz="1200" b="1" dirty="0">
                 <a:solidFill>
                   <a:srgbClr val="C00000"/>
                 </a:solidFill>
               </a:rPr>
               <a:t>3</a:t>
             </a:r>
-            <a:endParaRPr lang="fr-FR" sz="1200" b="1" dirty="0">
-              <a:solidFill>
-                <a:srgbClr val="C00000"/>
-              </a:solidFill>
-            </a:endParaRPr>
           </a:p>
         </p:txBody>
       </p:sp>
@@ -8506,6 +8469,4461 @@
     <p:extLst>
       <p:ext uri="{BB962C8B-B14F-4D97-AF65-F5344CB8AC3E}">
         <p14:creationId xmlns:p14="http://schemas.microsoft.com/office/powerpoint/2010/main" val="1996545031"/>
+      </p:ext>
+    </p:extLst>
+  </p:cSld>
+  <p:clrMapOvr>
+    <a:masterClrMapping/>
+  </p:clrMapOvr>
+</p:sld>
+</file>
+
+<file path=ppt/slides/slide13.xml><?xml version="1.0" encoding="utf-8"?>
+<p:sld xmlns:a="http://schemas.openxmlformats.org/drawingml/2006/main" xmlns:r="http://schemas.openxmlformats.org/officeDocument/2006/relationships" xmlns:p="http://schemas.openxmlformats.org/presentationml/2006/main">
+  <p:cSld>
+    <p:spTree>
+      <p:nvGrpSpPr>
+        <p:cNvPr id="1" name=""/>
+        <p:cNvGrpSpPr/>
+        <p:nvPr/>
+      </p:nvGrpSpPr>
+      <p:grpSpPr>
+        <a:xfrm>
+          <a:off x="0" y="0"/>
+          <a:ext cx="0" cy="0"/>
+          <a:chOff x="0" y="0"/>
+          <a:chExt cx="0" cy="0"/>
+        </a:xfrm>
+      </p:grpSpPr>
+      <p:grpSp>
+        <p:nvGrpSpPr>
+          <p:cNvPr id="4" name="Groupe 3">
+            <a:extLst>
+              <a:ext uri="{FF2B5EF4-FFF2-40B4-BE49-F238E27FC236}">
+                <a16:creationId xmlns:a16="http://schemas.microsoft.com/office/drawing/2014/main" id="{290BE600-BE5B-E5C4-35C4-D530979A92DC}"/>
+              </a:ext>
+            </a:extLst>
+          </p:cNvPr>
+          <p:cNvGrpSpPr/>
+          <p:nvPr/>
+        </p:nvGrpSpPr>
+        <p:grpSpPr>
+          <a:xfrm>
+            <a:off x="851012" y="2915433"/>
+            <a:ext cx="1255936" cy="144002"/>
+            <a:chOff x="959462" y="3564487"/>
+            <a:chExt cx="288032" cy="144002"/>
+          </a:xfrm>
+        </p:grpSpPr>
+        <p:sp>
+          <p:nvSpPr>
+            <p:cNvPr id="5" name="Rectangle 4">
+              <a:extLst>
+                <a:ext uri="{FF2B5EF4-FFF2-40B4-BE49-F238E27FC236}">
+                  <a16:creationId xmlns:a16="http://schemas.microsoft.com/office/drawing/2014/main" id="{4C605A59-E1B6-EC63-05CC-2956F41BF060}"/>
+                </a:ext>
+              </a:extLst>
+            </p:cNvPr>
+            <p:cNvSpPr/>
+            <p:nvPr/>
+          </p:nvSpPr>
+          <p:spPr>
+            <a:xfrm rot="5400000">
+              <a:off x="1031478" y="3492473"/>
+              <a:ext cx="144000" cy="288032"/>
+            </a:xfrm>
+            <a:prstGeom prst="rect">
+              <a:avLst/>
+            </a:prstGeom>
+            <a:solidFill>
+              <a:schemeClr val="accent5">
+                <a:lumMod val="20000"/>
+                <a:lumOff val="80000"/>
+              </a:schemeClr>
+            </a:solidFill>
+            <a:ln w="19050">
+              <a:noFill/>
+            </a:ln>
+          </p:spPr>
+          <p:style>
+            <a:lnRef idx="2">
+              <a:schemeClr val="accent1">
+                <a:shade val="50000"/>
+              </a:schemeClr>
+            </a:lnRef>
+            <a:fillRef idx="1">
+              <a:schemeClr val="accent1"/>
+            </a:fillRef>
+            <a:effectRef idx="0">
+              <a:schemeClr val="accent1"/>
+            </a:effectRef>
+            <a:fontRef idx="minor">
+              <a:schemeClr val="lt1"/>
+            </a:fontRef>
+          </p:style>
+          <p:txBody>
+            <a:bodyPr rtlCol="0" anchor="ctr"/>
+            <a:lstStyle/>
+            <a:p>
+              <a:pPr algn="ctr"/>
+              <a:endParaRPr lang="fr-FR"/>
+            </a:p>
+          </p:txBody>
+        </p:sp>
+        <p:cxnSp>
+          <p:nvCxnSpPr>
+            <p:cNvPr id="6" name="Connecteur droit 5">
+              <a:extLst>
+                <a:ext uri="{FF2B5EF4-FFF2-40B4-BE49-F238E27FC236}">
+                  <a16:creationId xmlns:a16="http://schemas.microsoft.com/office/drawing/2014/main" id="{1731AF3A-C4F2-3537-D6ED-2D750FFD0A2E}"/>
+                </a:ext>
+              </a:extLst>
+            </p:cNvPr>
+            <p:cNvCxnSpPr/>
+            <p:nvPr/>
+          </p:nvCxnSpPr>
+          <p:spPr>
+            <a:xfrm rot="5400000">
+              <a:off x="1103493" y="3420488"/>
+              <a:ext cx="1" cy="288000"/>
+            </a:xfrm>
+            <a:prstGeom prst="line">
+              <a:avLst/>
+            </a:prstGeom>
+            <a:noFill/>
+            <a:ln w="19050">
+              <a:solidFill>
+                <a:schemeClr val="accent5">
+                  <a:lumMod val="50000"/>
+                </a:schemeClr>
+              </a:solidFill>
+            </a:ln>
+          </p:spPr>
+          <p:style>
+            <a:lnRef idx="2">
+              <a:schemeClr val="accent1">
+                <a:shade val="50000"/>
+              </a:schemeClr>
+            </a:lnRef>
+            <a:fillRef idx="1">
+              <a:schemeClr val="accent1"/>
+            </a:fillRef>
+            <a:effectRef idx="0">
+              <a:schemeClr val="accent1"/>
+            </a:effectRef>
+            <a:fontRef idx="minor">
+              <a:schemeClr val="lt1"/>
+            </a:fontRef>
+          </p:style>
+        </p:cxnSp>
+      </p:grpSp>
+      <p:grpSp>
+        <p:nvGrpSpPr>
+          <p:cNvPr id="14" name="Groupe 13">
+            <a:extLst>
+              <a:ext uri="{FF2B5EF4-FFF2-40B4-BE49-F238E27FC236}">
+                <a16:creationId xmlns:a16="http://schemas.microsoft.com/office/drawing/2014/main" id="{A795C3E3-2E60-F51F-F63B-A8A33735102D}"/>
+              </a:ext>
+            </a:extLst>
+          </p:cNvPr>
+          <p:cNvGrpSpPr/>
+          <p:nvPr/>
+        </p:nvGrpSpPr>
+        <p:grpSpPr>
+          <a:xfrm>
+            <a:off x="851012" y="2479796"/>
+            <a:ext cx="415268" cy="415268"/>
+            <a:chOff x="851012" y="2479796"/>
+            <a:chExt cx="415268" cy="415268"/>
+          </a:xfrm>
+        </p:grpSpPr>
+        <p:sp>
+          <p:nvSpPr>
+            <p:cNvPr id="8" name="Ellipse 7">
+              <a:extLst>
+                <a:ext uri="{FF2B5EF4-FFF2-40B4-BE49-F238E27FC236}">
+                  <a16:creationId xmlns:a16="http://schemas.microsoft.com/office/drawing/2014/main" id="{CC22DACA-2508-20BE-80E0-DAD97B0F388B}"/>
+                </a:ext>
+              </a:extLst>
+            </p:cNvPr>
+            <p:cNvSpPr/>
+            <p:nvPr/>
+          </p:nvSpPr>
+          <p:spPr>
+            <a:xfrm>
+              <a:off x="851012" y="2479796"/>
+              <a:ext cx="415268" cy="415268"/>
+            </a:xfrm>
+            <a:prstGeom prst="ellipse">
+              <a:avLst/>
+            </a:prstGeom>
+            <a:solidFill>
+              <a:schemeClr val="bg1"/>
+            </a:solidFill>
+            <a:ln w="19050">
+              <a:solidFill>
+                <a:srgbClr val="C00000"/>
+              </a:solidFill>
+            </a:ln>
+          </p:spPr>
+          <p:style>
+            <a:lnRef idx="2">
+              <a:schemeClr val="accent1">
+                <a:shade val="50000"/>
+              </a:schemeClr>
+            </a:lnRef>
+            <a:fillRef idx="1">
+              <a:schemeClr val="accent1"/>
+            </a:fillRef>
+            <a:effectRef idx="0">
+              <a:schemeClr val="accent1"/>
+            </a:effectRef>
+            <a:fontRef idx="minor">
+              <a:schemeClr val="lt1"/>
+            </a:fontRef>
+          </p:style>
+          <p:txBody>
+            <a:bodyPr rtlCol="0" anchor="ctr"/>
+            <a:lstStyle/>
+            <a:p>
+              <a:pPr algn="ctr"/>
+              <a:endParaRPr lang="fr-FR" dirty="0"/>
+            </a:p>
+          </p:txBody>
+        </p:sp>
+        <p:sp>
+          <p:nvSpPr>
+            <p:cNvPr id="7" name="Ellipse 6">
+              <a:extLst>
+                <a:ext uri="{FF2B5EF4-FFF2-40B4-BE49-F238E27FC236}">
+                  <a16:creationId xmlns:a16="http://schemas.microsoft.com/office/drawing/2014/main" id="{F6D231DF-DDF0-94A9-71AA-9C150BC632B4}"/>
+                </a:ext>
+              </a:extLst>
+            </p:cNvPr>
+            <p:cNvSpPr/>
+            <p:nvPr/>
+          </p:nvSpPr>
+          <p:spPr>
+            <a:xfrm>
+              <a:off x="986638" y="2615422"/>
+              <a:ext cx="144016" cy="144016"/>
+            </a:xfrm>
+            <a:prstGeom prst="ellipse">
+              <a:avLst/>
+            </a:prstGeom>
+            <a:solidFill>
+              <a:schemeClr val="bg1"/>
+            </a:solidFill>
+            <a:ln w="19050">
+              <a:solidFill>
+                <a:srgbClr val="C00000"/>
+              </a:solidFill>
+            </a:ln>
+          </p:spPr>
+          <p:style>
+            <a:lnRef idx="2">
+              <a:schemeClr val="accent1">
+                <a:shade val="50000"/>
+              </a:schemeClr>
+            </a:lnRef>
+            <a:fillRef idx="1">
+              <a:schemeClr val="accent1"/>
+            </a:fillRef>
+            <a:effectRef idx="0">
+              <a:schemeClr val="accent1"/>
+            </a:effectRef>
+            <a:fontRef idx="minor">
+              <a:schemeClr val="lt1"/>
+            </a:fontRef>
+          </p:style>
+          <p:txBody>
+            <a:bodyPr rtlCol="0" anchor="ctr"/>
+            <a:lstStyle/>
+            <a:p>
+              <a:pPr algn="ctr"/>
+              <a:endParaRPr lang="fr-FR" dirty="0"/>
+            </a:p>
+          </p:txBody>
+        </p:sp>
+        <p:cxnSp>
+          <p:nvCxnSpPr>
+            <p:cNvPr id="9" name="Connecteur droit 8">
+              <a:extLst>
+                <a:ext uri="{FF2B5EF4-FFF2-40B4-BE49-F238E27FC236}">
+                  <a16:creationId xmlns:a16="http://schemas.microsoft.com/office/drawing/2014/main" id="{CB49ED74-1294-DEB3-516F-7A32CE1BC477}"/>
+                </a:ext>
+              </a:extLst>
+            </p:cNvPr>
+            <p:cNvCxnSpPr>
+              <a:cxnSpLocks/>
+              <a:stCxn id="8" idx="7"/>
+              <a:endCxn id="7" idx="7"/>
+            </p:cNvCxnSpPr>
+            <p:nvPr/>
+          </p:nvCxnSpPr>
+          <p:spPr>
+            <a:xfrm flipH="1">
+              <a:off x="1109563" y="2540611"/>
+              <a:ext cx="95902" cy="95902"/>
+            </a:xfrm>
+            <a:prstGeom prst="line">
+              <a:avLst/>
+            </a:prstGeom>
+            <a:noFill/>
+            <a:ln w="19050">
+              <a:solidFill>
+                <a:srgbClr val="C00000"/>
+              </a:solidFill>
+            </a:ln>
+          </p:spPr>
+          <p:style>
+            <a:lnRef idx="2">
+              <a:schemeClr val="accent1">
+                <a:shade val="50000"/>
+              </a:schemeClr>
+            </a:lnRef>
+            <a:fillRef idx="1">
+              <a:schemeClr val="accent1"/>
+            </a:fillRef>
+            <a:effectRef idx="0">
+              <a:schemeClr val="accent1"/>
+            </a:effectRef>
+            <a:fontRef idx="minor">
+              <a:schemeClr val="lt1"/>
+            </a:fontRef>
+          </p:style>
+        </p:cxnSp>
+      </p:grpSp>
+      <p:grpSp>
+        <p:nvGrpSpPr>
+          <p:cNvPr id="15" name="Groupe 14">
+            <a:extLst>
+              <a:ext uri="{FF2B5EF4-FFF2-40B4-BE49-F238E27FC236}">
+                <a16:creationId xmlns:a16="http://schemas.microsoft.com/office/drawing/2014/main" id="{0776DFFC-2327-A026-DA05-7A866037ED5F}"/>
+              </a:ext>
+            </a:extLst>
+          </p:cNvPr>
+          <p:cNvGrpSpPr/>
+          <p:nvPr/>
+        </p:nvGrpSpPr>
+        <p:grpSpPr>
+          <a:xfrm>
+            <a:off x="1691680" y="2479796"/>
+            <a:ext cx="415268" cy="415268"/>
+            <a:chOff x="851012" y="2479796"/>
+            <a:chExt cx="415268" cy="415268"/>
+          </a:xfrm>
+        </p:grpSpPr>
+        <p:sp>
+          <p:nvSpPr>
+            <p:cNvPr id="16" name="Ellipse 15">
+              <a:extLst>
+                <a:ext uri="{FF2B5EF4-FFF2-40B4-BE49-F238E27FC236}">
+                  <a16:creationId xmlns:a16="http://schemas.microsoft.com/office/drawing/2014/main" id="{18D42CC7-348D-D721-39ED-39E3B9F04B9B}"/>
+                </a:ext>
+              </a:extLst>
+            </p:cNvPr>
+            <p:cNvSpPr/>
+            <p:nvPr/>
+          </p:nvSpPr>
+          <p:spPr>
+            <a:xfrm>
+              <a:off x="851012" y="2479796"/>
+              <a:ext cx="415268" cy="415268"/>
+            </a:xfrm>
+            <a:prstGeom prst="ellipse">
+              <a:avLst/>
+            </a:prstGeom>
+            <a:solidFill>
+              <a:schemeClr val="bg1"/>
+            </a:solidFill>
+            <a:ln w="19050">
+              <a:solidFill>
+                <a:srgbClr val="C00000"/>
+              </a:solidFill>
+            </a:ln>
+          </p:spPr>
+          <p:style>
+            <a:lnRef idx="2">
+              <a:schemeClr val="accent1">
+                <a:shade val="50000"/>
+              </a:schemeClr>
+            </a:lnRef>
+            <a:fillRef idx="1">
+              <a:schemeClr val="accent1"/>
+            </a:fillRef>
+            <a:effectRef idx="0">
+              <a:schemeClr val="accent1"/>
+            </a:effectRef>
+            <a:fontRef idx="minor">
+              <a:schemeClr val="lt1"/>
+            </a:fontRef>
+          </p:style>
+          <p:txBody>
+            <a:bodyPr rtlCol="0" anchor="ctr"/>
+            <a:lstStyle/>
+            <a:p>
+              <a:pPr algn="ctr"/>
+              <a:endParaRPr lang="fr-FR" dirty="0"/>
+            </a:p>
+          </p:txBody>
+        </p:sp>
+        <p:sp>
+          <p:nvSpPr>
+            <p:cNvPr id="17" name="Ellipse 16">
+              <a:extLst>
+                <a:ext uri="{FF2B5EF4-FFF2-40B4-BE49-F238E27FC236}">
+                  <a16:creationId xmlns:a16="http://schemas.microsoft.com/office/drawing/2014/main" id="{3EDD25EB-B0E4-21E0-A035-39A11B13ED77}"/>
+                </a:ext>
+              </a:extLst>
+            </p:cNvPr>
+            <p:cNvSpPr/>
+            <p:nvPr/>
+          </p:nvSpPr>
+          <p:spPr>
+            <a:xfrm>
+              <a:off x="986638" y="2615422"/>
+              <a:ext cx="144016" cy="144016"/>
+            </a:xfrm>
+            <a:prstGeom prst="ellipse">
+              <a:avLst/>
+            </a:prstGeom>
+            <a:solidFill>
+              <a:schemeClr val="bg1"/>
+            </a:solidFill>
+            <a:ln w="19050">
+              <a:solidFill>
+                <a:srgbClr val="C00000"/>
+              </a:solidFill>
+            </a:ln>
+          </p:spPr>
+          <p:style>
+            <a:lnRef idx="2">
+              <a:schemeClr val="accent1">
+                <a:shade val="50000"/>
+              </a:schemeClr>
+            </a:lnRef>
+            <a:fillRef idx="1">
+              <a:schemeClr val="accent1"/>
+            </a:fillRef>
+            <a:effectRef idx="0">
+              <a:schemeClr val="accent1"/>
+            </a:effectRef>
+            <a:fontRef idx="minor">
+              <a:schemeClr val="lt1"/>
+            </a:fontRef>
+          </p:style>
+          <p:txBody>
+            <a:bodyPr rtlCol="0" anchor="ctr"/>
+            <a:lstStyle/>
+            <a:p>
+              <a:pPr algn="ctr"/>
+              <a:endParaRPr lang="fr-FR" dirty="0"/>
+            </a:p>
+          </p:txBody>
+        </p:sp>
+        <p:cxnSp>
+          <p:nvCxnSpPr>
+            <p:cNvPr id="18" name="Connecteur droit 17">
+              <a:extLst>
+                <a:ext uri="{FF2B5EF4-FFF2-40B4-BE49-F238E27FC236}">
+                  <a16:creationId xmlns:a16="http://schemas.microsoft.com/office/drawing/2014/main" id="{0A1B64C9-7165-599D-F3C2-7BA319A58A20}"/>
+                </a:ext>
+              </a:extLst>
+            </p:cNvPr>
+            <p:cNvCxnSpPr>
+              <a:cxnSpLocks/>
+              <a:stCxn id="16" idx="7"/>
+              <a:endCxn id="17" idx="7"/>
+            </p:cNvCxnSpPr>
+            <p:nvPr/>
+          </p:nvCxnSpPr>
+          <p:spPr>
+            <a:xfrm flipH="1">
+              <a:off x="1109563" y="2540611"/>
+              <a:ext cx="95902" cy="95902"/>
+            </a:xfrm>
+            <a:prstGeom prst="line">
+              <a:avLst/>
+            </a:prstGeom>
+            <a:noFill/>
+            <a:ln w="19050">
+              <a:solidFill>
+                <a:srgbClr val="C00000"/>
+              </a:solidFill>
+            </a:ln>
+          </p:spPr>
+          <p:style>
+            <a:lnRef idx="2">
+              <a:schemeClr val="accent1">
+                <a:shade val="50000"/>
+              </a:schemeClr>
+            </a:lnRef>
+            <a:fillRef idx="1">
+              <a:schemeClr val="accent1"/>
+            </a:fillRef>
+            <a:effectRef idx="0">
+              <a:schemeClr val="accent1"/>
+            </a:effectRef>
+            <a:fontRef idx="minor">
+              <a:schemeClr val="lt1"/>
+            </a:fontRef>
+          </p:style>
+        </p:cxnSp>
+      </p:grpSp>
+      <p:cxnSp>
+        <p:nvCxnSpPr>
+          <p:cNvPr id="19" name="Connecteur droit 18">
+            <a:extLst>
+              <a:ext uri="{FF2B5EF4-FFF2-40B4-BE49-F238E27FC236}">
+                <a16:creationId xmlns:a16="http://schemas.microsoft.com/office/drawing/2014/main" id="{807C2F28-D272-2813-4E1F-C83F18FBDAE2}"/>
+              </a:ext>
+            </a:extLst>
+          </p:cNvPr>
+          <p:cNvCxnSpPr>
+            <a:cxnSpLocks/>
+            <a:stCxn id="17" idx="2"/>
+            <a:endCxn id="7" idx="6"/>
+          </p:cNvCxnSpPr>
+          <p:nvPr/>
+        </p:nvCxnSpPr>
+        <p:spPr>
+          <a:xfrm flipH="1">
+            <a:off x="1130654" y="2687430"/>
+            <a:ext cx="696652" cy="0"/>
+          </a:xfrm>
+          <a:prstGeom prst="line">
+            <a:avLst/>
+          </a:prstGeom>
+          <a:noFill/>
+          <a:ln w="19050">
+            <a:solidFill>
+              <a:srgbClr val="00B0F0"/>
+            </a:solidFill>
+          </a:ln>
+        </p:spPr>
+        <p:style>
+          <a:lnRef idx="2">
+            <a:schemeClr val="accent1">
+              <a:shade val="50000"/>
+            </a:schemeClr>
+          </a:lnRef>
+          <a:fillRef idx="1">
+            <a:schemeClr val="accent1"/>
+          </a:fillRef>
+          <a:effectRef idx="0">
+            <a:schemeClr val="accent1"/>
+          </a:effectRef>
+          <a:fontRef idx="minor">
+            <a:schemeClr val="lt1"/>
+          </a:fontRef>
+        </p:style>
+      </p:cxnSp>
+      <mc:AlternateContent xmlns:mc="http://schemas.openxmlformats.org/markup-compatibility/2006">
+        <mc:Choice xmlns:a14="http://schemas.microsoft.com/office/drawing/2010/main" Requires="a14">
+          <p:sp>
+            <p:nvSpPr>
+              <p:cNvPr id="23" name="Espace réservé du contenu 2">
+                <a:extLst>
+                  <a:ext uri="{FF2B5EF4-FFF2-40B4-BE49-F238E27FC236}">
+                    <a16:creationId xmlns:a16="http://schemas.microsoft.com/office/drawing/2014/main" id="{CFCBDF9B-92FD-C439-DD43-15DA3B28D599}"/>
+                  </a:ext>
+                </a:extLst>
+              </p:cNvPr>
+              <p:cNvSpPr>
+                <a:spLocks noGrp="1"/>
+              </p:cNvSpPr>
+              <p:nvPr>
+                <p:ph idx="1"/>
+              </p:nvPr>
+            </p:nvSpPr>
+            <p:spPr>
+              <a:xfrm>
+                <a:off x="4572000" y="188640"/>
+                <a:ext cx="4114800" cy="6480720"/>
+              </a:xfrm>
+            </p:spPr>
+            <p:txBody>
+              <a:bodyPr>
+                <a:normAutofit/>
+              </a:bodyPr>
+              <a:lstStyle/>
+              <a:p>
+                <a14:m>
+                  <m:oMath xmlns:m="http://schemas.openxmlformats.org/officeDocument/2006/math">
+                    <m:r>
+                      <a:rPr lang="fr-FR" b="0" i="1" smtClean="0">
+                        <a:latin typeface="Cambria Math" panose="02040503050406030204" pitchFamily="18" charset="0"/>
+                      </a:rPr>
+                      <m:t>𝑚</m:t>
+                    </m:r>
+                    <m:r>
+                      <a:rPr lang="fr-FR" b="0" i="1" smtClean="0">
+                        <a:latin typeface="Cambria Math"/>
+                      </a:rPr>
+                      <m:t>=</m:t>
+                    </m:r>
+                    <m:r>
+                      <a:rPr lang="fr-FR" b="0" i="1" smtClean="0">
+                        <a:latin typeface="Cambria Math" panose="02040503050406030204" pitchFamily="18" charset="0"/>
+                      </a:rPr>
+                      <m:t>6</m:t>
+                    </m:r>
+                  </m:oMath>
+                </a14:m>
+                <a:endParaRPr lang="fr-FR" b="0" dirty="0"/>
+              </a:p>
+              <a:p>
+                <a:r>
+                  <a:rPr lang="fr-FR" dirty="0"/>
+                  <a:t>En 3D :</a:t>
+                </a:r>
+              </a:p>
+              <a:p>
+                <a:pPr lvl="1"/>
+                <a14:m>
+                  <m:oMath xmlns:m="http://schemas.openxmlformats.org/officeDocument/2006/math">
+                    <m:sSub>
+                      <m:sSubPr>
+                        <m:ctrlPr>
+                          <a:rPr lang="fr-FR" b="0" i="1" smtClean="0">
+                            <a:latin typeface="Cambria Math" panose="02040503050406030204" pitchFamily="18" charset="0"/>
+                          </a:rPr>
+                        </m:ctrlPr>
+                      </m:sSubPr>
+                      <m:e>
+                        <m:r>
+                          <a:rPr lang="fr-FR" b="0" i="1" smtClean="0">
+                            <a:latin typeface="Cambria Math"/>
+                          </a:rPr>
+                          <m:t>𝐼</m:t>
+                        </m:r>
+                      </m:e>
+                      <m:sub>
+                        <m:r>
+                          <a:rPr lang="fr-FR" b="0" i="1" smtClean="0">
+                            <a:latin typeface="Cambria Math"/>
+                          </a:rPr>
+                          <m:t>𝑠</m:t>
+                        </m:r>
+                      </m:sub>
+                    </m:sSub>
+                    <m:r>
+                      <a:rPr lang="fr-FR" b="0" i="1" smtClean="0">
+                        <a:latin typeface="Cambria Math"/>
+                      </a:rPr>
+                      <m:t>=5+</m:t>
+                    </m:r>
+                    <m:r>
+                      <a:rPr lang="fr-FR" b="0" i="1" smtClean="0">
+                        <a:latin typeface="Cambria Math" panose="02040503050406030204" pitchFamily="18" charset="0"/>
+                      </a:rPr>
+                      <m:t>5</m:t>
+                    </m:r>
+                    <m:r>
+                      <a:rPr lang="fr-FR" b="0" i="1" smtClean="0">
+                        <a:latin typeface="Cambria Math"/>
+                      </a:rPr>
+                      <m:t>+</m:t>
+                    </m:r>
+                    <m:r>
+                      <a:rPr lang="fr-FR" b="0" i="1" smtClean="0">
+                        <a:latin typeface="Cambria Math" panose="02040503050406030204" pitchFamily="18" charset="0"/>
+                      </a:rPr>
+                      <m:t>1</m:t>
+                    </m:r>
+                    <m:r>
+                      <a:rPr lang="fr-FR" b="0" i="1" smtClean="0">
+                        <a:latin typeface="Cambria Math"/>
+                      </a:rPr>
+                      <m:t>+</m:t>
+                    </m:r>
+                    <m:r>
+                      <a:rPr lang="fr-FR" b="0" i="1" smtClean="0">
+                        <a:latin typeface="Cambria Math" panose="02040503050406030204" pitchFamily="18" charset="0"/>
+                      </a:rPr>
+                      <m:t>1</m:t>
+                    </m:r>
+                    <m:r>
+                      <a:rPr lang="fr-FR" b="0" i="1" smtClean="0">
+                        <a:latin typeface="Cambria Math"/>
+                      </a:rPr>
+                      <m:t>=1</m:t>
+                    </m:r>
+                    <m:r>
+                      <a:rPr lang="fr-FR" b="0" i="1" smtClean="0">
+                        <a:latin typeface="Cambria Math" panose="02040503050406030204" pitchFamily="18" charset="0"/>
+                      </a:rPr>
+                      <m:t>2</m:t>
+                    </m:r>
+                  </m:oMath>
+                </a14:m>
+                <a:endParaRPr lang="fr-FR" b="0" dirty="0"/>
+              </a:p>
+              <a:p>
+                <a:pPr lvl="1"/>
+                <a14:m>
+                  <m:oMath xmlns:m="http://schemas.openxmlformats.org/officeDocument/2006/math">
+                    <m:sSub>
+                      <m:sSubPr>
+                        <m:ctrlPr>
+                          <a:rPr lang="fr-FR" b="0" i="1" smtClean="0">
+                            <a:latin typeface="Cambria Math" panose="02040503050406030204" pitchFamily="18" charset="0"/>
+                          </a:rPr>
+                        </m:ctrlPr>
+                      </m:sSubPr>
+                      <m:e>
+                        <m:r>
+                          <a:rPr lang="fr-FR" b="0" i="1" smtClean="0">
+                            <a:latin typeface="Cambria Math"/>
+                          </a:rPr>
+                          <m:t>𝐸</m:t>
+                        </m:r>
+                      </m:e>
+                      <m:sub>
+                        <m:r>
+                          <a:rPr lang="fr-FR" b="0" i="1" smtClean="0">
+                            <a:latin typeface="Cambria Math"/>
+                          </a:rPr>
+                          <m:t>𝑠</m:t>
+                        </m:r>
+                      </m:sub>
+                    </m:sSub>
+                    <m:r>
+                      <a:rPr lang="fr-FR" b="0" i="1" smtClean="0">
+                        <a:latin typeface="Cambria Math"/>
+                      </a:rPr>
+                      <m:t>=6⋅3=18</m:t>
+                    </m:r>
+                  </m:oMath>
+                </a14:m>
+                <a:endParaRPr lang="fr-FR" dirty="0"/>
+              </a:p>
+              <a:p>
+                <a:pPr lvl="1"/>
+                <a14:m>
+                  <m:oMath xmlns:m="http://schemas.openxmlformats.org/officeDocument/2006/math">
+                    <m:r>
+                      <a:rPr lang="fr-FR" b="0" i="1" smtClean="0">
+                        <a:latin typeface="Cambria Math"/>
+                      </a:rPr>
+                      <m:t>h</m:t>
+                    </m:r>
+                    <m:r>
+                      <a:rPr lang="fr-FR" b="0" i="1" smtClean="0">
+                        <a:latin typeface="Cambria Math"/>
+                      </a:rPr>
+                      <m:t>=6−</m:t>
+                    </m:r>
+                    <m:r>
+                      <a:rPr lang="fr-FR" b="0" i="1" smtClean="0">
+                        <a:latin typeface="Cambria Math"/>
+                      </a:rPr>
+                      <m:t>18+12=</m:t>
+                    </m:r>
+                    <m:r>
+                      <a:rPr lang="fr-FR" b="0" i="0" smtClean="0">
+                        <a:latin typeface="Cambria Math"/>
+                      </a:rPr>
+                      <m:t>0</m:t>
+                    </m:r>
+                  </m:oMath>
+                </a14:m>
+                <a:endParaRPr lang="fr-FR" dirty="0"/>
+              </a:p>
+              <a:p>
+                <a:endParaRPr lang="fr-FR" dirty="0"/>
+              </a:p>
+            </p:txBody>
+          </p:sp>
+        </mc:Choice>
+        <mc:Fallback>
+          <p:sp>
+            <p:nvSpPr>
+              <p:cNvPr id="23" name="Espace réservé du contenu 2">
+                <a:extLst>
+                  <a:ext uri="{FF2B5EF4-FFF2-40B4-BE49-F238E27FC236}">
+                    <a16:creationId xmlns:a16="http://schemas.microsoft.com/office/drawing/2014/main" id="{CFCBDF9B-92FD-C439-DD43-15DA3B28D599}"/>
+                  </a:ext>
+                </a:extLst>
+              </p:cNvPr>
+              <p:cNvSpPr>
+                <a:spLocks noGrp="1" noRot="1" noChangeAspect="1" noMove="1" noResize="1" noEditPoints="1" noAdjustHandles="1" noChangeArrowheads="1" noChangeShapeType="1" noTextEdit="1"/>
+              </p:cNvSpPr>
+              <p:nvPr>
+                <p:ph idx="1"/>
+              </p:nvPr>
+            </p:nvSpPr>
+            <p:spPr>
+              <a:xfrm>
+                <a:off x="4572000" y="188640"/>
+                <a:ext cx="4114800" cy="6480720"/>
+              </a:xfrm>
+              <a:blipFill>
+                <a:blip r:embed="rId2"/>
+                <a:stretch>
+                  <a:fillRect l="-3407"/>
+                </a:stretch>
+              </a:blipFill>
+            </p:spPr>
+            <p:txBody>
+              <a:bodyPr/>
+              <a:lstStyle/>
+              <a:p>
+                <a:r>
+                  <a:rPr lang="fr-FR">
+                    <a:noFill/>
+                  </a:rPr>
+                  <a:t> </a:t>
+                </a:r>
+              </a:p>
+            </p:txBody>
+          </p:sp>
+        </mc:Fallback>
+      </mc:AlternateContent>
+      <p:sp>
+        <p:nvSpPr>
+          <p:cNvPr id="25" name="ZoneTexte 24">
+            <a:extLst>
+              <a:ext uri="{FF2B5EF4-FFF2-40B4-BE49-F238E27FC236}">
+                <a16:creationId xmlns:a16="http://schemas.microsoft.com/office/drawing/2014/main" id="{2F1B8988-AA83-A5D0-FADD-5F9D4E826823}"/>
+              </a:ext>
+            </a:extLst>
+          </p:cNvPr>
+          <p:cNvSpPr txBox="1"/>
+          <p:nvPr/>
+        </p:nvSpPr>
+        <p:spPr>
+          <a:xfrm>
+            <a:off x="755576" y="3059435"/>
+            <a:ext cx="1440160" cy="369332"/>
+          </a:xfrm>
+          <a:prstGeom prst="rect">
+            <a:avLst/>
+          </a:prstGeom>
+          <a:noFill/>
+        </p:spPr>
+        <p:txBody>
+          <a:bodyPr wrap="square" rtlCol="0">
+            <a:spAutoFit/>
+          </a:bodyPr>
+          <a:lstStyle/>
+          <a:p>
+            <a:pPr algn="just"/>
+            <a:r>
+              <a:rPr lang="fr-FR" sz="900" dirty="0"/>
+              <a:t>Deux roues en contact sphère-cylindre avec le sol</a:t>
+            </a:r>
+          </a:p>
+        </p:txBody>
+      </p:sp>
+      <p:sp>
+        <p:nvSpPr>
+          <p:cNvPr id="26" name="ZoneTexte 25">
+            <a:extLst>
+              <a:ext uri="{FF2B5EF4-FFF2-40B4-BE49-F238E27FC236}">
+                <a16:creationId xmlns:a16="http://schemas.microsoft.com/office/drawing/2014/main" id="{D3FB5599-DB55-C431-DD56-DD9DAE467415}"/>
+              </a:ext>
+            </a:extLst>
+          </p:cNvPr>
+          <p:cNvSpPr txBox="1"/>
+          <p:nvPr/>
+        </p:nvSpPr>
+        <p:spPr>
+          <a:xfrm>
+            <a:off x="986638" y="404664"/>
+            <a:ext cx="681790" cy="369332"/>
+          </a:xfrm>
+          <a:prstGeom prst="rect">
+            <a:avLst/>
+          </a:prstGeom>
+          <a:noFill/>
+        </p:spPr>
+        <p:txBody>
+          <a:bodyPr wrap="none" rtlCol="0">
+            <a:spAutoFit/>
+          </a:bodyPr>
+          <a:lstStyle/>
+          <a:p>
+            <a:r>
+              <a:rPr lang="fr-FR" dirty="0"/>
+              <a:t>Exo 1</a:t>
+            </a:r>
+          </a:p>
+        </p:txBody>
+      </p:sp>
+    </p:spTree>
+    <p:extLst>
+      <p:ext uri="{BB962C8B-B14F-4D97-AF65-F5344CB8AC3E}">
+        <p14:creationId xmlns:p14="http://schemas.microsoft.com/office/powerpoint/2010/main" val="1358520514"/>
+      </p:ext>
+    </p:extLst>
+  </p:cSld>
+  <p:clrMapOvr>
+    <a:masterClrMapping/>
+  </p:clrMapOvr>
+</p:sld>
+</file>
+
+<file path=ppt/slides/slide14.xml><?xml version="1.0" encoding="utf-8"?>
+<p:sld xmlns:a="http://schemas.openxmlformats.org/drawingml/2006/main" xmlns:r="http://schemas.openxmlformats.org/officeDocument/2006/relationships" xmlns:p="http://schemas.openxmlformats.org/presentationml/2006/main">
+  <p:cSld>
+    <p:spTree>
+      <p:nvGrpSpPr>
+        <p:cNvPr id="1" name=""/>
+        <p:cNvGrpSpPr/>
+        <p:nvPr/>
+      </p:nvGrpSpPr>
+      <p:grpSpPr>
+        <a:xfrm>
+          <a:off x="0" y="0"/>
+          <a:ext cx="0" cy="0"/>
+          <a:chOff x="0" y="0"/>
+          <a:chExt cx="0" cy="0"/>
+        </a:xfrm>
+      </p:grpSpPr>
+      <p:grpSp>
+        <p:nvGrpSpPr>
+          <p:cNvPr id="4" name="Groupe 3">
+            <a:extLst>
+              <a:ext uri="{FF2B5EF4-FFF2-40B4-BE49-F238E27FC236}">
+                <a16:creationId xmlns:a16="http://schemas.microsoft.com/office/drawing/2014/main" id="{290BE600-BE5B-E5C4-35C4-D530979A92DC}"/>
+              </a:ext>
+            </a:extLst>
+          </p:cNvPr>
+          <p:cNvGrpSpPr/>
+          <p:nvPr/>
+        </p:nvGrpSpPr>
+        <p:grpSpPr>
+          <a:xfrm>
+            <a:off x="851012" y="2915433"/>
+            <a:ext cx="1255936" cy="144002"/>
+            <a:chOff x="959462" y="3564487"/>
+            <a:chExt cx="288032" cy="144002"/>
+          </a:xfrm>
+        </p:grpSpPr>
+        <p:sp>
+          <p:nvSpPr>
+            <p:cNvPr id="5" name="Rectangle 4">
+              <a:extLst>
+                <a:ext uri="{FF2B5EF4-FFF2-40B4-BE49-F238E27FC236}">
+                  <a16:creationId xmlns:a16="http://schemas.microsoft.com/office/drawing/2014/main" id="{4C605A59-E1B6-EC63-05CC-2956F41BF060}"/>
+                </a:ext>
+              </a:extLst>
+            </p:cNvPr>
+            <p:cNvSpPr/>
+            <p:nvPr/>
+          </p:nvSpPr>
+          <p:spPr>
+            <a:xfrm rot="5400000">
+              <a:off x="1031478" y="3492473"/>
+              <a:ext cx="144000" cy="288032"/>
+            </a:xfrm>
+            <a:prstGeom prst="rect">
+              <a:avLst/>
+            </a:prstGeom>
+            <a:solidFill>
+              <a:schemeClr val="accent5">
+                <a:lumMod val="20000"/>
+                <a:lumOff val="80000"/>
+              </a:schemeClr>
+            </a:solidFill>
+            <a:ln w="19050">
+              <a:noFill/>
+            </a:ln>
+          </p:spPr>
+          <p:style>
+            <a:lnRef idx="2">
+              <a:schemeClr val="accent1">
+                <a:shade val="50000"/>
+              </a:schemeClr>
+            </a:lnRef>
+            <a:fillRef idx="1">
+              <a:schemeClr val="accent1"/>
+            </a:fillRef>
+            <a:effectRef idx="0">
+              <a:schemeClr val="accent1"/>
+            </a:effectRef>
+            <a:fontRef idx="minor">
+              <a:schemeClr val="lt1"/>
+            </a:fontRef>
+          </p:style>
+          <p:txBody>
+            <a:bodyPr rtlCol="0" anchor="ctr"/>
+            <a:lstStyle/>
+            <a:p>
+              <a:pPr algn="ctr"/>
+              <a:endParaRPr lang="fr-FR"/>
+            </a:p>
+          </p:txBody>
+        </p:sp>
+        <p:cxnSp>
+          <p:nvCxnSpPr>
+            <p:cNvPr id="6" name="Connecteur droit 5">
+              <a:extLst>
+                <a:ext uri="{FF2B5EF4-FFF2-40B4-BE49-F238E27FC236}">
+                  <a16:creationId xmlns:a16="http://schemas.microsoft.com/office/drawing/2014/main" id="{1731AF3A-C4F2-3537-D6ED-2D750FFD0A2E}"/>
+                </a:ext>
+              </a:extLst>
+            </p:cNvPr>
+            <p:cNvCxnSpPr/>
+            <p:nvPr/>
+          </p:nvCxnSpPr>
+          <p:spPr>
+            <a:xfrm rot="5400000">
+              <a:off x="1103493" y="3420488"/>
+              <a:ext cx="1" cy="288000"/>
+            </a:xfrm>
+            <a:prstGeom prst="line">
+              <a:avLst/>
+            </a:prstGeom>
+            <a:noFill/>
+            <a:ln w="19050">
+              <a:solidFill>
+                <a:schemeClr val="accent5">
+                  <a:lumMod val="50000"/>
+                </a:schemeClr>
+              </a:solidFill>
+            </a:ln>
+          </p:spPr>
+          <p:style>
+            <a:lnRef idx="2">
+              <a:schemeClr val="accent1">
+                <a:shade val="50000"/>
+              </a:schemeClr>
+            </a:lnRef>
+            <a:fillRef idx="1">
+              <a:schemeClr val="accent1"/>
+            </a:fillRef>
+            <a:effectRef idx="0">
+              <a:schemeClr val="accent1"/>
+            </a:effectRef>
+            <a:fontRef idx="minor">
+              <a:schemeClr val="lt1"/>
+            </a:fontRef>
+          </p:style>
+        </p:cxnSp>
+      </p:grpSp>
+      <p:grpSp>
+        <p:nvGrpSpPr>
+          <p:cNvPr id="14" name="Groupe 13">
+            <a:extLst>
+              <a:ext uri="{FF2B5EF4-FFF2-40B4-BE49-F238E27FC236}">
+                <a16:creationId xmlns:a16="http://schemas.microsoft.com/office/drawing/2014/main" id="{A795C3E3-2E60-F51F-F63B-A8A33735102D}"/>
+              </a:ext>
+            </a:extLst>
+          </p:cNvPr>
+          <p:cNvGrpSpPr/>
+          <p:nvPr/>
+        </p:nvGrpSpPr>
+        <p:grpSpPr>
+          <a:xfrm>
+            <a:off x="851012" y="2479796"/>
+            <a:ext cx="415268" cy="415268"/>
+            <a:chOff x="851012" y="2479796"/>
+            <a:chExt cx="415268" cy="415268"/>
+          </a:xfrm>
+        </p:grpSpPr>
+        <p:sp>
+          <p:nvSpPr>
+            <p:cNvPr id="8" name="Ellipse 7">
+              <a:extLst>
+                <a:ext uri="{FF2B5EF4-FFF2-40B4-BE49-F238E27FC236}">
+                  <a16:creationId xmlns:a16="http://schemas.microsoft.com/office/drawing/2014/main" id="{CC22DACA-2508-20BE-80E0-DAD97B0F388B}"/>
+                </a:ext>
+              </a:extLst>
+            </p:cNvPr>
+            <p:cNvSpPr/>
+            <p:nvPr/>
+          </p:nvSpPr>
+          <p:spPr>
+            <a:xfrm>
+              <a:off x="851012" y="2479796"/>
+              <a:ext cx="415268" cy="415268"/>
+            </a:xfrm>
+            <a:prstGeom prst="ellipse">
+              <a:avLst/>
+            </a:prstGeom>
+            <a:solidFill>
+              <a:schemeClr val="bg1"/>
+            </a:solidFill>
+            <a:ln w="19050">
+              <a:solidFill>
+                <a:srgbClr val="C00000"/>
+              </a:solidFill>
+            </a:ln>
+          </p:spPr>
+          <p:style>
+            <a:lnRef idx="2">
+              <a:schemeClr val="accent1">
+                <a:shade val="50000"/>
+              </a:schemeClr>
+            </a:lnRef>
+            <a:fillRef idx="1">
+              <a:schemeClr val="accent1"/>
+            </a:fillRef>
+            <a:effectRef idx="0">
+              <a:schemeClr val="accent1"/>
+            </a:effectRef>
+            <a:fontRef idx="minor">
+              <a:schemeClr val="lt1"/>
+            </a:fontRef>
+          </p:style>
+          <p:txBody>
+            <a:bodyPr rtlCol="0" anchor="ctr"/>
+            <a:lstStyle/>
+            <a:p>
+              <a:pPr algn="ctr"/>
+              <a:endParaRPr lang="fr-FR" dirty="0"/>
+            </a:p>
+          </p:txBody>
+        </p:sp>
+        <p:sp>
+          <p:nvSpPr>
+            <p:cNvPr id="7" name="Ellipse 6">
+              <a:extLst>
+                <a:ext uri="{FF2B5EF4-FFF2-40B4-BE49-F238E27FC236}">
+                  <a16:creationId xmlns:a16="http://schemas.microsoft.com/office/drawing/2014/main" id="{F6D231DF-DDF0-94A9-71AA-9C150BC632B4}"/>
+                </a:ext>
+              </a:extLst>
+            </p:cNvPr>
+            <p:cNvSpPr/>
+            <p:nvPr/>
+          </p:nvSpPr>
+          <p:spPr>
+            <a:xfrm>
+              <a:off x="986638" y="2615422"/>
+              <a:ext cx="144016" cy="144016"/>
+            </a:xfrm>
+            <a:prstGeom prst="ellipse">
+              <a:avLst/>
+            </a:prstGeom>
+            <a:solidFill>
+              <a:schemeClr val="bg1"/>
+            </a:solidFill>
+            <a:ln w="19050">
+              <a:solidFill>
+                <a:srgbClr val="C00000"/>
+              </a:solidFill>
+            </a:ln>
+          </p:spPr>
+          <p:style>
+            <a:lnRef idx="2">
+              <a:schemeClr val="accent1">
+                <a:shade val="50000"/>
+              </a:schemeClr>
+            </a:lnRef>
+            <a:fillRef idx="1">
+              <a:schemeClr val="accent1"/>
+            </a:fillRef>
+            <a:effectRef idx="0">
+              <a:schemeClr val="accent1"/>
+            </a:effectRef>
+            <a:fontRef idx="minor">
+              <a:schemeClr val="lt1"/>
+            </a:fontRef>
+          </p:style>
+          <p:txBody>
+            <a:bodyPr rtlCol="0" anchor="ctr"/>
+            <a:lstStyle/>
+            <a:p>
+              <a:pPr algn="ctr"/>
+              <a:endParaRPr lang="fr-FR" dirty="0"/>
+            </a:p>
+          </p:txBody>
+        </p:sp>
+        <p:cxnSp>
+          <p:nvCxnSpPr>
+            <p:cNvPr id="9" name="Connecteur droit 8">
+              <a:extLst>
+                <a:ext uri="{FF2B5EF4-FFF2-40B4-BE49-F238E27FC236}">
+                  <a16:creationId xmlns:a16="http://schemas.microsoft.com/office/drawing/2014/main" id="{CB49ED74-1294-DEB3-516F-7A32CE1BC477}"/>
+                </a:ext>
+              </a:extLst>
+            </p:cNvPr>
+            <p:cNvCxnSpPr>
+              <a:cxnSpLocks/>
+              <a:stCxn id="8" idx="7"/>
+              <a:endCxn id="7" idx="7"/>
+            </p:cNvCxnSpPr>
+            <p:nvPr/>
+          </p:nvCxnSpPr>
+          <p:spPr>
+            <a:xfrm flipH="1">
+              <a:off x="1109563" y="2540611"/>
+              <a:ext cx="95902" cy="95902"/>
+            </a:xfrm>
+            <a:prstGeom prst="line">
+              <a:avLst/>
+            </a:prstGeom>
+            <a:noFill/>
+            <a:ln w="19050">
+              <a:solidFill>
+                <a:srgbClr val="C00000"/>
+              </a:solidFill>
+            </a:ln>
+          </p:spPr>
+          <p:style>
+            <a:lnRef idx="2">
+              <a:schemeClr val="accent1">
+                <a:shade val="50000"/>
+              </a:schemeClr>
+            </a:lnRef>
+            <a:fillRef idx="1">
+              <a:schemeClr val="accent1"/>
+            </a:fillRef>
+            <a:effectRef idx="0">
+              <a:schemeClr val="accent1"/>
+            </a:effectRef>
+            <a:fontRef idx="minor">
+              <a:schemeClr val="lt1"/>
+            </a:fontRef>
+          </p:style>
+        </p:cxnSp>
+      </p:grpSp>
+      <p:grpSp>
+        <p:nvGrpSpPr>
+          <p:cNvPr id="15" name="Groupe 14">
+            <a:extLst>
+              <a:ext uri="{FF2B5EF4-FFF2-40B4-BE49-F238E27FC236}">
+                <a16:creationId xmlns:a16="http://schemas.microsoft.com/office/drawing/2014/main" id="{0776DFFC-2327-A026-DA05-7A866037ED5F}"/>
+              </a:ext>
+            </a:extLst>
+          </p:cNvPr>
+          <p:cNvGrpSpPr/>
+          <p:nvPr/>
+        </p:nvGrpSpPr>
+        <p:grpSpPr>
+          <a:xfrm>
+            <a:off x="1691680" y="2479796"/>
+            <a:ext cx="415268" cy="415268"/>
+            <a:chOff x="851012" y="2479796"/>
+            <a:chExt cx="415268" cy="415268"/>
+          </a:xfrm>
+        </p:grpSpPr>
+        <p:sp>
+          <p:nvSpPr>
+            <p:cNvPr id="16" name="Ellipse 15">
+              <a:extLst>
+                <a:ext uri="{FF2B5EF4-FFF2-40B4-BE49-F238E27FC236}">
+                  <a16:creationId xmlns:a16="http://schemas.microsoft.com/office/drawing/2014/main" id="{18D42CC7-348D-D721-39ED-39E3B9F04B9B}"/>
+                </a:ext>
+              </a:extLst>
+            </p:cNvPr>
+            <p:cNvSpPr/>
+            <p:nvPr/>
+          </p:nvSpPr>
+          <p:spPr>
+            <a:xfrm>
+              <a:off x="851012" y="2479796"/>
+              <a:ext cx="415268" cy="415268"/>
+            </a:xfrm>
+            <a:prstGeom prst="ellipse">
+              <a:avLst/>
+            </a:prstGeom>
+            <a:solidFill>
+              <a:schemeClr val="bg1"/>
+            </a:solidFill>
+            <a:ln w="19050">
+              <a:solidFill>
+                <a:srgbClr val="C00000"/>
+              </a:solidFill>
+            </a:ln>
+          </p:spPr>
+          <p:style>
+            <a:lnRef idx="2">
+              <a:schemeClr val="accent1">
+                <a:shade val="50000"/>
+              </a:schemeClr>
+            </a:lnRef>
+            <a:fillRef idx="1">
+              <a:schemeClr val="accent1"/>
+            </a:fillRef>
+            <a:effectRef idx="0">
+              <a:schemeClr val="accent1"/>
+            </a:effectRef>
+            <a:fontRef idx="minor">
+              <a:schemeClr val="lt1"/>
+            </a:fontRef>
+          </p:style>
+          <p:txBody>
+            <a:bodyPr rtlCol="0" anchor="ctr"/>
+            <a:lstStyle/>
+            <a:p>
+              <a:pPr algn="ctr"/>
+              <a:endParaRPr lang="fr-FR" dirty="0"/>
+            </a:p>
+          </p:txBody>
+        </p:sp>
+        <p:sp>
+          <p:nvSpPr>
+            <p:cNvPr id="17" name="Ellipse 16">
+              <a:extLst>
+                <a:ext uri="{FF2B5EF4-FFF2-40B4-BE49-F238E27FC236}">
+                  <a16:creationId xmlns:a16="http://schemas.microsoft.com/office/drawing/2014/main" id="{3EDD25EB-B0E4-21E0-A035-39A11B13ED77}"/>
+                </a:ext>
+              </a:extLst>
+            </p:cNvPr>
+            <p:cNvSpPr/>
+            <p:nvPr/>
+          </p:nvSpPr>
+          <p:spPr>
+            <a:xfrm>
+              <a:off x="986638" y="2615422"/>
+              <a:ext cx="144016" cy="144016"/>
+            </a:xfrm>
+            <a:prstGeom prst="ellipse">
+              <a:avLst/>
+            </a:prstGeom>
+            <a:solidFill>
+              <a:schemeClr val="bg1"/>
+            </a:solidFill>
+            <a:ln w="19050">
+              <a:solidFill>
+                <a:srgbClr val="C00000"/>
+              </a:solidFill>
+            </a:ln>
+          </p:spPr>
+          <p:style>
+            <a:lnRef idx="2">
+              <a:schemeClr val="accent1">
+                <a:shade val="50000"/>
+              </a:schemeClr>
+            </a:lnRef>
+            <a:fillRef idx="1">
+              <a:schemeClr val="accent1"/>
+            </a:fillRef>
+            <a:effectRef idx="0">
+              <a:schemeClr val="accent1"/>
+            </a:effectRef>
+            <a:fontRef idx="minor">
+              <a:schemeClr val="lt1"/>
+            </a:fontRef>
+          </p:style>
+          <p:txBody>
+            <a:bodyPr rtlCol="0" anchor="ctr"/>
+            <a:lstStyle/>
+            <a:p>
+              <a:pPr algn="ctr"/>
+              <a:endParaRPr lang="fr-FR" dirty="0"/>
+            </a:p>
+          </p:txBody>
+        </p:sp>
+        <p:cxnSp>
+          <p:nvCxnSpPr>
+            <p:cNvPr id="18" name="Connecteur droit 17">
+              <a:extLst>
+                <a:ext uri="{FF2B5EF4-FFF2-40B4-BE49-F238E27FC236}">
+                  <a16:creationId xmlns:a16="http://schemas.microsoft.com/office/drawing/2014/main" id="{0A1B64C9-7165-599D-F3C2-7BA319A58A20}"/>
+                </a:ext>
+              </a:extLst>
+            </p:cNvPr>
+            <p:cNvCxnSpPr>
+              <a:cxnSpLocks/>
+              <a:stCxn id="16" idx="7"/>
+              <a:endCxn id="17" idx="7"/>
+            </p:cNvCxnSpPr>
+            <p:nvPr/>
+          </p:nvCxnSpPr>
+          <p:spPr>
+            <a:xfrm flipH="1">
+              <a:off x="1109563" y="2540611"/>
+              <a:ext cx="95902" cy="95902"/>
+            </a:xfrm>
+            <a:prstGeom prst="line">
+              <a:avLst/>
+            </a:prstGeom>
+            <a:noFill/>
+            <a:ln w="19050">
+              <a:solidFill>
+                <a:srgbClr val="C00000"/>
+              </a:solidFill>
+            </a:ln>
+          </p:spPr>
+          <p:style>
+            <a:lnRef idx="2">
+              <a:schemeClr val="accent1">
+                <a:shade val="50000"/>
+              </a:schemeClr>
+            </a:lnRef>
+            <a:fillRef idx="1">
+              <a:schemeClr val="accent1"/>
+            </a:fillRef>
+            <a:effectRef idx="0">
+              <a:schemeClr val="accent1"/>
+            </a:effectRef>
+            <a:fontRef idx="minor">
+              <a:schemeClr val="lt1"/>
+            </a:fontRef>
+          </p:style>
+        </p:cxnSp>
+      </p:grpSp>
+      <p:cxnSp>
+        <p:nvCxnSpPr>
+          <p:cNvPr id="19" name="Connecteur droit 18">
+            <a:extLst>
+              <a:ext uri="{FF2B5EF4-FFF2-40B4-BE49-F238E27FC236}">
+                <a16:creationId xmlns:a16="http://schemas.microsoft.com/office/drawing/2014/main" id="{807C2F28-D272-2813-4E1F-C83F18FBDAE2}"/>
+              </a:ext>
+            </a:extLst>
+          </p:cNvPr>
+          <p:cNvCxnSpPr>
+            <a:cxnSpLocks/>
+            <a:stCxn id="17" idx="2"/>
+            <a:endCxn id="7" idx="6"/>
+          </p:cNvCxnSpPr>
+          <p:nvPr/>
+        </p:nvCxnSpPr>
+        <p:spPr>
+          <a:xfrm flipH="1">
+            <a:off x="1130654" y="2687430"/>
+            <a:ext cx="696652" cy="0"/>
+          </a:xfrm>
+          <a:prstGeom prst="line">
+            <a:avLst/>
+          </a:prstGeom>
+          <a:noFill/>
+          <a:ln w="19050">
+            <a:solidFill>
+              <a:srgbClr val="00B0F0"/>
+            </a:solidFill>
+          </a:ln>
+        </p:spPr>
+        <p:style>
+          <a:lnRef idx="2">
+            <a:schemeClr val="accent1">
+              <a:shade val="50000"/>
+            </a:schemeClr>
+          </a:lnRef>
+          <a:fillRef idx="1">
+            <a:schemeClr val="accent1"/>
+          </a:fillRef>
+          <a:effectRef idx="0">
+            <a:schemeClr val="accent1"/>
+          </a:effectRef>
+          <a:fontRef idx="minor">
+            <a:schemeClr val="lt1"/>
+          </a:fontRef>
+        </p:style>
+      </p:cxnSp>
+      <mc:AlternateContent xmlns:mc="http://schemas.openxmlformats.org/markup-compatibility/2006">
+        <mc:Choice xmlns:a14="http://schemas.microsoft.com/office/drawing/2010/main" Requires="a14">
+          <p:sp>
+            <p:nvSpPr>
+              <p:cNvPr id="23" name="Espace réservé du contenu 2">
+                <a:extLst>
+                  <a:ext uri="{FF2B5EF4-FFF2-40B4-BE49-F238E27FC236}">
+                    <a16:creationId xmlns:a16="http://schemas.microsoft.com/office/drawing/2014/main" id="{CFCBDF9B-92FD-C439-DD43-15DA3B28D599}"/>
+                  </a:ext>
+                </a:extLst>
+              </p:cNvPr>
+              <p:cNvSpPr>
+                <a:spLocks noGrp="1"/>
+              </p:cNvSpPr>
+              <p:nvPr>
+                <p:ph idx="1"/>
+              </p:nvPr>
+            </p:nvSpPr>
+            <p:spPr>
+              <a:xfrm>
+                <a:off x="4572000" y="260648"/>
+                <a:ext cx="4392488" cy="6480720"/>
+              </a:xfrm>
+            </p:spPr>
+            <p:txBody>
+              <a:bodyPr>
+                <a:normAutofit/>
+              </a:bodyPr>
+              <a:lstStyle/>
+              <a:p>
+                <a14:m>
+                  <m:oMath xmlns:m="http://schemas.openxmlformats.org/officeDocument/2006/math">
+                    <m:r>
+                      <a:rPr lang="fr-FR" b="0" i="1" smtClean="0">
+                        <a:latin typeface="Cambria Math" panose="02040503050406030204" pitchFamily="18" charset="0"/>
+                      </a:rPr>
+                      <m:t>𝑚</m:t>
+                    </m:r>
+                    <m:r>
+                      <a:rPr lang="fr-FR" b="0" i="1" smtClean="0">
+                        <a:latin typeface="Cambria Math"/>
+                      </a:rPr>
+                      <m:t>=</m:t>
+                    </m:r>
+                    <m:r>
+                      <a:rPr lang="fr-FR" b="0" i="1" smtClean="0">
+                        <a:latin typeface="Cambria Math" panose="02040503050406030204" pitchFamily="18" charset="0"/>
+                      </a:rPr>
+                      <m:t>5</m:t>
+                    </m:r>
+                  </m:oMath>
+                </a14:m>
+                <a:endParaRPr lang="fr-FR" b="0" dirty="0"/>
+              </a:p>
+              <a:p>
+                <a:r>
+                  <a:rPr lang="fr-FR" dirty="0"/>
+                  <a:t>En 3D :</a:t>
+                </a:r>
+              </a:p>
+              <a:p>
+                <a:pPr lvl="1"/>
+                <a14:m>
+                  <m:oMath xmlns:m="http://schemas.openxmlformats.org/officeDocument/2006/math">
+                    <m:sSub>
+                      <m:sSubPr>
+                        <m:ctrlPr>
+                          <a:rPr lang="fr-FR" b="0" i="1" smtClean="0">
+                            <a:latin typeface="Cambria Math" panose="02040503050406030204" pitchFamily="18" charset="0"/>
+                          </a:rPr>
+                        </m:ctrlPr>
+                      </m:sSubPr>
+                      <m:e>
+                        <m:r>
+                          <a:rPr lang="fr-FR" b="0" i="1" smtClean="0">
+                            <a:latin typeface="Cambria Math"/>
+                          </a:rPr>
+                          <m:t>𝐼</m:t>
+                        </m:r>
+                      </m:e>
+                      <m:sub>
+                        <m:r>
+                          <a:rPr lang="fr-FR" b="0" i="1" smtClean="0">
+                            <a:latin typeface="Cambria Math"/>
+                          </a:rPr>
+                          <m:t>𝑠</m:t>
+                        </m:r>
+                      </m:sub>
+                    </m:sSub>
+                    <m:r>
+                      <a:rPr lang="fr-FR" b="0" i="1" smtClean="0">
+                        <a:latin typeface="Cambria Math"/>
+                      </a:rPr>
+                      <m:t>=5+</m:t>
+                    </m:r>
+                    <m:r>
+                      <a:rPr lang="fr-FR" b="0" i="1" smtClean="0">
+                        <a:latin typeface="Cambria Math" panose="02040503050406030204" pitchFamily="18" charset="0"/>
+                      </a:rPr>
+                      <m:t>5</m:t>
+                    </m:r>
+                    <m:r>
+                      <a:rPr lang="fr-FR" b="0" i="1" smtClean="0">
+                        <a:latin typeface="Cambria Math"/>
+                      </a:rPr>
+                      <m:t>+</m:t>
+                    </m:r>
+                    <m:r>
+                      <a:rPr lang="fr-FR" b="0" i="1" smtClean="0">
+                        <a:latin typeface="Cambria Math" panose="02040503050406030204" pitchFamily="18" charset="0"/>
+                      </a:rPr>
+                      <m:t>2+2</m:t>
+                    </m:r>
+                    <m:r>
+                      <a:rPr lang="fr-FR" b="0" i="1" smtClean="0">
+                        <a:latin typeface="Cambria Math"/>
+                      </a:rPr>
+                      <m:t>=1</m:t>
+                    </m:r>
+                    <m:r>
+                      <a:rPr lang="fr-FR" b="0" i="1" smtClean="0">
+                        <a:latin typeface="Cambria Math" panose="02040503050406030204" pitchFamily="18" charset="0"/>
+                      </a:rPr>
+                      <m:t>4</m:t>
+                    </m:r>
+                  </m:oMath>
+                </a14:m>
+                <a:endParaRPr lang="fr-FR" b="0" dirty="0"/>
+              </a:p>
+              <a:p>
+                <a:pPr lvl="1"/>
+                <a14:m>
+                  <m:oMath xmlns:m="http://schemas.openxmlformats.org/officeDocument/2006/math">
+                    <m:sSub>
+                      <m:sSubPr>
+                        <m:ctrlPr>
+                          <a:rPr lang="fr-FR" b="0" i="1" smtClean="0">
+                            <a:latin typeface="Cambria Math" panose="02040503050406030204" pitchFamily="18" charset="0"/>
+                          </a:rPr>
+                        </m:ctrlPr>
+                      </m:sSubPr>
+                      <m:e>
+                        <m:r>
+                          <a:rPr lang="fr-FR" b="0" i="1" smtClean="0">
+                            <a:latin typeface="Cambria Math"/>
+                          </a:rPr>
+                          <m:t>𝐸</m:t>
+                        </m:r>
+                      </m:e>
+                      <m:sub>
+                        <m:r>
+                          <a:rPr lang="fr-FR" b="0" i="1" smtClean="0">
+                            <a:latin typeface="Cambria Math"/>
+                          </a:rPr>
+                          <m:t>𝑠</m:t>
+                        </m:r>
+                      </m:sub>
+                    </m:sSub>
+                    <m:r>
+                      <a:rPr lang="fr-FR" b="0" i="1" smtClean="0">
+                        <a:latin typeface="Cambria Math"/>
+                      </a:rPr>
+                      <m:t>=6⋅3=18</m:t>
+                    </m:r>
+                  </m:oMath>
+                </a14:m>
+                <a:endParaRPr lang="fr-FR" dirty="0"/>
+              </a:p>
+              <a:p>
+                <a:pPr lvl="1"/>
+                <a14:m>
+                  <m:oMath xmlns:m="http://schemas.openxmlformats.org/officeDocument/2006/math">
+                    <m:r>
+                      <a:rPr lang="fr-FR" b="0" i="1" smtClean="0">
+                        <a:latin typeface="Cambria Math"/>
+                      </a:rPr>
+                      <m:t>h</m:t>
+                    </m:r>
+                    <m:r>
+                      <a:rPr lang="fr-FR" b="0" i="1" smtClean="0">
+                        <a:latin typeface="Cambria Math"/>
+                      </a:rPr>
+                      <m:t>=6−</m:t>
+                    </m:r>
+                    <m:r>
+                      <a:rPr lang="fr-FR" b="0" i="1" smtClean="0">
+                        <a:latin typeface="Cambria Math"/>
+                      </a:rPr>
+                      <m:t>18+14=</m:t>
+                    </m:r>
+                    <m:r>
+                      <a:rPr lang="fr-FR" b="0" i="0" smtClean="0">
+                        <a:latin typeface="Cambria Math" panose="02040503050406030204" pitchFamily="18" charset="0"/>
+                      </a:rPr>
+                      <m:t>2</m:t>
+                    </m:r>
+                  </m:oMath>
+                </a14:m>
+                <a:endParaRPr lang="fr-FR" dirty="0"/>
+              </a:p>
+              <a:p>
+                <a:endParaRPr lang="fr-FR" dirty="0"/>
+              </a:p>
+            </p:txBody>
+          </p:sp>
+        </mc:Choice>
+        <mc:Fallback>
+          <p:sp>
+            <p:nvSpPr>
+              <p:cNvPr id="23" name="Espace réservé du contenu 2">
+                <a:extLst>
+                  <a:ext uri="{FF2B5EF4-FFF2-40B4-BE49-F238E27FC236}">
+                    <a16:creationId xmlns:a16="http://schemas.microsoft.com/office/drawing/2014/main" id="{CFCBDF9B-92FD-C439-DD43-15DA3B28D599}"/>
+                  </a:ext>
+                </a:extLst>
+              </p:cNvPr>
+              <p:cNvSpPr>
+                <a:spLocks noGrp="1" noRot="1" noChangeAspect="1" noMove="1" noResize="1" noEditPoints="1" noAdjustHandles="1" noChangeArrowheads="1" noChangeShapeType="1" noTextEdit="1"/>
+              </p:cNvSpPr>
+              <p:nvPr>
+                <p:ph idx="1"/>
+              </p:nvPr>
+            </p:nvSpPr>
+            <p:spPr>
+              <a:xfrm>
+                <a:off x="4572000" y="260648"/>
+                <a:ext cx="4392488" cy="6480720"/>
+              </a:xfrm>
+              <a:blipFill>
+                <a:blip r:embed="rId2"/>
+                <a:stretch>
+                  <a:fillRect l="-3190"/>
+                </a:stretch>
+              </a:blipFill>
+            </p:spPr>
+            <p:txBody>
+              <a:bodyPr/>
+              <a:lstStyle/>
+              <a:p>
+                <a:r>
+                  <a:rPr lang="fr-FR">
+                    <a:noFill/>
+                  </a:rPr>
+                  <a:t> </a:t>
+                </a:r>
+              </a:p>
+            </p:txBody>
+          </p:sp>
+        </mc:Fallback>
+      </mc:AlternateContent>
+      <p:sp>
+        <p:nvSpPr>
+          <p:cNvPr id="2" name="ZoneTexte 1">
+            <a:extLst>
+              <a:ext uri="{FF2B5EF4-FFF2-40B4-BE49-F238E27FC236}">
+                <a16:creationId xmlns:a16="http://schemas.microsoft.com/office/drawing/2014/main" id="{AA9FEB85-8A76-B30B-F78F-2C1FE718E61D}"/>
+              </a:ext>
+            </a:extLst>
+          </p:cNvPr>
+          <p:cNvSpPr txBox="1"/>
+          <p:nvPr/>
+        </p:nvSpPr>
+        <p:spPr>
+          <a:xfrm>
+            <a:off x="762085" y="3059435"/>
+            <a:ext cx="1433652" cy="369332"/>
+          </a:xfrm>
+          <a:prstGeom prst="rect">
+            <a:avLst/>
+          </a:prstGeom>
+          <a:noFill/>
+        </p:spPr>
+        <p:txBody>
+          <a:bodyPr wrap="square" rtlCol="0">
+            <a:spAutoFit/>
+          </a:bodyPr>
+          <a:lstStyle/>
+          <a:p>
+            <a:pPr algn="just"/>
+            <a:r>
+              <a:rPr lang="fr-FR" sz="900" dirty="0"/>
+              <a:t>Deux roues en contact cylindre-plan  avec le sol</a:t>
+            </a:r>
+          </a:p>
+        </p:txBody>
+      </p:sp>
+      <p:sp>
+        <p:nvSpPr>
+          <p:cNvPr id="10" name="ZoneTexte 9">
+            <a:extLst>
+              <a:ext uri="{FF2B5EF4-FFF2-40B4-BE49-F238E27FC236}">
+                <a16:creationId xmlns:a16="http://schemas.microsoft.com/office/drawing/2014/main" id="{0484E4F4-845E-AEEC-8066-E59BFEFEB806}"/>
+              </a:ext>
+            </a:extLst>
+          </p:cNvPr>
+          <p:cNvSpPr txBox="1"/>
+          <p:nvPr/>
+        </p:nvSpPr>
+        <p:spPr>
+          <a:xfrm>
+            <a:off x="395536" y="260648"/>
+            <a:ext cx="4572000" cy="369332"/>
+          </a:xfrm>
+          <a:prstGeom prst="rect">
+            <a:avLst/>
+          </a:prstGeom>
+          <a:noFill/>
+        </p:spPr>
+        <p:txBody>
+          <a:bodyPr wrap="square">
+            <a:spAutoFit/>
+          </a:bodyPr>
+          <a:lstStyle/>
+          <a:p>
+            <a:r>
+              <a:rPr lang="fr-FR" dirty="0"/>
+              <a:t>Exo 2</a:t>
+            </a:r>
+          </a:p>
+        </p:txBody>
+      </p:sp>
+    </p:spTree>
+    <p:extLst>
+      <p:ext uri="{BB962C8B-B14F-4D97-AF65-F5344CB8AC3E}">
+        <p14:creationId xmlns:p14="http://schemas.microsoft.com/office/powerpoint/2010/main" val="1958129354"/>
+      </p:ext>
+    </p:extLst>
+  </p:cSld>
+  <p:clrMapOvr>
+    <a:masterClrMapping/>
+  </p:clrMapOvr>
+</p:sld>
+</file>
+
+<file path=ppt/slides/slide15.xml><?xml version="1.0" encoding="utf-8"?>
+<p:sld xmlns:a="http://schemas.openxmlformats.org/drawingml/2006/main" xmlns:r="http://schemas.openxmlformats.org/officeDocument/2006/relationships" xmlns:p="http://schemas.openxmlformats.org/presentationml/2006/main">
+  <p:cSld>
+    <p:spTree>
+      <p:nvGrpSpPr>
+        <p:cNvPr id="1" name=""/>
+        <p:cNvGrpSpPr/>
+        <p:nvPr/>
+      </p:nvGrpSpPr>
+      <p:grpSpPr>
+        <a:xfrm>
+          <a:off x="0" y="0"/>
+          <a:ext cx="0" cy="0"/>
+          <a:chOff x="0" y="0"/>
+          <a:chExt cx="0" cy="0"/>
+        </a:xfrm>
+      </p:grpSpPr>
+      <p:grpSp>
+        <p:nvGrpSpPr>
+          <p:cNvPr id="4" name="Groupe 3">
+            <a:extLst>
+              <a:ext uri="{FF2B5EF4-FFF2-40B4-BE49-F238E27FC236}">
+                <a16:creationId xmlns:a16="http://schemas.microsoft.com/office/drawing/2014/main" id="{03D59515-59B0-1FD5-5241-7F48376904BD}"/>
+              </a:ext>
+            </a:extLst>
+          </p:cNvPr>
+          <p:cNvGrpSpPr/>
+          <p:nvPr/>
+        </p:nvGrpSpPr>
+        <p:grpSpPr>
+          <a:xfrm>
+            <a:off x="1187624" y="1628800"/>
+            <a:ext cx="1080001" cy="1080001"/>
+            <a:chOff x="851012" y="2479796"/>
+            <a:chExt cx="450827" cy="450827"/>
+          </a:xfrm>
+        </p:grpSpPr>
+        <p:sp>
+          <p:nvSpPr>
+            <p:cNvPr id="5" name="Ellipse 4">
+              <a:extLst>
+                <a:ext uri="{FF2B5EF4-FFF2-40B4-BE49-F238E27FC236}">
+                  <a16:creationId xmlns:a16="http://schemas.microsoft.com/office/drawing/2014/main" id="{A92B95DA-385A-FEA4-2866-619018D113E6}"/>
+                </a:ext>
+              </a:extLst>
+            </p:cNvPr>
+            <p:cNvSpPr/>
+            <p:nvPr/>
+          </p:nvSpPr>
+          <p:spPr>
+            <a:xfrm>
+              <a:off x="851012" y="2479796"/>
+              <a:ext cx="450827" cy="450827"/>
+            </a:xfrm>
+            <a:prstGeom prst="ellipse">
+              <a:avLst/>
+            </a:prstGeom>
+            <a:solidFill>
+              <a:schemeClr val="bg1"/>
+            </a:solidFill>
+            <a:ln w="19050">
+              <a:solidFill>
+                <a:srgbClr val="C00000"/>
+              </a:solidFill>
+            </a:ln>
+          </p:spPr>
+          <p:style>
+            <a:lnRef idx="2">
+              <a:schemeClr val="accent1">
+                <a:shade val="50000"/>
+              </a:schemeClr>
+            </a:lnRef>
+            <a:fillRef idx="1">
+              <a:schemeClr val="accent1"/>
+            </a:fillRef>
+            <a:effectRef idx="0">
+              <a:schemeClr val="accent1"/>
+            </a:effectRef>
+            <a:fontRef idx="minor">
+              <a:schemeClr val="lt1"/>
+            </a:fontRef>
+          </p:style>
+          <p:txBody>
+            <a:bodyPr rtlCol="0" anchor="ctr"/>
+            <a:lstStyle/>
+            <a:p>
+              <a:pPr algn="ctr"/>
+              <a:endParaRPr lang="fr-FR" dirty="0"/>
+            </a:p>
+          </p:txBody>
+        </p:sp>
+        <p:sp>
+          <p:nvSpPr>
+            <p:cNvPr id="6" name="Ellipse 5">
+              <a:extLst>
+                <a:ext uri="{FF2B5EF4-FFF2-40B4-BE49-F238E27FC236}">
+                  <a16:creationId xmlns:a16="http://schemas.microsoft.com/office/drawing/2014/main" id="{A9A6BF59-07DF-13DD-E0B5-A5490D23104F}"/>
+                </a:ext>
+              </a:extLst>
+            </p:cNvPr>
+            <p:cNvSpPr/>
+            <p:nvPr/>
+          </p:nvSpPr>
+          <p:spPr>
+            <a:xfrm>
+              <a:off x="1046370" y="2675154"/>
+              <a:ext cx="60110" cy="60110"/>
+            </a:xfrm>
+            <a:prstGeom prst="ellipse">
+              <a:avLst/>
+            </a:prstGeom>
+            <a:solidFill>
+              <a:schemeClr val="bg1"/>
+            </a:solidFill>
+            <a:ln w="19050">
+              <a:solidFill>
+                <a:srgbClr val="C00000"/>
+              </a:solidFill>
+            </a:ln>
+          </p:spPr>
+          <p:style>
+            <a:lnRef idx="2">
+              <a:schemeClr val="accent1">
+                <a:shade val="50000"/>
+              </a:schemeClr>
+            </a:lnRef>
+            <a:fillRef idx="1">
+              <a:schemeClr val="accent1"/>
+            </a:fillRef>
+            <a:effectRef idx="0">
+              <a:schemeClr val="accent1"/>
+            </a:effectRef>
+            <a:fontRef idx="minor">
+              <a:schemeClr val="lt1"/>
+            </a:fontRef>
+          </p:style>
+          <p:txBody>
+            <a:bodyPr rtlCol="0" anchor="ctr"/>
+            <a:lstStyle/>
+            <a:p>
+              <a:pPr algn="ctr"/>
+              <a:endParaRPr lang="fr-FR" dirty="0"/>
+            </a:p>
+          </p:txBody>
+        </p:sp>
+        <p:cxnSp>
+          <p:nvCxnSpPr>
+            <p:cNvPr id="7" name="Connecteur droit 6">
+              <a:extLst>
+                <a:ext uri="{FF2B5EF4-FFF2-40B4-BE49-F238E27FC236}">
+                  <a16:creationId xmlns:a16="http://schemas.microsoft.com/office/drawing/2014/main" id="{2CD9FC44-B1C5-9FC2-C41E-361C2439B173}"/>
+                </a:ext>
+              </a:extLst>
+            </p:cNvPr>
+            <p:cNvCxnSpPr>
+              <a:cxnSpLocks/>
+              <a:stCxn id="5" idx="7"/>
+              <a:endCxn id="6" idx="7"/>
+            </p:cNvCxnSpPr>
+            <p:nvPr/>
+          </p:nvCxnSpPr>
+          <p:spPr>
+            <a:xfrm flipH="1">
+              <a:off x="1097677" y="2545818"/>
+              <a:ext cx="138140" cy="138139"/>
+            </a:xfrm>
+            <a:prstGeom prst="line">
+              <a:avLst/>
+            </a:prstGeom>
+            <a:noFill/>
+            <a:ln w="19050">
+              <a:solidFill>
+                <a:srgbClr val="C00000"/>
+              </a:solidFill>
+            </a:ln>
+          </p:spPr>
+          <p:style>
+            <a:lnRef idx="2">
+              <a:schemeClr val="accent1">
+                <a:shade val="50000"/>
+              </a:schemeClr>
+            </a:lnRef>
+            <a:fillRef idx="1">
+              <a:schemeClr val="accent1"/>
+            </a:fillRef>
+            <a:effectRef idx="0">
+              <a:schemeClr val="accent1"/>
+            </a:effectRef>
+            <a:fontRef idx="minor">
+              <a:schemeClr val="lt1"/>
+            </a:fontRef>
+          </p:style>
+        </p:cxnSp>
+      </p:grpSp>
+      <p:grpSp>
+        <p:nvGrpSpPr>
+          <p:cNvPr id="8" name="Groupe 7">
+            <a:extLst>
+              <a:ext uri="{FF2B5EF4-FFF2-40B4-BE49-F238E27FC236}">
+                <a16:creationId xmlns:a16="http://schemas.microsoft.com/office/drawing/2014/main" id="{50D192E7-CEB1-6145-B8A2-16E59DF04719}"/>
+              </a:ext>
+            </a:extLst>
+          </p:cNvPr>
+          <p:cNvGrpSpPr/>
+          <p:nvPr/>
+        </p:nvGrpSpPr>
+        <p:grpSpPr>
+          <a:xfrm>
+            <a:off x="1520093" y="2708799"/>
+            <a:ext cx="415268" cy="415268"/>
+            <a:chOff x="851012" y="2479796"/>
+            <a:chExt cx="415268" cy="415268"/>
+          </a:xfrm>
+        </p:grpSpPr>
+        <p:sp>
+          <p:nvSpPr>
+            <p:cNvPr id="9" name="Ellipse 8">
+              <a:extLst>
+                <a:ext uri="{FF2B5EF4-FFF2-40B4-BE49-F238E27FC236}">
+                  <a16:creationId xmlns:a16="http://schemas.microsoft.com/office/drawing/2014/main" id="{EA880343-2E89-A8F2-824A-F23555869044}"/>
+                </a:ext>
+              </a:extLst>
+            </p:cNvPr>
+            <p:cNvSpPr/>
+            <p:nvPr/>
+          </p:nvSpPr>
+          <p:spPr>
+            <a:xfrm>
+              <a:off x="851012" y="2479796"/>
+              <a:ext cx="415268" cy="415268"/>
+            </a:xfrm>
+            <a:prstGeom prst="ellipse">
+              <a:avLst/>
+            </a:prstGeom>
+            <a:solidFill>
+              <a:schemeClr val="bg1"/>
+            </a:solidFill>
+            <a:ln w="19050">
+              <a:solidFill>
+                <a:srgbClr val="C00000"/>
+              </a:solidFill>
+            </a:ln>
+          </p:spPr>
+          <p:style>
+            <a:lnRef idx="2">
+              <a:schemeClr val="accent1">
+                <a:shade val="50000"/>
+              </a:schemeClr>
+            </a:lnRef>
+            <a:fillRef idx="1">
+              <a:schemeClr val="accent1"/>
+            </a:fillRef>
+            <a:effectRef idx="0">
+              <a:schemeClr val="accent1"/>
+            </a:effectRef>
+            <a:fontRef idx="minor">
+              <a:schemeClr val="lt1"/>
+            </a:fontRef>
+          </p:style>
+          <p:txBody>
+            <a:bodyPr rtlCol="0" anchor="ctr"/>
+            <a:lstStyle/>
+            <a:p>
+              <a:pPr algn="ctr"/>
+              <a:endParaRPr lang="fr-FR" dirty="0"/>
+            </a:p>
+          </p:txBody>
+        </p:sp>
+        <p:sp>
+          <p:nvSpPr>
+            <p:cNvPr id="10" name="Ellipse 9">
+              <a:extLst>
+                <a:ext uri="{FF2B5EF4-FFF2-40B4-BE49-F238E27FC236}">
+                  <a16:creationId xmlns:a16="http://schemas.microsoft.com/office/drawing/2014/main" id="{12264AF7-89B6-C89B-24BB-FB354FC5EEB0}"/>
+                </a:ext>
+              </a:extLst>
+            </p:cNvPr>
+            <p:cNvSpPr/>
+            <p:nvPr/>
+          </p:nvSpPr>
+          <p:spPr>
+            <a:xfrm>
+              <a:off x="986638" y="2615422"/>
+              <a:ext cx="144016" cy="144016"/>
+            </a:xfrm>
+            <a:prstGeom prst="ellipse">
+              <a:avLst/>
+            </a:prstGeom>
+            <a:solidFill>
+              <a:schemeClr val="bg1"/>
+            </a:solidFill>
+            <a:ln w="19050">
+              <a:solidFill>
+                <a:srgbClr val="C00000"/>
+              </a:solidFill>
+            </a:ln>
+          </p:spPr>
+          <p:style>
+            <a:lnRef idx="2">
+              <a:schemeClr val="accent1">
+                <a:shade val="50000"/>
+              </a:schemeClr>
+            </a:lnRef>
+            <a:fillRef idx="1">
+              <a:schemeClr val="accent1"/>
+            </a:fillRef>
+            <a:effectRef idx="0">
+              <a:schemeClr val="accent1"/>
+            </a:effectRef>
+            <a:fontRef idx="minor">
+              <a:schemeClr val="lt1"/>
+            </a:fontRef>
+          </p:style>
+          <p:txBody>
+            <a:bodyPr rtlCol="0" anchor="ctr"/>
+            <a:lstStyle/>
+            <a:p>
+              <a:pPr algn="ctr"/>
+              <a:endParaRPr lang="fr-FR" dirty="0"/>
+            </a:p>
+          </p:txBody>
+        </p:sp>
+        <p:cxnSp>
+          <p:nvCxnSpPr>
+            <p:cNvPr id="11" name="Connecteur droit 10">
+              <a:extLst>
+                <a:ext uri="{FF2B5EF4-FFF2-40B4-BE49-F238E27FC236}">
+                  <a16:creationId xmlns:a16="http://schemas.microsoft.com/office/drawing/2014/main" id="{07D4237C-633C-CA21-851D-82F57DD8A6E6}"/>
+                </a:ext>
+              </a:extLst>
+            </p:cNvPr>
+            <p:cNvCxnSpPr>
+              <a:cxnSpLocks/>
+              <a:stCxn id="9" idx="7"/>
+              <a:endCxn id="10" idx="7"/>
+            </p:cNvCxnSpPr>
+            <p:nvPr/>
+          </p:nvCxnSpPr>
+          <p:spPr>
+            <a:xfrm flipH="1">
+              <a:off x="1109563" y="2540611"/>
+              <a:ext cx="95902" cy="95902"/>
+            </a:xfrm>
+            <a:prstGeom prst="line">
+              <a:avLst/>
+            </a:prstGeom>
+            <a:noFill/>
+            <a:ln w="19050">
+              <a:solidFill>
+                <a:srgbClr val="C00000"/>
+              </a:solidFill>
+            </a:ln>
+          </p:spPr>
+          <p:style>
+            <a:lnRef idx="2">
+              <a:schemeClr val="accent1">
+                <a:shade val="50000"/>
+              </a:schemeClr>
+            </a:lnRef>
+            <a:fillRef idx="1">
+              <a:schemeClr val="accent1"/>
+            </a:fillRef>
+            <a:effectRef idx="0">
+              <a:schemeClr val="accent1"/>
+            </a:effectRef>
+            <a:fontRef idx="minor">
+              <a:schemeClr val="lt1"/>
+            </a:fontRef>
+          </p:style>
+        </p:cxnSp>
+      </p:grpSp>
+      <p:cxnSp>
+        <p:nvCxnSpPr>
+          <p:cNvPr id="14" name="Connecteur droit 13">
+            <a:extLst>
+              <a:ext uri="{FF2B5EF4-FFF2-40B4-BE49-F238E27FC236}">
+                <a16:creationId xmlns:a16="http://schemas.microsoft.com/office/drawing/2014/main" id="{945E44CC-F6D8-90B4-2F45-6C1F589CABCD}"/>
+              </a:ext>
+            </a:extLst>
+          </p:cNvPr>
+          <p:cNvCxnSpPr>
+            <a:cxnSpLocks/>
+          </p:cNvCxnSpPr>
+          <p:nvPr/>
+        </p:nvCxnSpPr>
+        <p:spPr>
+          <a:xfrm flipH="1">
+            <a:off x="971600" y="2168798"/>
+            <a:ext cx="684024" cy="3"/>
+          </a:xfrm>
+          <a:prstGeom prst="line">
+            <a:avLst/>
+          </a:prstGeom>
+          <a:noFill/>
+          <a:ln w="19050">
+            <a:solidFill>
+              <a:schemeClr val="accent5">
+                <a:lumMod val="50000"/>
+              </a:schemeClr>
+            </a:solidFill>
+          </a:ln>
+        </p:spPr>
+        <p:style>
+          <a:lnRef idx="2">
+            <a:schemeClr val="accent1">
+              <a:shade val="50000"/>
+            </a:schemeClr>
+          </a:lnRef>
+          <a:fillRef idx="1">
+            <a:schemeClr val="accent1"/>
+          </a:fillRef>
+          <a:effectRef idx="0">
+            <a:schemeClr val="accent1"/>
+          </a:effectRef>
+          <a:fontRef idx="minor">
+            <a:schemeClr val="lt1"/>
+          </a:fontRef>
+        </p:style>
+      </p:cxnSp>
+      <p:cxnSp>
+        <p:nvCxnSpPr>
+          <p:cNvPr id="16" name="Connecteur droit 15">
+            <a:extLst>
+              <a:ext uri="{FF2B5EF4-FFF2-40B4-BE49-F238E27FC236}">
+                <a16:creationId xmlns:a16="http://schemas.microsoft.com/office/drawing/2014/main" id="{5415D9BC-9873-0B55-C6E1-EDA402FC4F41}"/>
+              </a:ext>
+            </a:extLst>
+          </p:cNvPr>
+          <p:cNvCxnSpPr>
+            <a:cxnSpLocks/>
+          </p:cNvCxnSpPr>
+          <p:nvPr/>
+        </p:nvCxnSpPr>
+        <p:spPr>
+          <a:xfrm flipH="1">
+            <a:off x="971600" y="2916432"/>
+            <a:ext cx="684024" cy="3"/>
+          </a:xfrm>
+          <a:prstGeom prst="line">
+            <a:avLst/>
+          </a:prstGeom>
+          <a:noFill/>
+          <a:ln w="19050">
+            <a:solidFill>
+              <a:schemeClr val="accent5">
+                <a:lumMod val="50000"/>
+              </a:schemeClr>
+            </a:solidFill>
+          </a:ln>
+        </p:spPr>
+        <p:style>
+          <a:lnRef idx="2">
+            <a:schemeClr val="accent1">
+              <a:shade val="50000"/>
+            </a:schemeClr>
+          </a:lnRef>
+          <a:fillRef idx="1">
+            <a:schemeClr val="accent1"/>
+          </a:fillRef>
+          <a:effectRef idx="0">
+            <a:schemeClr val="accent1"/>
+          </a:effectRef>
+          <a:fontRef idx="minor">
+            <a:schemeClr val="lt1"/>
+          </a:fontRef>
+        </p:style>
+      </p:cxnSp>
+      <p:cxnSp>
+        <p:nvCxnSpPr>
+          <p:cNvPr id="17" name="Connecteur droit 16">
+            <a:extLst>
+              <a:ext uri="{FF2B5EF4-FFF2-40B4-BE49-F238E27FC236}">
+                <a16:creationId xmlns:a16="http://schemas.microsoft.com/office/drawing/2014/main" id="{FF5CE079-6E02-B97D-D397-CED2226D7C01}"/>
+              </a:ext>
+            </a:extLst>
+          </p:cNvPr>
+          <p:cNvCxnSpPr>
+            <a:cxnSpLocks/>
+          </p:cNvCxnSpPr>
+          <p:nvPr/>
+        </p:nvCxnSpPr>
+        <p:spPr>
+          <a:xfrm flipV="1">
+            <a:off x="971600" y="2168798"/>
+            <a:ext cx="0" cy="747634"/>
+          </a:xfrm>
+          <a:prstGeom prst="line">
+            <a:avLst/>
+          </a:prstGeom>
+          <a:noFill/>
+          <a:ln w="19050">
+            <a:solidFill>
+              <a:schemeClr val="accent5">
+                <a:lumMod val="50000"/>
+              </a:schemeClr>
+            </a:solidFill>
+          </a:ln>
+        </p:spPr>
+        <p:style>
+          <a:lnRef idx="2">
+            <a:schemeClr val="accent1">
+              <a:shade val="50000"/>
+            </a:schemeClr>
+          </a:lnRef>
+          <a:fillRef idx="1">
+            <a:schemeClr val="accent1"/>
+          </a:fillRef>
+          <a:effectRef idx="0">
+            <a:schemeClr val="accent1"/>
+          </a:effectRef>
+          <a:fontRef idx="minor">
+            <a:schemeClr val="lt1"/>
+          </a:fontRef>
+        </p:style>
+      </p:cxnSp>
+      <p:grpSp>
+        <p:nvGrpSpPr>
+          <p:cNvPr id="20" name="Groupe 19">
+            <a:extLst>
+              <a:ext uri="{FF2B5EF4-FFF2-40B4-BE49-F238E27FC236}">
+                <a16:creationId xmlns:a16="http://schemas.microsoft.com/office/drawing/2014/main" id="{0A645007-D3E6-865F-F95F-3FC327823040}"/>
+              </a:ext>
+            </a:extLst>
+          </p:cNvPr>
+          <p:cNvGrpSpPr/>
+          <p:nvPr/>
+        </p:nvGrpSpPr>
+        <p:grpSpPr>
+          <a:xfrm rot="5400000">
+            <a:off x="611561" y="2470614"/>
+            <a:ext cx="288032" cy="144002"/>
+            <a:chOff x="959462" y="3564487"/>
+            <a:chExt cx="288032" cy="144002"/>
+          </a:xfrm>
+        </p:grpSpPr>
+        <p:sp>
+          <p:nvSpPr>
+            <p:cNvPr id="21" name="Rectangle 20">
+              <a:extLst>
+                <a:ext uri="{FF2B5EF4-FFF2-40B4-BE49-F238E27FC236}">
+                  <a16:creationId xmlns:a16="http://schemas.microsoft.com/office/drawing/2014/main" id="{D63F68D1-8596-6C48-E035-E9D51047B062}"/>
+                </a:ext>
+              </a:extLst>
+            </p:cNvPr>
+            <p:cNvSpPr/>
+            <p:nvPr/>
+          </p:nvSpPr>
+          <p:spPr>
+            <a:xfrm rot="5400000">
+              <a:off x="1031478" y="3492473"/>
+              <a:ext cx="144000" cy="288032"/>
+            </a:xfrm>
+            <a:prstGeom prst="rect">
+              <a:avLst/>
+            </a:prstGeom>
+            <a:solidFill>
+              <a:schemeClr val="accent5">
+                <a:lumMod val="20000"/>
+                <a:lumOff val="80000"/>
+              </a:schemeClr>
+            </a:solidFill>
+            <a:ln w="19050">
+              <a:noFill/>
+            </a:ln>
+          </p:spPr>
+          <p:style>
+            <a:lnRef idx="2">
+              <a:schemeClr val="accent1">
+                <a:shade val="50000"/>
+              </a:schemeClr>
+            </a:lnRef>
+            <a:fillRef idx="1">
+              <a:schemeClr val="accent1"/>
+            </a:fillRef>
+            <a:effectRef idx="0">
+              <a:schemeClr val="accent1"/>
+            </a:effectRef>
+            <a:fontRef idx="minor">
+              <a:schemeClr val="lt1"/>
+            </a:fontRef>
+          </p:style>
+          <p:txBody>
+            <a:bodyPr rtlCol="0" anchor="ctr"/>
+            <a:lstStyle/>
+            <a:p>
+              <a:pPr algn="ctr"/>
+              <a:endParaRPr lang="fr-FR"/>
+            </a:p>
+          </p:txBody>
+        </p:sp>
+        <p:cxnSp>
+          <p:nvCxnSpPr>
+            <p:cNvPr id="22" name="Connecteur droit 21">
+              <a:extLst>
+                <a:ext uri="{FF2B5EF4-FFF2-40B4-BE49-F238E27FC236}">
+                  <a16:creationId xmlns:a16="http://schemas.microsoft.com/office/drawing/2014/main" id="{57874C8B-56C8-8326-D829-ADC21A02C3A7}"/>
+                </a:ext>
+              </a:extLst>
+            </p:cNvPr>
+            <p:cNvCxnSpPr/>
+            <p:nvPr/>
+          </p:nvCxnSpPr>
+          <p:spPr>
+            <a:xfrm rot="5400000">
+              <a:off x="1103493" y="3420488"/>
+              <a:ext cx="1" cy="288000"/>
+            </a:xfrm>
+            <a:prstGeom prst="line">
+              <a:avLst/>
+            </a:prstGeom>
+            <a:noFill/>
+            <a:ln w="19050">
+              <a:solidFill>
+                <a:schemeClr val="accent5">
+                  <a:lumMod val="50000"/>
+                </a:schemeClr>
+              </a:solidFill>
+            </a:ln>
+          </p:spPr>
+          <p:style>
+            <a:lnRef idx="2">
+              <a:schemeClr val="accent1">
+                <a:shade val="50000"/>
+              </a:schemeClr>
+            </a:lnRef>
+            <a:fillRef idx="1">
+              <a:schemeClr val="accent1"/>
+            </a:fillRef>
+            <a:effectRef idx="0">
+              <a:schemeClr val="accent1"/>
+            </a:effectRef>
+            <a:fontRef idx="minor">
+              <a:schemeClr val="lt1"/>
+            </a:fontRef>
+          </p:style>
+        </p:cxnSp>
+      </p:grpSp>
+      <p:cxnSp>
+        <p:nvCxnSpPr>
+          <p:cNvPr id="23" name="Connecteur droit 22">
+            <a:extLst>
+              <a:ext uri="{FF2B5EF4-FFF2-40B4-BE49-F238E27FC236}">
+                <a16:creationId xmlns:a16="http://schemas.microsoft.com/office/drawing/2014/main" id="{D66DAAD1-87BE-318C-8F4C-073EC6EB1DB7}"/>
+              </a:ext>
+            </a:extLst>
+          </p:cNvPr>
+          <p:cNvCxnSpPr>
+            <a:cxnSpLocks/>
+          </p:cNvCxnSpPr>
+          <p:nvPr/>
+        </p:nvCxnSpPr>
+        <p:spPr>
+          <a:xfrm flipH="1">
+            <a:off x="825469" y="2542615"/>
+            <a:ext cx="146131" cy="3"/>
+          </a:xfrm>
+          <a:prstGeom prst="line">
+            <a:avLst/>
+          </a:prstGeom>
+          <a:noFill/>
+          <a:ln w="19050">
+            <a:solidFill>
+              <a:schemeClr val="accent5">
+                <a:lumMod val="50000"/>
+              </a:schemeClr>
+            </a:solidFill>
+          </a:ln>
+        </p:spPr>
+        <p:style>
+          <a:lnRef idx="2">
+            <a:schemeClr val="accent1">
+              <a:shade val="50000"/>
+            </a:schemeClr>
+          </a:lnRef>
+          <a:fillRef idx="1">
+            <a:schemeClr val="accent1"/>
+          </a:fillRef>
+          <a:effectRef idx="0">
+            <a:schemeClr val="accent1"/>
+          </a:effectRef>
+          <a:fontRef idx="minor">
+            <a:schemeClr val="lt1"/>
+          </a:fontRef>
+        </p:style>
+      </p:cxnSp>
+      <mc:AlternateContent xmlns:mc="http://schemas.openxmlformats.org/markup-compatibility/2006">
+        <mc:Choice xmlns:a14="http://schemas.microsoft.com/office/drawing/2010/main" Requires="a14">
+          <p:sp>
+            <p:nvSpPr>
+              <p:cNvPr id="25" name="Espace réservé du contenu 2">
+                <a:extLst>
+                  <a:ext uri="{FF2B5EF4-FFF2-40B4-BE49-F238E27FC236}">
+                    <a16:creationId xmlns:a16="http://schemas.microsoft.com/office/drawing/2014/main" id="{0B331235-3FB4-CB8F-7ACF-A424BAA53691}"/>
+                  </a:ext>
+                </a:extLst>
+              </p:cNvPr>
+              <p:cNvSpPr>
+                <a:spLocks noGrp="1"/>
+              </p:cNvSpPr>
+              <p:nvPr>
+                <p:ph idx="1"/>
+              </p:nvPr>
+            </p:nvSpPr>
+            <p:spPr>
+              <a:xfrm>
+                <a:off x="4572000" y="188640"/>
+                <a:ext cx="4392488" cy="6480720"/>
+              </a:xfrm>
+            </p:spPr>
+            <p:txBody>
+              <a:bodyPr>
+                <a:normAutofit/>
+              </a:bodyPr>
+              <a:lstStyle/>
+              <a:p>
+                <a14:m>
+                  <m:oMath xmlns:m="http://schemas.openxmlformats.org/officeDocument/2006/math">
+                    <m:r>
+                      <a:rPr lang="fr-FR" b="0" i="1" smtClean="0">
+                        <a:latin typeface="Cambria Math" panose="02040503050406030204" pitchFamily="18" charset="0"/>
+                      </a:rPr>
+                      <m:t>𝑚</m:t>
+                    </m:r>
+                    <m:r>
+                      <a:rPr lang="fr-FR" b="0" i="1" smtClean="0">
+                        <a:latin typeface="Cambria Math"/>
+                      </a:rPr>
+                      <m:t>=</m:t>
+                    </m:r>
+                    <m:r>
+                      <a:rPr lang="fr-FR" b="0" i="1" smtClean="0">
+                        <a:latin typeface="Cambria Math" panose="02040503050406030204" pitchFamily="18" charset="0"/>
+                      </a:rPr>
+                      <m:t>2</m:t>
+                    </m:r>
+                  </m:oMath>
+                </a14:m>
+                <a:endParaRPr lang="fr-FR" b="0" dirty="0"/>
+              </a:p>
+              <a:p>
+                <a:r>
+                  <a:rPr lang="fr-FR" dirty="0"/>
+                  <a:t>En 3D :</a:t>
+                </a:r>
+              </a:p>
+              <a:p>
+                <a:pPr lvl="1"/>
+                <a14:m>
+                  <m:oMath xmlns:m="http://schemas.openxmlformats.org/officeDocument/2006/math">
+                    <m:sSub>
+                      <m:sSubPr>
+                        <m:ctrlPr>
+                          <a:rPr lang="fr-FR" b="0" i="1" smtClean="0">
+                            <a:latin typeface="Cambria Math" panose="02040503050406030204" pitchFamily="18" charset="0"/>
+                          </a:rPr>
+                        </m:ctrlPr>
+                      </m:sSubPr>
+                      <m:e>
+                        <m:r>
+                          <a:rPr lang="fr-FR" b="0" i="1" smtClean="0">
+                            <a:latin typeface="Cambria Math"/>
+                          </a:rPr>
+                          <m:t>𝐼</m:t>
+                        </m:r>
+                      </m:e>
+                      <m:sub>
+                        <m:r>
+                          <a:rPr lang="fr-FR" b="0" i="1" smtClean="0">
+                            <a:latin typeface="Cambria Math"/>
+                          </a:rPr>
+                          <m:t>𝑠</m:t>
+                        </m:r>
+                      </m:sub>
+                    </m:sSub>
+                    <m:r>
+                      <a:rPr lang="fr-FR" b="0" i="1" smtClean="0">
+                        <a:latin typeface="Cambria Math"/>
+                      </a:rPr>
+                      <m:t>=</m:t>
+                    </m:r>
+                    <m:r>
+                      <a:rPr lang="fr-FR" b="0" i="1" smtClean="0">
+                        <a:latin typeface="Cambria Math" panose="02040503050406030204" pitchFamily="18" charset="0"/>
+                      </a:rPr>
+                      <m:t>5+5+1=11</m:t>
+                    </m:r>
+                  </m:oMath>
+                </a14:m>
+                <a:endParaRPr lang="fr-FR" b="0" dirty="0"/>
+              </a:p>
+              <a:p>
+                <a:pPr lvl="1"/>
+                <a14:m>
+                  <m:oMath xmlns:m="http://schemas.openxmlformats.org/officeDocument/2006/math">
+                    <m:sSub>
+                      <m:sSubPr>
+                        <m:ctrlPr>
+                          <a:rPr lang="fr-FR" b="0" i="1" smtClean="0">
+                            <a:latin typeface="Cambria Math" panose="02040503050406030204" pitchFamily="18" charset="0"/>
+                          </a:rPr>
+                        </m:ctrlPr>
+                      </m:sSubPr>
+                      <m:e>
+                        <m:r>
+                          <a:rPr lang="fr-FR" b="0" i="1" smtClean="0">
+                            <a:latin typeface="Cambria Math"/>
+                          </a:rPr>
+                          <m:t>𝐸</m:t>
+                        </m:r>
+                      </m:e>
+                      <m:sub>
+                        <m:r>
+                          <a:rPr lang="fr-FR" b="0" i="1" smtClean="0">
+                            <a:latin typeface="Cambria Math"/>
+                          </a:rPr>
+                          <m:t>𝑠</m:t>
+                        </m:r>
+                      </m:sub>
+                    </m:sSub>
+                    <m:r>
+                      <a:rPr lang="fr-FR" b="0" i="1" smtClean="0">
+                        <a:latin typeface="Cambria Math"/>
+                      </a:rPr>
+                      <m:t>=6⋅</m:t>
+                    </m:r>
+                    <m:r>
+                      <a:rPr lang="fr-FR" b="0" i="1" smtClean="0">
+                        <a:latin typeface="Cambria Math" panose="02040503050406030204" pitchFamily="18" charset="0"/>
+                      </a:rPr>
+                      <m:t>2</m:t>
+                    </m:r>
+                    <m:r>
+                      <a:rPr lang="fr-FR" b="0" i="1" smtClean="0">
+                        <a:latin typeface="Cambria Math"/>
+                      </a:rPr>
+                      <m:t>=</m:t>
+                    </m:r>
+                    <m:r>
+                      <a:rPr lang="fr-FR" b="0" i="1" smtClean="0">
+                        <a:latin typeface="Cambria Math" panose="02040503050406030204" pitchFamily="18" charset="0"/>
+                      </a:rPr>
+                      <m:t>12</m:t>
+                    </m:r>
+                  </m:oMath>
+                </a14:m>
+                <a:endParaRPr lang="fr-FR" dirty="0"/>
+              </a:p>
+              <a:p>
+                <a:pPr lvl="1"/>
+                <a14:m>
+                  <m:oMath xmlns:m="http://schemas.openxmlformats.org/officeDocument/2006/math">
+                    <m:r>
+                      <a:rPr lang="fr-FR" b="0" i="1" smtClean="0">
+                        <a:latin typeface="Cambria Math"/>
+                      </a:rPr>
+                      <m:t>h</m:t>
+                    </m:r>
+                    <m:r>
+                      <a:rPr lang="fr-FR" b="0" i="1" smtClean="0">
+                        <a:latin typeface="Cambria Math"/>
+                      </a:rPr>
+                      <m:t>=2−</m:t>
+                    </m:r>
+                    <m:r>
+                      <a:rPr lang="fr-FR" b="0" i="1" smtClean="0">
+                        <a:latin typeface="Cambria Math" panose="02040503050406030204" pitchFamily="18" charset="0"/>
+                      </a:rPr>
+                      <m:t>12</m:t>
+                    </m:r>
+                    <m:r>
+                      <a:rPr lang="fr-FR" b="0" i="1" smtClean="0">
+                        <a:latin typeface="Cambria Math"/>
+                      </a:rPr>
+                      <m:t>+</m:t>
+                    </m:r>
+                    <m:r>
+                      <a:rPr lang="fr-FR" b="0" i="1" smtClean="0">
+                        <a:latin typeface="Cambria Math" panose="02040503050406030204" pitchFamily="18" charset="0"/>
+                      </a:rPr>
+                      <m:t>11</m:t>
+                    </m:r>
+                    <m:r>
+                      <a:rPr lang="fr-FR" b="0" i="1" smtClean="0">
+                        <a:latin typeface="Cambria Math"/>
+                      </a:rPr>
+                      <m:t>=</m:t>
+                    </m:r>
+                    <m:r>
+                      <a:rPr lang="fr-FR" b="0" i="0" smtClean="0">
+                        <a:latin typeface="Cambria Math" panose="02040503050406030204" pitchFamily="18" charset="0"/>
+                      </a:rPr>
+                      <m:t>1</m:t>
+                    </m:r>
+                  </m:oMath>
+                </a14:m>
+                <a:endParaRPr lang="fr-FR" dirty="0"/>
+              </a:p>
+              <a:p>
+                <a:endParaRPr lang="fr-FR" dirty="0"/>
+              </a:p>
+            </p:txBody>
+          </p:sp>
+        </mc:Choice>
+        <mc:Fallback>
+          <p:sp>
+            <p:nvSpPr>
+              <p:cNvPr id="25" name="Espace réservé du contenu 2">
+                <a:extLst>
+                  <a:ext uri="{FF2B5EF4-FFF2-40B4-BE49-F238E27FC236}">
+                    <a16:creationId xmlns:a16="http://schemas.microsoft.com/office/drawing/2014/main" id="{0B331235-3FB4-CB8F-7ACF-A424BAA53691}"/>
+                  </a:ext>
+                </a:extLst>
+              </p:cNvPr>
+              <p:cNvSpPr>
+                <a:spLocks noGrp="1" noRot="1" noChangeAspect="1" noMove="1" noResize="1" noEditPoints="1" noAdjustHandles="1" noChangeArrowheads="1" noChangeShapeType="1" noTextEdit="1"/>
+              </p:cNvSpPr>
+              <p:nvPr>
+                <p:ph idx="1"/>
+              </p:nvPr>
+            </p:nvSpPr>
+            <p:spPr>
+              <a:xfrm>
+                <a:off x="4572000" y="188640"/>
+                <a:ext cx="4392488" cy="6480720"/>
+              </a:xfrm>
+              <a:blipFill>
+                <a:blip r:embed="rId2"/>
+                <a:stretch>
+                  <a:fillRect l="-3190"/>
+                </a:stretch>
+              </a:blipFill>
+            </p:spPr>
+            <p:txBody>
+              <a:bodyPr/>
+              <a:lstStyle/>
+              <a:p>
+                <a:r>
+                  <a:rPr lang="fr-FR">
+                    <a:noFill/>
+                  </a:rPr>
+                  <a:t> </a:t>
+                </a:r>
+              </a:p>
+            </p:txBody>
+          </p:sp>
+        </mc:Fallback>
+      </mc:AlternateContent>
+      <p:sp>
+        <p:nvSpPr>
+          <p:cNvPr id="26" name="ZoneTexte 25">
+            <a:extLst>
+              <a:ext uri="{FF2B5EF4-FFF2-40B4-BE49-F238E27FC236}">
+                <a16:creationId xmlns:a16="http://schemas.microsoft.com/office/drawing/2014/main" id="{CF8510C8-A246-60A4-1476-9C45EBD866CA}"/>
+              </a:ext>
+            </a:extLst>
+          </p:cNvPr>
+          <p:cNvSpPr txBox="1"/>
+          <p:nvPr/>
+        </p:nvSpPr>
+        <p:spPr>
+          <a:xfrm>
+            <a:off x="395536" y="260648"/>
+            <a:ext cx="4572000" cy="369332"/>
+          </a:xfrm>
+          <a:prstGeom prst="rect">
+            <a:avLst/>
+          </a:prstGeom>
+          <a:noFill/>
+        </p:spPr>
+        <p:txBody>
+          <a:bodyPr wrap="square">
+            <a:spAutoFit/>
+          </a:bodyPr>
+          <a:lstStyle/>
+          <a:p>
+            <a:r>
+              <a:rPr lang="fr-FR" dirty="0"/>
+              <a:t>Exo 3</a:t>
+            </a:r>
+          </a:p>
+        </p:txBody>
+      </p:sp>
+    </p:spTree>
+    <p:extLst>
+      <p:ext uri="{BB962C8B-B14F-4D97-AF65-F5344CB8AC3E}">
+        <p14:creationId xmlns:p14="http://schemas.microsoft.com/office/powerpoint/2010/main" val="1857164806"/>
+      </p:ext>
+    </p:extLst>
+  </p:cSld>
+  <p:clrMapOvr>
+    <a:masterClrMapping/>
+  </p:clrMapOvr>
+</p:sld>
+</file>
+
+<file path=ppt/slides/slide16.xml><?xml version="1.0" encoding="utf-8"?>
+<p:sld xmlns:a="http://schemas.openxmlformats.org/drawingml/2006/main" xmlns:r="http://schemas.openxmlformats.org/officeDocument/2006/relationships" xmlns:p="http://schemas.openxmlformats.org/presentationml/2006/main">
+  <p:cSld>
+    <p:spTree>
+      <p:nvGrpSpPr>
+        <p:cNvPr id="1" name=""/>
+        <p:cNvGrpSpPr/>
+        <p:nvPr/>
+      </p:nvGrpSpPr>
+      <p:grpSpPr>
+        <a:xfrm>
+          <a:off x="0" y="0"/>
+          <a:ext cx="0" cy="0"/>
+          <a:chOff x="0" y="0"/>
+          <a:chExt cx="0" cy="0"/>
+        </a:xfrm>
+      </p:grpSpPr>
+      <p:pic>
+        <p:nvPicPr>
+          <p:cNvPr id="1026" name="Picture 2">
+            <a:extLst>
+              <a:ext uri="{FF2B5EF4-FFF2-40B4-BE49-F238E27FC236}">
+                <a16:creationId xmlns:a16="http://schemas.microsoft.com/office/drawing/2014/main" id="{B5FCFEAD-F3C5-6B31-858B-8BCE8E716832}"/>
+              </a:ext>
+            </a:extLst>
+          </p:cNvPr>
+          <p:cNvPicPr>
+            <a:picLocks noChangeAspect="1" noChangeArrowheads="1"/>
+          </p:cNvPicPr>
+          <p:nvPr/>
+        </p:nvPicPr>
+        <p:blipFill rotWithShape="1">
+          <a:blip r:embed="rId2">
+            <a:extLst>
+              <a:ext uri="{28A0092B-C50C-407E-A947-70E740481C1C}">
+                <a14:useLocalDpi xmlns:a14="http://schemas.microsoft.com/office/drawing/2010/main" val="0"/>
+              </a:ext>
+            </a:extLst>
+          </a:blip>
+          <a:srcRect l="48347" t="19550" b="3800"/>
+          <a:stretch/>
+        </p:blipFill>
+        <p:spPr bwMode="auto">
+          <a:xfrm>
+            <a:off x="971600" y="3068959"/>
+            <a:ext cx="2304918" cy="2707655"/>
+          </a:xfrm>
+          <a:prstGeom prst="rect">
+            <a:avLst/>
+          </a:prstGeom>
+          <a:noFill/>
+          <a:extLst>
+            <a:ext uri="{909E8E84-426E-40DD-AFC4-6F175D3DCCD1}">
+              <a14:hiddenFill xmlns:a14="http://schemas.microsoft.com/office/drawing/2010/main">
+                <a:solidFill>
+                  <a:srgbClr val="FFFFFF"/>
+                </a:solidFill>
+              </a14:hiddenFill>
+            </a:ext>
+          </a:extLst>
+        </p:spPr>
+      </p:pic>
+      <mc:AlternateContent xmlns:mc="http://schemas.openxmlformats.org/markup-compatibility/2006">
+        <mc:Choice xmlns:a14="http://schemas.microsoft.com/office/drawing/2010/main" Requires="a14">
+          <p:sp>
+            <p:nvSpPr>
+              <p:cNvPr id="4" name="Espace réservé du contenu 2">
+                <a:extLst>
+                  <a:ext uri="{FF2B5EF4-FFF2-40B4-BE49-F238E27FC236}">
+                    <a16:creationId xmlns:a16="http://schemas.microsoft.com/office/drawing/2014/main" id="{ED0FDD1E-4935-1797-0492-FF0B3B38BC51}"/>
+                  </a:ext>
+                </a:extLst>
+              </p:cNvPr>
+              <p:cNvSpPr>
+                <a:spLocks noGrp="1"/>
+              </p:cNvSpPr>
+              <p:nvPr>
+                <p:ph idx="1"/>
+              </p:nvPr>
+            </p:nvSpPr>
+            <p:spPr>
+              <a:xfrm>
+                <a:off x="4572000" y="188640"/>
+                <a:ext cx="4392488" cy="6480720"/>
+              </a:xfrm>
+            </p:spPr>
+            <p:txBody>
+              <a:bodyPr>
+                <a:normAutofit/>
+              </a:bodyPr>
+              <a:lstStyle/>
+              <a:p>
+                <a14:m>
+                  <m:oMath xmlns:m="http://schemas.openxmlformats.org/officeDocument/2006/math">
+                    <m:r>
+                      <a:rPr lang="fr-FR" b="0" i="1" smtClean="0">
+                        <a:latin typeface="Cambria Math" panose="02040503050406030204" pitchFamily="18" charset="0"/>
+                      </a:rPr>
+                      <m:t>𝑚</m:t>
+                    </m:r>
+                    <m:r>
+                      <a:rPr lang="fr-FR" b="0" i="1" smtClean="0">
+                        <a:latin typeface="Cambria Math"/>
+                      </a:rPr>
+                      <m:t>=</m:t>
+                    </m:r>
+                    <m:r>
+                      <a:rPr lang="fr-FR" b="0" i="1" smtClean="0">
+                        <a:latin typeface="Cambria Math" panose="02040503050406030204" pitchFamily="18" charset="0"/>
+                      </a:rPr>
+                      <m:t>5+4</m:t>
+                    </m:r>
+                  </m:oMath>
+                </a14:m>
+                <a:endParaRPr lang="fr-FR" b="0" dirty="0"/>
+              </a:p>
+              <a:p>
+                <a:r>
+                  <a:rPr lang="fr-FR" dirty="0"/>
+                  <a:t>En 3D :</a:t>
+                </a:r>
+              </a:p>
+              <a:p>
+                <a:pPr lvl="1"/>
+                <a14:m>
+                  <m:oMath xmlns:m="http://schemas.openxmlformats.org/officeDocument/2006/math">
+                    <m:sSub>
+                      <m:sSubPr>
+                        <m:ctrlPr>
+                          <a:rPr lang="fr-FR" b="0" i="1" smtClean="0">
+                            <a:latin typeface="Cambria Math" panose="02040503050406030204" pitchFamily="18" charset="0"/>
+                          </a:rPr>
+                        </m:ctrlPr>
+                      </m:sSubPr>
+                      <m:e>
+                        <m:r>
+                          <a:rPr lang="fr-FR" b="0" i="1" smtClean="0">
+                            <a:latin typeface="Cambria Math"/>
+                          </a:rPr>
+                          <m:t>𝐼</m:t>
+                        </m:r>
+                      </m:e>
+                      <m:sub>
+                        <m:r>
+                          <a:rPr lang="fr-FR" b="0" i="1" smtClean="0">
+                            <a:latin typeface="Cambria Math"/>
+                          </a:rPr>
+                          <m:t>𝑠</m:t>
+                        </m:r>
+                      </m:sub>
+                    </m:sSub>
+                    <m:r>
+                      <a:rPr lang="fr-FR" b="0" i="1" smtClean="0">
+                        <a:latin typeface="Cambria Math"/>
+                      </a:rPr>
+                      <m:t>=</m:t>
+                    </m:r>
+                    <m:r>
+                      <a:rPr lang="fr-FR" b="0" i="1" smtClean="0">
+                        <a:latin typeface="Cambria Math" panose="02040503050406030204" pitchFamily="18" charset="0"/>
+                      </a:rPr>
+                      <m:t>5×10+2×1=52</m:t>
+                    </m:r>
+                  </m:oMath>
+                </a14:m>
+                <a:endParaRPr lang="fr-FR" b="0" dirty="0"/>
+              </a:p>
+              <a:p>
+                <a:pPr lvl="1"/>
+                <a14:m>
+                  <m:oMath xmlns:m="http://schemas.openxmlformats.org/officeDocument/2006/math">
+                    <m:sSub>
+                      <m:sSubPr>
+                        <m:ctrlPr>
+                          <a:rPr lang="fr-FR" b="0" i="1" smtClean="0">
+                            <a:latin typeface="Cambria Math" panose="02040503050406030204" pitchFamily="18" charset="0"/>
+                          </a:rPr>
+                        </m:ctrlPr>
+                      </m:sSubPr>
+                      <m:e>
+                        <m:r>
+                          <a:rPr lang="fr-FR" b="0" i="1" smtClean="0">
+                            <a:latin typeface="Cambria Math"/>
+                          </a:rPr>
+                          <m:t>𝐸</m:t>
+                        </m:r>
+                      </m:e>
+                      <m:sub>
+                        <m:r>
+                          <a:rPr lang="fr-FR" b="0" i="1" smtClean="0">
+                            <a:latin typeface="Cambria Math"/>
+                          </a:rPr>
+                          <m:t>𝑠</m:t>
+                        </m:r>
+                      </m:sub>
+                    </m:sSub>
+                    <m:r>
+                      <a:rPr lang="fr-FR" b="0" i="1" smtClean="0">
+                        <a:latin typeface="Cambria Math"/>
+                      </a:rPr>
+                      <m:t>=6</m:t>
+                    </m:r>
+                    <m:r>
+                      <a:rPr lang="fr-FR" b="0" i="1" smtClean="0">
+                        <a:latin typeface="Cambria Math" panose="02040503050406030204" pitchFamily="18" charset="0"/>
+                      </a:rPr>
+                      <m:t>×9</m:t>
+                    </m:r>
+                    <m:r>
+                      <a:rPr lang="fr-FR" b="0" i="1" smtClean="0">
+                        <a:latin typeface="Cambria Math"/>
+                      </a:rPr>
+                      <m:t>=</m:t>
+                    </m:r>
+                    <m:r>
+                      <a:rPr lang="fr-FR" b="0" i="1" smtClean="0">
+                        <a:latin typeface="Cambria Math" panose="02040503050406030204" pitchFamily="18" charset="0"/>
+                      </a:rPr>
+                      <m:t>54</m:t>
+                    </m:r>
+                  </m:oMath>
+                </a14:m>
+                <a:endParaRPr lang="fr-FR" dirty="0"/>
+              </a:p>
+              <a:p>
+                <a:pPr lvl="1"/>
+                <a14:m>
+                  <m:oMath xmlns:m="http://schemas.openxmlformats.org/officeDocument/2006/math">
+                    <m:r>
+                      <a:rPr lang="fr-FR" b="0" i="1" smtClean="0">
+                        <a:latin typeface="Cambria Math"/>
+                      </a:rPr>
+                      <m:t>h</m:t>
+                    </m:r>
+                    <m:r>
+                      <a:rPr lang="fr-FR" b="0" i="1" smtClean="0">
+                        <a:latin typeface="Cambria Math"/>
+                      </a:rPr>
+                      <m:t>=9−</m:t>
+                    </m:r>
+                    <m:r>
+                      <a:rPr lang="fr-FR" b="0" i="1" smtClean="0">
+                        <a:latin typeface="Cambria Math" panose="02040503050406030204" pitchFamily="18" charset="0"/>
+                      </a:rPr>
+                      <m:t>54+52=7</m:t>
+                    </m:r>
+                  </m:oMath>
+                </a14:m>
+                <a:endParaRPr lang="fr-FR" dirty="0"/>
+              </a:p>
+              <a:p>
+                <a:endParaRPr lang="fr-FR" dirty="0"/>
+              </a:p>
+            </p:txBody>
+          </p:sp>
+        </mc:Choice>
+        <mc:Fallback>
+          <p:sp>
+            <p:nvSpPr>
+              <p:cNvPr id="4" name="Espace réservé du contenu 2">
+                <a:extLst>
+                  <a:ext uri="{FF2B5EF4-FFF2-40B4-BE49-F238E27FC236}">
+                    <a16:creationId xmlns:a16="http://schemas.microsoft.com/office/drawing/2014/main" id="{ED0FDD1E-4935-1797-0492-FF0B3B38BC51}"/>
+                  </a:ext>
+                </a:extLst>
+              </p:cNvPr>
+              <p:cNvSpPr>
+                <a:spLocks noGrp="1" noRot="1" noChangeAspect="1" noMove="1" noResize="1" noEditPoints="1" noAdjustHandles="1" noChangeArrowheads="1" noChangeShapeType="1" noTextEdit="1"/>
+              </p:cNvSpPr>
+              <p:nvPr>
+                <p:ph idx="1"/>
+              </p:nvPr>
+            </p:nvSpPr>
+            <p:spPr>
+              <a:xfrm>
+                <a:off x="4572000" y="188640"/>
+                <a:ext cx="4392488" cy="6480720"/>
+              </a:xfrm>
+              <a:blipFill>
+                <a:blip r:embed="rId3"/>
+                <a:stretch>
+                  <a:fillRect l="-3190"/>
+                </a:stretch>
+              </a:blipFill>
+            </p:spPr>
+            <p:txBody>
+              <a:bodyPr/>
+              <a:lstStyle/>
+              <a:p>
+                <a:r>
+                  <a:rPr lang="fr-FR">
+                    <a:noFill/>
+                  </a:rPr>
+                  <a:t> </a:t>
+                </a:r>
+              </a:p>
+            </p:txBody>
+          </p:sp>
+        </mc:Fallback>
+      </mc:AlternateContent>
+      <p:sp>
+        <p:nvSpPr>
+          <p:cNvPr id="5" name="ZoneTexte 4">
+            <a:extLst>
+              <a:ext uri="{FF2B5EF4-FFF2-40B4-BE49-F238E27FC236}">
+                <a16:creationId xmlns:a16="http://schemas.microsoft.com/office/drawing/2014/main" id="{8092237F-9757-D08C-23DA-EEF6E8A1121D}"/>
+              </a:ext>
+            </a:extLst>
+          </p:cNvPr>
+          <p:cNvSpPr txBox="1"/>
+          <p:nvPr/>
+        </p:nvSpPr>
+        <p:spPr>
+          <a:xfrm>
+            <a:off x="395536" y="260648"/>
+            <a:ext cx="4572000" cy="369332"/>
+          </a:xfrm>
+          <a:prstGeom prst="rect">
+            <a:avLst/>
+          </a:prstGeom>
+          <a:noFill/>
+        </p:spPr>
+        <p:txBody>
+          <a:bodyPr wrap="square">
+            <a:spAutoFit/>
+          </a:bodyPr>
+          <a:lstStyle/>
+          <a:p>
+            <a:r>
+              <a:rPr lang="fr-FR" dirty="0"/>
+              <a:t>Exo 4</a:t>
+            </a:r>
+          </a:p>
+        </p:txBody>
+      </p:sp>
+    </p:spTree>
+    <p:extLst>
+      <p:ext uri="{BB962C8B-B14F-4D97-AF65-F5344CB8AC3E}">
+        <p14:creationId xmlns:p14="http://schemas.microsoft.com/office/powerpoint/2010/main" val="411734889"/>
+      </p:ext>
+    </p:extLst>
+  </p:cSld>
+  <p:clrMapOvr>
+    <a:masterClrMapping/>
+  </p:clrMapOvr>
+</p:sld>
+</file>
+
+<file path=ppt/slides/slide17.xml><?xml version="1.0" encoding="utf-8"?>
+<p:sld xmlns:a="http://schemas.openxmlformats.org/drawingml/2006/main" xmlns:r="http://schemas.openxmlformats.org/officeDocument/2006/relationships" xmlns:p="http://schemas.openxmlformats.org/presentationml/2006/main">
+  <p:cSld>
+    <p:spTree>
+      <p:nvGrpSpPr>
+        <p:cNvPr id="1" name=""/>
+        <p:cNvGrpSpPr/>
+        <p:nvPr/>
+      </p:nvGrpSpPr>
+      <p:grpSpPr>
+        <a:xfrm>
+          <a:off x="0" y="0"/>
+          <a:ext cx="0" cy="0"/>
+          <a:chOff x="0" y="0"/>
+          <a:chExt cx="0" cy="0"/>
+        </a:xfrm>
+      </p:grpSpPr>
+      <p:pic>
+        <p:nvPicPr>
+          <p:cNvPr id="5" name="Image 4">
+            <a:extLst>
+              <a:ext uri="{FF2B5EF4-FFF2-40B4-BE49-F238E27FC236}">
+                <a16:creationId xmlns:a16="http://schemas.microsoft.com/office/drawing/2014/main" id="{461B90D8-E4C7-00E3-2912-B75AB05EB51D}"/>
+              </a:ext>
+            </a:extLst>
+          </p:cNvPr>
+          <p:cNvPicPr>
+            <a:picLocks noChangeAspect="1"/>
+          </p:cNvPicPr>
+          <p:nvPr/>
+        </p:nvPicPr>
+        <p:blipFill>
+          <a:blip r:embed="rId2"/>
+          <a:stretch>
+            <a:fillRect/>
+          </a:stretch>
+        </p:blipFill>
+        <p:spPr>
+          <a:xfrm>
+            <a:off x="395536" y="548680"/>
+            <a:ext cx="3880962" cy="2133374"/>
+          </a:xfrm>
+          <a:prstGeom prst="rect">
+            <a:avLst/>
+          </a:prstGeom>
+        </p:spPr>
+      </p:pic>
+      <mc:AlternateContent xmlns:mc="http://schemas.openxmlformats.org/markup-compatibility/2006">
+        <mc:Choice xmlns:a14="http://schemas.microsoft.com/office/drawing/2010/main" Requires="a14">
+          <p:sp>
+            <p:nvSpPr>
+              <p:cNvPr id="6" name="Espace réservé du contenu 2">
+                <a:extLst>
+                  <a:ext uri="{FF2B5EF4-FFF2-40B4-BE49-F238E27FC236}">
+                    <a16:creationId xmlns:a16="http://schemas.microsoft.com/office/drawing/2014/main" id="{91A64BE5-AABF-BD2B-35E8-B0BFF132D6AB}"/>
+                  </a:ext>
+                </a:extLst>
+              </p:cNvPr>
+              <p:cNvSpPr>
+                <a:spLocks noGrp="1"/>
+              </p:cNvSpPr>
+              <p:nvPr>
+                <p:ph idx="1"/>
+              </p:nvPr>
+            </p:nvSpPr>
+            <p:spPr>
+              <a:xfrm>
+                <a:off x="4572000" y="188640"/>
+                <a:ext cx="4392488" cy="6480720"/>
+              </a:xfrm>
+            </p:spPr>
+            <p:txBody>
+              <a:bodyPr>
+                <a:normAutofit/>
+              </a:bodyPr>
+              <a:lstStyle/>
+              <a:p>
+                <a14:m>
+                  <m:oMath xmlns:m="http://schemas.openxmlformats.org/officeDocument/2006/math">
+                    <m:r>
+                      <a:rPr lang="fr-FR" sz="2800" b="0" i="1" smtClean="0">
+                        <a:latin typeface="Cambria Math" panose="02040503050406030204" pitchFamily="18" charset="0"/>
+                      </a:rPr>
+                      <m:t>𝑚</m:t>
+                    </m:r>
+                    <m:r>
+                      <a:rPr lang="fr-FR" sz="2800" b="0" i="1" smtClean="0">
+                        <a:latin typeface="Cambria Math"/>
+                      </a:rPr>
+                      <m:t>=</m:t>
+                    </m:r>
+                    <m:r>
+                      <a:rPr lang="fr-FR" sz="2800" b="0" i="1" smtClean="0">
+                        <a:latin typeface="Cambria Math" panose="02040503050406030204" pitchFamily="18" charset="0"/>
+                      </a:rPr>
+                      <m:t>1+8+</m:t>
+                    </m:r>
+                    <m:r>
+                      <a:rPr lang="fr-FR" sz="2800" b="0" i="0" smtClean="0">
+                        <a:latin typeface="Cambria Math" panose="02040503050406030204" pitchFamily="18" charset="0"/>
+                      </a:rPr>
+                      <m:t>3=12</m:t>
+                    </m:r>
+                  </m:oMath>
+                </a14:m>
+                <a:endParaRPr lang="fr-FR" sz="2800" b="0" dirty="0"/>
+              </a:p>
+              <a:p>
+                <a:r>
+                  <a:rPr lang="fr-FR" sz="2800" dirty="0"/>
+                  <a:t>En 3D :</a:t>
+                </a:r>
+              </a:p>
+              <a:p>
+                <a:pPr lvl="1"/>
+                <a14:m>
+                  <m:oMath xmlns:m="http://schemas.openxmlformats.org/officeDocument/2006/math">
+                    <m:sSub>
+                      <m:sSubPr>
+                        <m:ctrlPr>
+                          <a:rPr lang="fr-FR" sz="2400" b="0" i="1" smtClean="0">
+                            <a:latin typeface="Cambria Math" panose="02040503050406030204" pitchFamily="18" charset="0"/>
+                          </a:rPr>
+                        </m:ctrlPr>
+                      </m:sSubPr>
+                      <m:e>
+                        <m:r>
+                          <a:rPr lang="fr-FR" sz="2400" b="0" i="1" smtClean="0">
+                            <a:latin typeface="Cambria Math"/>
+                          </a:rPr>
+                          <m:t>𝐼</m:t>
+                        </m:r>
+                      </m:e>
+                      <m:sub>
+                        <m:r>
+                          <a:rPr lang="fr-FR" sz="2400" b="0" i="1" smtClean="0">
+                            <a:latin typeface="Cambria Math"/>
+                          </a:rPr>
+                          <m:t>𝑠</m:t>
+                        </m:r>
+                      </m:sub>
+                    </m:sSub>
+                    <m:r>
+                      <a:rPr lang="fr-FR" sz="2400" b="0" i="1" smtClean="0">
+                        <a:latin typeface="Cambria Math"/>
+                      </a:rPr>
+                      <m:t>=</m:t>
+                    </m:r>
+                    <m:r>
+                      <a:rPr lang="fr-FR" sz="2400" b="0" i="1" smtClean="0">
+                        <a:latin typeface="Cambria Math" panose="02040503050406030204" pitchFamily="18" charset="0"/>
+                      </a:rPr>
+                      <m:t>15×5+8×2=91</m:t>
+                    </m:r>
+                  </m:oMath>
+                </a14:m>
+                <a:endParaRPr lang="fr-FR" sz="2400" b="0" dirty="0"/>
+              </a:p>
+              <a:p>
+                <a:pPr lvl="1"/>
+                <a14:m>
+                  <m:oMath xmlns:m="http://schemas.openxmlformats.org/officeDocument/2006/math">
+                    <m:sSub>
+                      <m:sSubPr>
+                        <m:ctrlPr>
+                          <a:rPr lang="fr-FR" sz="2400" b="0" i="1" smtClean="0">
+                            <a:latin typeface="Cambria Math" panose="02040503050406030204" pitchFamily="18" charset="0"/>
+                          </a:rPr>
+                        </m:ctrlPr>
+                      </m:sSubPr>
+                      <m:e>
+                        <m:r>
+                          <a:rPr lang="fr-FR" sz="2400" b="0" i="1" smtClean="0">
+                            <a:latin typeface="Cambria Math"/>
+                          </a:rPr>
+                          <m:t>𝐸</m:t>
+                        </m:r>
+                      </m:e>
+                      <m:sub>
+                        <m:r>
+                          <a:rPr lang="fr-FR" sz="2400" b="0" i="1" smtClean="0">
+                            <a:latin typeface="Cambria Math"/>
+                          </a:rPr>
+                          <m:t>𝑠</m:t>
+                        </m:r>
+                      </m:sub>
+                    </m:sSub>
+                    <m:r>
+                      <a:rPr lang="fr-FR" sz="2400" b="0" i="1" smtClean="0">
+                        <a:latin typeface="Cambria Math"/>
+                      </a:rPr>
+                      <m:t>=6</m:t>
+                    </m:r>
+                    <m:r>
+                      <a:rPr lang="fr-FR" sz="2400" b="0" i="1" smtClean="0">
+                        <a:latin typeface="Cambria Math" panose="02040503050406030204" pitchFamily="18" charset="0"/>
+                      </a:rPr>
+                      <m:t>×16</m:t>
+                    </m:r>
+                    <m:r>
+                      <a:rPr lang="fr-FR" sz="2400" b="0" i="1" smtClean="0">
+                        <a:latin typeface="Cambria Math"/>
+                      </a:rPr>
+                      <m:t>=</m:t>
+                    </m:r>
+                    <m:r>
+                      <a:rPr lang="fr-FR" sz="2400" b="0" i="1" smtClean="0">
+                        <a:latin typeface="Cambria Math" panose="02040503050406030204" pitchFamily="18" charset="0"/>
+                      </a:rPr>
+                      <m:t>96</m:t>
+                    </m:r>
+                  </m:oMath>
+                </a14:m>
+                <a:endParaRPr lang="fr-FR" sz="2400" dirty="0"/>
+              </a:p>
+              <a:p>
+                <a:pPr lvl="1"/>
+                <a14:m>
+                  <m:oMath xmlns:m="http://schemas.openxmlformats.org/officeDocument/2006/math">
+                    <m:r>
+                      <a:rPr lang="fr-FR" sz="2400" b="0" i="1" smtClean="0">
+                        <a:latin typeface="Cambria Math"/>
+                      </a:rPr>
+                      <m:t>h</m:t>
+                    </m:r>
+                    <m:r>
+                      <a:rPr lang="fr-FR" sz="2400" b="0" i="1" smtClean="0">
+                        <a:latin typeface="Cambria Math"/>
+                      </a:rPr>
+                      <m:t>=12</m:t>
+                    </m:r>
+                    <m:r>
+                      <a:rPr lang="fr-FR" sz="2400" b="0" i="1" smtClean="0">
+                        <a:latin typeface="Cambria Math" panose="02040503050406030204" pitchFamily="18" charset="0"/>
+                      </a:rPr>
+                      <m:t>−96+91=7</m:t>
+                    </m:r>
+                  </m:oMath>
+                </a14:m>
+                <a:endParaRPr lang="fr-FR" sz="2400" dirty="0"/>
+              </a:p>
+              <a:p>
+                <a:endParaRPr lang="fr-FR" sz="2800" dirty="0"/>
+              </a:p>
+            </p:txBody>
+          </p:sp>
+        </mc:Choice>
+        <mc:Fallback>
+          <p:sp>
+            <p:nvSpPr>
+              <p:cNvPr id="6" name="Espace réservé du contenu 2">
+                <a:extLst>
+                  <a:ext uri="{FF2B5EF4-FFF2-40B4-BE49-F238E27FC236}">
+                    <a16:creationId xmlns:a16="http://schemas.microsoft.com/office/drawing/2014/main" id="{91A64BE5-AABF-BD2B-35E8-B0BFF132D6AB}"/>
+                  </a:ext>
+                </a:extLst>
+              </p:cNvPr>
+              <p:cNvSpPr>
+                <a:spLocks noGrp="1" noRot="1" noChangeAspect="1" noMove="1" noResize="1" noEditPoints="1" noAdjustHandles="1" noChangeArrowheads="1" noChangeShapeType="1" noTextEdit="1"/>
+              </p:cNvSpPr>
+              <p:nvPr>
+                <p:ph idx="1"/>
+              </p:nvPr>
+            </p:nvSpPr>
+            <p:spPr>
+              <a:xfrm>
+                <a:off x="4572000" y="188640"/>
+                <a:ext cx="4392488" cy="6480720"/>
+              </a:xfrm>
+              <a:blipFill>
+                <a:blip r:embed="rId3"/>
+                <a:stretch>
+                  <a:fillRect l="-2497"/>
+                </a:stretch>
+              </a:blipFill>
+            </p:spPr>
+            <p:txBody>
+              <a:bodyPr/>
+              <a:lstStyle/>
+              <a:p>
+                <a:r>
+                  <a:rPr lang="fr-FR">
+                    <a:noFill/>
+                  </a:rPr>
+                  <a:t> </a:t>
+                </a:r>
+              </a:p>
+            </p:txBody>
+          </p:sp>
+        </mc:Fallback>
+      </mc:AlternateContent>
+      <p:sp>
+        <p:nvSpPr>
+          <p:cNvPr id="7" name="ZoneTexte 6">
+            <a:extLst>
+              <a:ext uri="{FF2B5EF4-FFF2-40B4-BE49-F238E27FC236}">
+                <a16:creationId xmlns:a16="http://schemas.microsoft.com/office/drawing/2014/main" id="{7B59E87B-7F4B-E98D-F70B-E9D665BFB2B9}"/>
+              </a:ext>
+            </a:extLst>
+          </p:cNvPr>
+          <p:cNvSpPr txBox="1"/>
+          <p:nvPr/>
+        </p:nvSpPr>
+        <p:spPr>
+          <a:xfrm>
+            <a:off x="611560" y="2665121"/>
+            <a:ext cx="3528392" cy="369332"/>
+          </a:xfrm>
+          <a:prstGeom prst="rect">
+            <a:avLst/>
+          </a:prstGeom>
+          <a:noFill/>
+        </p:spPr>
+        <p:txBody>
+          <a:bodyPr wrap="square" rtlCol="0">
+            <a:spAutoFit/>
+          </a:bodyPr>
+          <a:lstStyle/>
+          <a:p>
+            <a:pPr algn="just"/>
+            <a:r>
+              <a:rPr lang="fr-FR" sz="900" dirty="0"/>
+              <a:t>Les galets sont en contact linéaire rectiligne avec le rail. Les autres liaisons sont des pivots.</a:t>
+            </a:r>
+          </a:p>
+        </p:txBody>
+      </p:sp>
+      <p:sp>
+        <p:nvSpPr>
+          <p:cNvPr id="9" name="ZoneTexte 8">
+            <a:extLst>
+              <a:ext uri="{FF2B5EF4-FFF2-40B4-BE49-F238E27FC236}">
+                <a16:creationId xmlns:a16="http://schemas.microsoft.com/office/drawing/2014/main" id="{3AFE8FD9-896F-7976-BD35-F1718D65224F}"/>
+              </a:ext>
+            </a:extLst>
+          </p:cNvPr>
+          <p:cNvSpPr txBox="1"/>
+          <p:nvPr/>
+        </p:nvSpPr>
+        <p:spPr>
+          <a:xfrm>
+            <a:off x="395536" y="260648"/>
+            <a:ext cx="4572000" cy="369332"/>
+          </a:xfrm>
+          <a:prstGeom prst="rect">
+            <a:avLst/>
+          </a:prstGeom>
+          <a:noFill/>
+        </p:spPr>
+        <p:txBody>
+          <a:bodyPr wrap="square">
+            <a:spAutoFit/>
+          </a:bodyPr>
+          <a:lstStyle/>
+          <a:p>
+            <a:r>
+              <a:rPr lang="fr-FR" dirty="0"/>
+              <a:t>Exo 5</a:t>
+            </a:r>
+          </a:p>
+        </p:txBody>
+      </p:sp>
+    </p:spTree>
+    <p:extLst>
+      <p:ext uri="{BB962C8B-B14F-4D97-AF65-F5344CB8AC3E}">
+        <p14:creationId xmlns:p14="http://schemas.microsoft.com/office/powerpoint/2010/main" val="382527142"/>
+      </p:ext>
+    </p:extLst>
+  </p:cSld>
+  <p:clrMapOvr>
+    <a:masterClrMapping/>
+  </p:clrMapOvr>
+</p:sld>
+</file>
+
+<file path=ppt/slides/slide18.xml><?xml version="1.0" encoding="utf-8"?>
+<p:sld xmlns:a="http://schemas.openxmlformats.org/drawingml/2006/main" xmlns:r="http://schemas.openxmlformats.org/officeDocument/2006/relationships" xmlns:p="http://schemas.openxmlformats.org/presentationml/2006/main">
+  <p:cSld>
+    <p:spTree>
+      <p:nvGrpSpPr>
+        <p:cNvPr id="1" name=""/>
+        <p:cNvGrpSpPr/>
+        <p:nvPr/>
+      </p:nvGrpSpPr>
+      <p:grpSpPr>
+        <a:xfrm>
+          <a:off x="0" y="0"/>
+          <a:ext cx="0" cy="0"/>
+          <a:chOff x="0" y="0"/>
+          <a:chExt cx="0" cy="0"/>
+        </a:xfrm>
+      </p:grpSpPr>
+      <p:pic>
+        <p:nvPicPr>
+          <p:cNvPr id="5" name="Image 4">
+            <a:extLst>
+              <a:ext uri="{FF2B5EF4-FFF2-40B4-BE49-F238E27FC236}">
+                <a16:creationId xmlns:a16="http://schemas.microsoft.com/office/drawing/2014/main" id="{CBF1BE5E-D79B-F4A7-B0B7-6DAD0A8DF31E}"/>
+              </a:ext>
+            </a:extLst>
+          </p:cNvPr>
+          <p:cNvPicPr>
+            <a:picLocks noChangeAspect="1"/>
+          </p:cNvPicPr>
+          <p:nvPr/>
+        </p:nvPicPr>
+        <p:blipFill>
+          <a:blip r:embed="rId2"/>
+          <a:stretch>
+            <a:fillRect/>
+          </a:stretch>
+        </p:blipFill>
+        <p:spPr>
+          <a:xfrm>
+            <a:off x="210154" y="548680"/>
+            <a:ext cx="2993694" cy="4138342"/>
+          </a:xfrm>
+          <a:prstGeom prst="rect">
+            <a:avLst/>
+          </a:prstGeom>
+        </p:spPr>
+      </p:pic>
+      <mc:AlternateContent xmlns:mc="http://schemas.openxmlformats.org/markup-compatibility/2006">
+        <mc:Choice xmlns:a14="http://schemas.microsoft.com/office/drawing/2010/main" Requires="a14">
+          <p:sp>
+            <p:nvSpPr>
+              <p:cNvPr id="6" name="Espace réservé du contenu 2">
+                <a:extLst>
+                  <a:ext uri="{FF2B5EF4-FFF2-40B4-BE49-F238E27FC236}">
+                    <a16:creationId xmlns:a16="http://schemas.microsoft.com/office/drawing/2014/main" id="{C8FB3F67-7F90-7845-B87F-A6242CB39EEB}"/>
+                  </a:ext>
+                </a:extLst>
+              </p:cNvPr>
+              <p:cNvSpPr>
+                <a:spLocks noGrp="1"/>
+              </p:cNvSpPr>
+              <p:nvPr>
+                <p:ph idx="1"/>
+              </p:nvPr>
+            </p:nvSpPr>
+            <p:spPr>
+              <a:xfrm>
+                <a:off x="4139952" y="188640"/>
+                <a:ext cx="4824536" cy="6480720"/>
+              </a:xfrm>
+            </p:spPr>
+            <p:txBody>
+              <a:bodyPr>
+                <a:normAutofit/>
+              </a:bodyPr>
+              <a:lstStyle/>
+              <a:p>
+                <a14:m>
+                  <m:oMath xmlns:m="http://schemas.openxmlformats.org/officeDocument/2006/math">
+                    <m:r>
+                      <a:rPr lang="fr-FR" sz="2800" b="0" i="1" smtClean="0">
+                        <a:latin typeface="Cambria Math" panose="02040503050406030204" pitchFamily="18" charset="0"/>
+                      </a:rPr>
+                      <m:t>𝑚</m:t>
+                    </m:r>
+                    <m:r>
+                      <a:rPr lang="fr-FR" sz="2800" b="0" i="1" smtClean="0">
+                        <a:latin typeface="Cambria Math"/>
+                      </a:rPr>
+                      <m:t>=</m:t>
+                    </m:r>
+                    <m:r>
+                      <a:rPr lang="fr-FR" sz="2800" b="0" i="1" smtClean="0">
+                        <a:latin typeface="Cambria Math" panose="02040503050406030204" pitchFamily="18" charset="0"/>
+                      </a:rPr>
+                      <m:t>1+1+1+1+</m:t>
+                    </m:r>
+                    <m:r>
+                      <a:rPr lang="fr-FR" sz="2800" b="0" i="0" smtClean="0">
+                        <a:latin typeface="Cambria Math" panose="02040503050406030204" pitchFamily="18" charset="0"/>
+                      </a:rPr>
+                      <m:t>4=8</m:t>
+                    </m:r>
+                  </m:oMath>
+                </a14:m>
+                <a:endParaRPr lang="fr-FR" sz="2800" b="0" dirty="0"/>
+              </a:p>
+              <a:p>
+                <a:r>
+                  <a:rPr lang="fr-FR" sz="2800" dirty="0"/>
+                  <a:t>En 3D :</a:t>
+                </a:r>
+              </a:p>
+              <a:p>
+                <a:pPr lvl="1"/>
+                <a14:m>
+                  <m:oMath xmlns:m="http://schemas.openxmlformats.org/officeDocument/2006/math">
+                    <m:sSub>
+                      <m:sSubPr>
+                        <m:ctrlPr>
+                          <a:rPr lang="fr-FR" sz="2400" b="0" i="1" smtClean="0">
+                            <a:latin typeface="Cambria Math" panose="02040503050406030204" pitchFamily="18" charset="0"/>
+                          </a:rPr>
+                        </m:ctrlPr>
+                      </m:sSubPr>
+                      <m:e>
+                        <m:r>
+                          <a:rPr lang="fr-FR" sz="2400" b="0" i="1" smtClean="0">
+                            <a:latin typeface="Cambria Math"/>
+                          </a:rPr>
+                          <m:t>𝐼</m:t>
+                        </m:r>
+                      </m:e>
+                      <m:sub>
+                        <m:r>
+                          <a:rPr lang="fr-FR" sz="2400" b="0" i="1" smtClean="0">
+                            <a:latin typeface="Cambria Math"/>
+                          </a:rPr>
+                          <m:t>𝑠</m:t>
+                        </m:r>
+                      </m:sub>
+                    </m:sSub>
+                    <m:r>
+                      <a:rPr lang="fr-FR" sz="2400" b="0" i="1" smtClean="0">
+                        <a:latin typeface="Cambria Math"/>
+                      </a:rPr>
+                      <m:t>=</m:t>
+                    </m:r>
+                    <m:r>
+                      <a:rPr lang="fr-FR" sz="2400" b="0" i="1" smtClean="0">
+                        <a:latin typeface="Cambria Math" panose="02040503050406030204" pitchFamily="18" charset="0"/>
+                      </a:rPr>
+                      <m:t>1+1+5+5+5=17</m:t>
+                    </m:r>
+                  </m:oMath>
+                </a14:m>
+                <a:endParaRPr lang="fr-FR" sz="2400" b="0" dirty="0"/>
+              </a:p>
+              <a:p>
+                <a:pPr lvl="1"/>
+                <a14:m>
+                  <m:oMath xmlns:m="http://schemas.openxmlformats.org/officeDocument/2006/math">
+                    <m:sSub>
+                      <m:sSubPr>
+                        <m:ctrlPr>
+                          <a:rPr lang="fr-FR" sz="2400" b="0" i="1" smtClean="0">
+                            <a:latin typeface="Cambria Math" panose="02040503050406030204" pitchFamily="18" charset="0"/>
+                          </a:rPr>
+                        </m:ctrlPr>
+                      </m:sSubPr>
+                      <m:e>
+                        <m:r>
+                          <a:rPr lang="fr-FR" sz="2400" b="0" i="1" smtClean="0">
+                            <a:latin typeface="Cambria Math" panose="02040503050406030204" pitchFamily="18" charset="0"/>
+                          </a:rPr>
+                          <m:t>𝐸</m:t>
+                        </m:r>
+                      </m:e>
+                      <m:sub>
+                        <m:r>
+                          <a:rPr lang="fr-FR" sz="2400" b="0" i="1" smtClean="0">
+                            <a:latin typeface="Cambria Math" panose="02040503050406030204" pitchFamily="18" charset="0"/>
+                          </a:rPr>
+                          <m:t>𝑆</m:t>
+                        </m:r>
+                      </m:sub>
+                    </m:sSub>
+                    <m:r>
+                      <a:rPr lang="fr-FR" sz="2400" b="0" i="1" smtClean="0">
+                        <a:latin typeface="Cambria Math" panose="02040503050406030204" pitchFamily="18" charset="0"/>
+                      </a:rPr>
+                      <m:t>=6×4=24</m:t>
+                    </m:r>
+                  </m:oMath>
+                </a14:m>
+                <a:endParaRPr lang="fr-FR" sz="2400" b="0" dirty="0"/>
+              </a:p>
+              <a:p>
+                <a:pPr lvl="1"/>
+                <a14:m>
+                  <m:oMath xmlns:m="http://schemas.openxmlformats.org/officeDocument/2006/math">
+                    <m:r>
+                      <a:rPr lang="fr-FR" sz="2400" b="0" i="1" smtClean="0">
+                        <a:latin typeface="Cambria Math" panose="02040503050406030204" pitchFamily="18" charset="0"/>
+                      </a:rPr>
+                      <m:t>h</m:t>
+                    </m:r>
+                    <m:r>
+                      <a:rPr lang="fr-FR" sz="2400" b="0" i="1" smtClean="0">
+                        <a:latin typeface="Cambria Math" panose="02040503050406030204" pitchFamily="18" charset="0"/>
+                      </a:rPr>
+                      <m:t>=</m:t>
+                    </m:r>
+                    <m:r>
+                      <a:rPr lang="fr-FR" sz="2400" b="0" i="1" smtClean="0">
+                        <a:latin typeface="Cambria Math" panose="02040503050406030204" pitchFamily="18" charset="0"/>
+                      </a:rPr>
+                      <m:t>𝑚</m:t>
+                    </m:r>
+                    <m:r>
+                      <a:rPr lang="fr-FR" sz="2400" b="0" i="1" smtClean="0">
+                        <a:latin typeface="Cambria Math" panose="02040503050406030204" pitchFamily="18" charset="0"/>
+                      </a:rPr>
+                      <m:t>−</m:t>
+                    </m:r>
+                    <m:sSub>
+                      <m:sSubPr>
+                        <m:ctrlPr>
+                          <a:rPr lang="fr-FR" sz="2400" b="0" i="1" smtClean="0">
+                            <a:latin typeface="Cambria Math" panose="02040503050406030204" pitchFamily="18" charset="0"/>
+                          </a:rPr>
+                        </m:ctrlPr>
+                      </m:sSubPr>
+                      <m:e>
+                        <m:r>
+                          <a:rPr lang="fr-FR" sz="2400" b="0" i="1" smtClean="0">
+                            <a:latin typeface="Cambria Math" panose="02040503050406030204" pitchFamily="18" charset="0"/>
+                          </a:rPr>
+                          <m:t>𝐸</m:t>
+                        </m:r>
+                      </m:e>
+                      <m:sub>
+                        <m:r>
+                          <a:rPr lang="fr-FR" sz="2400" b="0" i="1" smtClean="0">
+                            <a:latin typeface="Cambria Math" panose="02040503050406030204" pitchFamily="18" charset="0"/>
+                          </a:rPr>
+                          <m:t>𝑆</m:t>
+                        </m:r>
+                      </m:sub>
+                    </m:sSub>
+                    <m:r>
+                      <a:rPr lang="fr-FR" sz="2400" b="0" i="1" smtClean="0">
+                        <a:latin typeface="Cambria Math" panose="02040503050406030204" pitchFamily="18" charset="0"/>
+                      </a:rPr>
+                      <m:t>+</m:t>
+                    </m:r>
+                    <m:sSub>
+                      <m:sSubPr>
+                        <m:ctrlPr>
+                          <a:rPr lang="fr-FR" sz="2400" b="0" i="1" smtClean="0">
+                            <a:latin typeface="Cambria Math" panose="02040503050406030204" pitchFamily="18" charset="0"/>
+                          </a:rPr>
+                        </m:ctrlPr>
+                      </m:sSubPr>
+                      <m:e>
+                        <m:r>
+                          <a:rPr lang="fr-FR" sz="2400" b="0" i="1" smtClean="0">
+                            <a:latin typeface="Cambria Math" panose="02040503050406030204" pitchFamily="18" charset="0"/>
+                          </a:rPr>
+                          <m:t>𝐼</m:t>
+                        </m:r>
+                      </m:e>
+                      <m:sub>
+                        <m:r>
+                          <a:rPr lang="fr-FR" sz="2400" b="0" i="1" smtClean="0">
+                            <a:latin typeface="Cambria Math" panose="02040503050406030204" pitchFamily="18" charset="0"/>
+                          </a:rPr>
+                          <m:t>𝑆</m:t>
+                        </m:r>
+                      </m:sub>
+                    </m:sSub>
+                    <m:r>
+                      <a:rPr lang="fr-FR" sz="2400" b="0" i="1" smtClean="0">
+                        <a:latin typeface="Cambria Math" panose="02040503050406030204" pitchFamily="18" charset="0"/>
+                      </a:rPr>
+                      <m:t>=8−24+17=1</m:t>
+                    </m:r>
+                  </m:oMath>
+                </a14:m>
+                <a:endParaRPr lang="fr-FR" sz="2400" dirty="0"/>
+              </a:p>
+              <a:p>
+                <a:endParaRPr lang="fr-FR" sz="2800" dirty="0"/>
+              </a:p>
+            </p:txBody>
+          </p:sp>
+        </mc:Choice>
+        <mc:Fallback>
+          <p:sp>
+            <p:nvSpPr>
+              <p:cNvPr id="6" name="Espace réservé du contenu 2">
+                <a:extLst>
+                  <a:ext uri="{FF2B5EF4-FFF2-40B4-BE49-F238E27FC236}">
+                    <a16:creationId xmlns:a16="http://schemas.microsoft.com/office/drawing/2014/main" id="{C8FB3F67-7F90-7845-B87F-A6242CB39EEB}"/>
+                  </a:ext>
+                </a:extLst>
+              </p:cNvPr>
+              <p:cNvSpPr>
+                <a:spLocks noGrp="1" noRot="1" noChangeAspect="1" noMove="1" noResize="1" noEditPoints="1" noAdjustHandles="1" noChangeArrowheads="1" noChangeShapeType="1" noTextEdit="1"/>
+              </p:cNvSpPr>
+              <p:nvPr>
+                <p:ph idx="1"/>
+              </p:nvPr>
+            </p:nvSpPr>
+            <p:spPr>
+              <a:xfrm>
+                <a:off x="4139952" y="188640"/>
+                <a:ext cx="4824536" cy="6480720"/>
+              </a:xfrm>
+              <a:blipFill>
+                <a:blip r:embed="rId3"/>
+                <a:stretch>
+                  <a:fillRect l="-2273"/>
+                </a:stretch>
+              </a:blipFill>
+            </p:spPr>
+            <p:txBody>
+              <a:bodyPr/>
+              <a:lstStyle/>
+              <a:p>
+                <a:r>
+                  <a:rPr lang="fr-FR">
+                    <a:noFill/>
+                  </a:rPr>
+                  <a:t> </a:t>
+                </a:r>
+              </a:p>
+            </p:txBody>
+          </p:sp>
+        </mc:Fallback>
+      </mc:AlternateContent>
+      <p:sp>
+        <p:nvSpPr>
+          <p:cNvPr id="7" name="ZoneTexte 6">
+            <a:extLst>
+              <a:ext uri="{FF2B5EF4-FFF2-40B4-BE49-F238E27FC236}">
+                <a16:creationId xmlns:a16="http://schemas.microsoft.com/office/drawing/2014/main" id="{94866AE1-A950-9A98-7FBB-BDC84CBF412C}"/>
+              </a:ext>
+            </a:extLst>
+          </p:cNvPr>
+          <p:cNvSpPr txBox="1"/>
+          <p:nvPr/>
+        </p:nvSpPr>
+        <p:spPr>
+          <a:xfrm>
+            <a:off x="210154" y="4687022"/>
+            <a:ext cx="2993694" cy="584775"/>
+          </a:xfrm>
+          <a:prstGeom prst="rect">
+            <a:avLst/>
+          </a:prstGeom>
+          <a:noFill/>
+        </p:spPr>
+        <p:txBody>
+          <a:bodyPr wrap="square" rtlCol="0">
+            <a:spAutoFit/>
+          </a:bodyPr>
+          <a:lstStyle/>
+          <a:p>
+            <a:pPr algn="ctr"/>
+            <a:r>
+              <a:rPr lang="fr-FR" sz="1600" dirty="0"/>
+              <a:t>2 roues indépendantes en contact ponctuel avec le sol</a:t>
+            </a:r>
+          </a:p>
+        </p:txBody>
+      </p:sp>
+      <p:sp>
+        <p:nvSpPr>
+          <p:cNvPr id="8" name="ZoneTexte 7">
+            <a:extLst>
+              <a:ext uri="{FF2B5EF4-FFF2-40B4-BE49-F238E27FC236}">
+                <a16:creationId xmlns:a16="http://schemas.microsoft.com/office/drawing/2014/main" id="{9AB6826C-E202-CAAE-BB15-47E286847C81}"/>
+              </a:ext>
+            </a:extLst>
+          </p:cNvPr>
+          <p:cNvSpPr txBox="1"/>
+          <p:nvPr/>
+        </p:nvSpPr>
+        <p:spPr>
+          <a:xfrm>
+            <a:off x="395536" y="260648"/>
+            <a:ext cx="4572000" cy="369332"/>
+          </a:xfrm>
+          <a:prstGeom prst="rect">
+            <a:avLst/>
+          </a:prstGeom>
+          <a:noFill/>
+        </p:spPr>
+        <p:txBody>
+          <a:bodyPr wrap="square">
+            <a:spAutoFit/>
+          </a:bodyPr>
+          <a:lstStyle/>
+          <a:p>
+            <a:r>
+              <a:rPr lang="fr-FR" dirty="0"/>
+              <a:t>Exo 6</a:t>
+            </a:r>
+          </a:p>
+        </p:txBody>
+      </p:sp>
+    </p:spTree>
+    <p:extLst>
+      <p:ext uri="{BB962C8B-B14F-4D97-AF65-F5344CB8AC3E}">
+        <p14:creationId xmlns:p14="http://schemas.microsoft.com/office/powerpoint/2010/main" val="3517816639"/>
+      </p:ext>
+    </p:extLst>
+  </p:cSld>
+  <p:clrMapOvr>
+    <a:masterClrMapping/>
+  </p:clrMapOvr>
+</p:sld>
+</file>
+
+<file path=ppt/slides/slide19.xml><?xml version="1.0" encoding="utf-8"?>
+<p:sld xmlns:a="http://schemas.openxmlformats.org/drawingml/2006/main" xmlns:r="http://schemas.openxmlformats.org/officeDocument/2006/relationships" xmlns:p="http://schemas.openxmlformats.org/presentationml/2006/main">
+  <p:cSld>
+    <p:spTree>
+      <p:nvGrpSpPr>
+        <p:cNvPr id="1" name=""/>
+        <p:cNvGrpSpPr/>
+        <p:nvPr/>
+      </p:nvGrpSpPr>
+      <p:grpSpPr>
+        <a:xfrm>
+          <a:off x="0" y="0"/>
+          <a:ext cx="0" cy="0"/>
+          <a:chOff x="0" y="0"/>
+          <a:chExt cx="0" cy="0"/>
+        </a:xfrm>
+      </p:grpSpPr>
+      <p:pic>
+        <p:nvPicPr>
+          <p:cNvPr id="5" name="Espace réservé du contenu 4">
+            <a:extLst>
+              <a:ext uri="{FF2B5EF4-FFF2-40B4-BE49-F238E27FC236}">
+                <a16:creationId xmlns:a16="http://schemas.microsoft.com/office/drawing/2014/main" id="{3CF6BA0C-5FBF-3A7E-F66D-8E994A2DE445}"/>
+              </a:ext>
+            </a:extLst>
+          </p:cNvPr>
+          <p:cNvPicPr>
+            <a:picLocks noGrp="1" noChangeAspect="1"/>
+          </p:cNvPicPr>
+          <p:nvPr>
+            <p:ph idx="1"/>
+          </p:nvPr>
+        </p:nvPicPr>
+        <p:blipFill>
+          <a:blip r:embed="rId2"/>
+          <a:stretch>
+            <a:fillRect/>
+          </a:stretch>
+        </p:blipFill>
+        <p:spPr>
+          <a:xfrm>
+            <a:off x="432048" y="1772816"/>
+            <a:ext cx="3410775" cy="4525963"/>
+          </a:xfrm>
+        </p:spPr>
+      </p:pic>
+      <mc:AlternateContent xmlns:mc="http://schemas.openxmlformats.org/markup-compatibility/2006">
+        <mc:Choice xmlns:a14="http://schemas.microsoft.com/office/drawing/2010/main" Requires="a14">
+          <p:sp>
+            <p:nvSpPr>
+              <p:cNvPr id="6" name="Espace réservé du contenu 2">
+                <a:extLst>
+                  <a:ext uri="{FF2B5EF4-FFF2-40B4-BE49-F238E27FC236}">
+                    <a16:creationId xmlns:a16="http://schemas.microsoft.com/office/drawing/2014/main" id="{42BDB84D-9840-6EA0-8D9E-FFE60D6A796A}"/>
+                  </a:ext>
+                </a:extLst>
+              </p:cNvPr>
+              <p:cNvSpPr txBox="1">
+                <a:spLocks/>
+              </p:cNvSpPr>
+              <p:nvPr/>
+            </p:nvSpPr>
+            <p:spPr>
+              <a:xfrm>
+                <a:off x="4139952" y="188640"/>
+                <a:ext cx="4824536" cy="6480720"/>
+              </a:xfrm>
+              <a:prstGeom prst="rect">
+                <a:avLst/>
+              </a:prstGeom>
+            </p:spPr>
+            <p:txBody>
+              <a:bodyPr vert="horz" lIns="91440" tIns="45720" rIns="91440" bIns="45720" rtlCol="0">
+                <a:normAutofit/>
+              </a:bodyPr>
+              <a:lstStyle>
+                <a:lvl1pPr marL="342900" indent="-342900" algn="l" defTabSz="914400" rtl="0" eaLnBrk="1" latinLnBrk="0" hangingPunct="1">
+                  <a:spcBef>
+                    <a:spcPct val="20000"/>
+                  </a:spcBef>
+                  <a:buFont typeface="Arial" pitchFamily="34" charset="0"/>
+                  <a:buChar char="•"/>
+                  <a:defRPr sz="3200" kern="1200">
+                    <a:solidFill>
+                      <a:schemeClr val="tx1"/>
+                    </a:solidFill>
+                    <a:latin typeface="+mn-lt"/>
+                    <a:ea typeface="+mn-ea"/>
+                    <a:cs typeface="+mn-cs"/>
+                  </a:defRPr>
+                </a:lvl1pPr>
+                <a:lvl2pPr marL="742950" indent="-285750" algn="l" defTabSz="914400" rtl="0" eaLnBrk="1" latinLnBrk="0" hangingPunct="1">
+                  <a:spcBef>
+                    <a:spcPct val="20000"/>
+                  </a:spcBef>
+                  <a:buFont typeface="Arial" pitchFamily="34" charset="0"/>
+                  <a:buChar char="–"/>
+                  <a:defRPr sz="2800" kern="1200">
+                    <a:solidFill>
+                      <a:schemeClr val="tx1"/>
+                    </a:solidFill>
+                    <a:latin typeface="+mn-lt"/>
+                    <a:ea typeface="+mn-ea"/>
+                    <a:cs typeface="+mn-cs"/>
+                  </a:defRPr>
+                </a:lvl2pPr>
+                <a:lvl3pPr marL="1143000" indent="-228600" algn="l" defTabSz="914400" rtl="0" eaLnBrk="1" latinLnBrk="0" hangingPunct="1">
+                  <a:spcBef>
+                    <a:spcPct val="20000"/>
+                  </a:spcBef>
+                  <a:buFont typeface="Arial" pitchFamily="34" charset="0"/>
+                  <a:buChar char="•"/>
+                  <a:defRPr sz="2400" kern="1200">
+                    <a:solidFill>
+                      <a:schemeClr val="tx1"/>
+                    </a:solidFill>
+                    <a:latin typeface="+mn-lt"/>
+                    <a:ea typeface="+mn-ea"/>
+                    <a:cs typeface="+mn-cs"/>
+                  </a:defRPr>
+                </a:lvl3pPr>
+                <a:lvl4pPr marL="1600200" indent="-228600" algn="l" defTabSz="914400" rtl="0" eaLnBrk="1" latinLnBrk="0" hangingPunct="1">
+                  <a:spcBef>
+                    <a:spcPct val="20000"/>
+                  </a:spcBef>
+                  <a:buFont typeface="Arial" pitchFamily="34" charset="0"/>
+                  <a:buChar char="–"/>
+                  <a:defRPr sz="2000" kern="1200">
+                    <a:solidFill>
+                      <a:schemeClr val="tx1"/>
+                    </a:solidFill>
+                    <a:latin typeface="+mn-lt"/>
+                    <a:ea typeface="+mn-ea"/>
+                    <a:cs typeface="+mn-cs"/>
+                  </a:defRPr>
+                </a:lvl4pPr>
+                <a:lvl5pPr marL="2057400" indent="-228600" algn="l" defTabSz="914400" rtl="0" eaLnBrk="1" latinLnBrk="0" hangingPunct="1">
+                  <a:spcBef>
+                    <a:spcPct val="20000"/>
+                  </a:spcBef>
+                  <a:buFont typeface="Arial" pitchFamily="34" charset="0"/>
+                  <a:buChar char="»"/>
+                  <a:defRPr sz="2000" kern="1200">
+                    <a:solidFill>
+                      <a:schemeClr val="tx1"/>
+                    </a:solidFill>
+                    <a:latin typeface="+mn-lt"/>
+                    <a:ea typeface="+mn-ea"/>
+                    <a:cs typeface="+mn-cs"/>
+                  </a:defRPr>
+                </a:lvl5pPr>
+                <a:lvl6pPr marL="2514600" indent="-228600" algn="l" defTabSz="914400" rtl="0" eaLnBrk="1" latinLnBrk="0" hangingPunct="1">
+                  <a:spcBef>
+                    <a:spcPct val="20000"/>
+                  </a:spcBef>
+                  <a:buFont typeface="Arial" pitchFamily="34" charset="0"/>
+                  <a:buChar char="•"/>
+                  <a:defRPr sz="2000" kern="1200">
+                    <a:solidFill>
+                      <a:schemeClr val="tx1"/>
+                    </a:solidFill>
+                    <a:latin typeface="+mn-lt"/>
+                    <a:ea typeface="+mn-ea"/>
+                    <a:cs typeface="+mn-cs"/>
+                  </a:defRPr>
+                </a:lvl6pPr>
+                <a:lvl7pPr marL="2971800" indent="-228600" algn="l" defTabSz="914400" rtl="0" eaLnBrk="1" latinLnBrk="0" hangingPunct="1">
+                  <a:spcBef>
+                    <a:spcPct val="20000"/>
+                  </a:spcBef>
+                  <a:buFont typeface="Arial" pitchFamily="34" charset="0"/>
+                  <a:buChar char="•"/>
+                  <a:defRPr sz="2000" kern="1200">
+                    <a:solidFill>
+                      <a:schemeClr val="tx1"/>
+                    </a:solidFill>
+                    <a:latin typeface="+mn-lt"/>
+                    <a:ea typeface="+mn-ea"/>
+                    <a:cs typeface="+mn-cs"/>
+                  </a:defRPr>
+                </a:lvl7pPr>
+                <a:lvl8pPr marL="3429000" indent="-228600" algn="l" defTabSz="914400" rtl="0" eaLnBrk="1" latinLnBrk="0" hangingPunct="1">
+                  <a:spcBef>
+                    <a:spcPct val="20000"/>
+                  </a:spcBef>
+                  <a:buFont typeface="Arial" pitchFamily="34" charset="0"/>
+                  <a:buChar char="•"/>
+                  <a:defRPr sz="2000" kern="1200">
+                    <a:solidFill>
+                      <a:schemeClr val="tx1"/>
+                    </a:solidFill>
+                    <a:latin typeface="+mn-lt"/>
+                    <a:ea typeface="+mn-ea"/>
+                    <a:cs typeface="+mn-cs"/>
+                  </a:defRPr>
+                </a:lvl8pPr>
+                <a:lvl9pPr marL="3886200" indent="-228600" algn="l" defTabSz="914400" rtl="0" eaLnBrk="1" latinLnBrk="0" hangingPunct="1">
+                  <a:spcBef>
+                    <a:spcPct val="20000"/>
+                  </a:spcBef>
+                  <a:buFont typeface="Arial" pitchFamily="34" charset="0"/>
+                  <a:buChar char="•"/>
+                  <a:defRPr sz="2000" kern="1200">
+                    <a:solidFill>
+                      <a:schemeClr val="tx1"/>
+                    </a:solidFill>
+                    <a:latin typeface="+mn-lt"/>
+                    <a:ea typeface="+mn-ea"/>
+                    <a:cs typeface="+mn-cs"/>
+                  </a:defRPr>
+                </a:lvl9pPr>
+              </a:lstStyle>
+              <a:p>
+                <a14:m>
+                  <m:oMath xmlns:m="http://schemas.openxmlformats.org/officeDocument/2006/math">
+                    <m:r>
+                      <a:rPr lang="fr-FR" sz="2800" i="1" smtClean="0">
+                        <a:latin typeface="Cambria Math" panose="02040503050406030204" pitchFamily="18" charset="0"/>
+                      </a:rPr>
+                      <m:t>𝑚</m:t>
+                    </m:r>
+                    <m:r>
+                      <a:rPr lang="fr-FR" sz="2800" i="1" smtClean="0">
+                        <a:latin typeface="Cambria Math"/>
+                      </a:rPr>
+                      <m:t>=</m:t>
+                    </m:r>
+                    <m:r>
+                      <a:rPr lang="fr-FR" sz="2800" i="1" smtClean="0">
+                        <a:latin typeface="Cambria Math" panose="02040503050406030204" pitchFamily="18" charset="0"/>
+                      </a:rPr>
+                      <m:t>1</m:t>
+                    </m:r>
+                  </m:oMath>
+                </a14:m>
+                <a:endParaRPr lang="fr-FR" sz="2800" dirty="0"/>
+              </a:p>
+              <a:p>
+                <a:r>
+                  <a:rPr lang="fr-FR" sz="2800" dirty="0"/>
+                  <a:t>En 3D :</a:t>
+                </a:r>
+              </a:p>
+              <a:p>
+                <a:pPr lvl="1"/>
+                <a14:m>
+                  <m:oMath xmlns:m="http://schemas.openxmlformats.org/officeDocument/2006/math">
+                    <m:sSub>
+                      <m:sSubPr>
+                        <m:ctrlPr>
+                          <a:rPr lang="fr-FR" sz="2400" i="1" smtClean="0">
+                            <a:latin typeface="Cambria Math" panose="02040503050406030204" pitchFamily="18" charset="0"/>
+                          </a:rPr>
+                        </m:ctrlPr>
+                      </m:sSubPr>
+                      <m:e>
+                        <m:r>
+                          <a:rPr lang="fr-FR" sz="2400" i="1" smtClean="0">
+                            <a:latin typeface="Cambria Math"/>
+                          </a:rPr>
+                          <m:t>𝐼</m:t>
+                        </m:r>
+                      </m:e>
+                      <m:sub>
+                        <m:r>
+                          <a:rPr lang="fr-FR" sz="2400" i="1" smtClean="0">
+                            <a:latin typeface="Cambria Math"/>
+                          </a:rPr>
+                          <m:t>𝑠</m:t>
+                        </m:r>
+                      </m:sub>
+                    </m:sSub>
+                    <m:r>
+                      <a:rPr lang="fr-FR" sz="2400" i="1" smtClean="0">
+                        <a:latin typeface="Cambria Math"/>
+                      </a:rPr>
+                      <m:t>=</m:t>
+                    </m:r>
+                    <m:r>
+                      <a:rPr lang="fr-FR" sz="2400" i="1" smtClean="0">
+                        <a:latin typeface="Cambria Math" panose="02040503050406030204" pitchFamily="18" charset="0"/>
+                      </a:rPr>
+                      <m:t>1+1+5</m:t>
+                    </m:r>
+                    <m:r>
+                      <a:rPr lang="fr-FR" sz="2400" b="0" i="1" smtClean="0">
+                        <a:latin typeface="Cambria Math" panose="02040503050406030204" pitchFamily="18" charset="0"/>
+                      </a:rPr>
+                      <m:t>×4</m:t>
+                    </m:r>
+                    <m:r>
+                      <a:rPr lang="fr-FR" sz="2400" i="1" smtClean="0">
+                        <a:latin typeface="Cambria Math" panose="02040503050406030204" pitchFamily="18" charset="0"/>
+                      </a:rPr>
+                      <m:t>=</m:t>
+                    </m:r>
+                    <m:r>
+                      <a:rPr lang="fr-FR" sz="2400" b="0" i="1" smtClean="0">
+                        <a:latin typeface="Cambria Math" panose="02040503050406030204" pitchFamily="18" charset="0"/>
+                      </a:rPr>
+                      <m:t>22</m:t>
+                    </m:r>
+                  </m:oMath>
+                </a14:m>
+                <a:endParaRPr lang="fr-FR" sz="2400" dirty="0"/>
+              </a:p>
+              <a:p>
+                <a:pPr lvl="1"/>
+                <a14:m>
+                  <m:oMath xmlns:m="http://schemas.openxmlformats.org/officeDocument/2006/math">
+                    <m:sSub>
+                      <m:sSubPr>
+                        <m:ctrlPr>
+                          <a:rPr lang="fr-FR" sz="2400" i="1" smtClean="0">
+                            <a:latin typeface="Cambria Math" panose="02040503050406030204" pitchFamily="18" charset="0"/>
+                          </a:rPr>
+                        </m:ctrlPr>
+                      </m:sSubPr>
+                      <m:e>
+                        <m:r>
+                          <a:rPr lang="fr-FR" sz="2400" i="1" smtClean="0">
+                            <a:latin typeface="Cambria Math" panose="02040503050406030204" pitchFamily="18" charset="0"/>
+                          </a:rPr>
+                          <m:t>𝐸</m:t>
+                        </m:r>
+                      </m:e>
+                      <m:sub>
+                        <m:r>
+                          <a:rPr lang="fr-FR" sz="2400" i="1" smtClean="0">
+                            <a:latin typeface="Cambria Math" panose="02040503050406030204" pitchFamily="18" charset="0"/>
+                          </a:rPr>
+                          <m:t>𝑆</m:t>
+                        </m:r>
+                      </m:sub>
+                    </m:sSub>
+                    <m:r>
+                      <a:rPr lang="fr-FR" sz="2400" i="1" smtClean="0">
+                        <a:latin typeface="Cambria Math" panose="02040503050406030204" pitchFamily="18" charset="0"/>
+                      </a:rPr>
+                      <m:t>=6×4=24</m:t>
+                    </m:r>
+                  </m:oMath>
+                </a14:m>
+                <a:endParaRPr lang="fr-FR" sz="2400" dirty="0"/>
+              </a:p>
+              <a:p>
+                <a:pPr lvl="1"/>
+                <a14:m>
+                  <m:oMath xmlns:m="http://schemas.openxmlformats.org/officeDocument/2006/math">
+                    <m:r>
+                      <a:rPr lang="fr-FR" sz="2400" i="1" smtClean="0">
+                        <a:latin typeface="Cambria Math" panose="02040503050406030204" pitchFamily="18" charset="0"/>
+                      </a:rPr>
+                      <m:t>h</m:t>
+                    </m:r>
+                    <m:r>
+                      <a:rPr lang="fr-FR" sz="2400" i="1" smtClean="0">
+                        <a:latin typeface="Cambria Math" panose="02040503050406030204" pitchFamily="18" charset="0"/>
+                      </a:rPr>
+                      <m:t>=</m:t>
+                    </m:r>
+                    <m:r>
+                      <a:rPr lang="fr-FR" sz="2400" i="1" smtClean="0">
+                        <a:latin typeface="Cambria Math" panose="02040503050406030204" pitchFamily="18" charset="0"/>
+                      </a:rPr>
+                      <m:t>𝑚</m:t>
+                    </m:r>
+                    <m:r>
+                      <a:rPr lang="fr-FR" sz="2400" i="1" smtClean="0">
+                        <a:latin typeface="Cambria Math" panose="02040503050406030204" pitchFamily="18" charset="0"/>
+                      </a:rPr>
+                      <m:t>−</m:t>
+                    </m:r>
+                    <m:sSub>
+                      <m:sSubPr>
+                        <m:ctrlPr>
+                          <a:rPr lang="fr-FR" sz="2400" i="1" smtClean="0">
+                            <a:latin typeface="Cambria Math" panose="02040503050406030204" pitchFamily="18" charset="0"/>
+                          </a:rPr>
+                        </m:ctrlPr>
+                      </m:sSubPr>
+                      <m:e>
+                        <m:r>
+                          <a:rPr lang="fr-FR" sz="2400" i="1" smtClean="0">
+                            <a:latin typeface="Cambria Math" panose="02040503050406030204" pitchFamily="18" charset="0"/>
+                          </a:rPr>
+                          <m:t>𝐸</m:t>
+                        </m:r>
+                      </m:e>
+                      <m:sub>
+                        <m:r>
+                          <a:rPr lang="fr-FR" sz="2400" i="1" smtClean="0">
+                            <a:latin typeface="Cambria Math" panose="02040503050406030204" pitchFamily="18" charset="0"/>
+                          </a:rPr>
+                          <m:t>𝑆</m:t>
+                        </m:r>
+                      </m:sub>
+                    </m:sSub>
+                    <m:r>
+                      <a:rPr lang="fr-FR" sz="2400" i="1" smtClean="0">
+                        <a:latin typeface="Cambria Math" panose="02040503050406030204" pitchFamily="18" charset="0"/>
+                      </a:rPr>
+                      <m:t>+</m:t>
+                    </m:r>
+                    <m:sSub>
+                      <m:sSubPr>
+                        <m:ctrlPr>
+                          <a:rPr lang="fr-FR" sz="2400" i="1" smtClean="0">
+                            <a:latin typeface="Cambria Math" panose="02040503050406030204" pitchFamily="18" charset="0"/>
+                          </a:rPr>
+                        </m:ctrlPr>
+                      </m:sSubPr>
+                      <m:e>
+                        <m:r>
+                          <a:rPr lang="fr-FR" sz="2400" i="1" smtClean="0">
+                            <a:latin typeface="Cambria Math" panose="02040503050406030204" pitchFamily="18" charset="0"/>
+                          </a:rPr>
+                          <m:t>𝐼</m:t>
+                        </m:r>
+                      </m:e>
+                      <m:sub>
+                        <m:r>
+                          <a:rPr lang="fr-FR" sz="2400" i="1" smtClean="0">
+                            <a:latin typeface="Cambria Math" panose="02040503050406030204" pitchFamily="18" charset="0"/>
+                          </a:rPr>
+                          <m:t>𝑆</m:t>
+                        </m:r>
+                      </m:sub>
+                    </m:sSub>
+                    <m:r>
+                      <a:rPr lang="fr-FR" sz="2400" i="1" smtClean="0">
+                        <a:latin typeface="Cambria Math" panose="02040503050406030204" pitchFamily="18" charset="0"/>
+                      </a:rPr>
+                      <m:t>=</m:t>
+                    </m:r>
+                    <m:r>
+                      <a:rPr lang="fr-FR" sz="2400" b="0" i="1" smtClean="0">
+                        <a:latin typeface="Cambria Math" panose="02040503050406030204" pitchFamily="18" charset="0"/>
+                      </a:rPr>
+                      <m:t>1−22+24</m:t>
+                    </m:r>
+                    <m:r>
+                      <a:rPr lang="fr-FR" sz="2400" b="0" i="0" smtClean="0">
+                        <a:latin typeface="Cambria Math" panose="02040503050406030204" pitchFamily="18" charset="0"/>
+                      </a:rPr>
+                      <m:t>=3</m:t>
+                    </m:r>
+                  </m:oMath>
+                </a14:m>
+                <a:endParaRPr lang="fr-FR" sz="2400" dirty="0"/>
+              </a:p>
+              <a:p>
+                <a:endParaRPr lang="fr-FR" sz="2800" dirty="0"/>
+              </a:p>
+            </p:txBody>
+          </p:sp>
+        </mc:Choice>
+        <mc:Fallback>
+          <p:sp>
+            <p:nvSpPr>
+              <p:cNvPr id="6" name="Espace réservé du contenu 2">
+                <a:extLst>
+                  <a:ext uri="{FF2B5EF4-FFF2-40B4-BE49-F238E27FC236}">
+                    <a16:creationId xmlns:a16="http://schemas.microsoft.com/office/drawing/2014/main" id="{42BDB84D-9840-6EA0-8D9E-FFE60D6A796A}"/>
+                  </a:ext>
+                </a:extLst>
+              </p:cNvPr>
+              <p:cNvSpPr txBox="1">
+                <a:spLocks noRot="1" noChangeAspect="1" noMove="1" noResize="1" noEditPoints="1" noAdjustHandles="1" noChangeArrowheads="1" noChangeShapeType="1" noTextEdit="1"/>
+              </p:cNvSpPr>
+              <p:nvPr/>
+            </p:nvSpPr>
+            <p:spPr>
+              <a:xfrm>
+                <a:off x="4139952" y="188640"/>
+                <a:ext cx="4824536" cy="6480720"/>
+              </a:xfrm>
+              <a:prstGeom prst="rect">
+                <a:avLst/>
+              </a:prstGeom>
+              <a:blipFill>
+                <a:blip r:embed="rId3"/>
+                <a:stretch>
+                  <a:fillRect l="-2273"/>
+                </a:stretch>
+              </a:blipFill>
+            </p:spPr>
+            <p:txBody>
+              <a:bodyPr/>
+              <a:lstStyle/>
+              <a:p>
+                <a:r>
+                  <a:rPr lang="fr-FR">
+                    <a:noFill/>
+                  </a:rPr>
+                  <a:t> </a:t>
+                </a:r>
+              </a:p>
+            </p:txBody>
+          </p:sp>
+        </mc:Fallback>
+      </mc:AlternateContent>
+      <p:sp>
+        <p:nvSpPr>
+          <p:cNvPr id="7" name="ZoneTexte 6">
+            <a:extLst>
+              <a:ext uri="{FF2B5EF4-FFF2-40B4-BE49-F238E27FC236}">
+                <a16:creationId xmlns:a16="http://schemas.microsoft.com/office/drawing/2014/main" id="{B33EB43C-C2D4-826A-71DB-CA079D822695}"/>
+              </a:ext>
+            </a:extLst>
+          </p:cNvPr>
+          <p:cNvSpPr txBox="1"/>
+          <p:nvPr/>
+        </p:nvSpPr>
+        <p:spPr>
+          <a:xfrm>
+            <a:off x="395536" y="260648"/>
+            <a:ext cx="4572000" cy="369332"/>
+          </a:xfrm>
+          <a:prstGeom prst="rect">
+            <a:avLst/>
+          </a:prstGeom>
+          <a:noFill/>
+        </p:spPr>
+        <p:txBody>
+          <a:bodyPr wrap="square">
+            <a:spAutoFit/>
+          </a:bodyPr>
+          <a:lstStyle/>
+          <a:p>
+            <a:r>
+              <a:rPr lang="fr-FR" dirty="0"/>
+              <a:t>Exo 7</a:t>
+            </a:r>
+          </a:p>
+        </p:txBody>
+      </p:sp>
+    </p:spTree>
+    <p:extLst>
+      <p:ext uri="{BB962C8B-B14F-4D97-AF65-F5344CB8AC3E}">
+        <p14:creationId xmlns:p14="http://schemas.microsoft.com/office/powerpoint/2010/main" val="306975148"/>
       </p:ext>
     </p:extLst>
   </p:cSld>
@@ -8582,8 +13000,8 @@
           </a:p>
         </p:txBody>
       </p:sp>
-      <mc:AlternateContent xmlns:mc="http://schemas.openxmlformats.org/markup-compatibility/2006">
-        <mc:Choice xmlns:a14="http://schemas.microsoft.com/office/drawing/2010/main" Requires="a14">
+      <mc:AlternateContent xmlns:mc="http://schemas.openxmlformats.org/markup-compatibility/2006" xmlns:a14="http://schemas.microsoft.com/office/drawing/2010/main">
+        <mc:Choice Requires="a14">
           <p:sp>
             <p:nvSpPr>
               <p:cNvPr id="3" name="Espace réservé du contenu 2"/>
@@ -8612,7 +13030,7 @@
                       <m:sSubPr>
                         <m:ctrlPr>
                           <a:rPr lang="fr-FR" b="0" i="1" smtClean="0">
-                            <a:latin typeface="Cambria Math"/>
+                            <a:latin typeface="Cambria Math" panose="02040503050406030204" pitchFamily="18" charset="0"/>
                           </a:rPr>
                         </m:ctrlPr>
                       </m:sSubPr>
@@ -8641,7 +13059,7 @@
                     </m:r>
                   </m:oMath>
                 </a14:m>
-                <a:endParaRPr lang="fr-FR" b="0" dirty="0" smtClean="0"/>
+                <a:endParaRPr lang="fr-FR" b="0" dirty="0"/>
               </a:p>
               <a:p>
                 <a14:m>
@@ -8650,7 +13068,7 @@
                       <m:sSubPr>
                         <m:ctrlPr>
                           <a:rPr lang="fr-FR" i="1">
-                            <a:latin typeface="Cambria Math"/>
+                            <a:latin typeface="Cambria Math" panose="02040503050406030204" pitchFamily="18" charset="0"/>
                           </a:rPr>
                         </m:ctrlPr>
                       </m:sSubPr>
@@ -8675,24 +13093,17 @@
                       <a:rPr lang="fr-FR" b="0" i="1" smtClean="0">
                         <a:latin typeface="Cambria Math"/>
                       </a:rPr>
-                      <m:t>=</m:t>
-                    </m:r>
-                    <m:r>
-                      <a:rPr lang="fr-FR" b="0" i="1" smtClean="0">
-                        <a:latin typeface="Cambria Math"/>
-                      </a:rPr>
-                      <m:t>0</m:t>
+                      <m:t>=0</m:t>
                     </m:r>
                   </m:oMath>
                 </a14:m>
-                <a:endParaRPr lang="fr-FR" dirty="0" smtClean="0"/>
+                <a:endParaRPr lang="fr-FR" dirty="0"/>
               </a:p>
               <a:p>
                 <a:r>
-                  <a:rPr lang="fr-FR" dirty="0" smtClean="0"/>
+                  <a:rPr lang="fr-FR" dirty="0"/>
                   <a:t>En 3D :</a:t>
                 </a:r>
-                <a:endParaRPr lang="fr-FR" dirty="0"/>
               </a:p>
               <a:p>
                 <a:pPr lvl="1"/>
@@ -8702,7 +13113,7 @@
                       <m:sSubPr>
                         <m:ctrlPr>
                           <a:rPr lang="fr-FR" b="0" i="1" smtClean="0">
-                            <a:latin typeface="Cambria Math"/>
+                            <a:latin typeface="Cambria Math" panose="02040503050406030204" pitchFamily="18" charset="0"/>
                           </a:rPr>
                         </m:ctrlPr>
                       </m:sSubPr>
@@ -8737,7 +13148,7 @@
                     </m:r>
                   </m:oMath>
                 </a14:m>
-                <a:endParaRPr lang="fr-FR" b="0" dirty="0" smtClean="0"/>
+                <a:endParaRPr lang="fr-FR" b="0" dirty="0"/>
               </a:p>
               <a:p>
                 <a:pPr lvl="1"/>
@@ -8747,7 +13158,7 @@
                       <m:sSubPr>
                         <m:ctrlPr>
                           <a:rPr lang="fr-FR" b="0" i="1" smtClean="0">
-                            <a:latin typeface="Cambria Math"/>
+                            <a:latin typeface="Cambria Math" panose="02040503050406030204" pitchFamily="18" charset="0"/>
                           </a:rPr>
                         </m:ctrlPr>
                       </m:sSubPr>
@@ -8776,7 +13187,7 @@
                     </m:r>
                   </m:oMath>
                 </a14:m>
-                <a:endParaRPr lang="fr-FR" dirty="0" smtClean="0"/>
+                <a:endParaRPr lang="fr-FR" dirty="0"/>
               </a:p>
               <a:p>
                 <a:pPr lvl="1"/>
@@ -8792,21 +13203,15 @@
                       <a:rPr lang="fr-FR" b="0" i="1" smtClean="0">
                         <a:latin typeface="Cambria Math"/>
                       </a:rPr>
-                      <m:t>=0−</m:t>
-                    </m:r>
-                    <m:r>
-                      <a:rPr lang="fr-FR" b="0" i="1" smtClean="0">
-                        <a:latin typeface="Cambria Math"/>
-                      </a:rPr>
-                      <m:t>18+20=2</m:t>
+                      <m:t>=0−18+20=2</m:t>
                     </m:r>
                   </m:oMath>
                 </a14:m>
-                <a:endParaRPr lang="fr-FR" dirty="0" smtClean="0"/>
+                <a:endParaRPr lang="fr-FR" dirty="0"/>
               </a:p>
               <a:p>
                 <a:r>
-                  <a:rPr lang="fr-FR" dirty="0" smtClean="0"/>
+                  <a:rPr lang="fr-FR" dirty="0"/>
                   <a:t>En 2D :</a:t>
                 </a:r>
               </a:p>
@@ -8818,7 +13223,7 @@
                       <m:sSubPr>
                         <m:ctrlPr>
                           <a:rPr lang="fr-FR" i="1">
-                            <a:latin typeface="Cambria Math"/>
+                            <a:latin typeface="Cambria Math" panose="02040503050406030204" pitchFamily="18" charset="0"/>
                           </a:rPr>
                         </m:ctrlPr>
                       </m:sSubPr>
@@ -8863,7 +13268,7 @@
                       <m:sSubPr>
                         <m:ctrlPr>
                           <a:rPr lang="fr-FR" i="1">
-                            <a:latin typeface="Cambria Math"/>
+                            <a:latin typeface="Cambria Math" panose="02040503050406030204" pitchFamily="18" charset="0"/>
                           </a:rPr>
                         </m:ctrlPr>
                       </m:sSubPr>
@@ -8940,12 +13345,12 @@
                 </a:endParaRPr>
               </a:p>
               <a:p>
-                <a:endParaRPr lang="fr-FR" dirty="0" smtClean="0"/>
+                <a:endParaRPr lang="fr-FR" dirty="0"/>
               </a:p>
             </p:txBody>
           </p:sp>
         </mc:Choice>
-        <mc:Fallback>
+        <mc:Fallback xmlns="">
           <p:sp>
             <p:nvSpPr>
               <p:cNvPr id="3" name="Espace réservé du contenu 2"/>
@@ -9634,7 +14039,7 @@
           <a:p>
             <a:pPr algn="ctr"/>
             <a:r>
-              <a:rPr lang="fr-FR" sz="1200" b="1" dirty="0" smtClean="0">
+              <a:rPr lang="fr-FR" sz="1200" b="1" dirty="0">
                 <a:solidFill>
                   <a:schemeClr val="accent5">
                     <a:lumMod val="50000"/>
@@ -9643,13 +14048,6 @@
               </a:rPr>
               <a:t>0</a:t>
             </a:r>
-            <a:endParaRPr lang="fr-FR" sz="1200" b="1" dirty="0">
-              <a:solidFill>
-                <a:schemeClr val="accent5">
-                  <a:lumMod val="50000"/>
-                </a:schemeClr>
-              </a:solidFill>
-            </a:endParaRPr>
           </a:p>
         </p:txBody>
       </p:sp>
@@ -9808,18 +14206,13 @@
           <a:p>
             <a:pPr algn="ctr"/>
             <a:r>
-              <a:rPr lang="fr-FR" sz="1200" b="1" dirty="0" smtClean="0">
+              <a:rPr lang="fr-FR" sz="1200" b="1" dirty="0">
                 <a:solidFill>
                   <a:srgbClr val="C00000"/>
                 </a:solidFill>
               </a:rPr>
               <a:t>3</a:t>
             </a:r>
-            <a:endParaRPr lang="fr-FR" sz="1200" b="1" dirty="0">
-              <a:solidFill>
-                <a:srgbClr val="C00000"/>
-              </a:solidFill>
-            </a:endParaRPr>
           </a:p>
         </p:txBody>
       </p:sp>
@@ -9827,6 +14220,2347 @@
     <p:extLst>
       <p:ext uri="{BB962C8B-B14F-4D97-AF65-F5344CB8AC3E}">
         <p14:creationId xmlns:p14="http://schemas.microsoft.com/office/powerpoint/2010/main" val="114505002"/>
+      </p:ext>
+    </p:extLst>
+  </p:cSld>
+  <p:clrMapOvr>
+    <a:masterClrMapping/>
+  </p:clrMapOvr>
+</p:sld>
+</file>
+
+<file path=ppt/slides/slide20.xml><?xml version="1.0" encoding="utf-8"?>
+<p:sld xmlns:a="http://schemas.openxmlformats.org/drawingml/2006/main" xmlns:r="http://schemas.openxmlformats.org/officeDocument/2006/relationships" xmlns:p="http://schemas.openxmlformats.org/presentationml/2006/main">
+  <p:cSld>
+    <p:spTree>
+      <p:nvGrpSpPr>
+        <p:cNvPr id="1" name=""/>
+        <p:cNvGrpSpPr/>
+        <p:nvPr/>
+      </p:nvGrpSpPr>
+      <p:grpSpPr>
+        <a:xfrm>
+          <a:off x="0" y="0"/>
+          <a:ext cx="0" cy="0"/>
+          <a:chOff x="0" y="0"/>
+          <a:chExt cx="0" cy="0"/>
+        </a:xfrm>
+      </p:grpSpPr>
+      <p:pic>
+        <p:nvPicPr>
+          <p:cNvPr id="5" name="Image 4">
+            <a:extLst>
+              <a:ext uri="{FF2B5EF4-FFF2-40B4-BE49-F238E27FC236}">
+                <a16:creationId xmlns:a16="http://schemas.microsoft.com/office/drawing/2014/main" id="{582C30CD-D86A-ADC5-D25E-9D1982096008}"/>
+              </a:ext>
+            </a:extLst>
+          </p:cNvPr>
+          <p:cNvPicPr>
+            <a:picLocks noChangeAspect="1"/>
+          </p:cNvPicPr>
+          <p:nvPr/>
+        </p:nvPicPr>
+        <p:blipFill>
+          <a:blip r:embed="rId2"/>
+          <a:stretch>
+            <a:fillRect/>
+          </a:stretch>
+        </p:blipFill>
+        <p:spPr>
+          <a:xfrm>
+            <a:off x="433422" y="1700808"/>
+            <a:ext cx="4001865" cy="3168352"/>
+          </a:xfrm>
+          <a:prstGeom prst="rect">
+            <a:avLst/>
+          </a:prstGeom>
+        </p:spPr>
+      </p:pic>
+      <mc:AlternateContent xmlns:mc="http://schemas.openxmlformats.org/markup-compatibility/2006">
+        <mc:Choice xmlns:a14="http://schemas.microsoft.com/office/drawing/2010/main" Requires="a14">
+          <p:sp>
+            <p:nvSpPr>
+              <p:cNvPr id="6" name="Espace réservé du contenu 2">
+                <a:extLst>
+                  <a:ext uri="{FF2B5EF4-FFF2-40B4-BE49-F238E27FC236}">
+                    <a16:creationId xmlns:a16="http://schemas.microsoft.com/office/drawing/2014/main" id="{E4CE23E1-F600-85ED-77F2-561EF7EE7B7A}"/>
+                  </a:ext>
+                </a:extLst>
+              </p:cNvPr>
+              <p:cNvSpPr txBox="1">
+                <a:spLocks noGrp="1"/>
+              </p:cNvSpPr>
+              <p:nvPr>
+                <p:ph idx="1"/>
+              </p:nvPr>
+            </p:nvSpPr>
+            <p:spPr>
+              <a:xfrm>
+                <a:off x="4572000" y="1600200"/>
+                <a:ext cx="4114800" cy="4525963"/>
+              </a:xfrm>
+              <a:prstGeom prst="rect">
+                <a:avLst/>
+              </a:prstGeom>
+            </p:spPr>
+            <p:txBody>
+              <a:bodyPr vert="horz" lIns="91440" tIns="45720" rIns="91440" bIns="45720" rtlCol="0">
+                <a:normAutofit/>
+              </a:bodyPr>
+              <a:lstStyle>
+                <a:lvl1pPr marL="342900" indent="-342900" algn="l" defTabSz="914400" rtl="0" eaLnBrk="1" latinLnBrk="0" hangingPunct="1">
+                  <a:spcBef>
+                    <a:spcPct val="20000"/>
+                  </a:spcBef>
+                  <a:buFont typeface="Arial" pitchFamily="34" charset="0"/>
+                  <a:buChar char="•"/>
+                  <a:defRPr sz="3200" kern="1200">
+                    <a:solidFill>
+                      <a:schemeClr val="tx1"/>
+                    </a:solidFill>
+                    <a:latin typeface="+mn-lt"/>
+                    <a:ea typeface="+mn-ea"/>
+                    <a:cs typeface="+mn-cs"/>
+                  </a:defRPr>
+                </a:lvl1pPr>
+                <a:lvl2pPr marL="742950" indent="-285750" algn="l" defTabSz="914400" rtl="0" eaLnBrk="1" latinLnBrk="0" hangingPunct="1">
+                  <a:spcBef>
+                    <a:spcPct val="20000"/>
+                  </a:spcBef>
+                  <a:buFont typeface="Arial" pitchFamily="34" charset="0"/>
+                  <a:buChar char="–"/>
+                  <a:defRPr sz="2800" kern="1200">
+                    <a:solidFill>
+                      <a:schemeClr val="tx1"/>
+                    </a:solidFill>
+                    <a:latin typeface="+mn-lt"/>
+                    <a:ea typeface="+mn-ea"/>
+                    <a:cs typeface="+mn-cs"/>
+                  </a:defRPr>
+                </a:lvl2pPr>
+                <a:lvl3pPr marL="1143000" indent="-228600" algn="l" defTabSz="914400" rtl="0" eaLnBrk="1" latinLnBrk="0" hangingPunct="1">
+                  <a:spcBef>
+                    <a:spcPct val="20000"/>
+                  </a:spcBef>
+                  <a:buFont typeface="Arial" pitchFamily="34" charset="0"/>
+                  <a:buChar char="•"/>
+                  <a:defRPr sz="2400" kern="1200">
+                    <a:solidFill>
+                      <a:schemeClr val="tx1"/>
+                    </a:solidFill>
+                    <a:latin typeface="+mn-lt"/>
+                    <a:ea typeface="+mn-ea"/>
+                    <a:cs typeface="+mn-cs"/>
+                  </a:defRPr>
+                </a:lvl3pPr>
+                <a:lvl4pPr marL="1600200" indent="-228600" algn="l" defTabSz="914400" rtl="0" eaLnBrk="1" latinLnBrk="0" hangingPunct="1">
+                  <a:spcBef>
+                    <a:spcPct val="20000"/>
+                  </a:spcBef>
+                  <a:buFont typeface="Arial" pitchFamily="34" charset="0"/>
+                  <a:buChar char="–"/>
+                  <a:defRPr sz="2000" kern="1200">
+                    <a:solidFill>
+                      <a:schemeClr val="tx1"/>
+                    </a:solidFill>
+                    <a:latin typeface="+mn-lt"/>
+                    <a:ea typeface="+mn-ea"/>
+                    <a:cs typeface="+mn-cs"/>
+                  </a:defRPr>
+                </a:lvl4pPr>
+                <a:lvl5pPr marL="2057400" indent="-228600" algn="l" defTabSz="914400" rtl="0" eaLnBrk="1" latinLnBrk="0" hangingPunct="1">
+                  <a:spcBef>
+                    <a:spcPct val="20000"/>
+                  </a:spcBef>
+                  <a:buFont typeface="Arial" pitchFamily="34" charset="0"/>
+                  <a:buChar char="»"/>
+                  <a:defRPr sz="2000" kern="1200">
+                    <a:solidFill>
+                      <a:schemeClr val="tx1"/>
+                    </a:solidFill>
+                    <a:latin typeface="+mn-lt"/>
+                    <a:ea typeface="+mn-ea"/>
+                    <a:cs typeface="+mn-cs"/>
+                  </a:defRPr>
+                </a:lvl5pPr>
+                <a:lvl6pPr marL="2514600" indent="-228600" algn="l" defTabSz="914400" rtl="0" eaLnBrk="1" latinLnBrk="0" hangingPunct="1">
+                  <a:spcBef>
+                    <a:spcPct val="20000"/>
+                  </a:spcBef>
+                  <a:buFont typeface="Arial" pitchFamily="34" charset="0"/>
+                  <a:buChar char="•"/>
+                  <a:defRPr sz="2000" kern="1200">
+                    <a:solidFill>
+                      <a:schemeClr val="tx1"/>
+                    </a:solidFill>
+                    <a:latin typeface="+mn-lt"/>
+                    <a:ea typeface="+mn-ea"/>
+                    <a:cs typeface="+mn-cs"/>
+                  </a:defRPr>
+                </a:lvl6pPr>
+                <a:lvl7pPr marL="2971800" indent="-228600" algn="l" defTabSz="914400" rtl="0" eaLnBrk="1" latinLnBrk="0" hangingPunct="1">
+                  <a:spcBef>
+                    <a:spcPct val="20000"/>
+                  </a:spcBef>
+                  <a:buFont typeface="Arial" pitchFamily="34" charset="0"/>
+                  <a:buChar char="•"/>
+                  <a:defRPr sz="2000" kern="1200">
+                    <a:solidFill>
+                      <a:schemeClr val="tx1"/>
+                    </a:solidFill>
+                    <a:latin typeface="+mn-lt"/>
+                    <a:ea typeface="+mn-ea"/>
+                    <a:cs typeface="+mn-cs"/>
+                  </a:defRPr>
+                </a:lvl7pPr>
+                <a:lvl8pPr marL="3429000" indent="-228600" algn="l" defTabSz="914400" rtl="0" eaLnBrk="1" latinLnBrk="0" hangingPunct="1">
+                  <a:spcBef>
+                    <a:spcPct val="20000"/>
+                  </a:spcBef>
+                  <a:buFont typeface="Arial" pitchFamily="34" charset="0"/>
+                  <a:buChar char="•"/>
+                  <a:defRPr sz="2000" kern="1200">
+                    <a:solidFill>
+                      <a:schemeClr val="tx1"/>
+                    </a:solidFill>
+                    <a:latin typeface="+mn-lt"/>
+                    <a:ea typeface="+mn-ea"/>
+                    <a:cs typeface="+mn-cs"/>
+                  </a:defRPr>
+                </a:lvl8pPr>
+                <a:lvl9pPr marL="3886200" indent="-228600" algn="l" defTabSz="914400" rtl="0" eaLnBrk="1" latinLnBrk="0" hangingPunct="1">
+                  <a:spcBef>
+                    <a:spcPct val="20000"/>
+                  </a:spcBef>
+                  <a:buFont typeface="Arial" pitchFamily="34" charset="0"/>
+                  <a:buChar char="•"/>
+                  <a:defRPr sz="2000" kern="1200">
+                    <a:solidFill>
+                      <a:schemeClr val="tx1"/>
+                    </a:solidFill>
+                    <a:latin typeface="+mn-lt"/>
+                    <a:ea typeface="+mn-ea"/>
+                    <a:cs typeface="+mn-cs"/>
+                  </a:defRPr>
+                </a:lvl9pPr>
+              </a:lstStyle>
+              <a:p>
+                <a14:m>
+                  <m:oMath xmlns:m="http://schemas.openxmlformats.org/officeDocument/2006/math">
+                    <m:r>
+                      <a:rPr lang="fr-FR" sz="2800" i="1" smtClean="0">
+                        <a:latin typeface="Cambria Math" panose="02040503050406030204" pitchFamily="18" charset="0"/>
+                      </a:rPr>
+                      <m:t>𝑚</m:t>
+                    </m:r>
+                    <m:r>
+                      <a:rPr lang="fr-FR" sz="2800" i="1" smtClean="0">
+                        <a:latin typeface="Cambria Math"/>
+                      </a:rPr>
+                      <m:t>=</m:t>
+                    </m:r>
+                    <m:r>
+                      <a:rPr lang="fr-FR" sz="2800" i="1" smtClean="0">
+                        <a:latin typeface="Cambria Math" panose="02040503050406030204" pitchFamily="18" charset="0"/>
+                      </a:rPr>
+                      <m:t>1</m:t>
+                    </m:r>
+                  </m:oMath>
+                </a14:m>
+                <a:endParaRPr lang="fr-FR" sz="2800" dirty="0"/>
+              </a:p>
+              <a:p>
+                <a:r>
+                  <a:rPr lang="fr-FR" sz="2800" dirty="0"/>
+                  <a:t>En 3D :</a:t>
+                </a:r>
+              </a:p>
+              <a:p>
+                <a:pPr lvl="1"/>
+                <a14:m>
+                  <m:oMath xmlns:m="http://schemas.openxmlformats.org/officeDocument/2006/math">
+                    <m:sSub>
+                      <m:sSubPr>
+                        <m:ctrlPr>
+                          <a:rPr lang="fr-FR" sz="2400" i="1" smtClean="0">
+                            <a:latin typeface="Cambria Math" panose="02040503050406030204" pitchFamily="18" charset="0"/>
+                          </a:rPr>
+                        </m:ctrlPr>
+                      </m:sSubPr>
+                      <m:e>
+                        <m:r>
+                          <a:rPr lang="fr-FR" sz="2400" i="1" smtClean="0">
+                            <a:latin typeface="Cambria Math"/>
+                          </a:rPr>
+                          <m:t>𝐼</m:t>
+                        </m:r>
+                      </m:e>
+                      <m:sub>
+                        <m:r>
+                          <a:rPr lang="fr-FR" sz="2400" i="1" smtClean="0">
+                            <a:latin typeface="Cambria Math"/>
+                          </a:rPr>
+                          <m:t>𝑠</m:t>
+                        </m:r>
+                      </m:sub>
+                    </m:sSub>
+                    <m:r>
+                      <a:rPr lang="fr-FR" sz="2400" i="1" smtClean="0">
+                        <a:latin typeface="Cambria Math"/>
+                      </a:rPr>
+                      <m:t>=</m:t>
+                    </m:r>
+                    <m:r>
+                      <a:rPr lang="fr-FR" sz="2400" i="1" smtClean="0">
+                        <a:latin typeface="Cambria Math" panose="02040503050406030204" pitchFamily="18" charset="0"/>
+                      </a:rPr>
+                      <m:t>5</m:t>
+                    </m:r>
+                    <m:r>
+                      <a:rPr lang="fr-FR" sz="2400" b="0" i="1" smtClean="0">
+                        <a:latin typeface="Cambria Math" panose="02040503050406030204" pitchFamily="18" charset="0"/>
+                      </a:rPr>
+                      <m:t>×13</m:t>
+                    </m:r>
+                    <m:r>
+                      <a:rPr lang="fr-FR" sz="2400" i="1" smtClean="0">
+                        <a:latin typeface="Cambria Math" panose="02040503050406030204" pitchFamily="18" charset="0"/>
+                      </a:rPr>
+                      <m:t>=</m:t>
+                    </m:r>
+                    <m:r>
+                      <a:rPr lang="fr-FR" sz="2400" b="0" i="1" smtClean="0">
+                        <a:latin typeface="Cambria Math" panose="02040503050406030204" pitchFamily="18" charset="0"/>
+                      </a:rPr>
+                      <m:t>65</m:t>
+                    </m:r>
+                  </m:oMath>
+                </a14:m>
+                <a:endParaRPr lang="fr-FR" sz="2400" dirty="0"/>
+              </a:p>
+              <a:p>
+                <a:pPr lvl="1"/>
+                <a14:m>
+                  <m:oMath xmlns:m="http://schemas.openxmlformats.org/officeDocument/2006/math">
+                    <m:sSub>
+                      <m:sSubPr>
+                        <m:ctrlPr>
+                          <a:rPr lang="fr-FR" sz="2400" i="1" smtClean="0">
+                            <a:latin typeface="Cambria Math" panose="02040503050406030204" pitchFamily="18" charset="0"/>
+                          </a:rPr>
+                        </m:ctrlPr>
+                      </m:sSubPr>
+                      <m:e>
+                        <m:r>
+                          <a:rPr lang="fr-FR" sz="2400" i="1" smtClean="0">
+                            <a:latin typeface="Cambria Math" panose="02040503050406030204" pitchFamily="18" charset="0"/>
+                          </a:rPr>
+                          <m:t>𝐸</m:t>
+                        </m:r>
+                      </m:e>
+                      <m:sub>
+                        <m:r>
+                          <a:rPr lang="fr-FR" sz="2400" i="1" smtClean="0">
+                            <a:latin typeface="Cambria Math" panose="02040503050406030204" pitchFamily="18" charset="0"/>
+                          </a:rPr>
+                          <m:t>𝑆</m:t>
+                        </m:r>
+                      </m:sub>
+                    </m:sSub>
+                    <m:r>
+                      <a:rPr lang="fr-FR" sz="2400" i="1" smtClean="0">
+                        <a:latin typeface="Cambria Math" panose="02040503050406030204" pitchFamily="18" charset="0"/>
+                      </a:rPr>
+                      <m:t>=6×</m:t>
+                    </m:r>
+                    <m:r>
+                      <a:rPr lang="fr-FR" sz="2400" b="0" i="1" smtClean="0">
+                        <a:latin typeface="Cambria Math" panose="02040503050406030204" pitchFamily="18" charset="0"/>
+                      </a:rPr>
+                      <m:t>9</m:t>
+                    </m:r>
+                    <m:r>
+                      <a:rPr lang="fr-FR" sz="2400" i="1" smtClean="0">
+                        <a:latin typeface="Cambria Math" panose="02040503050406030204" pitchFamily="18" charset="0"/>
+                      </a:rPr>
+                      <m:t>=</m:t>
+                    </m:r>
+                    <m:r>
+                      <a:rPr lang="fr-FR" sz="2400" b="0" i="1" smtClean="0">
+                        <a:latin typeface="Cambria Math" panose="02040503050406030204" pitchFamily="18" charset="0"/>
+                      </a:rPr>
+                      <m:t>5</m:t>
+                    </m:r>
+                    <m:r>
+                      <a:rPr lang="fr-FR" sz="2400" i="1" smtClean="0">
+                        <a:latin typeface="Cambria Math" panose="02040503050406030204" pitchFamily="18" charset="0"/>
+                      </a:rPr>
+                      <m:t>4</m:t>
+                    </m:r>
+                  </m:oMath>
+                </a14:m>
+                <a:endParaRPr lang="fr-FR" sz="2400" dirty="0"/>
+              </a:p>
+              <a:p>
+                <a:pPr lvl="1"/>
+                <a14:m>
+                  <m:oMath xmlns:m="http://schemas.openxmlformats.org/officeDocument/2006/math">
+                    <m:r>
+                      <a:rPr lang="fr-FR" sz="2400" i="1" smtClean="0">
+                        <a:latin typeface="Cambria Math" panose="02040503050406030204" pitchFamily="18" charset="0"/>
+                      </a:rPr>
+                      <m:t>h</m:t>
+                    </m:r>
+                    <m:r>
+                      <a:rPr lang="fr-FR" sz="2400" i="1" smtClean="0">
+                        <a:latin typeface="Cambria Math" panose="02040503050406030204" pitchFamily="18" charset="0"/>
+                      </a:rPr>
+                      <m:t>=</m:t>
+                    </m:r>
+                    <m:r>
+                      <a:rPr lang="fr-FR" sz="2400" i="1" smtClean="0">
+                        <a:latin typeface="Cambria Math" panose="02040503050406030204" pitchFamily="18" charset="0"/>
+                      </a:rPr>
+                      <m:t>𝑚</m:t>
+                    </m:r>
+                    <m:r>
+                      <a:rPr lang="fr-FR" sz="2400" i="1" smtClean="0">
+                        <a:latin typeface="Cambria Math" panose="02040503050406030204" pitchFamily="18" charset="0"/>
+                      </a:rPr>
+                      <m:t>−</m:t>
+                    </m:r>
+                    <m:sSub>
+                      <m:sSubPr>
+                        <m:ctrlPr>
+                          <a:rPr lang="fr-FR" sz="2400" i="1" smtClean="0">
+                            <a:latin typeface="Cambria Math" panose="02040503050406030204" pitchFamily="18" charset="0"/>
+                          </a:rPr>
+                        </m:ctrlPr>
+                      </m:sSubPr>
+                      <m:e>
+                        <m:r>
+                          <a:rPr lang="fr-FR" sz="2400" i="1" smtClean="0">
+                            <a:latin typeface="Cambria Math" panose="02040503050406030204" pitchFamily="18" charset="0"/>
+                          </a:rPr>
+                          <m:t>𝐸</m:t>
+                        </m:r>
+                      </m:e>
+                      <m:sub>
+                        <m:r>
+                          <a:rPr lang="fr-FR" sz="2400" i="1" smtClean="0">
+                            <a:latin typeface="Cambria Math" panose="02040503050406030204" pitchFamily="18" charset="0"/>
+                          </a:rPr>
+                          <m:t>𝑆</m:t>
+                        </m:r>
+                      </m:sub>
+                    </m:sSub>
+                    <m:r>
+                      <a:rPr lang="fr-FR" sz="2400" i="1" smtClean="0">
+                        <a:latin typeface="Cambria Math" panose="02040503050406030204" pitchFamily="18" charset="0"/>
+                      </a:rPr>
+                      <m:t>+</m:t>
+                    </m:r>
+                    <m:sSub>
+                      <m:sSubPr>
+                        <m:ctrlPr>
+                          <a:rPr lang="fr-FR" sz="2400" i="1" smtClean="0">
+                            <a:latin typeface="Cambria Math" panose="02040503050406030204" pitchFamily="18" charset="0"/>
+                          </a:rPr>
+                        </m:ctrlPr>
+                      </m:sSubPr>
+                      <m:e>
+                        <m:r>
+                          <a:rPr lang="fr-FR" sz="2400" i="1" smtClean="0">
+                            <a:latin typeface="Cambria Math" panose="02040503050406030204" pitchFamily="18" charset="0"/>
+                          </a:rPr>
+                          <m:t>𝐼</m:t>
+                        </m:r>
+                      </m:e>
+                      <m:sub>
+                        <m:r>
+                          <a:rPr lang="fr-FR" sz="2400" i="1" smtClean="0">
+                            <a:latin typeface="Cambria Math" panose="02040503050406030204" pitchFamily="18" charset="0"/>
+                          </a:rPr>
+                          <m:t>𝑆</m:t>
+                        </m:r>
+                      </m:sub>
+                    </m:sSub>
+                    <m:r>
+                      <a:rPr lang="fr-FR" sz="2400" i="1" smtClean="0">
+                        <a:latin typeface="Cambria Math" panose="02040503050406030204" pitchFamily="18" charset="0"/>
+                      </a:rPr>
+                      <m:t>=</m:t>
+                    </m:r>
+                    <m:r>
+                      <a:rPr lang="fr-FR" sz="2400" b="0" i="1" smtClean="0">
+                        <a:latin typeface="Cambria Math" panose="02040503050406030204" pitchFamily="18" charset="0"/>
+                      </a:rPr>
+                      <m:t>1−54+65=12</m:t>
+                    </m:r>
+                  </m:oMath>
+                </a14:m>
+                <a:endParaRPr lang="fr-FR" sz="2400" dirty="0"/>
+              </a:p>
+              <a:p>
+                <a:endParaRPr lang="fr-FR" sz="2800" dirty="0"/>
+              </a:p>
+            </p:txBody>
+          </p:sp>
+        </mc:Choice>
+        <mc:Fallback>
+          <p:sp>
+            <p:nvSpPr>
+              <p:cNvPr id="6" name="Espace réservé du contenu 2">
+                <a:extLst>
+                  <a:ext uri="{FF2B5EF4-FFF2-40B4-BE49-F238E27FC236}">
+                    <a16:creationId xmlns:a16="http://schemas.microsoft.com/office/drawing/2014/main" id="{E4CE23E1-F600-85ED-77F2-561EF7EE7B7A}"/>
+                  </a:ext>
+                </a:extLst>
+              </p:cNvPr>
+              <p:cNvSpPr txBox="1">
+                <a:spLocks noGrp="1" noRot="1" noChangeAspect="1" noMove="1" noResize="1" noEditPoints="1" noAdjustHandles="1" noChangeArrowheads="1" noChangeShapeType="1" noTextEdit="1"/>
+              </p:cNvSpPr>
+              <p:nvPr>
+                <p:ph idx="1"/>
+              </p:nvPr>
+            </p:nvSpPr>
+            <p:spPr>
+              <a:xfrm>
+                <a:off x="4572000" y="1600200"/>
+                <a:ext cx="4114800" cy="4525963"/>
+              </a:xfrm>
+              <a:prstGeom prst="rect">
+                <a:avLst/>
+              </a:prstGeom>
+              <a:blipFill>
+                <a:blip r:embed="rId3"/>
+                <a:stretch>
+                  <a:fillRect l="-2667"/>
+                </a:stretch>
+              </a:blipFill>
+            </p:spPr>
+            <p:txBody>
+              <a:bodyPr/>
+              <a:lstStyle/>
+              <a:p>
+                <a:r>
+                  <a:rPr lang="fr-FR">
+                    <a:noFill/>
+                  </a:rPr>
+                  <a:t> </a:t>
+                </a:r>
+              </a:p>
+            </p:txBody>
+          </p:sp>
+        </mc:Fallback>
+      </mc:AlternateContent>
+      <p:sp>
+        <p:nvSpPr>
+          <p:cNvPr id="7" name="ZoneTexte 6">
+            <a:extLst>
+              <a:ext uri="{FF2B5EF4-FFF2-40B4-BE49-F238E27FC236}">
+                <a16:creationId xmlns:a16="http://schemas.microsoft.com/office/drawing/2014/main" id="{A6B6AAF6-CA9D-59B0-5D14-77CA59E63095}"/>
+              </a:ext>
+            </a:extLst>
+          </p:cNvPr>
+          <p:cNvSpPr txBox="1"/>
+          <p:nvPr/>
+        </p:nvSpPr>
+        <p:spPr>
+          <a:xfrm>
+            <a:off x="395536" y="260648"/>
+            <a:ext cx="4572000" cy="369332"/>
+          </a:xfrm>
+          <a:prstGeom prst="rect">
+            <a:avLst/>
+          </a:prstGeom>
+          <a:noFill/>
+        </p:spPr>
+        <p:txBody>
+          <a:bodyPr wrap="square">
+            <a:spAutoFit/>
+          </a:bodyPr>
+          <a:lstStyle/>
+          <a:p>
+            <a:r>
+              <a:rPr lang="fr-FR" dirty="0"/>
+              <a:t>Exo 8</a:t>
+            </a:r>
+          </a:p>
+        </p:txBody>
+      </p:sp>
+    </p:spTree>
+    <p:extLst>
+      <p:ext uri="{BB962C8B-B14F-4D97-AF65-F5344CB8AC3E}">
+        <p14:creationId xmlns:p14="http://schemas.microsoft.com/office/powerpoint/2010/main" val="985598363"/>
+      </p:ext>
+    </p:extLst>
+  </p:cSld>
+  <p:clrMapOvr>
+    <a:masterClrMapping/>
+  </p:clrMapOvr>
+</p:sld>
+</file>
+
+<file path=ppt/slides/slide21.xml><?xml version="1.0" encoding="utf-8"?>
+<p:sld xmlns:a="http://schemas.openxmlformats.org/drawingml/2006/main" xmlns:r="http://schemas.openxmlformats.org/officeDocument/2006/relationships" xmlns:p="http://schemas.openxmlformats.org/presentationml/2006/main">
+  <p:cSld>
+    <p:spTree>
+      <p:nvGrpSpPr>
+        <p:cNvPr id="1" name=""/>
+        <p:cNvGrpSpPr/>
+        <p:nvPr/>
+      </p:nvGrpSpPr>
+      <p:grpSpPr>
+        <a:xfrm>
+          <a:off x="0" y="0"/>
+          <a:ext cx="0" cy="0"/>
+          <a:chOff x="0" y="0"/>
+          <a:chExt cx="0" cy="0"/>
+        </a:xfrm>
+      </p:grpSpPr>
+      <p:sp>
+        <p:nvSpPr>
+          <p:cNvPr id="2" name="Titre 1">
+            <a:extLst>
+              <a:ext uri="{FF2B5EF4-FFF2-40B4-BE49-F238E27FC236}">
+                <a16:creationId xmlns:a16="http://schemas.microsoft.com/office/drawing/2014/main" id="{1C0C13CF-2031-1F8F-908F-7486B23996CE}"/>
+              </a:ext>
+            </a:extLst>
+          </p:cNvPr>
+          <p:cNvSpPr>
+            <a:spLocks noGrp="1"/>
+          </p:cNvSpPr>
+          <p:nvPr>
+            <p:ph type="title"/>
+          </p:nvPr>
+        </p:nvSpPr>
+        <p:spPr/>
+        <p:txBody>
+          <a:bodyPr/>
+          <a:lstStyle/>
+          <a:p>
+            <a:r>
+              <a:rPr lang="fr-FR" dirty="0"/>
+              <a:t>Exo 9</a:t>
+            </a:r>
+          </a:p>
+        </p:txBody>
+      </p:sp>
+      <p:pic>
+        <p:nvPicPr>
+          <p:cNvPr id="5" name="Image 4">
+            <a:extLst>
+              <a:ext uri="{FF2B5EF4-FFF2-40B4-BE49-F238E27FC236}">
+                <a16:creationId xmlns:a16="http://schemas.microsoft.com/office/drawing/2014/main" id="{391C0747-C456-3A74-9C04-66B52581562D}"/>
+              </a:ext>
+            </a:extLst>
+          </p:cNvPr>
+          <p:cNvPicPr>
+            <a:picLocks noChangeAspect="1"/>
+          </p:cNvPicPr>
+          <p:nvPr/>
+        </p:nvPicPr>
+        <p:blipFill>
+          <a:blip r:embed="rId2"/>
+          <a:stretch>
+            <a:fillRect/>
+          </a:stretch>
+        </p:blipFill>
+        <p:spPr>
+          <a:xfrm>
+            <a:off x="435910" y="2371322"/>
+            <a:ext cx="4363059" cy="2886478"/>
+          </a:xfrm>
+          <a:prstGeom prst="rect">
+            <a:avLst/>
+          </a:prstGeom>
+        </p:spPr>
+      </p:pic>
+      <mc:AlternateContent xmlns:mc="http://schemas.openxmlformats.org/markup-compatibility/2006">
+        <mc:Choice xmlns:a14="http://schemas.microsoft.com/office/drawing/2010/main" Requires="a14">
+          <p:sp>
+            <p:nvSpPr>
+              <p:cNvPr id="6" name="Espace réservé du contenu 2">
+                <a:extLst>
+                  <a:ext uri="{FF2B5EF4-FFF2-40B4-BE49-F238E27FC236}">
+                    <a16:creationId xmlns:a16="http://schemas.microsoft.com/office/drawing/2014/main" id="{1E29397A-CE1C-3447-AFF8-291B48A71C18}"/>
+                  </a:ext>
+                </a:extLst>
+              </p:cNvPr>
+              <p:cNvSpPr txBox="1">
+                <a:spLocks/>
+              </p:cNvSpPr>
+              <p:nvPr/>
+            </p:nvSpPr>
+            <p:spPr>
+              <a:xfrm>
+                <a:off x="4572000" y="1600200"/>
+                <a:ext cx="4114800" cy="4525963"/>
+              </a:xfrm>
+              <a:prstGeom prst="rect">
+                <a:avLst/>
+              </a:prstGeom>
+            </p:spPr>
+            <p:txBody>
+              <a:bodyPr vert="horz" lIns="91440" tIns="45720" rIns="91440" bIns="45720" rtlCol="0">
+                <a:normAutofit/>
+              </a:bodyPr>
+              <a:lstStyle>
+                <a:lvl1pPr marL="342900" indent="-342900" algn="l" defTabSz="914400" rtl="0" eaLnBrk="1" latinLnBrk="0" hangingPunct="1">
+                  <a:spcBef>
+                    <a:spcPct val="20000"/>
+                  </a:spcBef>
+                  <a:buFont typeface="Arial" pitchFamily="34" charset="0"/>
+                  <a:buChar char="•"/>
+                  <a:defRPr sz="3200" kern="1200">
+                    <a:solidFill>
+                      <a:schemeClr val="tx1"/>
+                    </a:solidFill>
+                    <a:latin typeface="+mn-lt"/>
+                    <a:ea typeface="+mn-ea"/>
+                    <a:cs typeface="+mn-cs"/>
+                  </a:defRPr>
+                </a:lvl1pPr>
+                <a:lvl2pPr marL="742950" indent="-285750" algn="l" defTabSz="914400" rtl="0" eaLnBrk="1" latinLnBrk="0" hangingPunct="1">
+                  <a:spcBef>
+                    <a:spcPct val="20000"/>
+                  </a:spcBef>
+                  <a:buFont typeface="Arial" pitchFamily="34" charset="0"/>
+                  <a:buChar char="–"/>
+                  <a:defRPr sz="2800" kern="1200">
+                    <a:solidFill>
+                      <a:schemeClr val="tx1"/>
+                    </a:solidFill>
+                    <a:latin typeface="+mn-lt"/>
+                    <a:ea typeface="+mn-ea"/>
+                    <a:cs typeface="+mn-cs"/>
+                  </a:defRPr>
+                </a:lvl2pPr>
+                <a:lvl3pPr marL="1143000" indent="-228600" algn="l" defTabSz="914400" rtl="0" eaLnBrk="1" latinLnBrk="0" hangingPunct="1">
+                  <a:spcBef>
+                    <a:spcPct val="20000"/>
+                  </a:spcBef>
+                  <a:buFont typeface="Arial" pitchFamily="34" charset="0"/>
+                  <a:buChar char="•"/>
+                  <a:defRPr sz="2400" kern="1200">
+                    <a:solidFill>
+                      <a:schemeClr val="tx1"/>
+                    </a:solidFill>
+                    <a:latin typeface="+mn-lt"/>
+                    <a:ea typeface="+mn-ea"/>
+                    <a:cs typeface="+mn-cs"/>
+                  </a:defRPr>
+                </a:lvl3pPr>
+                <a:lvl4pPr marL="1600200" indent="-228600" algn="l" defTabSz="914400" rtl="0" eaLnBrk="1" latinLnBrk="0" hangingPunct="1">
+                  <a:spcBef>
+                    <a:spcPct val="20000"/>
+                  </a:spcBef>
+                  <a:buFont typeface="Arial" pitchFamily="34" charset="0"/>
+                  <a:buChar char="–"/>
+                  <a:defRPr sz="2000" kern="1200">
+                    <a:solidFill>
+                      <a:schemeClr val="tx1"/>
+                    </a:solidFill>
+                    <a:latin typeface="+mn-lt"/>
+                    <a:ea typeface="+mn-ea"/>
+                    <a:cs typeface="+mn-cs"/>
+                  </a:defRPr>
+                </a:lvl4pPr>
+                <a:lvl5pPr marL="2057400" indent="-228600" algn="l" defTabSz="914400" rtl="0" eaLnBrk="1" latinLnBrk="0" hangingPunct="1">
+                  <a:spcBef>
+                    <a:spcPct val="20000"/>
+                  </a:spcBef>
+                  <a:buFont typeface="Arial" pitchFamily="34" charset="0"/>
+                  <a:buChar char="»"/>
+                  <a:defRPr sz="2000" kern="1200">
+                    <a:solidFill>
+                      <a:schemeClr val="tx1"/>
+                    </a:solidFill>
+                    <a:latin typeface="+mn-lt"/>
+                    <a:ea typeface="+mn-ea"/>
+                    <a:cs typeface="+mn-cs"/>
+                  </a:defRPr>
+                </a:lvl5pPr>
+                <a:lvl6pPr marL="2514600" indent="-228600" algn="l" defTabSz="914400" rtl="0" eaLnBrk="1" latinLnBrk="0" hangingPunct="1">
+                  <a:spcBef>
+                    <a:spcPct val="20000"/>
+                  </a:spcBef>
+                  <a:buFont typeface="Arial" pitchFamily="34" charset="0"/>
+                  <a:buChar char="•"/>
+                  <a:defRPr sz="2000" kern="1200">
+                    <a:solidFill>
+                      <a:schemeClr val="tx1"/>
+                    </a:solidFill>
+                    <a:latin typeface="+mn-lt"/>
+                    <a:ea typeface="+mn-ea"/>
+                    <a:cs typeface="+mn-cs"/>
+                  </a:defRPr>
+                </a:lvl6pPr>
+                <a:lvl7pPr marL="2971800" indent="-228600" algn="l" defTabSz="914400" rtl="0" eaLnBrk="1" latinLnBrk="0" hangingPunct="1">
+                  <a:spcBef>
+                    <a:spcPct val="20000"/>
+                  </a:spcBef>
+                  <a:buFont typeface="Arial" pitchFamily="34" charset="0"/>
+                  <a:buChar char="•"/>
+                  <a:defRPr sz="2000" kern="1200">
+                    <a:solidFill>
+                      <a:schemeClr val="tx1"/>
+                    </a:solidFill>
+                    <a:latin typeface="+mn-lt"/>
+                    <a:ea typeface="+mn-ea"/>
+                    <a:cs typeface="+mn-cs"/>
+                  </a:defRPr>
+                </a:lvl7pPr>
+                <a:lvl8pPr marL="3429000" indent="-228600" algn="l" defTabSz="914400" rtl="0" eaLnBrk="1" latinLnBrk="0" hangingPunct="1">
+                  <a:spcBef>
+                    <a:spcPct val="20000"/>
+                  </a:spcBef>
+                  <a:buFont typeface="Arial" pitchFamily="34" charset="0"/>
+                  <a:buChar char="•"/>
+                  <a:defRPr sz="2000" kern="1200">
+                    <a:solidFill>
+                      <a:schemeClr val="tx1"/>
+                    </a:solidFill>
+                    <a:latin typeface="+mn-lt"/>
+                    <a:ea typeface="+mn-ea"/>
+                    <a:cs typeface="+mn-cs"/>
+                  </a:defRPr>
+                </a:lvl8pPr>
+                <a:lvl9pPr marL="3886200" indent="-228600" algn="l" defTabSz="914400" rtl="0" eaLnBrk="1" latinLnBrk="0" hangingPunct="1">
+                  <a:spcBef>
+                    <a:spcPct val="20000"/>
+                  </a:spcBef>
+                  <a:buFont typeface="Arial" pitchFamily="34" charset="0"/>
+                  <a:buChar char="•"/>
+                  <a:defRPr sz="2000" kern="1200">
+                    <a:solidFill>
+                      <a:schemeClr val="tx1"/>
+                    </a:solidFill>
+                    <a:latin typeface="+mn-lt"/>
+                    <a:ea typeface="+mn-ea"/>
+                    <a:cs typeface="+mn-cs"/>
+                  </a:defRPr>
+                </a:lvl9pPr>
+              </a:lstStyle>
+              <a:p>
+                <a14:m>
+                  <m:oMath xmlns:m="http://schemas.openxmlformats.org/officeDocument/2006/math">
+                    <m:r>
+                      <a:rPr lang="fr-FR" sz="2800" i="1" smtClean="0">
+                        <a:latin typeface="Cambria Math" panose="02040503050406030204" pitchFamily="18" charset="0"/>
+                      </a:rPr>
+                      <m:t>𝑚</m:t>
+                    </m:r>
+                    <m:r>
+                      <a:rPr lang="fr-FR" sz="2800" i="1" smtClean="0">
+                        <a:latin typeface="Cambria Math"/>
+                      </a:rPr>
+                      <m:t>=</m:t>
+                    </m:r>
+                    <m:r>
+                      <a:rPr lang="fr-FR" sz="2800" i="1" smtClean="0">
+                        <a:latin typeface="Cambria Math" panose="02040503050406030204" pitchFamily="18" charset="0"/>
+                      </a:rPr>
+                      <m:t>1</m:t>
+                    </m:r>
+                  </m:oMath>
+                </a14:m>
+                <a:endParaRPr lang="fr-FR" sz="2800" dirty="0"/>
+              </a:p>
+              <a:p>
+                <a:r>
+                  <a:rPr lang="fr-FR" sz="2800" dirty="0"/>
+                  <a:t>En 3D :</a:t>
+                </a:r>
+              </a:p>
+              <a:p>
+                <a:pPr lvl="1"/>
+                <a14:m>
+                  <m:oMath xmlns:m="http://schemas.openxmlformats.org/officeDocument/2006/math">
+                    <m:sSub>
+                      <m:sSubPr>
+                        <m:ctrlPr>
+                          <a:rPr lang="fr-FR" sz="2400" i="1" smtClean="0">
+                            <a:latin typeface="Cambria Math" panose="02040503050406030204" pitchFamily="18" charset="0"/>
+                          </a:rPr>
+                        </m:ctrlPr>
+                      </m:sSubPr>
+                      <m:e>
+                        <m:r>
+                          <a:rPr lang="fr-FR" sz="2400" i="1" smtClean="0">
+                            <a:latin typeface="Cambria Math"/>
+                          </a:rPr>
+                          <m:t>𝐼</m:t>
+                        </m:r>
+                      </m:e>
+                      <m:sub>
+                        <m:r>
+                          <a:rPr lang="fr-FR" sz="2400" i="1" smtClean="0">
+                            <a:latin typeface="Cambria Math"/>
+                          </a:rPr>
+                          <m:t>𝑠</m:t>
+                        </m:r>
+                      </m:sub>
+                    </m:sSub>
+                    <m:r>
+                      <a:rPr lang="fr-FR" sz="2400" i="1" smtClean="0">
+                        <a:latin typeface="Cambria Math"/>
+                      </a:rPr>
+                      <m:t>=</m:t>
+                    </m:r>
+                    <m:r>
+                      <a:rPr lang="fr-FR" sz="2400" b="0" i="1" smtClean="0">
+                        <a:latin typeface="Cambria Math" panose="02040503050406030204" pitchFamily="18" charset="0"/>
+                      </a:rPr>
+                      <m:t>15+4</m:t>
+                    </m:r>
+                    <m:r>
+                      <a:rPr lang="fr-FR" sz="2400" i="1" smtClean="0">
+                        <a:latin typeface="Cambria Math" panose="02040503050406030204" pitchFamily="18" charset="0"/>
+                      </a:rPr>
+                      <m:t>=</m:t>
+                    </m:r>
+                    <m:r>
+                      <a:rPr lang="fr-FR" sz="2400" b="0" i="1" smtClean="0">
+                        <a:latin typeface="Cambria Math" panose="02040503050406030204" pitchFamily="18" charset="0"/>
+                      </a:rPr>
+                      <m:t>19</m:t>
+                    </m:r>
+                  </m:oMath>
+                </a14:m>
+                <a:endParaRPr lang="fr-FR" sz="2400" dirty="0"/>
+              </a:p>
+              <a:p>
+                <a:pPr lvl="1"/>
+                <a14:m>
+                  <m:oMath xmlns:m="http://schemas.openxmlformats.org/officeDocument/2006/math">
+                    <m:sSub>
+                      <m:sSubPr>
+                        <m:ctrlPr>
+                          <a:rPr lang="fr-FR" sz="2400" i="1" smtClean="0">
+                            <a:latin typeface="Cambria Math" panose="02040503050406030204" pitchFamily="18" charset="0"/>
+                          </a:rPr>
+                        </m:ctrlPr>
+                      </m:sSubPr>
+                      <m:e>
+                        <m:r>
+                          <a:rPr lang="fr-FR" sz="2400" i="1" smtClean="0">
+                            <a:latin typeface="Cambria Math" panose="02040503050406030204" pitchFamily="18" charset="0"/>
+                          </a:rPr>
+                          <m:t>𝐸</m:t>
+                        </m:r>
+                      </m:e>
+                      <m:sub>
+                        <m:r>
+                          <a:rPr lang="fr-FR" sz="2400" i="1" smtClean="0">
+                            <a:latin typeface="Cambria Math" panose="02040503050406030204" pitchFamily="18" charset="0"/>
+                          </a:rPr>
+                          <m:t>𝑆</m:t>
+                        </m:r>
+                      </m:sub>
+                    </m:sSub>
+                    <m:r>
+                      <a:rPr lang="fr-FR" sz="2400" i="1" smtClean="0">
+                        <a:latin typeface="Cambria Math" panose="02040503050406030204" pitchFamily="18" charset="0"/>
+                      </a:rPr>
+                      <m:t>=6</m:t>
+                    </m:r>
+                    <m:r>
+                      <a:rPr lang="fr-FR" sz="2400" i="1" smtClean="0">
+                        <a:latin typeface="Cambria Math" panose="02040503050406030204" pitchFamily="18" charset="0"/>
+                      </a:rPr>
+                      <m:t>×</m:t>
+                    </m:r>
+                    <m:r>
+                      <a:rPr lang="fr-FR" sz="2400" b="0" i="1" smtClean="0">
+                        <a:latin typeface="Cambria Math" panose="02040503050406030204" pitchFamily="18" charset="0"/>
+                      </a:rPr>
+                      <m:t>3</m:t>
+                    </m:r>
+                    <m:r>
+                      <a:rPr lang="fr-FR" sz="2400" i="1" smtClean="0">
+                        <a:latin typeface="Cambria Math" panose="02040503050406030204" pitchFamily="18" charset="0"/>
+                      </a:rPr>
+                      <m:t>=</m:t>
+                    </m:r>
+                    <m:r>
+                      <a:rPr lang="fr-FR" sz="2400" b="0" i="1" smtClean="0">
+                        <a:latin typeface="Cambria Math" panose="02040503050406030204" pitchFamily="18" charset="0"/>
+                      </a:rPr>
+                      <m:t>18</m:t>
+                    </m:r>
+                  </m:oMath>
+                </a14:m>
+                <a:endParaRPr lang="fr-FR" sz="2400" dirty="0"/>
+              </a:p>
+              <a:p>
+                <a:pPr lvl="1"/>
+                <a14:m>
+                  <m:oMath xmlns:m="http://schemas.openxmlformats.org/officeDocument/2006/math">
+                    <m:r>
+                      <a:rPr lang="fr-FR" sz="2400" i="1" smtClean="0">
+                        <a:latin typeface="Cambria Math" panose="02040503050406030204" pitchFamily="18" charset="0"/>
+                      </a:rPr>
+                      <m:t>h</m:t>
+                    </m:r>
+                    <m:r>
+                      <a:rPr lang="fr-FR" sz="2400" i="1" smtClean="0">
+                        <a:latin typeface="Cambria Math" panose="02040503050406030204" pitchFamily="18" charset="0"/>
+                      </a:rPr>
+                      <m:t>=</m:t>
+                    </m:r>
+                    <m:r>
+                      <a:rPr lang="fr-FR" sz="2400" i="1" smtClean="0">
+                        <a:latin typeface="Cambria Math" panose="02040503050406030204" pitchFamily="18" charset="0"/>
+                      </a:rPr>
+                      <m:t>𝑚</m:t>
+                    </m:r>
+                    <m:r>
+                      <a:rPr lang="fr-FR" sz="2400" i="1" smtClean="0">
+                        <a:latin typeface="Cambria Math" panose="02040503050406030204" pitchFamily="18" charset="0"/>
+                      </a:rPr>
+                      <m:t>−</m:t>
+                    </m:r>
+                    <m:sSub>
+                      <m:sSubPr>
+                        <m:ctrlPr>
+                          <a:rPr lang="fr-FR" sz="2400" i="1" smtClean="0">
+                            <a:latin typeface="Cambria Math" panose="02040503050406030204" pitchFamily="18" charset="0"/>
+                          </a:rPr>
+                        </m:ctrlPr>
+                      </m:sSubPr>
+                      <m:e>
+                        <m:r>
+                          <a:rPr lang="fr-FR" sz="2400" i="1" smtClean="0">
+                            <a:latin typeface="Cambria Math" panose="02040503050406030204" pitchFamily="18" charset="0"/>
+                          </a:rPr>
+                          <m:t>𝐸</m:t>
+                        </m:r>
+                      </m:e>
+                      <m:sub>
+                        <m:r>
+                          <a:rPr lang="fr-FR" sz="2400" i="1" smtClean="0">
+                            <a:latin typeface="Cambria Math" panose="02040503050406030204" pitchFamily="18" charset="0"/>
+                          </a:rPr>
+                          <m:t>𝑆</m:t>
+                        </m:r>
+                      </m:sub>
+                    </m:sSub>
+                    <m:r>
+                      <a:rPr lang="fr-FR" sz="2400" i="1" smtClean="0">
+                        <a:latin typeface="Cambria Math" panose="02040503050406030204" pitchFamily="18" charset="0"/>
+                      </a:rPr>
+                      <m:t>+</m:t>
+                    </m:r>
+                    <m:sSub>
+                      <m:sSubPr>
+                        <m:ctrlPr>
+                          <a:rPr lang="fr-FR" sz="2400" i="1" smtClean="0">
+                            <a:latin typeface="Cambria Math" panose="02040503050406030204" pitchFamily="18" charset="0"/>
+                          </a:rPr>
+                        </m:ctrlPr>
+                      </m:sSubPr>
+                      <m:e>
+                        <m:r>
+                          <a:rPr lang="fr-FR" sz="2400" i="1" smtClean="0">
+                            <a:latin typeface="Cambria Math" panose="02040503050406030204" pitchFamily="18" charset="0"/>
+                          </a:rPr>
+                          <m:t>𝐼</m:t>
+                        </m:r>
+                      </m:e>
+                      <m:sub>
+                        <m:r>
+                          <a:rPr lang="fr-FR" sz="2400" i="1" smtClean="0">
+                            <a:latin typeface="Cambria Math" panose="02040503050406030204" pitchFamily="18" charset="0"/>
+                          </a:rPr>
+                          <m:t>𝑆</m:t>
+                        </m:r>
+                      </m:sub>
+                    </m:sSub>
+                    <m:r>
+                      <a:rPr lang="fr-FR" sz="2400" i="1" smtClean="0">
+                        <a:latin typeface="Cambria Math" panose="02040503050406030204" pitchFamily="18" charset="0"/>
+                      </a:rPr>
+                      <m:t>=1−</m:t>
+                    </m:r>
+                    <m:r>
+                      <a:rPr lang="fr-FR" sz="2400" b="0" i="1" smtClean="0">
+                        <a:latin typeface="Cambria Math" panose="02040503050406030204" pitchFamily="18" charset="0"/>
+                      </a:rPr>
+                      <m:t>18+19</m:t>
+                    </m:r>
+                    <m:r>
+                      <a:rPr lang="fr-FR" sz="2400" i="1" smtClean="0">
+                        <a:latin typeface="Cambria Math" panose="02040503050406030204" pitchFamily="18" charset="0"/>
+                      </a:rPr>
+                      <m:t>=</m:t>
+                    </m:r>
+                    <m:r>
+                      <a:rPr lang="fr-FR" sz="2400" b="0" i="1" smtClean="0">
+                        <a:latin typeface="Cambria Math" panose="02040503050406030204" pitchFamily="18" charset="0"/>
+                      </a:rPr>
+                      <m:t>2</m:t>
+                    </m:r>
+                  </m:oMath>
+                </a14:m>
+                <a:endParaRPr lang="fr-FR" sz="2400" dirty="0"/>
+              </a:p>
+              <a:p>
+                <a:endParaRPr lang="fr-FR" sz="2800" dirty="0"/>
+              </a:p>
+            </p:txBody>
+          </p:sp>
+        </mc:Choice>
+        <mc:Fallback>
+          <p:sp>
+            <p:nvSpPr>
+              <p:cNvPr id="6" name="Espace réservé du contenu 2">
+                <a:extLst>
+                  <a:ext uri="{FF2B5EF4-FFF2-40B4-BE49-F238E27FC236}">
+                    <a16:creationId xmlns:a16="http://schemas.microsoft.com/office/drawing/2014/main" id="{1E29397A-CE1C-3447-AFF8-291B48A71C18}"/>
+                  </a:ext>
+                </a:extLst>
+              </p:cNvPr>
+              <p:cNvSpPr txBox="1">
+                <a:spLocks noRot="1" noChangeAspect="1" noMove="1" noResize="1" noEditPoints="1" noAdjustHandles="1" noChangeArrowheads="1" noChangeShapeType="1" noTextEdit="1"/>
+              </p:cNvSpPr>
+              <p:nvPr/>
+            </p:nvSpPr>
+            <p:spPr>
+              <a:xfrm>
+                <a:off x="4572000" y="1600200"/>
+                <a:ext cx="4114800" cy="4525963"/>
+              </a:xfrm>
+              <a:prstGeom prst="rect">
+                <a:avLst/>
+              </a:prstGeom>
+              <a:blipFill>
+                <a:blip r:embed="rId3"/>
+                <a:stretch>
+                  <a:fillRect l="-2667"/>
+                </a:stretch>
+              </a:blipFill>
+            </p:spPr>
+            <p:txBody>
+              <a:bodyPr/>
+              <a:lstStyle/>
+              <a:p>
+                <a:r>
+                  <a:rPr lang="fr-FR">
+                    <a:noFill/>
+                  </a:rPr>
+                  <a:t> </a:t>
+                </a:r>
+              </a:p>
+            </p:txBody>
+          </p:sp>
+        </mc:Fallback>
+      </mc:AlternateContent>
+    </p:spTree>
+    <p:extLst>
+      <p:ext uri="{BB962C8B-B14F-4D97-AF65-F5344CB8AC3E}">
+        <p14:creationId xmlns:p14="http://schemas.microsoft.com/office/powerpoint/2010/main" val="2578032358"/>
+      </p:ext>
+    </p:extLst>
+  </p:cSld>
+  <p:clrMapOvr>
+    <a:masterClrMapping/>
+  </p:clrMapOvr>
+</p:sld>
+</file>
+
+<file path=ppt/slides/slide22.xml><?xml version="1.0" encoding="utf-8"?>
+<p:sld xmlns:a="http://schemas.openxmlformats.org/drawingml/2006/main" xmlns:r="http://schemas.openxmlformats.org/officeDocument/2006/relationships" xmlns:p="http://schemas.openxmlformats.org/presentationml/2006/main">
+  <p:cSld>
+    <p:spTree>
+      <p:nvGrpSpPr>
+        <p:cNvPr id="1" name=""/>
+        <p:cNvGrpSpPr/>
+        <p:nvPr/>
+      </p:nvGrpSpPr>
+      <p:grpSpPr>
+        <a:xfrm>
+          <a:off x="0" y="0"/>
+          <a:ext cx="0" cy="0"/>
+          <a:chOff x="0" y="0"/>
+          <a:chExt cx="0" cy="0"/>
+        </a:xfrm>
+      </p:grpSpPr>
+      <p:sp>
+        <p:nvSpPr>
+          <p:cNvPr id="2" name="Titre 1">
+            <a:extLst>
+              <a:ext uri="{FF2B5EF4-FFF2-40B4-BE49-F238E27FC236}">
+                <a16:creationId xmlns:a16="http://schemas.microsoft.com/office/drawing/2014/main" id="{A2E3D3FD-786A-9825-1CEC-ACD1B7637D28}"/>
+              </a:ext>
+            </a:extLst>
+          </p:cNvPr>
+          <p:cNvSpPr>
+            <a:spLocks noGrp="1"/>
+          </p:cNvSpPr>
+          <p:nvPr>
+            <p:ph type="title"/>
+          </p:nvPr>
+        </p:nvSpPr>
+        <p:spPr/>
+        <p:txBody>
+          <a:bodyPr/>
+          <a:lstStyle/>
+          <a:p>
+            <a:r>
+              <a:rPr lang="fr-FR" dirty="0"/>
+              <a:t>Exo 10</a:t>
+            </a:r>
+          </a:p>
+        </p:txBody>
+      </p:sp>
+      <p:pic>
+        <p:nvPicPr>
+          <p:cNvPr id="5" name="Espace réservé du contenu 4">
+            <a:extLst>
+              <a:ext uri="{FF2B5EF4-FFF2-40B4-BE49-F238E27FC236}">
+                <a16:creationId xmlns:a16="http://schemas.microsoft.com/office/drawing/2014/main" id="{0D73B6D1-FBA3-0117-9CDB-402E2AA33BF1}"/>
+              </a:ext>
+            </a:extLst>
+          </p:cNvPr>
+          <p:cNvPicPr>
+            <a:picLocks noGrp="1" noChangeAspect="1"/>
+          </p:cNvPicPr>
+          <p:nvPr>
+            <p:ph idx="1"/>
+          </p:nvPr>
+        </p:nvPicPr>
+        <p:blipFill>
+          <a:blip r:embed="rId2"/>
+          <a:stretch>
+            <a:fillRect/>
+          </a:stretch>
+        </p:blipFill>
+        <p:spPr>
+          <a:xfrm>
+            <a:off x="251520" y="2430017"/>
+            <a:ext cx="3984806" cy="1368152"/>
+          </a:xfrm>
+        </p:spPr>
+      </p:pic>
+      <mc:AlternateContent xmlns:mc="http://schemas.openxmlformats.org/markup-compatibility/2006">
+        <mc:Choice xmlns:a14="http://schemas.microsoft.com/office/drawing/2010/main" Requires="a14">
+          <p:sp>
+            <p:nvSpPr>
+              <p:cNvPr id="6" name="Espace réservé du contenu 2">
+                <a:extLst>
+                  <a:ext uri="{FF2B5EF4-FFF2-40B4-BE49-F238E27FC236}">
+                    <a16:creationId xmlns:a16="http://schemas.microsoft.com/office/drawing/2014/main" id="{066D24D7-601C-063A-6952-C297E2D15EC7}"/>
+                  </a:ext>
+                </a:extLst>
+              </p:cNvPr>
+              <p:cNvSpPr txBox="1">
+                <a:spLocks/>
+              </p:cNvSpPr>
+              <p:nvPr/>
+            </p:nvSpPr>
+            <p:spPr>
+              <a:xfrm>
+                <a:off x="4572000" y="1600200"/>
+                <a:ext cx="4114800" cy="4525963"/>
+              </a:xfrm>
+              <a:prstGeom prst="rect">
+                <a:avLst/>
+              </a:prstGeom>
+            </p:spPr>
+            <p:txBody>
+              <a:bodyPr vert="horz" lIns="91440" tIns="45720" rIns="91440" bIns="45720" rtlCol="0">
+                <a:normAutofit/>
+              </a:bodyPr>
+              <a:lstStyle>
+                <a:lvl1pPr marL="342900" indent="-342900" algn="l" defTabSz="914400" rtl="0" eaLnBrk="1" latinLnBrk="0" hangingPunct="1">
+                  <a:spcBef>
+                    <a:spcPct val="20000"/>
+                  </a:spcBef>
+                  <a:buFont typeface="Arial" pitchFamily="34" charset="0"/>
+                  <a:buChar char="•"/>
+                  <a:defRPr sz="3200" kern="1200">
+                    <a:solidFill>
+                      <a:schemeClr val="tx1"/>
+                    </a:solidFill>
+                    <a:latin typeface="+mn-lt"/>
+                    <a:ea typeface="+mn-ea"/>
+                    <a:cs typeface="+mn-cs"/>
+                  </a:defRPr>
+                </a:lvl1pPr>
+                <a:lvl2pPr marL="742950" indent="-285750" algn="l" defTabSz="914400" rtl="0" eaLnBrk="1" latinLnBrk="0" hangingPunct="1">
+                  <a:spcBef>
+                    <a:spcPct val="20000"/>
+                  </a:spcBef>
+                  <a:buFont typeface="Arial" pitchFamily="34" charset="0"/>
+                  <a:buChar char="–"/>
+                  <a:defRPr sz="2800" kern="1200">
+                    <a:solidFill>
+                      <a:schemeClr val="tx1"/>
+                    </a:solidFill>
+                    <a:latin typeface="+mn-lt"/>
+                    <a:ea typeface="+mn-ea"/>
+                    <a:cs typeface="+mn-cs"/>
+                  </a:defRPr>
+                </a:lvl2pPr>
+                <a:lvl3pPr marL="1143000" indent="-228600" algn="l" defTabSz="914400" rtl="0" eaLnBrk="1" latinLnBrk="0" hangingPunct="1">
+                  <a:spcBef>
+                    <a:spcPct val="20000"/>
+                  </a:spcBef>
+                  <a:buFont typeface="Arial" pitchFamily="34" charset="0"/>
+                  <a:buChar char="•"/>
+                  <a:defRPr sz="2400" kern="1200">
+                    <a:solidFill>
+                      <a:schemeClr val="tx1"/>
+                    </a:solidFill>
+                    <a:latin typeface="+mn-lt"/>
+                    <a:ea typeface="+mn-ea"/>
+                    <a:cs typeface="+mn-cs"/>
+                  </a:defRPr>
+                </a:lvl3pPr>
+                <a:lvl4pPr marL="1600200" indent="-228600" algn="l" defTabSz="914400" rtl="0" eaLnBrk="1" latinLnBrk="0" hangingPunct="1">
+                  <a:spcBef>
+                    <a:spcPct val="20000"/>
+                  </a:spcBef>
+                  <a:buFont typeface="Arial" pitchFamily="34" charset="0"/>
+                  <a:buChar char="–"/>
+                  <a:defRPr sz="2000" kern="1200">
+                    <a:solidFill>
+                      <a:schemeClr val="tx1"/>
+                    </a:solidFill>
+                    <a:latin typeface="+mn-lt"/>
+                    <a:ea typeface="+mn-ea"/>
+                    <a:cs typeface="+mn-cs"/>
+                  </a:defRPr>
+                </a:lvl4pPr>
+                <a:lvl5pPr marL="2057400" indent="-228600" algn="l" defTabSz="914400" rtl="0" eaLnBrk="1" latinLnBrk="0" hangingPunct="1">
+                  <a:spcBef>
+                    <a:spcPct val="20000"/>
+                  </a:spcBef>
+                  <a:buFont typeface="Arial" pitchFamily="34" charset="0"/>
+                  <a:buChar char="»"/>
+                  <a:defRPr sz="2000" kern="1200">
+                    <a:solidFill>
+                      <a:schemeClr val="tx1"/>
+                    </a:solidFill>
+                    <a:latin typeface="+mn-lt"/>
+                    <a:ea typeface="+mn-ea"/>
+                    <a:cs typeface="+mn-cs"/>
+                  </a:defRPr>
+                </a:lvl5pPr>
+                <a:lvl6pPr marL="2514600" indent="-228600" algn="l" defTabSz="914400" rtl="0" eaLnBrk="1" latinLnBrk="0" hangingPunct="1">
+                  <a:spcBef>
+                    <a:spcPct val="20000"/>
+                  </a:spcBef>
+                  <a:buFont typeface="Arial" pitchFamily="34" charset="0"/>
+                  <a:buChar char="•"/>
+                  <a:defRPr sz="2000" kern="1200">
+                    <a:solidFill>
+                      <a:schemeClr val="tx1"/>
+                    </a:solidFill>
+                    <a:latin typeface="+mn-lt"/>
+                    <a:ea typeface="+mn-ea"/>
+                    <a:cs typeface="+mn-cs"/>
+                  </a:defRPr>
+                </a:lvl6pPr>
+                <a:lvl7pPr marL="2971800" indent="-228600" algn="l" defTabSz="914400" rtl="0" eaLnBrk="1" latinLnBrk="0" hangingPunct="1">
+                  <a:spcBef>
+                    <a:spcPct val="20000"/>
+                  </a:spcBef>
+                  <a:buFont typeface="Arial" pitchFamily="34" charset="0"/>
+                  <a:buChar char="•"/>
+                  <a:defRPr sz="2000" kern="1200">
+                    <a:solidFill>
+                      <a:schemeClr val="tx1"/>
+                    </a:solidFill>
+                    <a:latin typeface="+mn-lt"/>
+                    <a:ea typeface="+mn-ea"/>
+                    <a:cs typeface="+mn-cs"/>
+                  </a:defRPr>
+                </a:lvl7pPr>
+                <a:lvl8pPr marL="3429000" indent="-228600" algn="l" defTabSz="914400" rtl="0" eaLnBrk="1" latinLnBrk="0" hangingPunct="1">
+                  <a:spcBef>
+                    <a:spcPct val="20000"/>
+                  </a:spcBef>
+                  <a:buFont typeface="Arial" pitchFamily="34" charset="0"/>
+                  <a:buChar char="•"/>
+                  <a:defRPr sz="2000" kern="1200">
+                    <a:solidFill>
+                      <a:schemeClr val="tx1"/>
+                    </a:solidFill>
+                    <a:latin typeface="+mn-lt"/>
+                    <a:ea typeface="+mn-ea"/>
+                    <a:cs typeface="+mn-cs"/>
+                  </a:defRPr>
+                </a:lvl8pPr>
+                <a:lvl9pPr marL="3886200" indent="-228600" algn="l" defTabSz="914400" rtl="0" eaLnBrk="1" latinLnBrk="0" hangingPunct="1">
+                  <a:spcBef>
+                    <a:spcPct val="20000"/>
+                  </a:spcBef>
+                  <a:buFont typeface="Arial" pitchFamily="34" charset="0"/>
+                  <a:buChar char="•"/>
+                  <a:defRPr sz="2000" kern="1200">
+                    <a:solidFill>
+                      <a:schemeClr val="tx1"/>
+                    </a:solidFill>
+                    <a:latin typeface="+mn-lt"/>
+                    <a:ea typeface="+mn-ea"/>
+                    <a:cs typeface="+mn-cs"/>
+                  </a:defRPr>
+                </a:lvl9pPr>
+              </a:lstStyle>
+              <a:p>
+                <a14:m>
+                  <m:oMath xmlns:m="http://schemas.openxmlformats.org/officeDocument/2006/math">
+                    <m:r>
+                      <a:rPr lang="fr-FR" sz="2800" i="1" smtClean="0">
+                        <a:latin typeface="Cambria Math" panose="02040503050406030204" pitchFamily="18" charset="0"/>
+                      </a:rPr>
+                      <m:t>𝑚</m:t>
+                    </m:r>
+                    <m:r>
+                      <a:rPr lang="fr-FR" sz="2800" i="1" smtClean="0">
+                        <a:latin typeface="Cambria Math"/>
+                      </a:rPr>
+                      <m:t>=</m:t>
+                    </m:r>
+                    <m:r>
+                      <a:rPr lang="fr-FR" sz="2800" b="0" i="1" smtClean="0">
+                        <a:latin typeface="Cambria Math" panose="02040503050406030204" pitchFamily="18" charset="0"/>
+                      </a:rPr>
+                      <m:t>4+4</m:t>
+                    </m:r>
+                  </m:oMath>
+                </a14:m>
+                <a:endParaRPr lang="fr-FR" sz="2800" dirty="0"/>
+              </a:p>
+              <a:p>
+                <a:r>
+                  <a:rPr lang="fr-FR" sz="2800" dirty="0"/>
+                  <a:t>En 3D :</a:t>
+                </a:r>
+              </a:p>
+              <a:p>
+                <a:pPr lvl="1"/>
+                <a14:m>
+                  <m:oMath xmlns:m="http://schemas.openxmlformats.org/officeDocument/2006/math">
+                    <m:sSub>
+                      <m:sSubPr>
+                        <m:ctrlPr>
+                          <a:rPr lang="fr-FR" sz="2400" i="1" smtClean="0">
+                            <a:latin typeface="Cambria Math" panose="02040503050406030204" pitchFamily="18" charset="0"/>
+                          </a:rPr>
+                        </m:ctrlPr>
+                      </m:sSubPr>
+                      <m:e>
+                        <m:r>
+                          <a:rPr lang="fr-FR" sz="2400" i="1" smtClean="0">
+                            <a:latin typeface="Cambria Math"/>
+                          </a:rPr>
+                          <m:t>𝐼</m:t>
+                        </m:r>
+                      </m:e>
+                      <m:sub>
+                        <m:r>
+                          <a:rPr lang="fr-FR" sz="2400" i="1" smtClean="0">
+                            <a:latin typeface="Cambria Math"/>
+                          </a:rPr>
+                          <m:t>𝑠</m:t>
+                        </m:r>
+                      </m:sub>
+                    </m:sSub>
+                    <m:r>
+                      <a:rPr lang="fr-FR" sz="2400" i="1" smtClean="0">
+                        <a:latin typeface="Cambria Math"/>
+                      </a:rPr>
+                      <m:t>=</m:t>
+                    </m:r>
+                    <m:r>
+                      <a:rPr lang="fr-FR" sz="2400" b="0" i="1" smtClean="0">
+                        <a:latin typeface="Cambria Math" panose="02040503050406030204" pitchFamily="18" charset="0"/>
+                      </a:rPr>
+                      <m:t>6×5+4</m:t>
+                    </m:r>
+                    <m:r>
+                      <a:rPr lang="fr-FR" sz="2400" i="1" smtClean="0">
+                        <a:latin typeface="Cambria Math" panose="02040503050406030204" pitchFamily="18" charset="0"/>
+                      </a:rPr>
+                      <m:t>=</m:t>
+                    </m:r>
+                    <m:r>
+                      <a:rPr lang="fr-FR" sz="2400" b="0" i="1" smtClean="0">
+                        <a:latin typeface="Cambria Math" panose="02040503050406030204" pitchFamily="18" charset="0"/>
+                      </a:rPr>
+                      <m:t>34</m:t>
+                    </m:r>
+                  </m:oMath>
+                </a14:m>
+                <a:endParaRPr lang="fr-FR" sz="2400" dirty="0"/>
+              </a:p>
+              <a:p>
+                <a:pPr lvl="1"/>
+                <a14:m>
+                  <m:oMath xmlns:m="http://schemas.openxmlformats.org/officeDocument/2006/math">
+                    <m:sSub>
+                      <m:sSubPr>
+                        <m:ctrlPr>
+                          <a:rPr lang="fr-FR" sz="2400" i="1" smtClean="0">
+                            <a:latin typeface="Cambria Math" panose="02040503050406030204" pitchFamily="18" charset="0"/>
+                          </a:rPr>
+                        </m:ctrlPr>
+                      </m:sSubPr>
+                      <m:e>
+                        <m:r>
+                          <a:rPr lang="fr-FR" sz="2400" i="1" smtClean="0">
+                            <a:latin typeface="Cambria Math" panose="02040503050406030204" pitchFamily="18" charset="0"/>
+                          </a:rPr>
+                          <m:t>𝐸</m:t>
+                        </m:r>
+                      </m:e>
+                      <m:sub>
+                        <m:r>
+                          <a:rPr lang="fr-FR" sz="2400" i="1" smtClean="0">
+                            <a:latin typeface="Cambria Math" panose="02040503050406030204" pitchFamily="18" charset="0"/>
+                          </a:rPr>
+                          <m:t>𝑆</m:t>
+                        </m:r>
+                      </m:sub>
+                    </m:sSub>
+                    <m:r>
+                      <a:rPr lang="fr-FR" sz="2400" i="1" smtClean="0">
+                        <a:latin typeface="Cambria Math" panose="02040503050406030204" pitchFamily="18" charset="0"/>
+                      </a:rPr>
+                      <m:t>=</m:t>
+                    </m:r>
+                    <m:r>
+                      <a:rPr lang="fr-FR" sz="2400" i="1" smtClean="0">
+                        <a:latin typeface="Cambria Math" panose="02040503050406030204" pitchFamily="18" charset="0"/>
+                      </a:rPr>
+                      <m:t>6×</m:t>
+                    </m:r>
+                    <m:r>
+                      <a:rPr lang="fr-FR" sz="2400" b="0" i="1" smtClean="0">
+                        <a:latin typeface="Cambria Math" panose="02040503050406030204" pitchFamily="18" charset="0"/>
+                      </a:rPr>
+                      <m:t>7</m:t>
+                    </m:r>
+                    <m:r>
+                      <a:rPr lang="fr-FR" sz="2400" i="1" smtClean="0">
+                        <a:latin typeface="Cambria Math" panose="02040503050406030204" pitchFamily="18" charset="0"/>
+                      </a:rPr>
+                      <m:t>=</m:t>
+                    </m:r>
+                    <m:r>
+                      <a:rPr lang="fr-FR" sz="2400" b="0" i="1" smtClean="0">
+                        <a:latin typeface="Cambria Math" panose="02040503050406030204" pitchFamily="18" charset="0"/>
+                      </a:rPr>
+                      <m:t>42</m:t>
+                    </m:r>
+                  </m:oMath>
+                </a14:m>
+                <a:endParaRPr lang="fr-FR" sz="2400" dirty="0"/>
+              </a:p>
+              <a:p>
+                <a:pPr lvl="1"/>
+                <a14:m>
+                  <m:oMath xmlns:m="http://schemas.openxmlformats.org/officeDocument/2006/math">
+                    <m:r>
+                      <a:rPr lang="fr-FR" sz="2400" i="1" smtClean="0">
+                        <a:latin typeface="Cambria Math" panose="02040503050406030204" pitchFamily="18" charset="0"/>
+                      </a:rPr>
+                      <m:t>h</m:t>
+                    </m:r>
+                    <m:r>
+                      <a:rPr lang="fr-FR" sz="2400" i="1" smtClean="0">
+                        <a:latin typeface="Cambria Math" panose="02040503050406030204" pitchFamily="18" charset="0"/>
+                      </a:rPr>
+                      <m:t>=</m:t>
+                    </m:r>
+                    <m:r>
+                      <a:rPr lang="fr-FR" sz="2400" i="1" smtClean="0">
+                        <a:latin typeface="Cambria Math" panose="02040503050406030204" pitchFamily="18" charset="0"/>
+                      </a:rPr>
+                      <m:t>𝑚</m:t>
+                    </m:r>
+                    <m:r>
+                      <a:rPr lang="fr-FR" sz="2400" i="1" smtClean="0">
+                        <a:latin typeface="Cambria Math" panose="02040503050406030204" pitchFamily="18" charset="0"/>
+                      </a:rPr>
+                      <m:t>−</m:t>
+                    </m:r>
+                    <m:sSub>
+                      <m:sSubPr>
+                        <m:ctrlPr>
+                          <a:rPr lang="fr-FR" sz="2400" i="1" smtClean="0">
+                            <a:latin typeface="Cambria Math" panose="02040503050406030204" pitchFamily="18" charset="0"/>
+                          </a:rPr>
+                        </m:ctrlPr>
+                      </m:sSubPr>
+                      <m:e>
+                        <m:r>
+                          <a:rPr lang="fr-FR" sz="2400" i="1" smtClean="0">
+                            <a:latin typeface="Cambria Math" panose="02040503050406030204" pitchFamily="18" charset="0"/>
+                          </a:rPr>
+                          <m:t>𝐸</m:t>
+                        </m:r>
+                      </m:e>
+                      <m:sub>
+                        <m:r>
+                          <a:rPr lang="fr-FR" sz="2400" i="1" smtClean="0">
+                            <a:latin typeface="Cambria Math" panose="02040503050406030204" pitchFamily="18" charset="0"/>
+                          </a:rPr>
+                          <m:t>𝑆</m:t>
+                        </m:r>
+                      </m:sub>
+                    </m:sSub>
+                    <m:r>
+                      <a:rPr lang="fr-FR" sz="2400" i="1" smtClean="0">
+                        <a:latin typeface="Cambria Math" panose="02040503050406030204" pitchFamily="18" charset="0"/>
+                      </a:rPr>
+                      <m:t>+</m:t>
+                    </m:r>
+                    <m:sSub>
+                      <m:sSubPr>
+                        <m:ctrlPr>
+                          <a:rPr lang="fr-FR" sz="2400" i="1" smtClean="0">
+                            <a:latin typeface="Cambria Math" panose="02040503050406030204" pitchFamily="18" charset="0"/>
+                          </a:rPr>
+                        </m:ctrlPr>
+                      </m:sSubPr>
+                      <m:e>
+                        <m:r>
+                          <a:rPr lang="fr-FR" sz="2400" i="1" smtClean="0">
+                            <a:latin typeface="Cambria Math" panose="02040503050406030204" pitchFamily="18" charset="0"/>
+                          </a:rPr>
+                          <m:t>𝐼</m:t>
+                        </m:r>
+                      </m:e>
+                      <m:sub>
+                        <m:r>
+                          <a:rPr lang="fr-FR" sz="2400" i="1" smtClean="0">
+                            <a:latin typeface="Cambria Math" panose="02040503050406030204" pitchFamily="18" charset="0"/>
+                          </a:rPr>
+                          <m:t>𝑆</m:t>
+                        </m:r>
+                      </m:sub>
+                    </m:sSub>
+                    <m:r>
+                      <a:rPr lang="fr-FR" sz="2400" i="1" smtClean="0">
+                        <a:latin typeface="Cambria Math" panose="02040503050406030204" pitchFamily="18" charset="0"/>
+                      </a:rPr>
+                      <m:t>=</m:t>
+                    </m:r>
+                    <m:r>
+                      <a:rPr lang="fr-FR" sz="2400" b="0" i="1" smtClean="0">
+                        <a:latin typeface="Cambria Math" panose="02040503050406030204" pitchFamily="18" charset="0"/>
+                      </a:rPr>
+                      <m:t>8</m:t>
+                    </m:r>
+                    <m:r>
+                      <a:rPr lang="fr-FR" sz="2400" i="1" smtClean="0">
+                        <a:latin typeface="Cambria Math" panose="02040503050406030204" pitchFamily="18" charset="0"/>
+                      </a:rPr>
+                      <m:t>−</m:t>
+                    </m:r>
+                    <m:r>
+                      <a:rPr lang="fr-FR" sz="2400" b="0" i="1" smtClean="0">
+                        <a:latin typeface="Cambria Math" panose="02040503050406030204" pitchFamily="18" charset="0"/>
+                      </a:rPr>
+                      <m:t>42+34</m:t>
+                    </m:r>
+                    <m:r>
+                      <a:rPr lang="fr-FR" sz="2400" i="1" smtClean="0">
+                        <a:latin typeface="Cambria Math" panose="02040503050406030204" pitchFamily="18" charset="0"/>
+                      </a:rPr>
+                      <m:t>=</m:t>
+                    </m:r>
+                    <m:r>
+                      <a:rPr lang="fr-FR" sz="2400" b="0" i="1" smtClean="0">
+                        <a:latin typeface="Cambria Math" panose="02040503050406030204" pitchFamily="18" charset="0"/>
+                      </a:rPr>
+                      <m:t>2</m:t>
+                    </m:r>
+                  </m:oMath>
+                </a14:m>
+                <a:endParaRPr lang="fr-FR" sz="2400" dirty="0"/>
+              </a:p>
+              <a:p>
+                <a:endParaRPr lang="fr-FR" sz="2800" dirty="0"/>
+              </a:p>
+            </p:txBody>
+          </p:sp>
+        </mc:Choice>
+        <mc:Fallback>
+          <p:sp>
+            <p:nvSpPr>
+              <p:cNvPr id="6" name="Espace réservé du contenu 2">
+                <a:extLst>
+                  <a:ext uri="{FF2B5EF4-FFF2-40B4-BE49-F238E27FC236}">
+                    <a16:creationId xmlns:a16="http://schemas.microsoft.com/office/drawing/2014/main" id="{066D24D7-601C-063A-6952-C297E2D15EC7}"/>
+                  </a:ext>
+                </a:extLst>
+              </p:cNvPr>
+              <p:cNvSpPr txBox="1">
+                <a:spLocks noRot="1" noChangeAspect="1" noMove="1" noResize="1" noEditPoints="1" noAdjustHandles="1" noChangeArrowheads="1" noChangeShapeType="1" noTextEdit="1"/>
+              </p:cNvSpPr>
+              <p:nvPr/>
+            </p:nvSpPr>
+            <p:spPr>
+              <a:xfrm>
+                <a:off x="4572000" y="1600200"/>
+                <a:ext cx="4114800" cy="4525963"/>
+              </a:xfrm>
+              <a:prstGeom prst="rect">
+                <a:avLst/>
+              </a:prstGeom>
+              <a:blipFill>
+                <a:blip r:embed="rId3"/>
+                <a:stretch>
+                  <a:fillRect l="-2667"/>
+                </a:stretch>
+              </a:blipFill>
+            </p:spPr>
+            <p:txBody>
+              <a:bodyPr/>
+              <a:lstStyle/>
+              <a:p>
+                <a:r>
+                  <a:rPr lang="fr-FR">
+                    <a:noFill/>
+                  </a:rPr>
+                  <a:t> </a:t>
+                </a:r>
+              </a:p>
+            </p:txBody>
+          </p:sp>
+        </mc:Fallback>
+      </mc:AlternateContent>
+    </p:spTree>
+    <p:extLst>
+      <p:ext uri="{BB962C8B-B14F-4D97-AF65-F5344CB8AC3E}">
+        <p14:creationId xmlns:p14="http://schemas.microsoft.com/office/powerpoint/2010/main" val="2780978037"/>
+      </p:ext>
+    </p:extLst>
+  </p:cSld>
+  <p:clrMapOvr>
+    <a:masterClrMapping/>
+  </p:clrMapOvr>
+</p:sld>
+</file>
+
+<file path=ppt/slides/slide23.xml><?xml version="1.0" encoding="utf-8"?>
+<p:sld xmlns:a="http://schemas.openxmlformats.org/drawingml/2006/main" xmlns:r="http://schemas.openxmlformats.org/officeDocument/2006/relationships" xmlns:p="http://schemas.openxmlformats.org/presentationml/2006/main">
+  <p:cSld>
+    <p:spTree>
+      <p:nvGrpSpPr>
+        <p:cNvPr id="1" name=""/>
+        <p:cNvGrpSpPr/>
+        <p:nvPr/>
+      </p:nvGrpSpPr>
+      <p:grpSpPr>
+        <a:xfrm>
+          <a:off x="0" y="0"/>
+          <a:ext cx="0" cy="0"/>
+          <a:chOff x="0" y="0"/>
+          <a:chExt cx="0" cy="0"/>
+        </a:xfrm>
+      </p:grpSpPr>
+      <p:sp>
+        <p:nvSpPr>
+          <p:cNvPr id="2" name="Titre 1">
+            <a:extLst>
+              <a:ext uri="{FF2B5EF4-FFF2-40B4-BE49-F238E27FC236}">
+                <a16:creationId xmlns:a16="http://schemas.microsoft.com/office/drawing/2014/main" id="{7F5B63C4-D5CC-3D4A-24BF-9E5556B41993}"/>
+              </a:ext>
+            </a:extLst>
+          </p:cNvPr>
+          <p:cNvSpPr>
+            <a:spLocks noGrp="1"/>
+          </p:cNvSpPr>
+          <p:nvPr>
+            <p:ph type="title"/>
+          </p:nvPr>
+        </p:nvSpPr>
+        <p:spPr/>
+        <p:txBody>
+          <a:bodyPr/>
+          <a:lstStyle/>
+          <a:p>
+            <a:r>
+              <a:rPr lang="fr-FR" dirty="0"/>
+              <a:t>Exo 11</a:t>
+            </a:r>
+          </a:p>
+        </p:txBody>
+      </p:sp>
+      <p:pic>
+        <p:nvPicPr>
+          <p:cNvPr id="5" name="Espace réservé du contenu 4">
+            <a:extLst>
+              <a:ext uri="{FF2B5EF4-FFF2-40B4-BE49-F238E27FC236}">
+                <a16:creationId xmlns:a16="http://schemas.microsoft.com/office/drawing/2014/main" id="{655ACCB6-9551-1291-9A62-F4F0E21E15E1}"/>
+              </a:ext>
+            </a:extLst>
+          </p:cNvPr>
+          <p:cNvPicPr>
+            <a:picLocks noGrp="1" noChangeAspect="1"/>
+          </p:cNvPicPr>
+          <p:nvPr>
+            <p:ph idx="1"/>
+          </p:nvPr>
+        </p:nvPicPr>
+        <p:blipFill>
+          <a:blip r:embed="rId2"/>
+          <a:srcRect t="6269" r="2140" b="5963"/>
+          <a:stretch/>
+        </p:blipFill>
+        <p:spPr>
+          <a:xfrm>
+            <a:off x="0" y="1916832"/>
+            <a:ext cx="4560506" cy="2736304"/>
+          </a:xfrm>
+        </p:spPr>
+      </p:pic>
+      <mc:AlternateContent xmlns:mc="http://schemas.openxmlformats.org/markup-compatibility/2006">
+        <mc:Choice xmlns:a14="http://schemas.microsoft.com/office/drawing/2010/main" Requires="a14">
+          <p:sp>
+            <p:nvSpPr>
+              <p:cNvPr id="6" name="Espace réservé du contenu 2">
+                <a:extLst>
+                  <a:ext uri="{FF2B5EF4-FFF2-40B4-BE49-F238E27FC236}">
+                    <a16:creationId xmlns:a16="http://schemas.microsoft.com/office/drawing/2014/main" id="{61EC1FD3-BE82-0720-10D9-B0DED551F657}"/>
+                  </a:ext>
+                </a:extLst>
+              </p:cNvPr>
+              <p:cNvSpPr txBox="1">
+                <a:spLocks/>
+              </p:cNvSpPr>
+              <p:nvPr/>
+            </p:nvSpPr>
+            <p:spPr>
+              <a:xfrm>
+                <a:off x="4572000" y="1600200"/>
+                <a:ext cx="4114800" cy="4525963"/>
+              </a:xfrm>
+              <a:prstGeom prst="rect">
+                <a:avLst/>
+              </a:prstGeom>
+            </p:spPr>
+            <p:txBody>
+              <a:bodyPr vert="horz" lIns="91440" tIns="45720" rIns="91440" bIns="45720" rtlCol="0">
+                <a:normAutofit/>
+              </a:bodyPr>
+              <a:lstStyle>
+                <a:lvl1pPr marL="342900" indent="-342900" algn="l" defTabSz="914400" rtl="0" eaLnBrk="1" latinLnBrk="0" hangingPunct="1">
+                  <a:spcBef>
+                    <a:spcPct val="20000"/>
+                  </a:spcBef>
+                  <a:buFont typeface="Arial" pitchFamily="34" charset="0"/>
+                  <a:buChar char="•"/>
+                  <a:defRPr sz="3200" kern="1200">
+                    <a:solidFill>
+                      <a:schemeClr val="tx1"/>
+                    </a:solidFill>
+                    <a:latin typeface="+mn-lt"/>
+                    <a:ea typeface="+mn-ea"/>
+                    <a:cs typeface="+mn-cs"/>
+                  </a:defRPr>
+                </a:lvl1pPr>
+                <a:lvl2pPr marL="742950" indent="-285750" algn="l" defTabSz="914400" rtl="0" eaLnBrk="1" latinLnBrk="0" hangingPunct="1">
+                  <a:spcBef>
+                    <a:spcPct val="20000"/>
+                  </a:spcBef>
+                  <a:buFont typeface="Arial" pitchFamily="34" charset="0"/>
+                  <a:buChar char="–"/>
+                  <a:defRPr sz="2800" kern="1200">
+                    <a:solidFill>
+                      <a:schemeClr val="tx1"/>
+                    </a:solidFill>
+                    <a:latin typeface="+mn-lt"/>
+                    <a:ea typeface="+mn-ea"/>
+                    <a:cs typeface="+mn-cs"/>
+                  </a:defRPr>
+                </a:lvl2pPr>
+                <a:lvl3pPr marL="1143000" indent="-228600" algn="l" defTabSz="914400" rtl="0" eaLnBrk="1" latinLnBrk="0" hangingPunct="1">
+                  <a:spcBef>
+                    <a:spcPct val="20000"/>
+                  </a:spcBef>
+                  <a:buFont typeface="Arial" pitchFamily="34" charset="0"/>
+                  <a:buChar char="•"/>
+                  <a:defRPr sz="2400" kern="1200">
+                    <a:solidFill>
+                      <a:schemeClr val="tx1"/>
+                    </a:solidFill>
+                    <a:latin typeface="+mn-lt"/>
+                    <a:ea typeface="+mn-ea"/>
+                    <a:cs typeface="+mn-cs"/>
+                  </a:defRPr>
+                </a:lvl3pPr>
+                <a:lvl4pPr marL="1600200" indent="-228600" algn="l" defTabSz="914400" rtl="0" eaLnBrk="1" latinLnBrk="0" hangingPunct="1">
+                  <a:spcBef>
+                    <a:spcPct val="20000"/>
+                  </a:spcBef>
+                  <a:buFont typeface="Arial" pitchFamily="34" charset="0"/>
+                  <a:buChar char="–"/>
+                  <a:defRPr sz="2000" kern="1200">
+                    <a:solidFill>
+                      <a:schemeClr val="tx1"/>
+                    </a:solidFill>
+                    <a:latin typeface="+mn-lt"/>
+                    <a:ea typeface="+mn-ea"/>
+                    <a:cs typeface="+mn-cs"/>
+                  </a:defRPr>
+                </a:lvl4pPr>
+                <a:lvl5pPr marL="2057400" indent="-228600" algn="l" defTabSz="914400" rtl="0" eaLnBrk="1" latinLnBrk="0" hangingPunct="1">
+                  <a:spcBef>
+                    <a:spcPct val="20000"/>
+                  </a:spcBef>
+                  <a:buFont typeface="Arial" pitchFamily="34" charset="0"/>
+                  <a:buChar char="»"/>
+                  <a:defRPr sz="2000" kern="1200">
+                    <a:solidFill>
+                      <a:schemeClr val="tx1"/>
+                    </a:solidFill>
+                    <a:latin typeface="+mn-lt"/>
+                    <a:ea typeface="+mn-ea"/>
+                    <a:cs typeface="+mn-cs"/>
+                  </a:defRPr>
+                </a:lvl5pPr>
+                <a:lvl6pPr marL="2514600" indent="-228600" algn="l" defTabSz="914400" rtl="0" eaLnBrk="1" latinLnBrk="0" hangingPunct="1">
+                  <a:spcBef>
+                    <a:spcPct val="20000"/>
+                  </a:spcBef>
+                  <a:buFont typeface="Arial" pitchFamily="34" charset="0"/>
+                  <a:buChar char="•"/>
+                  <a:defRPr sz="2000" kern="1200">
+                    <a:solidFill>
+                      <a:schemeClr val="tx1"/>
+                    </a:solidFill>
+                    <a:latin typeface="+mn-lt"/>
+                    <a:ea typeface="+mn-ea"/>
+                    <a:cs typeface="+mn-cs"/>
+                  </a:defRPr>
+                </a:lvl6pPr>
+                <a:lvl7pPr marL="2971800" indent="-228600" algn="l" defTabSz="914400" rtl="0" eaLnBrk="1" latinLnBrk="0" hangingPunct="1">
+                  <a:spcBef>
+                    <a:spcPct val="20000"/>
+                  </a:spcBef>
+                  <a:buFont typeface="Arial" pitchFamily="34" charset="0"/>
+                  <a:buChar char="•"/>
+                  <a:defRPr sz="2000" kern="1200">
+                    <a:solidFill>
+                      <a:schemeClr val="tx1"/>
+                    </a:solidFill>
+                    <a:latin typeface="+mn-lt"/>
+                    <a:ea typeface="+mn-ea"/>
+                    <a:cs typeface="+mn-cs"/>
+                  </a:defRPr>
+                </a:lvl7pPr>
+                <a:lvl8pPr marL="3429000" indent="-228600" algn="l" defTabSz="914400" rtl="0" eaLnBrk="1" latinLnBrk="0" hangingPunct="1">
+                  <a:spcBef>
+                    <a:spcPct val="20000"/>
+                  </a:spcBef>
+                  <a:buFont typeface="Arial" pitchFamily="34" charset="0"/>
+                  <a:buChar char="•"/>
+                  <a:defRPr sz="2000" kern="1200">
+                    <a:solidFill>
+                      <a:schemeClr val="tx1"/>
+                    </a:solidFill>
+                    <a:latin typeface="+mn-lt"/>
+                    <a:ea typeface="+mn-ea"/>
+                    <a:cs typeface="+mn-cs"/>
+                  </a:defRPr>
+                </a:lvl8pPr>
+                <a:lvl9pPr marL="3886200" indent="-228600" algn="l" defTabSz="914400" rtl="0" eaLnBrk="1" latinLnBrk="0" hangingPunct="1">
+                  <a:spcBef>
+                    <a:spcPct val="20000"/>
+                  </a:spcBef>
+                  <a:buFont typeface="Arial" pitchFamily="34" charset="0"/>
+                  <a:buChar char="•"/>
+                  <a:defRPr sz="2000" kern="1200">
+                    <a:solidFill>
+                      <a:schemeClr val="tx1"/>
+                    </a:solidFill>
+                    <a:latin typeface="+mn-lt"/>
+                    <a:ea typeface="+mn-ea"/>
+                    <a:cs typeface="+mn-cs"/>
+                  </a:defRPr>
+                </a:lvl9pPr>
+              </a:lstStyle>
+              <a:p>
+                <a14:m>
+                  <m:oMath xmlns:m="http://schemas.openxmlformats.org/officeDocument/2006/math">
+                    <m:r>
+                      <a:rPr lang="fr-FR" sz="2800" i="1" smtClean="0">
+                        <a:latin typeface="Cambria Math" panose="02040503050406030204" pitchFamily="18" charset="0"/>
+                      </a:rPr>
+                      <m:t>𝑚</m:t>
+                    </m:r>
+                    <m:r>
+                      <a:rPr lang="fr-FR" sz="2800" i="1" smtClean="0">
+                        <a:latin typeface="Cambria Math"/>
+                      </a:rPr>
+                      <m:t>=</m:t>
+                    </m:r>
+                    <m:r>
+                      <a:rPr lang="fr-FR" sz="2800" b="0" i="1" smtClean="0">
+                        <a:latin typeface="Cambria Math" panose="02040503050406030204" pitchFamily="18" charset="0"/>
+                      </a:rPr>
+                      <m:t>4+3</m:t>
+                    </m:r>
+                  </m:oMath>
+                </a14:m>
+                <a:endParaRPr lang="fr-FR" sz="2800" dirty="0"/>
+              </a:p>
+              <a:p>
+                <a:r>
+                  <a:rPr lang="fr-FR" sz="2800" dirty="0"/>
+                  <a:t>En 3D :</a:t>
+                </a:r>
+              </a:p>
+              <a:p>
+                <a:pPr lvl="1"/>
+                <a14:m>
+                  <m:oMath xmlns:m="http://schemas.openxmlformats.org/officeDocument/2006/math">
+                    <m:sSub>
+                      <m:sSubPr>
+                        <m:ctrlPr>
+                          <a:rPr lang="fr-FR" sz="2400" i="1" smtClean="0">
+                            <a:latin typeface="Cambria Math" panose="02040503050406030204" pitchFamily="18" charset="0"/>
+                          </a:rPr>
+                        </m:ctrlPr>
+                      </m:sSubPr>
+                      <m:e>
+                        <m:r>
+                          <a:rPr lang="fr-FR" sz="2400" i="1" smtClean="0">
+                            <a:latin typeface="Cambria Math"/>
+                          </a:rPr>
+                          <m:t>𝐼</m:t>
+                        </m:r>
+                      </m:e>
+                      <m:sub>
+                        <m:r>
+                          <a:rPr lang="fr-FR" sz="2400" i="1" smtClean="0">
+                            <a:latin typeface="Cambria Math"/>
+                          </a:rPr>
+                          <m:t>𝑠</m:t>
+                        </m:r>
+                      </m:sub>
+                    </m:sSub>
+                    <m:r>
+                      <a:rPr lang="fr-FR" sz="2400" i="1" smtClean="0">
+                        <a:latin typeface="Cambria Math"/>
+                      </a:rPr>
+                      <m:t>=</m:t>
+                    </m:r>
+                    <m:r>
+                      <a:rPr lang="fr-FR" sz="2400" b="0" i="1" smtClean="0">
+                        <a:latin typeface="Cambria Math" panose="02040503050406030204" pitchFamily="18" charset="0"/>
+                      </a:rPr>
+                      <m:t>5×4+4</m:t>
+                    </m:r>
+                    <m:r>
+                      <a:rPr lang="fr-FR" sz="2400" i="1" smtClean="0">
+                        <a:latin typeface="Cambria Math" panose="02040503050406030204" pitchFamily="18" charset="0"/>
+                      </a:rPr>
+                      <m:t>=</m:t>
+                    </m:r>
+                    <m:r>
+                      <a:rPr lang="fr-FR" sz="2400" b="0" i="1" smtClean="0">
+                        <a:latin typeface="Cambria Math" panose="02040503050406030204" pitchFamily="18" charset="0"/>
+                      </a:rPr>
+                      <m:t>24</m:t>
+                    </m:r>
+                  </m:oMath>
+                </a14:m>
+                <a:endParaRPr lang="fr-FR" sz="2400" dirty="0"/>
+              </a:p>
+              <a:p>
+                <a:pPr lvl="1"/>
+                <a14:m>
+                  <m:oMath xmlns:m="http://schemas.openxmlformats.org/officeDocument/2006/math">
+                    <m:sSub>
+                      <m:sSubPr>
+                        <m:ctrlPr>
+                          <a:rPr lang="fr-FR" sz="2400" i="1" smtClean="0">
+                            <a:latin typeface="Cambria Math" panose="02040503050406030204" pitchFamily="18" charset="0"/>
+                          </a:rPr>
+                        </m:ctrlPr>
+                      </m:sSubPr>
+                      <m:e>
+                        <m:r>
+                          <a:rPr lang="fr-FR" sz="2400" i="1" smtClean="0">
+                            <a:latin typeface="Cambria Math" panose="02040503050406030204" pitchFamily="18" charset="0"/>
+                          </a:rPr>
+                          <m:t>𝐸</m:t>
+                        </m:r>
+                      </m:e>
+                      <m:sub>
+                        <m:r>
+                          <a:rPr lang="fr-FR" sz="2400" i="1" smtClean="0">
+                            <a:latin typeface="Cambria Math" panose="02040503050406030204" pitchFamily="18" charset="0"/>
+                          </a:rPr>
+                          <m:t>𝑆</m:t>
+                        </m:r>
+                      </m:sub>
+                    </m:sSub>
+                    <m:r>
+                      <a:rPr lang="fr-FR" sz="2400" i="1" smtClean="0">
+                        <a:latin typeface="Cambria Math" panose="02040503050406030204" pitchFamily="18" charset="0"/>
+                      </a:rPr>
+                      <m:t>=</m:t>
+                    </m:r>
+                    <m:r>
+                      <a:rPr lang="fr-FR" sz="2400" i="1" smtClean="0">
+                        <a:latin typeface="Cambria Math" panose="02040503050406030204" pitchFamily="18" charset="0"/>
+                      </a:rPr>
+                      <m:t>6×</m:t>
+                    </m:r>
+                    <m:r>
+                      <a:rPr lang="fr-FR" sz="2400" b="0" i="1" smtClean="0">
+                        <a:latin typeface="Cambria Math" panose="02040503050406030204" pitchFamily="18" charset="0"/>
+                      </a:rPr>
+                      <m:t>5</m:t>
+                    </m:r>
+                    <m:r>
+                      <a:rPr lang="fr-FR" sz="2400" i="1" smtClean="0">
+                        <a:latin typeface="Cambria Math" panose="02040503050406030204" pitchFamily="18" charset="0"/>
+                      </a:rPr>
+                      <m:t>=</m:t>
+                    </m:r>
+                    <m:r>
+                      <a:rPr lang="fr-FR" sz="2400" b="0" i="1" smtClean="0">
+                        <a:latin typeface="Cambria Math" panose="02040503050406030204" pitchFamily="18" charset="0"/>
+                      </a:rPr>
+                      <m:t>30</m:t>
+                    </m:r>
+                  </m:oMath>
+                </a14:m>
+                <a:endParaRPr lang="fr-FR" sz="2400" dirty="0"/>
+              </a:p>
+              <a:p>
+                <a:pPr lvl="1"/>
+                <a14:m>
+                  <m:oMath xmlns:m="http://schemas.openxmlformats.org/officeDocument/2006/math">
+                    <m:r>
+                      <a:rPr lang="fr-FR" sz="2400" i="1" smtClean="0">
+                        <a:latin typeface="Cambria Math" panose="02040503050406030204" pitchFamily="18" charset="0"/>
+                      </a:rPr>
+                      <m:t>h</m:t>
+                    </m:r>
+                    <m:r>
+                      <a:rPr lang="fr-FR" sz="2400" i="1" smtClean="0">
+                        <a:latin typeface="Cambria Math" panose="02040503050406030204" pitchFamily="18" charset="0"/>
+                      </a:rPr>
+                      <m:t>=</m:t>
+                    </m:r>
+                    <m:r>
+                      <a:rPr lang="fr-FR" sz="2400" i="1" smtClean="0">
+                        <a:latin typeface="Cambria Math" panose="02040503050406030204" pitchFamily="18" charset="0"/>
+                      </a:rPr>
+                      <m:t>𝑚</m:t>
+                    </m:r>
+                    <m:r>
+                      <a:rPr lang="fr-FR" sz="2400" i="1" smtClean="0">
+                        <a:latin typeface="Cambria Math" panose="02040503050406030204" pitchFamily="18" charset="0"/>
+                      </a:rPr>
+                      <m:t>−</m:t>
+                    </m:r>
+                    <m:sSub>
+                      <m:sSubPr>
+                        <m:ctrlPr>
+                          <a:rPr lang="fr-FR" sz="2400" i="1" smtClean="0">
+                            <a:latin typeface="Cambria Math" panose="02040503050406030204" pitchFamily="18" charset="0"/>
+                          </a:rPr>
+                        </m:ctrlPr>
+                      </m:sSubPr>
+                      <m:e>
+                        <m:r>
+                          <a:rPr lang="fr-FR" sz="2400" i="1" smtClean="0">
+                            <a:latin typeface="Cambria Math" panose="02040503050406030204" pitchFamily="18" charset="0"/>
+                          </a:rPr>
+                          <m:t>𝐸</m:t>
+                        </m:r>
+                      </m:e>
+                      <m:sub>
+                        <m:r>
+                          <a:rPr lang="fr-FR" sz="2400" i="1" smtClean="0">
+                            <a:latin typeface="Cambria Math" panose="02040503050406030204" pitchFamily="18" charset="0"/>
+                          </a:rPr>
+                          <m:t>𝑆</m:t>
+                        </m:r>
+                      </m:sub>
+                    </m:sSub>
+                    <m:r>
+                      <a:rPr lang="fr-FR" sz="2400" i="1" smtClean="0">
+                        <a:latin typeface="Cambria Math" panose="02040503050406030204" pitchFamily="18" charset="0"/>
+                      </a:rPr>
+                      <m:t>+</m:t>
+                    </m:r>
+                    <m:sSub>
+                      <m:sSubPr>
+                        <m:ctrlPr>
+                          <a:rPr lang="fr-FR" sz="2400" i="1" smtClean="0">
+                            <a:latin typeface="Cambria Math" panose="02040503050406030204" pitchFamily="18" charset="0"/>
+                          </a:rPr>
+                        </m:ctrlPr>
+                      </m:sSubPr>
+                      <m:e>
+                        <m:r>
+                          <a:rPr lang="fr-FR" sz="2400" i="1" smtClean="0">
+                            <a:latin typeface="Cambria Math" panose="02040503050406030204" pitchFamily="18" charset="0"/>
+                          </a:rPr>
+                          <m:t>𝐼</m:t>
+                        </m:r>
+                      </m:e>
+                      <m:sub>
+                        <m:r>
+                          <a:rPr lang="fr-FR" sz="2400" i="1" smtClean="0">
+                            <a:latin typeface="Cambria Math" panose="02040503050406030204" pitchFamily="18" charset="0"/>
+                          </a:rPr>
+                          <m:t>𝑆</m:t>
+                        </m:r>
+                      </m:sub>
+                    </m:sSub>
+                    <m:r>
+                      <a:rPr lang="fr-FR" sz="2400" i="1" smtClean="0">
+                        <a:latin typeface="Cambria Math" panose="02040503050406030204" pitchFamily="18" charset="0"/>
+                      </a:rPr>
+                      <m:t>=</m:t>
+                    </m:r>
+                    <m:r>
+                      <a:rPr lang="fr-FR" sz="2400" b="0" i="1" smtClean="0">
+                        <a:latin typeface="Cambria Math" panose="02040503050406030204" pitchFamily="18" charset="0"/>
+                      </a:rPr>
+                      <m:t>7</m:t>
+                    </m:r>
+                    <m:r>
+                      <a:rPr lang="fr-FR" sz="2400" i="1" smtClean="0">
+                        <a:latin typeface="Cambria Math" panose="02040503050406030204" pitchFamily="18" charset="0"/>
+                      </a:rPr>
+                      <m:t>−</m:t>
+                    </m:r>
+                    <m:r>
+                      <a:rPr lang="fr-FR" sz="2400" b="0" i="1" smtClean="0">
+                        <a:latin typeface="Cambria Math" panose="02040503050406030204" pitchFamily="18" charset="0"/>
+                      </a:rPr>
+                      <m:t>30+24</m:t>
+                    </m:r>
+                    <m:r>
+                      <a:rPr lang="fr-FR" sz="2400" i="1" smtClean="0">
+                        <a:latin typeface="Cambria Math" panose="02040503050406030204" pitchFamily="18" charset="0"/>
+                      </a:rPr>
+                      <m:t>=</m:t>
+                    </m:r>
+                    <m:r>
+                      <a:rPr lang="fr-FR" sz="2400" b="0" i="1" smtClean="0">
+                        <a:latin typeface="Cambria Math" panose="02040503050406030204" pitchFamily="18" charset="0"/>
+                      </a:rPr>
+                      <m:t>1</m:t>
+                    </m:r>
+                  </m:oMath>
+                </a14:m>
+                <a:endParaRPr lang="fr-FR" sz="2400" dirty="0"/>
+              </a:p>
+              <a:p>
+                <a:endParaRPr lang="fr-FR" sz="2800" dirty="0"/>
+              </a:p>
+            </p:txBody>
+          </p:sp>
+        </mc:Choice>
+        <mc:Fallback>
+          <p:sp>
+            <p:nvSpPr>
+              <p:cNvPr id="6" name="Espace réservé du contenu 2">
+                <a:extLst>
+                  <a:ext uri="{FF2B5EF4-FFF2-40B4-BE49-F238E27FC236}">
+                    <a16:creationId xmlns:a16="http://schemas.microsoft.com/office/drawing/2014/main" id="{61EC1FD3-BE82-0720-10D9-B0DED551F657}"/>
+                  </a:ext>
+                </a:extLst>
+              </p:cNvPr>
+              <p:cNvSpPr txBox="1">
+                <a:spLocks noRot="1" noChangeAspect="1" noMove="1" noResize="1" noEditPoints="1" noAdjustHandles="1" noChangeArrowheads="1" noChangeShapeType="1" noTextEdit="1"/>
+              </p:cNvSpPr>
+              <p:nvPr/>
+            </p:nvSpPr>
+            <p:spPr>
+              <a:xfrm>
+                <a:off x="4572000" y="1600200"/>
+                <a:ext cx="4114800" cy="4525963"/>
+              </a:xfrm>
+              <a:prstGeom prst="rect">
+                <a:avLst/>
+              </a:prstGeom>
+              <a:blipFill>
+                <a:blip r:embed="rId3"/>
+                <a:stretch>
+                  <a:fillRect l="-2667"/>
+                </a:stretch>
+              </a:blipFill>
+            </p:spPr>
+            <p:txBody>
+              <a:bodyPr/>
+              <a:lstStyle/>
+              <a:p>
+                <a:r>
+                  <a:rPr lang="fr-FR">
+                    <a:noFill/>
+                  </a:rPr>
+                  <a:t> </a:t>
+                </a:r>
+              </a:p>
+            </p:txBody>
+          </p:sp>
+        </mc:Fallback>
+      </mc:AlternateContent>
+      <p:sp>
+        <p:nvSpPr>
+          <p:cNvPr id="7" name="ZoneTexte 6">
+            <a:extLst>
+              <a:ext uri="{FF2B5EF4-FFF2-40B4-BE49-F238E27FC236}">
+                <a16:creationId xmlns:a16="http://schemas.microsoft.com/office/drawing/2014/main" id="{382C7E6E-5335-B977-9A16-CE1D2A5B7EF1}"/>
+              </a:ext>
+            </a:extLst>
+          </p:cNvPr>
+          <p:cNvSpPr txBox="1"/>
+          <p:nvPr/>
+        </p:nvSpPr>
+        <p:spPr>
+          <a:xfrm>
+            <a:off x="0" y="4687022"/>
+            <a:ext cx="4560506" cy="584775"/>
+          </a:xfrm>
+          <a:prstGeom prst="rect">
+            <a:avLst/>
+          </a:prstGeom>
+          <a:noFill/>
+        </p:spPr>
+        <p:txBody>
+          <a:bodyPr wrap="square" rtlCol="0">
+            <a:spAutoFit/>
+          </a:bodyPr>
+          <a:lstStyle/>
+          <a:p>
+            <a:pPr algn="ctr"/>
+            <a:r>
+              <a:rPr lang="fr-FR" sz="1600" dirty="0"/>
+              <a:t>Les pivots entre le châssis et les roues sont bloquées.</a:t>
+            </a:r>
+          </a:p>
+          <a:p>
+            <a:pPr algn="ctr"/>
+            <a:r>
+              <a:rPr lang="fr-FR" sz="1600" dirty="0"/>
+              <a:t>Les rouleaux sont en contact ponctuel avec le sol.</a:t>
+            </a:r>
+          </a:p>
+        </p:txBody>
+      </p:sp>
+    </p:spTree>
+    <p:extLst>
+      <p:ext uri="{BB962C8B-B14F-4D97-AF65-F5344CB8AC3E}">
+        <p14:creationId xmlns:p14="http://schemas.microsoft.com/office/powerpoint/2010/main" val="622441087"/>
       </p:ext>
     </p:extLst>
   </p:cSld>
@@ -9903,8 +16637,8 @@
           </a:p>
         </p:txBody>
       </p:sp>
-      <mc:AlternateContent xmlns:mc="http://schemas.openxmlformats.org/markup-compatibility/2006">
-        <mc:Choice xmlns:a14="http://schemas.microsoft.com/office/drawing/2010/main" Requires="a14">
+      <mc:AlternateContent xmlns:mc="http://schemas.openxmlformats.org/markup-compatibility/2006" xmlns:a14="http://schemas.microsoft.com/office/drawing/2010/main">
+        <mc:Choice Requires="a14">
           <p:sp>
             <p:nvSpPr>
               <p:cNvPr id="3" name="Espace réservé du contenu 2"/>
@@ -9933,7 +16667,7 @@
                       <m:sSubPr>
                         <m:ctrlPr>
                           <a:rPr lang="fr-FR" b="0" i="1" smtClean="0">
-                            <a:latin typeface="Cambria Math"/>
+                            <a:latin typeface="Cambria Math" panose="02040503050406030204" pitchFamily="18" charset="0"/>
                           </a:rPr>
                         </m:ctrlPr>
                       </m:sSubPr>
@@ -9962,7 +16696,7 @@
                     </m:r>
                   </m:oMath>
                 </a14:m>
-                <a:endParaRPr lang="fr-FR" b="0" dirty="0" smtClean="0"/>
+                <a:endParaRPr lang="fr-FR" b="0" dirty="0"/>
               </a:p>
               <a:p>
                 <a14:m>
@@ -9971,7 +16705,7 @@
                       <m:sSubPr>
                         <m:ctrlPr>
                           <a:rPr lang="fr-FR" i="1">
-                            <a:latin typeface="Cambria Math"/>
+                            <a:latin typeface="Cambria Math" panose="02040503050406030204" pitchFamily="18" charset="0"/>
                           </a:rPr>
                         </m:ctrlPr>
                       </m:sSubPr>
@@ -9996,24 +16730,17 @@
                       <a:rPr lang="fr-FR" b="0" i="1" smtClean="0">
                         <a:latin typeface="Cambria Math"/>
                       </a:rPr>
-                      <m:t>=</m:t>
-                    </m:r>
-                    <m:r>
-                      <a:rPr lang="fr-FR" b="0" i="1" smtClean="0">
-                        <a:latin typeface="Cambria Math"/>
-                      </a:rPr>
-                      <m:t>1</m:t>
+                      <m:t>=1</m:t>
                     </m:r>
                   </m:oMath>
                 </a14:m>
-                <a:endParaRPr lang="fr-FR" dirty="0" smtClean="0"/>
+                <a:endParaRPr lang="fr-FR" dirty="0"/>
               </a:p>
               <a:p>
                 <a:r>
-                  <a:rPr lang="fr-FR" dirty="0" smtClean="0"/>
+                  <a:rPr lang="fr-FR" dirty="0"/>
                   <a:t>En 3D :</a:t>
                 </a:r>
-                <a:endParaRPr lang="fr-FR" dirty="0"/>
               </a:p>
               <a:p>
                 <a:pPr lvl="1"/>
@@ -10023,7 +16750,7 @@
                       <m:sSubPr>
                         <m:ctrlPr>
                           <a:rPr lang="fr-FR" b="0" i="1" smtClean="0">
-                            <a:latin typeface="Cambria Math"/>
+                            <a:latin typeface="Cambria Math" panose="02040503050406030204" pitchFamily="18" charset="0"/>
                           </a:rPr>
                         </m:ctrlPr>
                       </m:sSubPr>
@@ -10052,7 +16779,7 @@
                     </m:r>
                   </m:oMath>
                 </a14:m>
-                <a:endParaRPr lang="fr-FR" b="0" dirty="0" smtClean="0"/>
+                <a:endParaRPr lang="fr-FR" b="0" dirty="0"/>
               </a:p>
               <a:p>
                 <a:pPr lvl="1"/>
@@ -10062,7 +16789,7 @@
                       <m:sSubPr>
                         <m:ctrlPr>
                           <a:rPr lang="fr-FR" b="0" i="1" smtClean="0">
-                            <a:latin typeface="Cambria Math"/>
+                            <a:latin typeface="Cambria Math" panose="02040503050406030204" pitchFamily="18" charset="0"/>
                           </a:rPr>
                         </m:ctrlPr>
                       </m:sSubPr>
@@ -10091,7 +16818,7 @@
                     </m:r>
                   </m:oMath>
                 </a14:m>
-                <a:endParaRPr lang="fr-FR" dirty="0" smtClean="0"/>
+                <a:endParaRPr lang="fr-FR" dirty="0"/>
               </a:p>
               <a:p>
                 <a:pPr lvl="1"/>
@@ -10107,21 +16834,15 @@
                       <a:rPr lang="fr-FR" b="0" i="1" smtClean="0">
                         <a:latin typeface="Cambria Math"/>
                       </a:rPr>
-                      <m:t>=1−</m:t>
-                    </m:r>
-                    <m:r>
-                      <a:rPr lang="fr-FR" b="0" i="1" smtClean="0">
-                        <a:latin typeface="Cambria Math"/>
-                      </a:rPr>
-                      <m:t>18+18=1</m:t>
+                      <m:t>=1−18+18=1</m:t>
                     </m:r>
                   </m:oMath>
                 </a14:m>
-                <a:endParaRPr lang="fr-FR" dirty="0" smtClean="0"/>
+                <a:endParaRPr lang="fr-FR" dirty="0"/>
               </a:p>
               <a:p>
                 <a:r>
-                  <a:rPr lang="fr-FR" dirty="0" smtClean="0"/>
+                  <a:rPr lang="fr-FR" dirty="0"/>
                   <a:t>En 2D :</a:t>
                 </a:r>
               </a:p>
@@ -10133,7 +16854,7 @@
                       <m:sSubPr>
                         <m:ctrlPr>
                           <a:rPr lang="fr-FR" i="1">
-                            <a:latin typeface="Cambria Math"/>
+                            <a:latin typeface="Cambria Math" panose="02040503050406030204" pitchFamily="18" charset="0"/>
                           </a:rPr>
                         </m:ctrlPr>
                       </m:sSubPr>
@@ -10178,7 +16899,7 @@
                       <m:sSubPr>
                         <m:ctrlPr>
                           <a:rPr lang="fr-FR" i="1">
-                            <a:latin typeface="Cambria Math"/>
+                            <a:latin typeface="Cambria Math" panose="02040503050406030204" pitchFamily="18" charset="0"/>
                           </a:rPr>
                         </m:ctrlPr>
                       </m:sSubPr>
@@ -10242,12 +16963,12 @@
                 <a:endParaRPr lang="fr-FR" dirty="0"/>
               </a:p>
               <a:p>
-                <a:endParaRPr lang="fr-FR" dirty="0" smtClean="0"/>
+                <a:endParaRPr lang="fr-FR" dirty="0"/>
               </a:p>
             </p:txBody>
           </p:sp>
         </mc:Choice>
-        <mc:Fallback>
+        <mc:Fallback xmlns="">
           <p:sp>
             <p:nvSpPr>
               <p:cNvPr id="3" name="Espace réservé du contenu 2"/>
@@ -10985,7 +17706,7 @@
           <a:p>
             <a:pPr algn="ctr"/>
             <a:r>
-              <a:rPr lang="fr-FR" sz="1200" b="1" dirty="0" smtClean="0">
+              <a:rPr lang="fr-FR" sz="1200" b="1" dirty="0">
                 <a:solidFill>
                   <a:schemeClr val="accent5">
                     <a:lumMod val="50000"/>
@@ -10994,13 +17715,6 @@
               </a:rPr>
               <a:t>0</a:t>
             </a:r>
-            <a:endParaRPr lang="fr-FR" sz="1200" b="1" dirty="0">
-              <a:solidFill>
-                <a:schemeClr val="accent5">
-                  <a:lumMod val="50000"/>
-                </a:schemeClr>
-              </a:solidFill>
-            </a:endParaRPr>
           </a:p>
         </p:txBody>
       </p:sp>
@@ -11159,18 +17873,13 @@
           <a:p>
             <a:pPr algn="ctr"/>
             <a:r>
-              <a:rPr lang="fr-FR" sz="1200" b="1" dirty="0" smtClean="0">
+              <a:rPr lang="fr-FR" sz="1200" b="1" dirty="0">
                 <a:solidFill>
                   <a:srgbClr val="C00000"/>
                 </a:solidFill>
               </a:rPr>
               <a:t>3</a:t>
             </a:r>
-            <a:endParaRPr lang="fr-FR" sz="1200" b="1" dirty="0">
-              <a:solidFill>
-                <a:srgbClr val="C00000"/>
-              </a:solidFill>
-            </a:endParaRPr>
           </a:p>
         </p:txBody>
       </p:sp>
@@ -11254,8 +17963,8 @@
           </a:p>
         </p:txBody>
       </p:sp>
-      <mc:AlternateContent xmlns:mc="http://schemas.openxmlformats.org/markup-compatibility/2006">
-        <mc:Choice xmlns:a14="http://schemas.microsoft.com/office/drawing/2010/main" Requires="a14">
+      <mc:AlternateContent xmlns:mc="http://schemas.openxmlformats.org/markup-compatibility/2006" xmlns:a14="http://schemas.microsoft.com/office/drawing/2010/main">
+        <mc:Choice Requires="a14">
           <p:sp>
             <p:nvSpPr>
               <p:cNvPr id="3" name="Espace réservé du contenu 2"/>
@@ -11284,7 +17993,7 @@
                       <m:sSubPr>
                         <m:ctrlPr>
                           <a:rPr lang="fr-FR" b="0" i="1" smtClean="0">
-                            <a:latin typeface="Cambria Math"/>
+                            <a:latin typeface="Cambria Math" panose="02040503050406030204" pitchFamily="18" charset="0"/>
                           </a:rPr>
                         </m:ctrlPr>
                       </m:sSubPr>
@@ -11313,7 +18022,7 @@
                     </m:r>
                   </m:oMath>
                 </a14:m>
-                <a:endParaRPr lang="fr-FR" b="0" dirty="0" smtClean="0"/>
+                <a:endParaRPr lang="fr-FR" b="0" dirty="0"/>
               </a:p>
               <a:p>
                 <a14:m>
@@ -11322,7 +18031,7 @@
                       <m:sSubPr>
                         <m:ctrlPr>
                           <a:rPr lang="fr-FR" i="1">
-                            <a:latin typeface="Cambria Math"/>
+                            <a:latin typeface="Cambria Math" panose="02040503050406030204" pitchFamily="18" charset="0"/>
                           </a:rPr>
                         </m:ctrlPr>
                       </m:sSubPr>
@@ -11357,14 +18066,13 @@
                     </m:r>
                   </m:oMath>
                 </a14:m>
-                <a:endParaRPr lang="fr-FR" dirty="0" smtClean="0"/>
+                <a:endParaRPr lang="fr-FR" dirty="0"/>
               </a:p>
               <a:p>
                 <a:r>
-                  <a:rPr lang="fr-FR" dirty="0" smtClean="0"/>
+                  <a:rPr lang="fr-FR" dirty="0"/>
                   <a:t>En 3D :</a:t>
                 </a:r>
-                <a:endParaRPr lang="fr-FR" dirty="0"/>
               </a:p>
               <a:p>
                 <a:pPr lvl="1"/>
@@ -11374,7 +18082,7 @@
                       <m:sSubPr>
                         <m:ctrlPr>
                           <a:rPr lang="fr-FR" b="0" i="1" smtClean="0">
-                            <a:latin typeface="Cambria Math"/>
+                            <a:latin typeface="Cambria Math" panose="02040503050406030204" pitchFamily="18" charset="0"/>
                           </a:rPr>
                         </m:ctrlPr>
                       </m:sSubPr>
@@ -11403,7 +18111,7 @@
                     </m:r>
                   </m:oMath>
                 </a14:m>
-                <a:endParaRPr lang="fr-FR" b="0" dirty="0" smtClean="0"/>
+                <a:endParaRPr lang="fr-FR" b="0" dirty="0"/>
               </a:p>
               <a:p>
                 <a:pPr lvl="1"/>
@@ -11413,7 +18121,7 @@
                       <m:sSubPr>
                         <m:ctrlPr>
                           <a:rPr lang="fr-FR" b="0" i="1" smtClean="0">
-                            <a:latin typeface="Cambria Math"/>
+                            <a:latin typeface="Cambria Math" panose="02040503050406030204" pitchFamily="18" charset="0"/>
                           </a:rPr>
                         </m:ctrlPr>
                       </m:sSubPr>
@@ -11442,7 +18150,7 @@
                     </m:r>
                   </m:oMath>
                 </a14:m>
-                <a:endParaRPr lang="fr-FR" dirty="0" smtClean="0"/>
+                <a:endParaRPr lang="fr-FR" dirty="0"/>
               </a:p>
               <a:p>
                 <a:pPr lvl="1"/>
@@ -11458,21 +18166,15 @@
                       <a:rPr lang="fr-FR" b="0" i="1" smtClean="0">
                         <a:latin typeface="Cambria Math"/>
                       </a:rPr>
-                      <m:t>=3−</m:t>
-                    </m:r>
-                    <m:r>
-                      <a:rPr lang="fr-FR" b="0" i="1" smtClean="0">
-                        <a:latin typeface="Cambria Math"/>
-                      </a:rPr>
-                      <m:t>18+15=0</m:t>
+                      <m:t>=3−18+15=0</m:t>
                     </m:r>
                   </m:oMath>
                 </a14:m>
-                <a:endParaRPr lang="fr-FR" dirty="0" smtClean="0"/>
+                <a:endParaRPr lang="fr-FR" dirty="0"/>
               </a:p>
               <a:p>
                 <a:r>
-                  <a:rPr lang="fr-FR" dirty="0" smtClean="0"/>
+                  <a:rPr lang="fr-FR" dirty="0"/>
                   <a:t>En 2D :</a:t>
                 </a:r>
               </a:p>
@@ -11484,7 +18186,7 @@
                       <m:sSubPr>
                         <m:ctrlPr>
                           <a:rPr lang="fr-FR" i="1">
-                            <a:latin typeface="Cambria Math"/>
+                            <a:latin typeface="Cambria Math" panose="02040503050406030204" pitchFamily="18" charset="0"/>
                           </a:rPr>
                         </m:ctrlPr>
                       </m:sSubPr>
@@ -11529,7 +18231,7 @@
                       <m:sSubPr>
                         <m:ctrlPr>
                           <a:rPr lang="fr-FR" i="1">
-                            <a:latin typeface="Cambria Math"/>
+                            <a:latin typeface="Cambria Math" panose="02040503050406030204" pitchFamily="18" charset="0"/>
                           </a:rPr>
                         </m:ctrlPr>
                       </m:sSubPr>
@@ -11606,12 +18308,12 @@
                 </a:endParaRPr>
               </a:p>
               <a:p>
-                <a:endParaRPr lang="fr-FR" dirty="0" smtClean="0"/>
+                <a:endParaRPr lang="fr-FR" dirty="0"/>
               </a:p>
             </p:txBody>
           </p:sp>
         </mc:Choice>
-        <mc:Fallback>
+        <mc:Fallback xmlns="">
           <p:sp>
             <p:nvSpPr>
               <p:cNvPr id="3" name="Espace réservé du contenu 2"/>
@@ -12322,7 +19024,7 @@
           <a:p>
             <a:pPr algn="ctr"/>
             <a:r>
-              <a:rPr lang="fr-FR" sz="1200" b="1" dirty="0" smtClean="0">
+              <a:rPr lang="fr-FR" sz="1200" b="1" dirty="0">
                 <a:solidFill>
                   <a:schemeClr val="accent5">
                     <a:lumMod val="50000"/>
@@ -12331,13 +19033,6 @@
               </a:rPr>
               <a:t>0</a:t>
             </a:r>
-            <a:endParaRPr lang="fr-FR" sz="1200" b="1" dirty="0">
-              <a:solidFill>
-                <a:schemeClr val="accent5">
-                  <a:lumMod val="50000"/>
-                </a:schemeClr>
-              </a:solidFill>
-            </a:endParaRPr>
           </a:p>
         </p:txBody>
       </p:sp>
@@ -12496,18 +19191,13 @@
           <a:p>
             <a:pPr algn="ctr"/>
             <a:r>
-              <a:rPr lang="fr-FR" sz="1200" b="1" dirty="0" smtClean="0">
+              <a:rPr lang="fr-FR" sz="1200" b="1" dirty="0">
                 <a:solidFill>
                   <a:srgbClr val="C00000"/>
                 </a:solidFill>
               </a:rPr>
               <a:t>3</a:t>
             </a:r>
-            <a:endParaRPr lang="fr-FR" sz="1200" b="1" dirty="0">
-              <a:solidFill>
-                <a:srgbClr val="C00000"/>
-              </a:solidFill>
-            </a:endParaRPr>
           </a:p>
         </p:txBody>
       </p:sp>
@@ -12621,7 +19311,7 @@
                       <m:sSubPr>
                         <m:ctrlPr>
                           <a:rPr lang="fr-FR" b="0" i="1" smtClean="0">
-                            <a:latin typeface="Cambria Math"/>
+                            <a:latin typeface="Cambria Math" panose="02040503050406030204" pitchFamily="18" charset="0"/>
                           </a:rPr>
                         </m:ctrlPr>
                       </m:sSubPr>
@@ -12650,7 +19340,7 @@
                     </m:r>
                   </m:oMath>
                 </a14:m>
-                <a:endParaRPr lang="fr-FR" b="0" dirty="0" smtClean="0"/>
+                <a:endParaRPr lang="fr-FR" b="0" dirty="0"/>
               </a:p>
               <a:p>
                 <a14:m>
@@ -12659,7 +19349,7 @@
                       <m:sSubPr>
                         <m:ctrlPr>
                           <a:rPr lang="fr-FR" i="1">
-                            <a:latin typeface="Cambria Math"/>
+                            <a:latin typeface="Cambria Math" panose="02040503050406030204" pitchFamily="18" charset="0"/>
                           </a:rPr>
                         </m:ctrlPr>
                       </m:sSubPr>
@@ -12688,14 +19378,13 @@
                     </m:r>
                   </m:oMath>
                 </a14:m>
-                <a:endParaRPr lang="fr-FR" dirty="0" smtClean="0"/>
+                <a:endParaRPr lang="fr-FR" dirty="0"/>
               </a:p>
               <a:p>
                 <a:r>
-                  <a:rPr lang="fr-FR" dirty="0" smtClean="0"/>
+                  <a:rPr lang="fr-FR" dirty="0"/>
                   <a:t>En 3D :</a:t>
                 </a:r>
-                <a:endParaRPr lang="fr-FR" dirty="0"/>
               </a:p>
               <a:p>
                 <a:pPr lvl="1"/>
@@ -12705,7 +19394,7 @@
                       <m:sSubPr>
                         <m:ctrlPr>
                           <a:rPr lang="fr-FR" b="0" i="1" smtClean="0">
-                            <a:latin typeface="Cambria Math"/>
+                            <a:latin typeface="Cambria Math" panose="02040503050406030204" pitchFamily="18" charset="0"/>
                           </a:rPr>
                         </m:ctrlPr>
                       </m:sSubPr>
@@ -12734,7 +19423,7 @@
                     </m:r>
                   </m:oMath>
                 </a14:m>
-                <a:endParaRPr lang="fr-FR" b="0" dirty="0" smtClean="0"/>
+                <a:endParaRPr lang="fr-FR" b="0" dirty="0"/>
               </a:p>
               <a:p>
                 <a:pPr lvl="1"/>
@@ -12744,7 +19433,7 @@
                       <m:sSubPr>
                         <m:ctrlPr>
                           <a:rPr lang="fr-FR" b="0" i="1" smtClean="0">
-                            <a:latin typeface="Cambria Math"/>
+                            <a:latin typeface="Cambria Math" panose="02040503050406030204" pitchFamily="18" charset="0"/>
                           </a:rPr>
                         </m:ctrlPr>
                       </m:sSubPr>
@@ -12773,7 +19462,7 @@
                     </m:r>
                   </m:oMath>
                 </a14:m>
-                <a:endParaRPr lang="fr-FR" dirty="0" smtClean="0"/>
+                <a:endParaRPr lang="fr-FR" dirty="0"/>
               </a:p>
               <a:p>
                 <a:pPr lvl="1"/>
@@ -12793,11 +19482,11 @@
                     </m:r>
                   </m:oMath>
                 </a14:m>
-                <a:endParaRPr lang="fr-FR" dirty="0" smtClean="0"/>
+                <a:endParaRPr lang="fr-FR" dirty="0"/>
               </a:p>
               <a:p>
                 <a:r>
-                  <a:rPr lang="fr-FR" dirty="0" smtClean="0"/>
+                  <a:rPr lang="fr-FR" dirty="0"/>
                   <a:t>En 2D :</a:t>
                 </a:r>
               </a:p>
@@ -12809,7 +19498,7 @@
                       <m:sSubPr>
                         <m:ctrlPr>
                           <a:rPr lang="fr-FR" i="1">
-                            <a:latin typeface="Cambria Math"/>
+                            <a:latin typeface="Cambria Math" panose="02040503050406030204" pitchFamily="18" charset="0"/>
                           </a:rPr>
                         </m:ctrlPr>
                       </m:sSubPr>
@@ -12854,7 +19543,7 @@
                       <m:sSubPr>
                         <m:ctrlPr>
                           <a:rPr lang="fr-FR" i="1">
-                            <a:latin typeface="Cambria Math"/>
+                            <a:latin typeface="Cambria Math" panose="02040503050406030204" pitchFamily="18" charset="0"/>
                           </a:rPr>
                         </m:ctrlPr>
                       </m:sSubPr>
@@ -12931,7 +19620,7 @@
                 </a:endParaRPr>
               </a:p>
               <a:p>
-                <a:endParaRPr lang="fr-FR" dirty="0" smtClean="0"/>
+                <a:endParaRPr lang="fr-FR" dirty="0"/>
               </a:p>
             </p:txBody>
           </p:sp>
@@ -13598,7 +20287,7 @@
           <a:p>
             <a:pPr algn="ctr"/>
             <a:r>
-              <a:rPr lang="fr-FR" sz="1200" b="1" dirty="0" smtClean="0">
+              <a:rPr lang="fr-FR" sz="1200" b="1" dirty="0">
                 <a:solidFill>
                   <a:schemeClr val="accent5">
                     <a:lumMod val="50000"/>
@@ -13607,13 +20296,6 @@
               </a:rPr>
               <a:t>0</a:t>
             </a:r>
-            <a:endParaRPr lang="fr-FR" sz="1200" b="1" dirty="0">
-              <a:solidFill>
-                <a:schemeClr val="accent5">
-                  <a:lumMod val="50000"/>
-                </a:schemeClr>
-              </a:solidFill>
-            </a:endParaRPr>
           </a:p>
         </p:txBody>
       </p:sp>
@@ -13772,18 +20454,13 @@
           <a:p>
             <a:pPr algn="ctr"/>
             <a:r>
-              <a:rPr lang="fr-FR" sz="1200" b="1" dirty="0" smtClean="0">
+              <a:rPr lang="fr-FR" sz="1200" b="1" dirty="0">
                 <a:solidFill>
                   <a:srgbClr val="C00000"/>
                 </a:solidFill>
               </a:rPr>
               <a:t>3</a:t>
             </a:r>
-            <a:endParaRPr lang="fr-FR" sz="1200" b="1" dirty="0">
-              <a:solidFill>
-                <a:srgbClr val="C00000"/>
-              </a:solidFill>
-            </a:endParaRPr>
           </a:p>
         </p:txBody>
       </p:sp>
@@ -13897,7 +20574,7 @@
                       <m:sSubPr>
                         <m:ctrlPr>
                           <a:rPr lang="fr-FR" b="0" i="1" smtClean="0">
-                            <a:latin typeface="Cambria Math"/>
+                            <a:latin typeface="Cambria Math" panose="02040503050406030204" pitchFamily="18" charset="0"/>
                           </a:rPr>
                         </m:ctrlPr>
                       </m:sSubPr>
@@ -13926,7 +20603,7 @@
                     </m:r>
                   </m:oMath>
                 </a14:m>
-                <a:endParaRPr lang="fr-FR" b="0" dirty="0" smtClean="0"/>
+                <a:endParaRPr lang="fr-FR" b="0" dirty="0"/>
               </a:p>
               <a:p>
                 <a14:m>
@@ -13935,7 +20612,7 @@
                       <m:sSubPr>
                         <m:ctrlPr>
                           <a:rPr lang="fr-FR" i="1">
-                            <a:latin typeface="Cambria Math"/>
+                            <a:latin typeface="Cambria Math" panose="02040503050406030204" pitchFamily="18" charset="0"/>
                           </a:rPr>
                         </m:ctrlPr>
                       </m:sSubPr>
@@ -13964,14 +20641,13 @@
                     </m:r>
                   </m:oMath>
                 </a14:m>
-                <a:endParaRPr lang="fr-FR" dirty="0" smtClean="0"/>
+                <a:endParaRPr lang="fr-FR" dirty="0"/>
               </a:p>
               <a:p>
                 <a:r>
-                  <a:rPr lang="fr-FR" dirty="0" smtClean="0"/>
+                  <a:rPr lang="fr-FR" dirty="0"/>
                   <a:t>En 3D :</a:t>
                 </a:r>
-                <a:endParaRPr lang="fr-FR" dirty="0"/>
               </a:p>
               <a:p>
                 <a:pPr lvl="1"/>
@@ -13981,7 +20657,7 @@
                       <m:sSubPr>
                         <m:ctrlPr>
                           <a:rPr lang="fr-FR" b="0" i="1" smtClean="0">
-                            <a:latin typeface="Cambria Math"/>
+                            <a:latin typeface="Cambria Math" panose="02040503050406030204" pitchFamily="18" charset="0"/>
                           </a:rPr>
                         </m:ctrlPr>
                       </m:sSubPr>
@@ -14010,7 +20686,7 @@
                     </m:r>
                   </m:oMath>
                 </a14:m>
-                <a:endParaRPr lang="fr-FR" b="0" dirty="0" smtClean="0"/>
+                <a:endParaRPr lang="fr-FR" b="0" dirty="0"/>
               </a:p>
               <a:p>
                 <a:pPr lvl="1"/>
@@ -14020,7 +20696,7 @@
                       <m:sSubPr>
                         <m:ctrlPr>
                           <a:rPr lang="fr-FR" b="0" i="1" smtClean="0">
-                            <a:latin typeface="Cambria Math"/>
+                            <a:latin typeface="Cambria Math" panose="02040503050406030204" pitchFamily="18" charset="0"/>
                           </a:rPr>
                         </m:ctrlPr>
                       </m:sSubPr>
@@ -14049,7 +20725,7 @@
                     </m:r>
                   </m:oMath>
                 </a14:m>
-                <a:endParaRPr lang="fr-FR" dirty="0" smtClean="0"/>
+                <a:endParaRPr lang="fr-FR" dirty="0"/>
               </a:p>
               <a:p>
                 <a:pPr lvl="1"/>
@@ -14075,11 +20751,11 @@
                     </m:r>
                   </m:oMath>
                 </a14:m>
-                <a:endParaRPr lang="fr-FR" dirty="0" smtClean="0"/>
+                <a:endParaRPr lang="fr-FR" dirty="0"/>
               </a:p>
               <a:p>
                 <a:r>
-                  <a:rPr lang="fr-FR" dirty="0" smtClean="0"/>
+                  <a:rPr lang="fr-FR" dirty="0"/>
                   <a:t>En 2D :</a:t>
                 </a:r>
               </a:p>
@@ -14091,7 +20767,7 @@
                       <m:sSubPr>
                         <m:ctrlPr>
                           <a:rPr lang="fr-FR" i="1">
-                            <a:latin typeface="Cambria Math"/>
+                            <a:latin typeface="Cambria Math" panose="02040503050406030204" pitchFamily="18" charset="0"/>
                           </a:rPr>
                         </m:ctrlPr>
                       </m:sSubPr>
@@ -14136,7 +20812,7 @@
                       <m:sSubPr>
                         <m:ctrlPr>
                           <a:rPr lang="fr-FR" i="1">
-                            <a:latin typeface="Cambria Math"/>
+                            <a:latin typeface="Cambria Math" panose="02040503050406030204" pitchFamily="18" charset="0"/>
                           </a:rPr>
                         </m:ctrlPr>
                       </m:sSubPr>
@@ -14194,7 +20870,7 @@
                 <a:endParaRPr lang="fr-FR" dirty="0"/>
               </a:p>
               <a:p>
-                <a:endParaRPr lang="fr-FR" dirty="0" smtClean="0"/>
+                <a:endParaRPr lang="fr-FR" dirty="0"/>
               </a:p>
             </p:txBody>
           </p:sp>
@@ -14812,7 +21488,7 @@
           <a:p>
             <a:pPr algn="ctr"/>
             <a:r>
-              <a:rPr lang="fr-FR" sz="1200" b="1" dirty="0" smtClean="0">
+              <a:rPr lang="fr-FR" sz="1200" b="1" dirty="0">
                 <a:solidFill>
                   <a:schemeClr val="accent5">
                     <a:lumMod val="50000"/>
@@ -14821,13 +21497,6 @@
               </a:rPr>
               <a:t>0</a:t>
             </a:r>
-            <a:endParaRPr lang="fr-FR" sz="1200" b="1" dirty="0">
-              <a:solidFill>
-                <a:schemeClr val="accent5">
-                  <a:lumMod val="50000"/>
-                </a:schemeClr>
-              </a:solidFill>
-            </a:endParaRPr>
           </a:p>
         </p:txBody>
       </p:sp>
@@ -14986,18 +21655,13 @@
           <a:p>
             <a:pPr algn="ctr"/>
             <a:r>
-              <a:rPr lang="fr-FR" sz="1200" b="1" dirty="0" smtClean="0">
+              <a:rPr lang="fr-FR" sz="1200" b="1" dirty="0">
                 <a:solidFill>
                   <a:srgbClr val="C00000"/>
                 </a:solidFill>
               </a:rPr>
               <a:t>3</a:t>
             </a:r>
-            <a:endParaRPr lang="fr-FR" sz="1200" b="1" dirty="0">
-              <a:solidFill>
-                <a:srgbClr val="C00000"/>
-              </a:solidFill>
-            </a:endParaRPr>
           </a:p>
         </p:txBody>
       </p:sp>
@@ -15061,7 +21725,7 @@
                       <m:sSubPr>
                         <m:ctrlPr>
                           <a:rPr lang="fr-FR" b="0" i="1" smtClean="0">
-                            <a:latin typeface="Cambria Math"/>
+                            <a:latin typeface="Cambria Math" panose="02040503050406030204" pitchFamily="18" charset="0"/>
                           </a:rPr>
                         </m:ctrlPr>
                       </m:sSubPr>
@@ -15090,7 +21754,7 @@
                     </m:r>
                   </m:oMath>
                 </a14:m>
-                <a:endParaRPr lang="fr-FR" b="0" dirty="0" smtClean="0"/>
+                <a:endParaRPr lang="fr-FR" b="0" dirty="0"/>
               </a:p>
               <a:p>
                 <a14:m>
@@ -15099,7 +21763,7 @@
                       <m:sSubPr>
                         <m:ctrlPr>
                           <a:rPr lang="fr-FR" i="1">
-                            <a:latin typeface="Cambria Math"/>
+                            <a:latin typeface="Cambria Math" panose="02040503050406030204" pitchFamily="18" charset="0"/>
                           </a:rPr>
                         </m:ctrlPr>
                       </m:sSubPr>
@@ -15128,14 +21792,13 @@
                     </m:r>
                   </m:oMath>
                 </a14:m>
-                <a:endParaRPr lang="fr-FR" dirty="0" smtClean="0"/>
+                <a:endParaRPr lang="fr-FR" dirty="0"/>
               </a:p>
               <a:p>
                 <a:r>
-                  <a:rPr lang="fr-FR" dirty="0" smtClean="0"/>
+                  <a:rPr lang="fr-FR" dirty="0"/>
                   <a:t>En 3D :</a:t>
                 </a:r>
-                <a:endParaRPr lang="fr-FR" dirty="0"/>
               </a:p>
               <a:p>
                 <a:pPr lvl="1"/>
@@ -15145,7 +21808,7 @@
                       <m:sSubPr>
                         <m:ctrlPr>
                           <a:rPr lang="fr-FR" b="0" i="1" smtClean="0">
-                            <a:latin typeface="Cambria Math"/>
+                            <a:latin typeface="Cambria Math" panose="02040503050406030204" pitchFamily="18" charset="0"/>
                           </a:rPr>
                         </m:ctrlPr>
                       </m:sSubPr>
@@ -15174,7 +21837,7 @@
                     </m:r>
                   </m:oMath>
                 </a14:m>
-                <a:endParaRPr lang="fr-FR" b="0" dirty="0" smtClean="0"/>
+                <a:endParaRPr lang="fr-FR" b="0" dirty="0"/>
               </a:p>
               <a:p>
                 <a:pPr lvl="1"/>
@@ -15184,7 +21847,7 @@
                       <m:sSubPr>
                         <m:ctrlPr>
                           <a:rPr lang="fr-FR" b="0" i="1" smtClean="0">
-                            <a:latin typeface="Cambria Math"/>
+                            <a:latin typeface="Cambria Math" panose="02040503050406030204" pitchFamily="18" charset="0"/>
                           </a:rPr>
                         </m:ctrlPr>
                       </m:sSubPr>
@@ -15219,7 +21882,7 @@
                     </m:r>
                   </m:oMath>
                 </a14:m>
-                <a:endParaRPr lang="fr-FR" dirty="0" smtClean="0"/>
+                <a:endParaRPr lang="fr-FR" dirty="0"/>
               </a:p>
               <a:p>
                 <a:pPr lvl="1"/>
@@ -15239,11 +21902,11 @@
                     </m:r>
                   </m:oMath>
                 </a14:m>
-                <a:endParaRPr lang="fr-FR" dirty="0" smtClean="0"/>
+                <a:endParaRPr lang="fr-FR" dirty="0"/>
               </a:p>
               <a:p>
                 <a:r>
-                  <a:rPr lang="fr-FR" dirty="0" smtClean="0"/>
+                  <a:rPr lang="fr-FR" dirty="0"/>
                   <a:t>En 2D :</a:t>
                 </a:r>
               </a:p>
@@ -15255,7 +21918,7 @@
                       <m:sSubPr>
                         <m:ctrlPr>
                           <a:rPr lang="fr-FR" i="1">
-                            <a:latin typeface="Cambria Math"/>
+                            <a:latin typeface="Cambria Math" panose="02040503050406030204" pitchFamily="18" charset="0"/>
                           </a:rPr>
                         </m:ctrlPr>
                       </m:sSubPr>
@@ -15300,7 +21963,7 @@
                       <m:sSubPr>
                         <m:ctrlPr>
                           <a:rPr lang="fr-FR" i="1">
-                            <a:latin typeface="Cambria Math"/>
+                            <a:latin typeface="Cambria Math" panose="02040503050406030204" pitchFamily="18" charset="0"/>
                           </a:rPr>
                         </m:ctrlPr>
                       </m:sSubPr>
@@ -15351,20 +22014,14 @@
                       <a:rPr lang="fr-FR" i="1">
                         <a:latin typeface="Cambria Math"/>
                       </a:rPr>
-                      <m:t>=1−9+8=</m:t>
-                    </m:r>
-                    <m:r>
-                      <a:rPr lang="fr-FR" b="0" i="1" smtClean="0">
-                        <a:latin typeface="Cambria Math"/>
-                      </a:rPr>
-                      <m:t>0</m:t>
+                      <m:t>=1−9+8=0</m:t>
                     </m:r>
                   </m:oMath>
                 </a14:m>
                 <a:endParaRPr lang="fr-FR" dirty="0"/>
               </a:p>
               <a:p>
-                <a:endParaRPr lang="fr-FR" dirty="0" smtClean="0"/>
+                <a:endParaRPr lang="fr-FR" dirty="0"/>
               </a:p>
             </p:txBody>
           </p:sp>
@@ -16130,7 +22787,7 @@
           <a:p>
             <a:pPr algn="ctr"/>
             <a:r>
-              <a:rPr lang="fr-FR" sz="1200" b="1" dirty="0" smtClean="0">
+              <a:rPr lang="fr-FR" sz="1200" b="1" dirty="0">
                 <a:solidFill>
                   <a:schemeClr val="accent5">
                     <a:lumMod val="50000"/>
@@ -16139,13 +22796,6 @@
               </a:rPr>
               <a:t>0</a:t>
             </a:r>
-            <a:endParaRPr lang="fr-FR" sz="1200" b="1" dirty="0">
-              <a:solidFill>
-                <a:schemeClr val="accent5">
-                  <a:lumMod val="50000"/>
-                </a:schemeClr>
-              </a:solidFill>
-            </a:endParaRPr>
           </a:p>
         </p:txBody>
       </p:sp>
@@ -16304,18 +22954,13 @@
           <a:p>
             <a:pPr algn="ctr"/>
             <a:r>
-              <a:rPr lang="fr-FR" sz="1200" b="1" dirty="0" smtClean="0">
+              <a:rPr lang="fr-FR" sz="1200" b="1" dirty="0">
                 <a:solidFill>
                   <a:srgbClr val="C00000"/>
                 </a:solidFill>
               </a:rPr>
               <a:t>3</a:t>
             </a:r>
-            <a:endParaRPr lang="fr-FR" sz="1200" b="1" dirty="0">
-              <a:solidFill>
-                <a:srgbClr val="C00000"/>
-              </a:solidFill>
-            </a:endParaRPr>
           </a:p>
         </p:txBody>
       </p:sp>
@@ -16379,7 +23024,7 @@
                       <m:sSubPr>
                         <m:ctrlPr>
                           <a:rPr lang="fr-FR" b="0" i="1" smtClean="0">
-                            <a:latin typeface="Cambria Math"/>
+                            <a:latin typeface="Cambria Math" panose="02040503050406030204" pitchFamily="18" charset="0"/>
                           </a:rPr>
                         </m:ctrlPr>
                       </m:sSubPr>
@@ -16408,7 +23053,7 @@
                     </m:r>
                   </m:oMath>
                 </a14:m>
-                <a:endParaRPr lang="fr-FR" b="0" dirty="0" smtClean="0"/>
+                <a:endParaRPr lang="fr-FR" b="0" dirty="0"/>
               </a:p>
               <a:p>
                 <a14:m>
@@ -16417,7 +23062,7 @@
                       <m:sSubPr>
                         <m:ctrlPr>
                           <a:rPr lang="fr-FR" i="1">
-                            <a:latin typeface="Cambria Math"/>
+                            <a:latin typeface="Cambria Math" panose="02040503050406030204" pitchFamily="18" charset="0"/>
                           </a:rPr>
                         </m:ctrlPr>
                       </m:sSubPr>
@@ -16446,14 +23091,13 @@
                     </m:r>
                   </m:oMath>
                 </a14:m>
-                <a:endParaRPr lang="fr-FR" dirty="0" smtClean="0"/>
+                <a:endParaRPr lang="fr-FR" dirty="0"/>
               </a:p>
               <a:p>
                 <a:r>
-                  <a:rPr lang="fr-FR" dirty="0" smtClean="0"/>
+                  <a:rPr lang="fr-FR" dirty="0"/>
                   <a:t>En 3D :</a:t>
                 </a:r>
-                <a:endParaRPr lang="fr-FR" dirty="0"/>
               </a:p>
               <a:p>
                 <a:pPr lvl="1"/>
@@ -16463,7 +23107,7 @@
                       <m:sSubPr>
                         <m:ctrlPr>
                           <a:rPr lang="fr-FR" b="0" i="1" smtClean="0">
-                            <a:latin typeface="Cambria Math"/>
+                            <a:latin typeface="Cambria Math" panose="02040503050406030204" pitchFamily="18" charset="0"/>
                           </a:rPr>
                         </m:ctrlPr>
                       </m:sSubPr>
@@ -16492,7 +23136,7 @@
                     </m:r>
                   </m:oMath>
                 </a14:m>
-                <a:endParaRPr lang="fr-FR" b="0" dirty="0" smtClean="0"/>
+                <a:endParaRPr lang="fr-FR" b="0" dirty="0"/>
               </a:p>
               <a:p>
                 <a:pPr lvl="1"/>
@@ -16502,7 +23146,7 @@
                       <m:sSubPr>
                         <m:ctrlPr>
                           <a:rPr lang="fr-FR" b="0" i="1" smtClean="0">
-                            <a:latin typeface="Cambria Math"/>
+                            <a:latin typeface="Cambria Math" panose="02040503050406030204" pitchFamily="18" charset="0"/>
                           </a:rPr>
                         </m:ctrlPr>
                       </m:sSubPr>
@@ -16549,7 +23193,7 @@
                     </m:r>
                   </m:oMath>
                 </a14:m>
-                <a:endParaRPr lang="fr-FR" dirty="0" smtClean="0"/>
+                <a:endParaRPr lang="fr-FR" dirty="0"/>
               </a:p>
               <a:p>
                 <a:pPr lvl="1"/>
@@ -16569,11 +23213,11 @@
                     </m:r>
                   </m:oMath>
                 </a14:m>
-                <a:endParaRPr lang="fr-FR" dirty="0" smtClean="0"/>
+                <a:endParaRPr lang="fr-FR" dirty="0"/>
               </a:p>
               <a:p>
                 <a:r>
-                  <a:rPr lang="fr-FR" dirty="0" smtClean="0"/>
+                  <a:rPr lang="fr-FR" dirty="0"/>
                   <a:t>En 2D :</a:t>
                 </a:r>
               </a:p>
@@ -16585,7 +23229,7 @@
                       <m:sSubPr>
                         <m:ctrlPr>
                           <a:rPr lang="fr-FR" i="1">
-                            <a:latin typeface="Cambria Math"/>
+                            <a:latin typeface="Cambria Math" panose="02040503050406030204" pitchFamily="18" charset="0"/>
                           </a:rPr>
                         </m:ctrlPr>
                       </m:sSubPr>
@@ -16630,7 +23274,7 @@
                       <m:sSubPr>
                         <m:ctrlPr>
                           <a:rPr lang="fr-FR" i="1">
-                            <a:latin typeface="Cambria Math"/>
+                            <a:latin typeface="Cambria Math" panose="02040503050406030204" pitchFamily="18" charset="0"/>
                           </a:rPr>
                         </m:ctrlPr>
                       </m:sSubPr>
@@ -16681,20 +23325,14 @@
                       <a:rPr lang="fr-FR" i="1">
                         <a:latin typeface="Cambria Math"/>
                       </a:rPr>
-                      <m:t>=1−9+8=</m:t>
-                    </m:r>
-                    <m:r>
-                      <a:rPr lang="fr-FR" b="0" i="1" smtClean="0">
-                        <a:latin typeface="Cambria Math"/>
-                      </a:rPr>
-                      <m:t>0</m:t>
+                      <m:t>=1−9+8=0</m:t>
                     </m:r>
                   </m:oMath>
                 </a14:m>
                 <a:endParaRPr lang="fr-FR" dirty="0"/>
               </a:p>
               <a:p>
-                <a:endParaRPr lang="fr-FR" dirty="0" smtClean="0"/>
+                <a:endParaRPr lang="fr-FR" dirty="0"/>
               </a:p>
             </p:txBody>
           </p:sp>
@@ -17411,7 +24049,7 @@
           <a:p>
             <a:pPr algn="ctr"/>
             <a:r>
-              <a:rPr lang="fr-FR" sz="1200" b="1" dirty="0" smtClean="0">
+              <a:rPr lang="fr-FR" sz="1200" b="1" dirty="0">
                 <a:solidFill>
                   <a:schemeClr val="accent5">
                     <a:lumMod val="50000"/>
@@ -17420,13 +24058,6 @@
               </a:rPr>
               <a:t>0</a:t>
             </a:r>
-            <a:endParaRPr lang="fr-FR" sz="1200" b="1" dirty="0">
-              <a:solidFill>
-                <a:schemeClr val="accent5">
-                  <a:lumMod val="50000"/>
-                </a:schemeClr>
-              </a:solidFill>
-            </a:endParaRPr>
           </a:p>
         </p:txBody>
       </p:sp>
@@ -17585,18 +24216,13 @@
           <a:p>
             <a:pPr algn="ctr"/>
             <a:r>
-              <a:rPr lang="fr-FR" sz="1200" b="1" dirty="0" smtClean="0">
+              <a:rPr lang="fr-FR" sz="1200" b="1" dirty="0">
                 <a:solidFill>
                   <a:srgbClr val="C00000"/>
                 </a:solidFill>
               </a:rPr>
               <a:t>3</a:t>
             </a:r>
-            <a:endParaRPr lang="fr-FR" sz="1200" b="1" dirty="0">
-              <a:solidFill>
-                <a:srgbClr val="C00000"/>
-              </a:solidFill>
-            </a:endParaRPr>
           </a:p>
         </p:txBody>
       </p:sp>
@@ -17660,7 +24286,7 @@
                       <m:sSubPr>
                         <m:ctrlPr>
                           <a:rPr lang="fr-FR" b="0" i="1" smtClean="0">
-                            <a:latin typeface="Cambria Math"/>
+                            <a:latin typeface="Cambria Math" panose="02040503050406030204" pitchFamily="18" charset="0"/>
                           </a:rPr>
                         </m:ctrlPr>
                       </m:sSubPr>
@@ -17689,7 +24315,7 @@
                     </m:r>
                   </m:oMath>
                 </a14:m>
-                <a:endParaRPr lang="fr-FR" b="0" dirty="0" smtClean="0"/>
+                <a:endParaRPr lang="fr-FR" b="0" dirty="0"/>
               </a:p>
               <a:p>
                 <a14:m>
@@ -17698,7 +24324,7 @@
                       <m:sSubPr>
                         <m:ctrlPr>
                           <a:rPr lang="fr-FR" i="1">
-                            <a:latin typeface="Cambria Math"/>
+                            <a:latin typeface="Cambria Math" panose="02040503050406030204" pitchFamily="18" charset="0"/>
                           </a:rPr>
                         </m:ctrlPr>
                       </m:sSubPr>
@@ -17727,14 +24353,13 @@
                     </m:r>
                   </m:oMath>
                 </a14:m>
-                <a:endParaRPr lang="fr-FR" dirty="0" smtClean="0"/>
+                <a:endParaRPr lang="fr-FR" dirty="0"/>
               </a:p>
               <a:p>
                 <a:r>
-                  <a:rPr lang="fr-FR" dirty="0" smtClean="0"/>
+                  <a:rPr lang="fr-FR" dirty="0"/>
                   <a:t>En 3D :</a:t>
                 </a:r>
-                <a:endParaRPr lang="fr-FR" dirty="0"/>
               </a:p>
               <a:p>
                 <a:pPr lvl="1"/>
@@ -17744,7 +24369,7 @@
                       <m:sSubPr>
                         <m:ctrlPr>
                           <a:rPr lang="fr-FR" b="0" i="1" smtClean="0">
-                            <a:latin typeface="Cambria Math"/>
+                            <a:latin typeface="Cambria Math" panose="02040503050406030204" pitchFamily="18" charset="0"/>
                           </a:rPr>
                         </m:ctrlPr>
                       </m:sSubPr>
@@ -17773,7 +24398,7 @@
                     </m:r>
                   </m:oMath>
                 </a14:m>
-                <a:endParaRPr lang="fr-FR" b="0" dirty="0" smtClean="0"/>
+                <a:endParaRPr lang="fr-FR" b="0" dirty="0"/>
               </a:p>
               <a:p>
                 <a:pPr lvl="1"/>
@@ -17783,7 +24408,7 @@
                       <m:sSubPr>
                         <m:ctrlPr>
                           <a:rPr lang="fr-FR" b="0" i="1" smtClean="0">
-                            <a:latin typeface="Cambria Math"/>
+                            <a:latin typeface="Cambria Math" panose="02040503050406030204" pitchFamily="18" charset="0"/>
                           </a:rPr>
                         </m:ctrlPr>
                       </m:sSubPr>
@@ -17812,7 +24437,7 @@
                     </m:r>
                   </m:oMath>
                 </a14:m>
-                <a:endParaRPr lang="fr-FR" dirty="0" smtClean="0"/>
+                <a:endParaRPr lang="fr-FR" dirty="0"/>
               </a:p>
               <a:p>
                 <a:pPr lvl="1"/>
@@ -17832,11 +24457,11 @@
                     </m:r>
                   </m:oMath>
                 </a14:m>
-                <a:endParaRPr lang="fr-FR" dirty="0" smtClean="0"/>
+                <a:endParaRPr lang="fr-FR" dirty="0"/>
               </a:p>
               <a:p>
                 <a:r>
-                  <a:rPr lang="fr-FR" dirty="0" smtClean="0"/>
+                  <a:rPr lang="fr-FR" dirty="0"/>
                   <a:t>En 2D :</a:t>
                 </a:r>
               </a:p>
@@ -17848,7 +24473,7 @@
                       <m:sSubPr>
                         <m:ctrlPr>
                           <a:rPr lang="fr-FR" i="1">
-                            <a:latin typeface="Cambria Math"/>
+                            <a:latin typeface="Cambria Math" panose="02040503050406030204" pitchFamily="18" charset="0"/>
                           </a:rPr>
                         </m:ctrlPr>
                       </m:sSubPr>
@@ -17893,7 +24518,7 @@
                       <m:sSubPr>
                         <m:ctrlPr>
                           <a:rPr lang="fr-FR" i="1">
-                            <a:latin typeface="Cambria Math"/>
+                            <a:latin typeface="Cambria Math" panose="02040503050406030204" pitchFamily="18" charset="0"/>
                           </a:rPr>
                         </m:ctrlPr>
                       </m:sSubPr>
@@ -17944,20 +24569,14 @@
                       <a:rPr lang="fr-FR" i="1">
                         <a:latin typeface="Cambria Math"/>
                       </a:rPr>
-                      <m:t>=1−9+8=</m:t>
-                    </m:r>
-                    <m:r>
-                      <a:rPr lang="fr-FR" b="0" i="1" smtClean="0">
-                        <a:latin typeface="Cambria Math"/>
-                      </a:rPr>
-                      <m:t>0</m:t>
+                      <m:t>=1−9+8=0</m:t>
                     </m:r>
                   </m:oMath>
                 </a14:m>
                 <a:endParaRPr lang="fr-FR" dirty="0"/>
               </a:p>
               <a:p>
-                <a:endParaRPr lang="fr-FR" dirty="0" smtClean="0"/>
+                <a:endParaRPr lang="fr-FR" dirty="0"/>
               </a:p>
             </p:txBody>
           </p:sp>
@@ -18625,7 +25244,7 @@
           <a:p>
             <a:pPr algn="ctr"/>
             <a:r>
-              <a:rPr lang="fr-FR" sz="1200" b="1" dirty="0" smtClean="0">
+              <a:rPr lang="fr-FR" sz="1200" b="1" dirty="0">
                 <a:solidFill>
                   <a:schemeClr val="accent5">
                     <a:lumMod val="50000"/>
@@ -18634,13 +25253,6 @@
               </a:rPr>
               <a:t>0</a:t>
             </a:r>
-            <a:endParaRPr lang="fr-FR" sz="1200" b="1" dirty="0">
-              <a:solidFill>
-                <a:schemeClr val="accent5">
-                  <a:lumMod val="50000"/>
-                </a:schemeClr>
-              </a:solidFill>
-            </a:endParaRPr>
           </a:p>
         </p:txBody>
       </p:sp>
@@ -18799,18 +25411,13 @@
           <a:p>
             <a:pPr algn="ctr"/>
             <a:r>
-              <a:rPr lang="fr-FR" sz="1200" b="1" dirty="0" smtClean="0">
+              <a:rPr lang="fr-FR" sz="1200" b="1" dirty="0">
                 <a:solidFill>
                   <a:srgbClr val="C00000"/>
                 </a:solidFill>
               </a:rPr>
               <a:t>3</a:t>
             </a:r>
-            <a:endParaRPr lang="fr-FR" sz="1200" b="1" dirty="0">
-              <a:solidFill>
-                <a:srgbClr val="C00000"/>
-              </a:solidFill>
-            </a:endParaRPr>
           </a:p>
         </p:txBody>
       </p:sp>
